--- a/Documentacion/MapaDeNavegacion.pptx
+++ b/Documentacion/MapaDeNavegacion.pptx
@@ -6,6 +6,10 @@
   </p:sldMasterIdLst>
   <p:sldIdLst>
     <p:sldId id="256" r:id="rId2"/>
+    <p:sldId id="257" r:id="rId3"/>
+    <p:sldId id="258" r:id="rId4"/>
+    <p:sldId id="259" r:id="rId5"/>
+    <p:sldId id="261" r:id="rId6"/>
   </p:sldIdLst>
   <p:sldSz cx="12192000" cy="6858000"/>
   <p:notesSz cx="6858000" cy="9144000"/>
@@ -104,6 +108,11 @@
       </a:defRPr>
     </a:lvl9pPr>
   </p:defaultTextStyle>
+  <p:extLst>
+    <p:ext uri="{EFAFB233-063F-42B5-8137-9DF3F51BA10A}">
+      <p15:sldGuideLst xmlns:p15="http://schemas.microsoft.com/office/powerpoint/2012/main"/>
+    </p:ext>
+  </p:extLst>
 </p:presentation>
 </file>
 
@@ -238,7 +247,7 @@
           <a:p>
             <a:fld id="{6C0DDE51-EE13-4411-8EE6-8EC10941598C}" type="datetimeFigureOut">
               <a:rPr lang="es-GT" smtClean="0"/>
-              <a:t>30/03/2016</a:t>
+              <a:t>3/04/2016</a:t>
             </a:fld>
             <a:endParaRPr lang="es-GT"/>
           </a:p>
@@ -408,7 +417,7 @@
           <a:p>
             <a:fld id="{6C0DDE51-EE13-4411-8EE6-8EC10941598C}" type="datetimeFigureOut">
               <a:rPr lang="es-GT" smtClean="0"/>
-              <a:t>30/03/2016</a:t>
+              <a:t>3/04/2016</a:t>
             </a:fld>
             <a:endParaRPr lang="es-GT"/>
           </a:p>
@@ -588,7 +597,7 @@
           <a:p>
             <a:fld id="{6C0DDE51-EE13-4411-8EE6-8EC10941598C}" type="datetimeFigureOut">
               <a:rPr lang="es-GT" smtClean="0"/>
-              <a:t>30/03/2016</a:t>
+              <a:t>3/04/2016</a:t>
             </a:fld>
             <a:endParaRPr lang="es-GT"/>
           </a:p>
@@ -758,7 +767,7 @@
           <a:p>
             <a:fld id="{6C0DDE51-EE13-4411-8EE6-8EC10941598C}" type="datetimeFigureOut">
               <a:rPr lang="es-GT" smtClean="0"/>
-              <a:t>30/03/2016</a:t>
+              <a:t>3/04/2016</a:t>
             </a:fld>
             <a:endParaRPr lang="es-GT"/>
           </a:p>
@@ -1004,7 +1013,7 @@
           <a:p>
             <a:fld id="{6C0DDE51-EE13-4411-8EE6-8EC10941598C}" type="datetimeFigureOut">
               <a:rPr lang="es-GT" smtClean="0"/>
-              <a:t>30/03/2016</a:t>
+              <a:t>3/04/2016</a:t>
             </a:fld>
             <a:endParaRPr lang="es-GT"/>
           </a:p>
@@ -1236,7 +1245,7 @@
           <a:p>
             <a:fld id="{6C0DDE51-EE13-4411-8EE6-8EC10941598C}" type="datetimeFigureOut">
               <a:rPr lang="es-GT" smtClean="0"/>
-              <a:t>30/03/2016</a:t>
+              <a:t>3/04/2016</a:t>
             </a:fld>
             <a:endParaRPr lang="es-GT"/>
           </a:p>
@@ -1603,7 +1612,7 @@
           <a:p>
             <a:fld id="{6C0DDE51-EE13-4411-8EE6-8EC10941598C}" type="datetimeFigureOut">
               <a:rPr lang="es-GT" smtClean="0"/>
-              <a:t>30/03/2016</a:t>
+              <a:t>3/04/2016</a:t>
             </a:fld>
             <a:endParaRPr lang="es-GT"/>
           </a:p>
@@ -1721,7 +1730,7 @@
           <a:p>
             <a:fld id="{6C0DDE51-EE13-4411-8EE6-8EC10941598C}" type="datetimeFigureOut">
               <a:rPr lang="es-GT" smtClean="0"/>
-              <a:t>30/03/2016</a:t>
+              <a:t>3/04/2016</a:t>
             </a:fld>
             <a:endParaRPr lang="es-GT"/>
           </a:p>
@@ -1816,7 +1825,7 @@
           <a:p>
             <a:fld id="{6C0DDE51-EE13-4411-8EE6-8EC10941598C}" type="datetimeFigureOut">
               <a:rPr lang="es-GT" smtClean="0"/>
-              <a:t>30/03/2016</a:t>
+              <a:t>3/04/2016</a:t>
             </a:fld>
             <a:endParaRPr lang="es-GT"/>
           </a:p>
@@ -2093,7 +2102,7 @@
           <a:p>
             <a:fld id="{6C0DDE51-EE13-4411-8EE6-8EC10941598C}" type="datetimeFigureOut">
               <a:rPr lang="es-GT" smtClean="0"/>
-              <a:t>30/03/2016</a:t>
+              <a:t>3/04/2016</a:t>
             </a:fld>
             <a:endParaRPr lang="es-GT"/>
           </a:p>
@@ -2346,7 +2355,7 @@
           <a:p>
             <a:fld id="{6C0DDE51-EE13-4411-8EE6-8EC10941598C}" type="datetimeFigureOut">
               <a:rPr lang="es-GT" smtClean="0"/>
-              <a:t>30/03/2016</a:t>
+              <a:t>3/04/2016</a:t>
             </a:fld>
             <a:endParaRPr lang="es-GT"/>
           </a:p>
@@ -2559,7 +2568,7 @@
           <a:p>
             <a:fld id="{6C0DDE51-EE13-4411-8EE6-8EC10941598C}" type="datetimeFigureOut">
               <a:rPr lang="es-GT" smtClean="0"/>
-              <a:t>30/03/2016</a:t>
+              <a:t>3/04/2016</a:t>
             </a:fld>
             <a:endParaRPr lang="es-GT"/>
           </a:p>
@@ -4207,6 +4216,2148 @@
 </p:sld>
 </file>
 
+<file path=ppt/slides/slide2.xml><?xml version="1.0" encoding="utf-8"?>
+<p:sld xmlns:a="http://schemas.openxmlformats.org/drawingml/2006/main" xmlns:r="http://schemas.openxmlformats.org/officeDocument/2006/relationships" xmlns:p="http://schemas.openxmlformats.org/presentationml/2006/main">
+  <p:cSld>
+    <p:spTree>
+      <p:nvGrpSpPr>
+        <p:cNvPr id="1" name=""/>
+        <p:cNvGrpSpPr/>
+        <p:nvPr/>
+      </p:nvGrpSpPr>
+      <p:grpSpPr>
+        <a:xfrm>
+          <a:off x="0" y="0"/>
+          <a:ext cx="0" cy="0"/>
+          <a:chOff x="0" y="0"/>
+          <a:chExt cx="0" cy="0"/>
+        </a:xfrm>
+      </p:grpSpPr>
+      <p:sp>
+        <p:nvSpPr>
+          <p:cNvPr id="2" name="Rectángulo 1"/>
+          <p:cNvSpPr/>
+          <p:nvPr/>
+        </p:nvSpPr>
+        <p:spPr>
+          <a:xfrm>
+            <a:off x="225287" y="1060174"/>
+            <a:ext cx="11648661" cy="5340626"/>
+          </a:xfrm>
+          <a:prstGeom prst="rect">
+            <a:avLst/>
+          </a:prstGeom>
+          <a:gradFill flip="none" rotWithShape="1">
+            <a:gsLst>
+              <a:gs pos="0">
+                <a:schemeClr val="accent1">
+                  <a:tint val="66000"/>
+                  <a:satMod val="160000"/>
+                </a:schemeClr>
+              </a:gs>
+              <a:gs pos="50000">
+                <a:schemeClr val="accent1">
+                  <a:tint val="44500"/>
+                  <a:satMod val="160000"/>
+                </a:schemeClr>
+              </a:gs>
+              <a:gs pos="100000">
+                <a:schemeClr val="accent1">
+                  <a:tint val="23500"/>
+                  <a:satMod val="160000"/>
+                </a:schemeClr>
+              </a:gs>
+            </a:gsLst>
+            <a:path path="circle">
+              <a:fillToRect l="50000" t="50000" r="50000" b="50000"/>
+            </a:path>
+            <a:tileRect/>
+          </a:gradFill>
+          <a:ln w="9525" cap="flat" cmpd="sng" algn="ctr">
+            <a:solidFill>
+              <a:schemeClr val="dk1"/>
+            </a:solidFill>
+            <a:prstDash val="solid"/>
+            <a:round/>
+            <a:headEnd type="none" w="med" len="med"/>
+            <a:tailEnd type="none" w="med" len="med"/>
+          </a:ln>
+        </p:spPr>
+        <p:style>
+          <a:lnRef idx="0">
+            <a:scrgbClr r="0" g="0" b="0"/>
+          </a:lnRef>
+          <a:fillRef idx="0">
+            <a:scrgbClr r="0" g="0" b="0"/>
+          </a:fillRef>
+          <a:effectRef idx="0">
+            <a:scrgbClr r="0" g="0" b="0"/>
+          </a:effectRef>
+          <a:fontRef idx="minor">
+            <a:schemeClr val="dk1"/>
+          </a:fontRef>
+        </p:style>
+        <p:txBody>
+          <a:bodyPr rtlCol="0" anchor="ctr"/>
+          <a:lstStyle/>
+          <a:p>
+            <a:pPr algn="ctr"/>
+            <a:endParaRPr lang="es-GT"/>
+          </a:p>
+        </p:txBody>
+      </p:sp>
+      <p:pic>
+        <p:nvPicPr>
+          <p:cNvPr id="3" name="Imagen 2"/>
+          <p:cNvPicPr>
+            <a:picLocks noChangeAspect="1"/>
+          </p:cNvPicPr>
+          <p:nvPr/>
+        </p:nvPicPr>
+        <p:blipFill rotWithShape="1">
+          <a:blip r:embed="rId2">
+            <a:extLst>
+              <a:ext uri="{28A0092B-C50C-407E-A947-70E740481C1C}">
+                <a14:useLocalDpi xmlns:a14="http://schemas.microsoft.com/office/drawing/2010/main" val="0"/>
+              </a:ext>
+            </a:extLst>
+          </a:blip>
+          <a:srcRect l="22709" b="14423"/>
+          <a:stretch/>
+        </p:blipFill>
+        <p:spPr>
+          <a:xfrm>
+            <a:off x="225287" y="2783964"/>
+            <a:ext cx="4300396" cy="3616836"/>
+          </a:xfrm>
+          <a:prstGeom prst="rect">
+            <a:avLst/>
+          </a:prstGeom>
+        </p:spPr>
+      </p:pic>
+      <p:sp>
+        <p:nvSpPr>
+          <p:cNvPr id="4" name="Rectángulo 3"/>
+          <p:cNvSpPr/>
+          <p:nvPr/>
+        </p:nvSpPr>
+        <p:spPr>
+          <a:xfrm>
+            <a:off x="6864626" y="3087756"/>
+            <a:ext cx="2213113" cy="450574"/>
+          </a:xfrm>
+          <a:prstGeom prst="rect">
+            <a:avLst/>
+          </a:prstGeom>
+        </p:spPr>
+        <p:style>
+          <a:lnRef idx="2">
+            <a:schemeClr val="accent1"/>
+          </a:lnRef>
+          <a:fillRef idx="1">
+            <a:schemeClr val="lt1"/>
+          </a:fillRef>
+          <a:effectRef idx="0">
+            <a:schemeClr val="accent1"/>
+          </a:effectRef>
+          <a:fontRef idx="minor">
+            <a:schemeClr val="dk1"/>
+          </a:fontRef>
+        </p:style>
+        <p:txBody>
+          <a:bodyPr rtlCol="0" anchor="ctr"/>
+          <a:lstStyle/>
+          <a:p>
+            <a:r>
+              <a:rPr lang="es-GT" dirty="0">
+                <a:solidFill>
+                  <a:schemeClr val="bg1">
+                    <a:lumMod val="65000"/>
+                  </a:schemeClr>
+                </a:solidFill>
+              </a:rPr>
+              <a:t>Usuario</a:t>
+            </a:r>
+          </a:p>
+        </p:txBody>
+      </p:sp>
+      <p:sp>
+        <p:nvSpPr>
+          <p:cNvPr id="5" name="Rectángulo 4"/>
+          <p:cNvSpPr/>
+          <p:nvPr/>
+        </p:nvSpPr>
+        <p:spPr>
+          <a:xfrm>
+            <a:off x="6864626" y="3738120"/>
+            <a:ext cx="2213113" cy="450574"/>
+          </a:xfrm>
+          <a:prstGeom prst="rect">
+            <a:avLst/>
+          </a:prstGeom>
+        </p:spPr>
+        <p:style>
+          <a:lnRef idx="2">
+            <a:schemeClr val="accent1"/>
+          </a:lnRef>
+          <a:fillRef idx="1">
+            <a:schemeClr val="lt1"/>
+          </a:fillRef>
+          <a:effectRef idx="0">
+            <a:schemeClr val="accent1"/>
+          </a:effectRef>
+          <a:fontRef idx="minor">
+            <a:schemeClr val="dk1"/>
+          </a:fontRef>
+        </p:style>
+        <p:txBody>
+          <a:bodyPr rtlCol="0" anchor="ctr"/>
+          <a:lstStyle/>
+          <a:p>
+            <a:r>
+              <a:rPr lang="es-GT" dirty="0">
+                <a:solidFill>
+                  <a:schemeClr val="bg1">
+                    <a:lumMod val="65000"/>
+                  </a:schemeClr>
+                </a:solidFill>
+              </a:rPr>
+              <a:t>Contraseña</a:t>
+            </a:r>
+          </a:p>
+        </p:txBody>
+      </p:sp>
+      <p:sp>
+        <p:nvSpPr>
+          <p:cNvPr id="6" name="Rectángulo redondeado 5"/>
+          <p:cNvSpPr/>
+          <p:nvPr/>
+        </p:nvSpPr>
+        <p:spPr>
+          <a:xfrm>
+            <a:off x="8216348" y="4388484"/>
+            <a:ext cx="861391" cy="357809"/>
+          </a:xfrm>
+          <a:prstGeom prst="roundRect">
+            <a:avLst/>
+          </a:prstGeom>
+        </p:spPr>
+        <p:style>
+          <a:lnRef idx="0">
+            <a:schemeClr val="accent1"/>
+          </a:lnRef>
+          <a:fillRef idx="3">
+            <a:schemeClr val="accent1"/>
+          </a:fillRef>
+          <a:effectRef idx="3">
+            <a:schemeClr val="accent1"/>
+          </a:effectRef>
+          <a:fontRef idx="minor">
+            <a:schemeClr val="lt1"/>
+          </a:fontRef>
+        </p:style>
+        <p:txBody>
+          <a:bodyPr rtlCol="0" anchor="ctr"/>
+          <a:lstStyle/>
+          <a:p>
+            <a:pPr algn="ctr"/>
+            <a:r>
+              <a:rPr lang="es-GT" dirty="0"/>
+              <a:t>Iniciar</a:t>
+            </a:r>
+          </a:p>
+        </p:txBody>
+      </p:sp>
+      <p:sp>
+        <p:nvSpPr>
+          <p:cNvPr id="7" name="Rectángulo 6"/>
+          <p:cNvSpPr/>
+          <p:nvPr/>
+        </p:nvSpPr>
+        <p:spPr>
+          <a:xfrm>
+            <a:off x="1057897" y="1129457"/>
+            <a:ext cx="9983439" cy="1323439"/>
+          </a:xfrm>
+          <a:prstGeom prst="rect">
+            <a:avLst/>
+          </a:prstGeom>
+          <a:noFill/>
+        </p:spPr>
+        <p:txBody>
+          <a:bodyPr wrap="none" lIns="91440" tIns="45720" rIns="91440" bIns="45720">
+            <a:spAutoFit/>
+          </a:bodyPr>
+          <a:lstStyle/>
+          <a:p>
+            <a:pPr algn="ctr"/>
+            <a:r>
+              <a:rPr lang="es-ES" sz="4000" b="1" cap="none" spc="0" dirty="0">
+                <a:ln w="9525">
+                  <a:solidFill>
+                    <a:schemeClr val="bg1"/>
+                  </a:solidFill>
+                  <a:prstDash val="solid"/>
+                </a:ln>
+                <a:solidFill>
+                  <a:schemeClr val="accent5"/>
+                </a:solidFill>
+                <a:effectLst>
+                  <a:outerShdw blurRad="12700" dist="38100" dir="2700000" algn="tl" rotWithShape="0">
+                    <a:schemeClr val="accent5">
+                      <a:lumMod val="60000"/>
+                      <a:lumOff val="40000"/>
+                    </a:schemeClr>
+                  </a:outerShdw>
+                </a:effectLst>
+              </a:rPr>
+              <a:t>Sistema de Gestión de Información Estudiantil</a:t>
+            </a:r>
+          </a:p>
+          <a:p>
+            <a:pPr algn="ctr"/>
+            <a:r>
+              <a:rPr lang="es-ES" sz="4000" b="1" dirty="0">
+                <a:ln w="9525">
+                  <a:solidFill>
+                    <a:schemeClr val="bg1"/>
+                  </a:solidFill>
+                  <a:prstDash val="solid"/>
+                </a:ln>
+                <a:solidFill>
+                  <a:schemeClr val="accent5"/>
+                </a:solidFill>
+                <a:effectLst>
+                  <a:outerShdw blurRad="12700" dist="38100" dir="2700000" algn="tl" rotWithShape="0">
+                    <a:schemeClr val="accent5">
+                      <a:lumMod val="60000"/>
+                      <a:lumOff val="40000"/>
+                    </a:schemeClr>
+                  </a:outerShdw>
+                </a:effectLst>
+              </a:rPr>
+              <a:t>SIGIE</a:t>
+            </a:r>
+            <a:endParaRPr lang="es-ES" sz="4000" b="1" cap="none" spc="0" dirty="0">
+              <a:ln w="9525">
+                <a:solidFill>
+                  <a:schemeClr val="bg1"/>
+                </a:solidFill>
+                <a:prstDash val="solid"/>
+              </a:ln>
+              <a:solidFill>
+                <a:schemeClr val="accent5"/>
+              </a:solidFill>
+              <a:effectLst>
+                <a:outerShdw blurRad="12700" dist="38100" dir="2700000" algn="tl" rotWithShape="0">
+                  <a:schemeClr val="accent5">
+                    <a:lumMod val="60000"/>
+                    <a:lumOff val="40000"/>
+                  </a:schemeClr>
+                </a:outerShdw>
+              </a:effectLst>
+            </a:endParaRPr>
+          </a:p>
+        </p:txBody>
+      </p:sp>
+      <p:sp>
+        <p:nvSpPr>
+          <p:cNvPr id="8" name="CuadroTexto 7"/>
+          <p:cNvSpPr txBox="1"/>
+          <p:nvPr/>
+        </p:nvSpPr>
+        <p:spPr>
+          <a:xfrm>
+            <a:off x="1351722" y="357809"/>
+            <a:ext cx="1648208" cy="369332"/>
+          </a:xfrm>
+          <a:prstGeom prst="rect">
+            <a:avLst/>
+          </a:prstGeom>
+          <a:noFill/>
+        </p:spPr>
+        <p:txBody>
+          <a:bodyPr wrap="none" rtlCol="0">
+            <a:spAutoFit/>
+          </a:bodyPr>
+          <a:lstStyle/>
+          <a:p>
+            <a:r>
+              <a:rPr lang="es-GT" dirty="0"/>
+              <a:t>Inicio de Sesión</a:t>
+            </a:r>
+          </a:p>
+        </p:txBody>
+      </p:sp>
+    </p:spTree>
+    <p:extLst>
+      <p:ext uri="{BB962C8B-B14F-4D97-AF65-F5344CB8AC3E}">
+        <p14:creationId xmlns:p14="http://schemas.microsoft.com/office/powerpoint/2010/main" val="4006645328"/>
+      </p:ext>
+    </p:extLst>
+  </p:cSld>
+  <p:clrMapOvr>
+    <a:masterClrMapping/>
+  </p:clrMapOvr>
+</p:sld>
+</file>
+
+<file path=ppt/slides/slide3.xml><?xml version="1.0" encoding="utf-8"?>
+<p:sld xmlns:a="http://schemas.openxmlformats.org/drawingml/2006/main" xmlns:r="http://schemas.openxmlformats.org/officeDocument/2006/relationships" xmlns:p="http://schemas.openxmlformats.org/presentationml/2006/main">
+  <p:cSld>
+    <p:spTree>
+      <p:nvGrpSpPr>
+        <p:cNvPr id="1" name=""/>
+        <p:cNvGrpSpPr/>
+        <p:nvPr/>
+      </p:nvGrpSpPr>
+      <p:grpSpPr>
+        <a:xfrm>
+          <a:off x="0" y="0"/>
+          <a:ext cx="0" cy="0"/>
+          <a:chOff x="0" y="0"/>
+          <a:chExt cx="0" cy="0"/>
+        </a:xfrm>
+      </p:grpSpPr>
+      <p:sp>
+        <p:nvSpPr>
+          <p:cNvPr id="2" name="Rectángulo 1"/>
+          <p:cNvSpPr/>
+          <p:nvPr/>
+        </p:nvSpPr>
+        <p:spPr>
+          <a:xfrm>
+            <a:off x="225287" y="1060174"/>
+            <a:ext cx="11648661" cy="5340626"/>
+          </a:xfrm>
+          <a:prstGeom prst="rect">
+            <a:avLst/>
+          </a:prstGeom>
+          <a:gradFill flip="none" rotWithShape="1">
+            <a:gsLst>
+              <a:gs pos="0">
+                <a:schemeClr val="accent1">
+                  <a:tint val="66000"/>
+                  <a:satMod val="160000"/>
+                </a:schemeClr>
+              </a:gs>
+              <a:gs pos="50000">
+                <a:schemeClr val="accent1">
+                  <a:tint val="44500"/>
+                  <a:satMod val="160000"/>
+                </a:schemeClr>
+              </a:gs>
+              <a:gs pos="100000">
+                <a:schemeClr val="accent1">
+                  <a:tint val="23500"/>
+                  <a:satMod val="160000"/>
+                </a:schemeClr>
+              </a:gs>
+            </a:gsLst>
+            <a:path path="circle">
+              <a:fillToRect l="50000" t="50000" r="50000" b="50000"/>
+            </a:path>
+            <a:tileRect/>
+          </a:gradFill>
+          <a:ln w="9525" cap="flat" cmpd="sng" algn="ctr">
+            <a:solidFill>
+              <a:schemeClr val="dk1"/>
+            </a:solidFill>
+            <a:prstDash val="solid"/>
+            <a:round/>
+            <a:headEnd type="none" w="med" len="med"/>
+            <a:tailEnd type="none" w="med" len="med"/>
+          </a:ln>
+        </p:spPr>
+        <p:style>
+          <a:lnRef idx="0">
+            <a:scrgbClr r="0" g="0" b="0"/>
+          </a:lnRef>
+          <a:fillRef idx="0">
+            <a:scrgbClr r="0" g="0" b="0"/>
+          </a:fillRef>
+          <a:effectRef idx="0">
+            <a:scrgbClr r="0" g="0" b="0"/>
+          </a:effectRef>
+          <a:fontRef idx="minor">
+            <a:schemeClr val="dk1"/>
+          </a:fontRef>
+        </p:style>
+        <p:txBody>
+          <a:bodyPr rtlCol="0" anchor="ctr"/>
+          <a:lstStyle/>
+          <a:p>
+            <a:pPr algn="ctr"/>
+            <a:endParaRPr lang="es-GT"/>
+          </a:p>
+        </p:txBody>
+      </p:sp>
+      <p:pic>
+        <p:nvPicPr>
+          <p:cNvPr id="3" name="Imagen 2"/>
+          <p:cNvPicPr>
+            <a:picLocks noChangeAspect="1"/>
+          </p:cNvPicPr>
+          <p:nvPr/>
+        </p:nvPicPr>
+        <p:blipFill rotWithShape="1">
+          <a:blip r:embed="rId2">
+            <a:extLst>
+              <a:ext uri="{28A0092B-C50C-407E-A947-70E740481C1C}">
+                <a14:useLocalDpi xmlns:a14="http://schemas.microsoft.com/office/drawing/2010/main" val="0"/>
+              </a:ext>
+            </a:extLst>
+          </a:blip>
+          <a:stretch/>
+        </p:blipFill>
+        <p:spPr>
+          <a:xfrm>
+            <a:off x="3678110" y="1843059"/>
+            <a:ext cx="5240604" cy="3980844"/>
+          </a:xfrm>
+          <a:prstGeom prst="rect">
+            <a:avLst/>
+          </a:prstGeom>
+        </p:spPr>
+      </p:pic>
+      <p:sp>
+        <p:nvSpPr>
+          <p:cNvPr id="4" name="CuadroTexto 3"/>
+          <p:cNvSpPr txBox="1"/>
+          <p:nvPr/>
+        </p:nvSpPr>
+        <p:spPr>
+          <a:xfrm>
+            <a:off x="1351722" y="357809"/>
+            <a:ext cx="2642903" cy="369332"/>
+          </a:xfrm>
+          <a:prstGeom prst="rect">
+            <a:avLst/>
+          </a:prstGeom>
+          <a:noFill/>
+        </p:spPr>
+        <p:txBody>
+          <a:bodyPr wrap="none" rtlCol="0">
+            <a:spAutoFit/>
+          </a:bodyPr>
+          <a:lstStyle/>
+          <a:p>
+            <a:r>
+              <a:rPr lang="es-GT" dirty="0"/>
+              <a:t>Pagina de Inicio Secretaria</a:t>
+            </a:r>
+          </a:p>
+        </p:txBody>
+      </p:sp>
+      <p:sp>
+        <p:nvSpPr>
+          <p:cNvPr id="6" name="Esquina doblada 5"/>
+          <p:cNvSpPr/>
+          <p:nvPr/>
+        </p:nvSpPr>
+        <p:spPr>
+          <a:xfrm>
+            <a:off x="225286" y="3412435"/>
+            <a:ext cx="2777721" cy="834886"/>
+          </a:xfrm>
+          <a:prstGeom prst="foldedCorner">
+            <a:avLst/>
+          </a:prstGeom>
+        </p:spPr>
+        <p:style>
+          <a:lnRef idx="2">
+            <a:schemeClr val="accent1">
+              <a:shade val="50000"/>
+            </a:schemeClr>
+          </a:lnRef>
+          <a:fillRef idx="1">
+            <a:schemeClr val="accent1"/>
+          </a:fillRef>
+          <a:effectRef idx="0">
+            <a:schemeClr val="accent1"/>
+          </a:effectRef>
+          <a:fontRef idx="minor">
+            <a:schemeClr val="lt1"/>
+          </a:fontRef>
+        </p:style>
+        <p:txBody>
+          <a:bodyPr rtlCol="0" anchor="ctr"/>
+          <a:lstStyle/>
+          <a:p>
+            <a:pPr algn="ctr"/>
+            <a:endParaRPr lang="es-GT"/>
+          </a:p>
+        </p:txBody>
+      </p:sp>
+      <p:sp>
+        <p:nvSpPr>
+          <p:cNvPr id="7" name="Esquina doblada 6"/>
+          <p:cNvSpPr/>
+          <p:nvPr/>
+        </p:nvSpPr>
+        <p:spPr>
+          <a:xfrm>
+            <a:off x="225283" y="1676400"/>
+            <a:ext cx="2777721" cy="834886"/>
+          </a:xfrm>
+          <a:prstGeom prst="foldedCorner">
+            <a:avLst/>
+          </a:prstGeom>
+        </p:spPr>
+        <p:style>
+          <a:lnRef idx="2">
+            <a:schemeClr val="accent1">
+              <a:shade val="50000"/>
+            </a:schemeClr>
+          </a:lnRef>
+          <a:fillRef idx="1">
+            <a:schemeClr val="accent1"/>
+          </a:fillRef>
+          <a:effectRef idx="0">
+            <a:schemeClr val="accent1"/>
+          </a:effectRef>
+          <a:fontRef idx="minor">
+            <a:schemeClr val="lt1"/>
+          </a:fontRef>
+        </p:style>
+        <p:txBody>
+          <a:bodyPr rtlCol="0" anchor="ctr"/>
+          <a:lstStyle/>
+          <a:p>
+            <a:pPr algn="ctr"/>
+            <a:r>
+              <a:rPr lang="es-GT" dirty="0"/>
+              <a:t>Información de Personal</a:t>
+            </a:r>
+          </a:p>
+        </p:txBody>
+      </p:sp>
+      <p:sp>
+        <p:nvSpPr>
+          <p:cNvPr id="8" name="Esquina doblada 7"/>
+          <p:cNvSpPr/>
+          <p:nvPr/>
+        </p:nvSpPr>
+        <p:spPr>
+          <a:xfrm>
+            <a:off x="225284" y="3412435"/>
+            <a:ext cx="2777721" cy="834886"/>
+          </a:xfrm>
+          <a:prstGeom prst="foldedCorner">
+            <a:avLst/>
+          </a:prstGeom>
+        </p:spPr>
+        <p:style>
+          <a:lnRef idx="2">
+            <a:schemeClr val="accent1">
+              <a:shade val="50000"/>
+            </a:schemeClr>
+          </a:lnRef>
+          <a:fillRef idx="1">
+            <a:schemeClr val="accent1"/>
+          </a:fillRef>
+          <a:effectRef idx="0">
+            <a:schemeClr val="accent1"/>
+          </a:effectRef>
+          <a:fontRef idx="minor">
+            <a:schemeClr val="lt1"/>
+          </a:fontRef>
+        </p:style>
+        <p:txBody>
+          <a:bodyPr rtlCol="0" anchor="ctr"/>
+          <a:lstStyle/>
+          <a:p>
+            <a:pPr algn="ctr"/>
+            <a:r>
+              <a:rPr lang="es-GT" dirty="0"/>
+              <a:t>Pagos</a:t>
+            </a:r>
+          </a:p>
+        </p:txBody>
+      </p:sp>
+      <p:sp>
+        <p:nvSpPr>
+          <p:cNvPr id="9" name="Esquina doblada 8"/>
+          <p:cNvSpPr/>
+          <p:nvPr/>
+        </p:nvSpPr>
+        <p:spPr>
+          <a:xfrm>
+            <a:off x="225284" y="5148470"/>
+            <a:ext cx="2777721" cy="834886"/>
+          </a:xfrm>
+          <a:prstGeom prst="foldedCorner">
+            <a:avLst/>
+          </a:prstGeom>
+        </p:spPr>
+        <p:style>
+          <a:lnRef idx="0">
+            <a:schemeClr val="accent3"/>
+          </a:lnRef>
+          <a:fillRef idx="3">
+            <a:schemeClr val="accent3"/>
+          </a:fillRef>
+          <a:effectRef idx="3">
+            <a:schemeClr val="accent3"/>
+          </a:effectRef>
+          <a:fontRef idx="minor">
+            <a:schemeClr val="lt1"/>
+          </a:fontRef>
+        </p:style>
+        <p:txBody>
+          <a:bodyPr rtlCol="0" anchor="ctr"/>
+          <a:lstStyle/>
+          <a:p>
+            <a:pPr algn="ctr"/>
+            <a:r>
+              <a:rPr lang="es-GT" dirty="0"/>
+              <a:t>Administración</a:t>
+            </a:r>
+          </a:p>
+        </p:txBody>
+      </p:sp>
+      <p:sp>
+        <p:nvSpPr>
+          <p:cNvPr id="17" name="Esquina doblada 16"/>
+          <p:cNvSpPr/>
+          <p:nvPr/>
+        </p:nvSpPr>
+        <p:spPr>
+          <a:xfrm flipH="1">
+            <a:off x="9096227" y="1676400"/>
+            <a:ext cx="2777721" cy="834886"/>
+          </a:xfrm>
+          <a:prstGeom prst="foldedCorner">
+            <a:avLst/>
+          </a:prstGeom>
+        </p:spPr>
+        <p:style>
+          <a:lnRef idx="2">
+            <a:schemeClr val="accent1">
+              <a:shade val="50000"/>
+            </a:schemeClr>
+          </a:lnRef>
+          <a:fillRef idx="1">
+            <a:schemeClr val="accent1"/>
+          </a:fillRef>
+          <a:effectRef idx="0">
+            <a:schemeClr val="accent1"/>
+          </a:effectRef>
+          <a:fontRef idx="minor">
+            <a:schemeClr val="lt1"/>
+          </a:fontRef>
+        </p:style>
+        <p:txBody>
+          <a:bodyPr rtlCol="0" anchor="ctr"/>
+          <a:lstStyle/>
+          <a:p>
+            <a:pPr algn="ctr"/>
+            <a:r>
+              <a:rPr lang="es-GT" dirty="0"/>
+              <a:t>Inscripción</a:t>
+            </a:r>
+          </a:p>
+        </p:txBody>
+      </p:sp>
+      <p:sp>
+        <p:nvSpPr>
+          <p:cNvPr id="18" name="Esquina doblada 17"/>
+          <p:cNvSpPr/>
+          <p:nvPr/>
+        </p:nvSpPr>
+        <p:spPr>
+          <a:xfrm flipH="1">
+            <a:off x="9096226" y="3313044"/>
+            <a:ext cx="2777721" cy="834886"/>
+          </a:xfrm>
+          <a:prstGeom prst="foldedCorner">
+            <a:avLst/>
+          </a:prstGeom>
+        </p:spPr>
+        <p:style>
+          <a:lnRef idx="2">
+            <a:schemeClr val="accent1">
+              <a:shade val="50000"/>
+            </a:schemeClr>
+          </a:lnRef>
+          <a:fillRef idx="1">
+            <a:schemeClr val="accent1"/>
+          </a:fillRef>
+          <a:effectRef idx="0">
+            <a:schemeClr val="accent1"/>
+          </a:effectRef>
+          <a:fontRef idx="minor">
+            <a:schemeClr val="lt1"/>
+          </a:fontRef>
+        </p:style>
+        <p:txBody>
+          <a:bodyPr rtlCol="0" anchor="ctr"/>
+          <a:lstStyle/>
+          <a:p>
+            <a:pPr algn="ctr"/>
+            <a:r>
+              <a:rPr lang="es-GT" dirty="0"/>
+              <a:t>Notas</a:t>
+            </a:r>
+          </a:p>
+        </p:txBody>
+      </p:sp>
+      <p:sp>
+        <p:nvSpPr>
+          <p:cNvPr id="19" name="Esquina doblada 18"/>
+          <p:cNvSpPr/>
+          <p:nvPr/>
+        </p:nvSpPr>
+        <p:spPr>
+          <a:xfrm flipH="1">
+            <a:off x="9096225" y="5148470"/>
+            <a:ext cx="2777721" cy="834886"/>
+          </a:xfrm>
+          <a:prstGeom prst="foldedCorner">
+            <a:avLst/>
+          </a:prstGeom>
+        </p:spPr>
+        <p:style>
+          <a:lnRef idx="2">
+            <a:schemeClr val="accent1">
+              <a:shade val="50000"/>
+            </a:schemeClr>
+          </a:lnRef>
+          <a:fillRef idx="1">
+            <a:schemeClr val="accent1"/>
+          </a:fillRef>
+          <a:effectRef idx="0">
+            <a:schemeClr val="accent1"/>
+          </a:effectRef>
+          <a:fontRef idx="minor">
+            <a:schemeClr val="lt1"/>
+          </a:fontRef>
+        </p:style>
+        <p:txBody>
+          <a:bodyPr rtlCol="0" anchor="ctr"/>
+          <a:lstStyle/>
+          <a:p>
+            <a:pPr algn="ctr"/>
+            <a:r>
+              <a:rPr lang="es-GT" dirty="0"/>
+              <a:t>Listados</a:t>
+            </a:r>
+          </a:p>
+        </p:txBody>
+      </p:sp>
+      <p:sp>
+        <p:nvSpPr>
+          <p:cNvPr id="20" name="Rectángulo 19"/>
+          <p:cNvSpPr/>
+          <p:nvPr/>
+        </p:nvSpPr>
+        <p:spPr>
+          <a:xfrm>
+            <a:off x="5628198" y="1135173"/>
+            <a:ext cx="1276311" cy="707886"/>
+          </a:xfrm>
+          <a:prstGeom prst="rect">
+            <a:avLst/>
+          </a:prstGeom>
+          <a:noFill/>
+        </p:spPr>
+        <p:txBody>
+          <a:bodyPr wrap="none" lIns="91440" tIns="45720" rIns="91440" bIns="45720">
+            <a:spAutoFit/>
+          </a:bodyPr>
+          <a:lstStyle/>
+          <a:p>
+            <a:pPr algn="ctr"/>
+            <a:r>
+              <a:rPr lang="es-ES" sz="4000" b="1" dirty="0">
+                <a:ln w="9525">
+                  <a:solidFill>
+                    <a:schemeClr val="bg1"/>
+                  </a:solidFill>
+                  <a:prstDash val="solid"/>
+                </a:ln>
+                <a:solidFill>
+                  <a:schemeClr val="accent5"/>
+                </a:solidFill>
+                <a:effectLst>
+                  <a:outerShdw blurRad="12700" dist="38100" dir="2700000" algn="tl" rotWithShape="0">
+                    <a:schemeClr val="accent5">
+                      <a:lumMod val="60000"/>
+                      <a:lumOff val="40000"/>
+                    </a:schemeClr>
+                  </a:outerShdw>
+                </a:effectLst>
+              </a:rPr>
+              <a:t>SIGIE</a:t>
+            </a:r>
+            <a:endParaRPr lang="es-ES" sz="4000" b="1" cap="none" spc="0" dirty="0">
+              <a:ln w="9525">
+                <a:solidFill>
+                  <a:schemeClr val="bg1"/>
+                </a:solidFill>
+                <a:prstDash val="solid"/>
+              </a:ln>
+              <a:solidFill>
+                <a:schemeClr val="accent5"/>
+              </a:solidFill>
+              <a:effectLst>
+                <a:outerShdw blurRad="12700" dist="38100" dir="2700000" algn="tl" rotWithShape="0">
+                  <a:schemeClr val="accent5">
+                    <a:lumMod val="60000"/>
+                    <a:lumOff val="40000"/>
+                  </a:schemeClr>
+                </a:outerShdw>
+              </a:effectLst>
+            </a:endParaRPr>
+          </a:p>
+        </p:txBody>
+      </p:sp>
+      <p:sp>
+        <p:nvSpPr>
+          <p:cNvPr id="21" name="Rectángulo 20"/>
+          <p:cNvSpPr/>
+          <p:nvPr/>
+        </p:nvSpPr>
+        <p:spPr>
+          <a:xfrm>
+            <a:off x="5628198" y="5692914"/>
+            <a:ext cx="1340432" cy="707886"/>
+          </a:xfrm>
+          <a:prstGeom prst="rect">
+            <a:avLst/>
+          </a:prstGeom>
+          <a:noFill/>
+        </p:spPr>
+        <p:txBody>
+          <a:bodyPr wrap="none" lIns="91440" tIns="45720" rIns="91440" bIns="45720">
+            <a:spAutoFit/>
+          </a:bodyPr>
+          <a:lstStyle/>
+          <a:p>
+            <a:pPr algn="ctr"/>
+            <a:r>
+              <a:rPr lang="es-ES" sz="4000" b="1" dirty="0">
+                <a:ln w="9525">
+                  <a:solidFill>
+                    <a:schemeClr val="bg1"/>
+                  </a:solidFill>
+                  <a:prstDash val="solid"/>
+                </a:ln>
+                <a:solidFill>
+                  <a:schemeClr val="accent5"/>
+                </a:solidFill>
+                <a:effectLst>
+                  <a:outerShdw blurRad="12700" dist="38100" dir="2700000" algn="tl" rotWithShape="0">
+                    <a:schemeClr val="accent5">
+                      <a:lumMod val="60000"/>
+                      <a:lumOff val="40000"/>
+                    </a:schemeClr>
+                  </a:outerShdw>
+                </a:effectLst>
+              </a:rPr>
+              <a:t>Inicio</a:t>
+            </a:r>
+            <a:endParaRPr lang="es-ES" sz="4000" b="1" cap="none" spc="0" dirty="0">
+              <a:ln w="9525">
+                <a:solidFill>
+                  <a:schemeClr val="bg1"/>
+                </a:solidFill>
+                <a:prstDash val="solid"/>
+              </a:ln>
+              <a:solidFill>
+                <a:schemeClr val="accent5"/>
+              </a:solidFill>
+              <a:effectLst>
+                <a:outerShdw blurRad="12700" dist="38100" dir="2700000" algn="tl" rotWithShape="0">
+                  <a:schemeClr val="accent5">
+                    <a:lumMod val="60000"/>
+                    <a:lumOff val="40000"/>
+                  </a:schemeClr>
+                </a:outerShdw>
+              </a:effectLst>
+            </a:endParaRPr>
+          </a:p>
+        </p:txBody>
+      </p:sp>
+      <p:sp>
+        <p:nvSpPr>
+          <p:cNvPr id="22" name="Esquina doblada 21"/>
+          <p:cNvSpPr/>
+          <p:nvPr/>
+        </p:nvSpPr>
+        <p:spPr>
+          <a:xfrm flipH="1">
+            <a:off x="10376452" y="1060174"/>
+            <a:ext cx="1497494" cy="397564"/>
+          </a:xfrm>
+          <a:prstGeom prst="foldedCorner">
+            <a:avLst/>
+          </a:prstGeom>
+        </p:spPr>
+        <p:style>
+          <a:lnRef idx="2">
+            <a:schemeClr val="accent5"/>
+          </a:lnRef>
+          <a:fillRef idx="1">
+            <a:schemeClr val="lt1"/>
+          </a:fillRef>
+          <a:effectRef idx="0">
+            <a:schemeClr val="accent5"/>
+          </a:effectRef>
+          <a:fontRef idx="minor">
+            <a:schemeClr val="dk1"/>
+          </a:fontRef>
+        </p:style>
+        <p:txBody>
+          <a:bodyPr rtlCol="0" anchor="ctr"/>
+          <a:lstStyle/>
+          <a:p>
+            <a:pPr algn="ctr"/>
+            <a:r>
+              <a:rPr lang="es-GT" dirty="0">
+                <a:solidFill>
+                  <a:schemeClr val="accent1">
+                    <a:lumMod val="75000"/>
+                  </a:schemeClr>
+                </a:solidFill>
+              </a:rPr>
+              <a:t>Cerrar Sesión</a:t>
+            </a:r>
+          </a:p>
+        </p:txBody>
+      </p:sp>
+      <p:sp>
+        <p:nvSpPr>
+          <p:cNvPr id="23" name="Esquina doblada 22"/>
+          <p:cNvSpPr/>
+          <p:nvPr/>
+        </p:nvSpPr>
+        <p:spPr>
+          <a:xfrm>
+            <a:off x="225283" y="1060174"/>
+            <a:ext cx="1497495" cy="397564"/>
+          </a:xfrm>
+          <a:prstGeom prst="foldedCorner">
+            <a:avLst/>
+          </a:prstGeom>
+        </p:spPr>
+        <p:style>
+          <a:lnRef idx="2">
+            <a:schemeClr val="accent5"/>
+          </a:lnRef>
+          <a:fillRef idx="1">
+            <a:schemeClr val="lt1"/>
+          </a:fillRef>
+          <a:effectRef idx="0">
+            <a:schemeClr val="accent5"/>
+          </a:effectRef>
+          <a:fontRef idx="minor">
+            <a:schemeClr val="dk1"/>
+          </a:fontRef>
+        </p:style>
+        <p:txBody>
+          <a:bodyPr rtlCol="0" anchor="ctr"/>
+          <a:lstStyle/>
+          <a:p>
+            <a:pPr algn="ctr"/>
+            <a:r>
+              <a:rPr lang="es-GT" sz="1400" dirty="0">
+                <a:solidFill>
+                  <a:schemeClr val="accent1">
+                    <a:lumMod val="75000"/>
+                  </a:schemeClr>
+                </a:solidFill>
+              </a:rPr>
+              <a:t>“Usuario Activo”</a:t>
+            </a:r>
+          </a:p>
+        </p:txBody>
+      </p:sp>
+    </p:spTree>
+    <p:extLst>
+      <p:ext uri="{BB962C8B-B14F-4D97-AF65-F5344CB8AC3E}">
+        <p14:creationId xmlns:p14="http://schemas.microsoft.com/office/powerpoint/2010/main" val="3318260324"/>
+      </p:ext>
+    </p:extLst>
+  </p:cSld>
+  <p:clrMapOvr>
+    <a:masterClrMapping/>
+  </p:clrMapOvr>
+</p:sld>
+</file>
+
+<file path=ppt/slides/slide4.xml><?xml version="1.0" encoding="utf-8"?>
+<p:sld xmlns:a="http://schemas.openxmlformats.org/drawingml/2006/main" xmlns:r="http://schemas.openxmlformats.org/officeDocument/2006/relationships" xmlns:p="http://schemas.openxmlformats.org/presentationml/2006/main">
+  <p:cSld>
+    <p:spTree>
+      <p:nvGrpSpPr>
+        <p:cNvPr id="1" name=""/>
+        <p:cNvGrpSpPr/>
+        <p:nvPr/>
+      </p:nvGrpSpPr>
+      <p:grpSpPr>
+        <a:xfrm>
+          <a:off x="0" y="0"/>
+          <a:ext cx="0" cy="0"/>
+          <a:chOff x="0" y="0"/>
+          <a:chExt cx="0" cy="0"/>
+        </a:xfrm>
+      </p:grpSpPr>
+      <p:sp>
+        <p:nvSpPr>
+          <p:cNvPr id="2" name="Rectángulo 1"/>
+          <p:cNvSpPr/>
+          <p:nvPr/>
+        </p:nvSpPr>
+        <p:spPr>
+          <a:xfrm>
+            <a:off x="225287" y="1060174"/>
+            <a:ext cx="11648661" cy="5340626"/>
+          </a:xfrm>
+          <a:prstGeom prst="rect">
+            <a:avLst/>
+          </a:prstGeom>
+          <a:gradFill flip="none" rotWithShape="1">
+            <a:gsLst>
+              <a:gs pos="0">
+                <a:schemeClr val="accent1">
+                  <a:tint val="66000"/>
+                  <a:satMod val="160000"/>
+                </a:schemeClr>
+              </a:gs>
+              <a:gs pos="50000">
+                <a:schemeClr val="accent1">
+                  <a:tint val="44500"/>
+                  <a:satMod val="160000"/>
+                </a:schemeClr>
+              </a:gs>
+              <a:gs pos="100000">
+                <a:schemeClr val="accent1">
+                  <a:tint val="23500"/>
+                  <a:satMod val="160000"/>
+                </a:schemeClr>
+              </a:gs>
+            </a:gsLst>
+            <a:path path="circle">
+              <a:fillToRect l="50000" t="50000" r="50000" b="50000"/>
+            </a:path>
+            <a:tileRect/>
+          </a:gradFill>
+          <a:ln w="9525" cap="flat" cmpd="sng" algn="ctr">
+            <a:solidFill>
+              <a:schemeClr val="dk1"/>
+            </a:solidFill>
+            <a:prstDash val="solid"/>
+            <a:round/>
+            <a:headEnd type="none" w="med" len="med"/>
+            <a:tailEnd type="none" w="med" len="med"/>
+          </a:ln>
+        </p:spPr>
+        <p:style>
+          <a:lnRef idx="0">
+            <a:scrgbClr r="0" g="0" b="0"/>
+          </a:lnRef>
+          <a:fillRef idx="0">
+            <a:scrgbClr r="0" g="0" b="0"/>
+          </a:fillRef>
+          <a:effectRef idx="0">
+            <a:scrgbClr r="0" g="0" b="0"/>
+          </a:effectRef>
+          <a:fontRef idx="minor">
+            <a:schemeClr val="dk1"/>
+          </a:fontRef>
+        </p:style>
+        <p:txBody>
+          <a:bodyPr rtlCol="0" anchor="ctr"/>
+          <a:lstStyle/>
+          <a:p>
+            <a:pPr algn="ctr"/>
+            <a:endParaRPr lang="es-GT"/>
+          </a:p>
+        </p:txBody>
+      </p:sp>
+      <p:pic>
+        <p:nvPicPr>
+          <p:cNvPr id="3" name="Imagen 2"/>
+          <p:cNvPicPr>
+            <a:picLocks noChangeAspect="1"/>
+          </p:cNvPicPr>
+          <p:nvPr/>
+        </p:nvPicPr>
+        <p:blipFill rotWithShape="1">
+          <a:blip r:embed="rId2">
+            <a:extLst>
+              <a:ext uri="{28A0092B-C50C-407E-A947-70E740481C1C}">
+                <a14:useLocalDpi xmlns:a14="http://schemas.microsoft.com/office/drawing/2010/main" val="0"/>
+              </a:ext>
+            </a:extLst>
+          </a:blip>
+          <a:stretch/>
+        </p:blipFill>
+        <p:spPr>
+          <a:xfrm>
+            <a:off x="3678110" y="1843059"/>
+            <a:ext cx="5240604" cy="3980844"/>
+          </a:xfrm>
+          <a:prstGeom prst="rect">
+            <a:avLst/>
+          </a:prstGeom>
+        </p:spPr>
+      </p:pic>
+      <p:sp>
+        <p:nvSpPr>
+          <p:cNvPr id="4" name="CuadroTexto 3"/>
+          <p:cNvSpPr txBox="1"/>
+          <p:nvPr/>
+        </p:nvSpPr>
+        <p:spPr>
+          <a:xfrm>
+            <a:off x="1351722" y="357809"/>
+            <a:ext cx="3045001" cy="369332"/>
+          </a:xfrm>
+          <a:prstGeom prst="rect">
+            <a:avLst/>
+          </a:prstGeom>
+          <a:noFill/>
+        </p:spPr>
+        <p:txBody>
+          <a:bodyPr wrap="none" rtlCol="0">
+            <a:spAutoFit/>
+          </a:bodyPr>
+          <a:lstStyle/>
+          <a:p>
+            <a:r>
+              <a:rPr lang="es-GT" dirty="0"/>
+              <a:t>Pagina de Inicio Administrador</a:t>
+            </a:r>
+          </a:p>
+        </p:txBody>
+      </p:sp>
+      <p:sp>
+        <p:nvSpPr>
+          <p:cNvPr id="6" name="Esquina doblada 5"/>
+          <p:cNvSpPr/>
+          <p:nvPr/>
+        </p:nvSpPr>
+        <p:spPr>
+          <a:xfrm>
+            <a:off x="225286" y="3412435"/>
+            <a:ext cx="2777721" cy="834886"/>
+          </a:xfrm>
+          <a:prstGeom prst="foldedCorner">
+            <a:avLst/>
+          </a:prstGeom>
+        </p:spPr>
+        <p:style>
+          <a:lnRef idx="2">
+            <a:schemeClr val="accent1">
+              <a:shade val="50000"/>
+            </a:schemeClr>
+          </a:lnRef>
+          <a:fillRef idx="1">
+            <a:schemeClr val="accent1"/>
+          </a:fillRef>
+          <a:effectRef idx="0">
+            <a:schemeClr val="accent1"/>
+          </a:effectRef>
+          <a:fontRef idx="minor">
+            <a:schemeClr val="lt1"/>
+          </a:fontRef>
+        </p:style>
+        <p:txBody>
+          <a:bodyPr rtlCol="0" anchor="ctr"/>
+          <a:lstStyle/>
+          <a:p>
+            <a:pPr algn="ctr"/>
+            <a:endParaRPr lang="es-GT"/>
+          </a:p>
+        </p:txBody>
+      </p:sp>
+      <p:sp>
+        <p:nvSpPr>
+          <p:cNvPr id="7" name="Esquina doblada 6"/>
+          <p:cNvSpPr/>
+          <p:nvPr/>
+        </p:nvSpPr>
+        <p:spPr>
+          <a:xfrm>
+            <a:off x="225283" y="1676400"/>
+            <a:ext cx="2777721" cy="834886"/>
+          </a:xfrm>
+          <a:prstGeom prst="foldedCorner">
+            <a:avLst/>
+          </a:prstGeom>
+        </p:spPr>
+        <p:style>
+          <a:lnRef idx="2">
+            <a:schemeClr val="accent1">
+              <a:shade val="50000"/>
+            </a:schemeClr>
+          </a:lnRef>
+          <a:fillRef idx="1">
+            <a:schemeClr val="accent1"/>
+          </a:fillRef>
+          <a:effectRef idx="0">
+            <a:schemeClr val="accent1"/>
+          </a:effectRef>
+          <a:fontRef idx="minor">
+            <a:schemeClr val="lt1"/>
+          </a:fontRef>
+        </p:style>
+        <p:txBody>
+          <a:bodyPr rtlCol="0" anchor="ctr"/>
+          <a:lstStyle/>
+          <a:p>
+            <a:pPr algn="ctr"/>
+            <a:r>
+              <a:rPr lang="es-GT" dirty="0"/>
+              <a:t>Información de Personal</a:t>
+            </a:r>
+          </a:p>
+        </p:txBody>
+      </p:sp>
+      <p:sp>
+        <p:nvSpPr>
+          <p:cNvPr id="8" name="Esquina doblada 7"/>
+          <p:cNvSpPr/>
+          <p:nvPr/>
+        </p:nvSpPr>
+        <p:spPr>
+          <a:xfrm>
+            <a:off x="225284" y="3412435"/>
+            <a:ext cx="2777721" cy="834886"/>
+          </a:xfrm>
+          <a:prstGeom prst="foldedCorner">
+            <a:avLst/>
+          </a:prstGeom>
+        </p:spPr>
+        <p:style>
+          <a:lnRef idx="2">
+            <a:schemeClr val="accent1">
+              <a:shade val="50000"/>
+            </a:schemeClr>
+          </a:lnRef>
+          <a:fillRef idx="1">
+            <a:schemeClr val="accent1"/>
+          </a:fillRef>
+          <a:effectRef idx="0">
+            <a:schemeClr val="accent1"/>
+          </a:effectRef>
+          <a:fontRef idx="minor">
+            <a:schemeClr val="lt1"/>
+          </a:fontRef>
+        </p:style>
+        <p:txBody>
+          <a:bodyPr rtlCol="0" anchor="ctr"/>
+          <a:lstStyle/>
+          <a:p>
+            <a:pPr algn="ctr"/>
+            <a:r>
+              <a:rPr lang="es-GT" dirty="0"/>
+              <a:t>Pagos</a:t>
+            </a:r>
+          </a:p>
+        </p:txBody>
+      </p:sp>
+      <p:sp>
+        <p:nvSpPr>
+          <p:cNvPr id="9" name="Esquina doblada 8"/>
+          <p:cNvSpPr/>
+          <p:nvPr/>
+        </p:nvSpPr>
+        <p:spPr>
+          <a:xfrm>
+            <a:off x="225284" y="5148470"/>
+            <a:ext cx="2777721" cy="834886"/>
+          </a:xfrm>
+          <a:prstGeom prst="foldedCorner">
+            <a:avLst/>
+          </a:prstGeom>
+        </p:spPr>
+        <p:style>
+          <a:lnRef idx="2">
+            <a:schemeClr val="accent1">
+              <a:shade val="50000"/>
+            </a:schemeClr>
+          </a:lnRef>
+          <a:fillRef idx="1">
+            <a:schemeClr val="accent1"/>
+          </a:fillRef>
+          <a:effectRef idx="0">
+            <a:schemeClr val="accent1"/>
+          </a:effectRef>
+          <a:fontRef idx="minor">
+            <a:schemeClr val="lt1"/>
+          </a:fontRef>
+        </p:style>
+        <p:txBody>
+          <a:bodyPr rtlCol="0" anchor="ctr"/>
+          <a:lstStyle/>
+          <a:p>
+            <a:pPr algn="ctr"/>
+            <a:r>
+              <a:rPr lang="es-GT" dirty="0"/>
+              <a:t>Administración</a:t>
+            </a:r>
+          </a:p>
+        </p:txBody>
+      </p:sp>
+      <p:sp>
+        <p:nvSpPr>
+          <p:cNvPr id="17" name="Esquina doblada 16"/>
+          <p:cNvSpPr/>
+          <p:nvPr/>
+        </p:nvSpPr>
+        <p:spPr>
+          <a:xfrm flipH="1">
+            <a:off x="9096227" y="1676400"/>
+            <a:ext cx="2777721" cy="834886"/>
+          </a:xfrm>
+          <a:prstGeom prst="foldedCorner">
+            <a:avLst/>
+          </a:prstGeom>
+        </p:spPr>
+        <p:style>
+          <a:lnRef idx="2">
+            <a:schemeClr val="accent1">
+              <a:shade val="50000"/>
+            </a:schemeClr>
+          </a:lnRef>
+          <a:fillRef idx="1">
+            <a:schemeClr val="accent1"/>
+          </a:fillRef>
+          <a:effectRef idx="0">
+            <a:schemeClr val="accent1"/>
+          </a:effectRef>
+          <a:fontRef idx="minor">
+            <a:schemeClr val="lt1"/>
+          </a:fontRef>
+        </p:style>
+        <p:txBody>
+          <a:bodyPr rtlCol="0" anchor="ctr"/>
+          <a:lstStyle/>
+          <a:p>
+            <a:pPr algn="ctr"/>
+            <a:r>
+              <a:rPr lang="es-GT" dirty="0"/>
+              <a:t>Inscripción</a:t>
+            </a:r>
+          </a:p>
+        </p:txBody>
+      </p:sp>
+      <p:sp>
+        <p:nvSpPr>
+          <p:cNvPr id="18" name="Esquina doblada 17"/>
+          <p:cNvSpPr/>
+          <p:nvPr/>
+        </p:nvSpPr>
+        <p:spPr>
+          <a:xfrm flipH="1">
+            <a:off x="9096226" y="3313044"/>
+            <a:ext cx="2777721" cy="834886"/>
+          </a:xfrm>
+          <a:prstGeom prst="foldedCorner">
+            <a:avLst/>
+          </a:prstGeom>
+        </p:spPr>
+        <p:style>
+          <a:lnRef idx="2">
+            <a:schemeClr val="accent1">
+              <a:shade val="50000"/>
+            </a:schemeClr>
+          </a:lnRef>
+          <a:fillRef idx="1">
+            <a:schemeClr val="accent1"/>
+          </a:fillRef>
+          <a:effectRef idx="0">
+            <a:schemeClr val="accent1"/>
+          </a:effectRef>
+          <a:fontRef idx="minor">
+            <a:schemeClr val="lt1"/>
+          </a:fontRef>
+        </p:style>
+        <p:txBody>
+          <a:bodyPr rtlCol="0" anchor="ctr"/>
+          <a:lstStyle/>
+          <a:p>
+            <a:pPr algn="ctr"/>
+            <a:r>
+              <a:rPr lang="es-GT" dirty="0"/>
+              <a:t>Notas</a:t>
+            </a:r>
+          </a:p>
+        </p:txBody>
+      </p:sp>
+      <p:sp>
+        <p:nvSpPr>
+          <p:cNvPr id="19" name="Esquina doblada 18"/>
+          <p:cNvSpPr/>
+          <p:nvPr/>
+        </p:nvSpPr>
+        <p:spPr>
+          <a:xfrm flipH="1">
+            <a:off x="9096225" y="5148470"/>
+            <a:ext cx="2777721" cy="834886"/>
+          </a:xfrm>
+          <a:prstGeom prst="foldedCorner">
+            <a:avLst/>
+          </a:prstGeom>
+        </p:spPr>
+        <p:style>
+          <a:lnRef idx="2">
+            <a:schemeClr val="accent1">
+              <a:shade val="50000"/>
+            </a:schemeClr>
+          </a:lnRef>
+          <a:fillRef idx="1">
+            <a:schemeClr val="accent1"/>
+          </a:fillRef>
+          <a:effectRef idx="0">
+            <a:schemeClr val="accent1"/>
+          </a:effectRef>
+          <a:fontRef idx="minor">
+            <a:schemeClr val="lt1"/>
+          </a:fontRef>
+        </p:style>
+        <p:txBody>
+          <a:bodyPr rtlCol="0" anchor="ctr"/>
+          <a:lstStyle/>
+          <a:p>
+            <a:pPr algn="ctr"/>
+            <a:r>
+              <a:rPr lang="es-GT" dirty="0"/>
+              <a:t>Listados</a:t>
+            </a:r>
+          </a:p>
+        </p:txBody>
+      </p:sp>
+      <p:sp>
+        <p:nvSpPr>
+          <p:cNvPr id="20" name="Rectángulo 19"/>
+          <p:cNvSpPr/>
+          <p:nvPr/>
+        </p:nvSpPr>
+        <p:spPr>
+          <a:xfrm>
+            <a:off x="5628198" y="1135173"/>
+            <a:ext cx="1276311" cy="707886"/>
+          </a:xfrm>
+          <a:prstGeom prst="rect">
+            <a:avLst/>
+          </a:prstGeom>
+          <a:noFill/>
+        </p:spPr>
+        <p:txBody>
+          <a:bodyPr wrap="none" lIns="91440" tIns="45720" rIns="91440" bIns="45720">
+            <a:spAutoFit/>
+          </a:bodyPr>
+          <a:lstStyle/>
+          <a:p>
+            <a:pPr algn="ctr"/>
+            <a:r>
+              <a:rPr lang="es-ES" sz="4000" b="1" dirty="0">
+                <a:ln w="9525">
+                  <a:solidFill>
+                    <a:schemeClr val="bg1"/>
+                  </a:solidFill>
+                  <a:prstDash val="solid"/>
+                </a:ln>
+                <a:solidFill>
+                  <a:schemeClr val="accent5"/>
+                </a:solidFill>
+                <a:effectLst>
+                  <a:outerShdw blurRad="12700" dist="38100" dir="2700000" algn="tl" rotWithShape="0">
+                    <a:schemeClr val="accent5">
+                      <a:lumMod val="60000"/>
+                      <a:lumOff val="40000"/>
+                    </a:schemeClr>
+                  </a:outerShdw>
+                </a:effectLst>
+              </a:rPr>
+              <a:t>SIGIE</a:t>
+            </a:r>
+            <a:endParaRPr lang="es-ES" sz="4000" b="1" cap="none" spc="0" dirty="0">
+              <a:ln w="9525">
+                <a:solidFill>
+                  <a:schemeClr val="bg1"/>
+                </a:solidFill>
+                <a:prstDash val="solid"/>
+              </a:ln>
+              <a:solidFill>
+                <a:schemeClr val="accent5"/>
+              </a:solidFill>
+              <a:effectLst>
+                <a:outerShdw blurRad="12700" dist="38100" dir="2700000" algn="tl" rotWithShape="0">
+                  <a:schemeClr val="accent5">
+                    <a:lumMod val="60000"/>
+                    <a:lumOff val="40000"/>
+                  </a:schemeClr>
+                </a:outerShdw>
+              </a:effectLst>
+            </a:endParaRPr>
+          </a:p>
+        </p:txBody>
+      </p:sp>
+      <p:sp>
+        <p:nvSpPr>
+          <p:cNvPr id="21" name="Rectángulo 20"/>
+          <p:cNvSpPr/>
+          <p:nvPr/>
+        </p:nvSpPr>
+        <p:spPr>
+          <a:xfrm>
+            <a:off x="5628198" y="5692914"/>
+            <a:ext cx="1340432" cy="707886"/>
+          </a:xfrm>
+          <a:prstGeom prst="rect">
+            <a:avLst/>
+          </a:prstGeom>
+          <a:noFill/>
+        </p:spPr>
+        <p:txBody>
+          <a:bodyPr wrap="none" lIns="91440" tIns="45720" rIns="91440" bIns="45720">
+            <a:spAutoFit/>
+          </a:bodyPr>
+          <a:lstStyle/>
+          <a:p>
+            <a:pPr algn="ctr"/>
+            <a:r>
+              <a:rPr lang="es-ES" sz="4000" b="1" dirty="0">
+                <a:ln w="9525">
+                  <a:solidFill>
+                    <a:schemeClr val="bg1"/>
+                  </a:solidFill>
+                  <a:prstDash val="solid"/>
+                </a:ln>
+                <a:solidFill>
+                  <a:schemeClr val="accent5"/>
+                </a:solidFill>
+                <a:effectLst>
+                  <a:outerShdw blurRad="12700" dist="38100" dir="2700000" algn="tl" rotWithShape="0">
+                    <a:schemeClr val="accent5">
+                      <a:lumMod val="60000"/>
+                      <a:lumOff val="40000"/>
+                    </a:schemeClr>
+                  </a:outerShdw>
+                </a:effectLst>
+              </a:rPr>
+              <a:t>Inicio</a:t>
+            </a:r>
+            <a:endParaRPr lang="es-ES" sz="4000" b="1" cap="none" spc="0" dirty="0">
+              <a:ln w="9525">
+                <a:solidFill>
+                  <a:schemeClr val="bg1"/>
+                </a:solidFill>
+                <a:prstDash val="solid"/>
+              </a:ln>
+              <a:solidFill>
+                <a:schemeClr val="accent5"/>
+              </a:solidFill>
+              <a:effectLst>
+                <a:outerShdw blurRad="12700" dist="38100" dir="2700000" algn="tl" rotWithShape="0">
+                  <a:schemeClr val="accent5">
+                    <a:lumMod val="60000"/>
+                    <a:lumOff val="40000"/>
+                  </a:schemeClr>
+                </a:outerShdw>
+              </a:effectLst>
+            </a:endParaRPr>
+          </a:p>
+        </p:txBody>
+      </p:sp>
+      <p:sp>
+        <p:nvSpPr>
+          <p:cNvPr id="22" name="Esquina doblada 21"/>
+          <p:cNvSpPr/>
+          <p:nvPr/>
+        </p:nvSpPr>
+        <p:spPr>
+          <a:xfrm flipH="1">
+            <a:off x="10376452" y="1060174"/>
+            <a:ext cx="1497494" cy="397564"/>
+          </a:xfrm>
+          <a:prstGeom prst="foldedCorner">
+            <a:avLst/>
+          </a:prstGeom>
+        </p:spPr>
+        <p:style>
+          <a:lnRef idx="2">
+            <a:schemeClr val="accent5"/>
+          </a:lnRef>
+          <a:fillRef idx="1">
+            <a:schemeClr val="lt1"/>
+          </a:fillRef>
+          <a:effectRef idx="0">
+            <a:schemeClr val="accent5"/>
+          </a:effectRef>
+          <a:fontRef idx="minor">
+            <a:schemeClr val="dk1"/>
+          </a:fontRef>
+        </p:style>
+        <p:txBody>
+          <a:bodyPr rtlCol="0" anchor="ctr"/>
+          <a:lstStyle/>
+          <a:p>
+            <a:pPr algn="ctr"/>
+            <a:r>
+              <a:rPr lang="es-GT" dirty="0">
+                <a:solidFill>
+                  <a:schemeClr val="accent1">
+                    <a:lumMod val="75000"/>
+                  </a:schemeClr>
+                </a:solidFill>
+              </a:rPr>
+              <a:t>Cerrar Sesión</a:t>
+            </a:r>
+          </a:p>
+        </p:txBody>
+      </p:sp>
+      <p:sp>
+        <p:nvSpPr>
+          <p:cNvPr id="23" name="Esquina doblada 22"/>
+          <p:cNvSpPr/>
+          <p:nvPr/>
+        </p:nvSpPr>
+        <p:spPr>
+          <a:xfrm>
+            <a:off x="225283" y="1060174"/>
+            <a:ext cx="1497495" cy="397564"/>
+          </a:xfrm>
+          <a:prstGeom prst="foldedCorner">
+            <a:avLst/>
+          </a:prstGeom>
+        </p:spPr>
+        <p:style>
+          <a:lnRef idx="2">
+            <a:schemeClr val="accent5"/>
+          </a:lnRef>
+          <a:fillRef idx="1">
+            <a:schemeClr val="lt1"/>
+          </a:fillRef>
+          <a:effectRef idx="0">
+            <a:schemeClr val="accent5"/>
+          </a:effectRef>
+          <a:fontRef idx="minor">
+            <a:schemeClr val="dk1"/>
+          </a:fontRef>
+        </p:style>
+        <p:txBody>
+          <a:bodyPr rtlCol="0" anchor="ctr"/>
+          <a:lstStyle/>
+          <a:p>
+            <a:pPr algn="ctr"/>
+            <a:r>
+              <a:rPr lang="es-GT" sz="1400" dirty="0">
+                <a:solidFill>
+                  <a:schemeClr val="accent1">
+                    <a:lumMod val="75000"/>
+                  </a:schemeClr>
+                </a:solidFill>
+              </a:rPr>
+              <a:t>“Usuario Activo”</a:t>
+            </a:r>
+          </a:p>
+        </p:txBody>
+      </p:sp>
+    </p:spTree>
+    <p:extLst>
+      <p:ext uri="{BB962C8B-B14F-4D97-AF65-F5344CB8AC3E}">
+        <p14:creationId xmlns:p14="http://schemas.microsoft.com/office/powerpoint/2010/main" val="57379434"/>
+      </p:ext>
+    </p:extLst>
+  </p:cSld>
+  <p:clrMapOvr>
+    <a:masterClrMapping/>
+  </p:clrMapOvr>
+</p:sld>
+</file>
+
+<file path=ppt/slides/slide5.xml><?xml version="1.0" encoding="utf-8"?>
+<p:sld xmlns:a="http://schemas.openxmlformats.org/drawingml/2006/main" xmlns:r="http://schemas.openxmlformats.org/officeDocument/2006/relationships" xmlns:p="http://schemas.openxmlformats.org/presentationml/2006/main">
+  <p:cSld>
+    <p:spTree>
+      <p:nvGrpSpPr>
+        <p:cNvPr id="1" name=""/>
+        <p:cNvGrpSpPr/>
+        <p:nvPr/>
+      </p:nvGrpSpPr>
+      <p:grpSpPr>
+        <a:xfrm>
+          <a:off x="0" y="0"/>
+          <a:ext cx="0" cy="0"/>
+          <a:chOff x="0" y="0"/>
+          <a:chExt cx="0" cy="0"/>
+        </a:xfrm>
+      </p:grpSpPr>
+      <p:sp>
+        <p:nvSpPr>
+          <p:cNvPr id="2" name="Rectángulo 1"/>
+          <p:cNvSpPr/>
+          <p:nvPr/>
+        </p:nvSpPr>
+        <p:spPr>
+          <a:xfrm>
+            <a:off x="225287" y="1060174"/>
+            <a:ext cx="11648661" cy="5340626"/>
+          </a:xfrm>
+          <a:prstGeom prst="rect">
+            <a:avLst/>
+          </a:prstGeom>
+          <a:gradFill flip="none" rotWithShape="1">
+            <a:gsLst>
+              <a:gs pos="0">
+                <a:schemeClr val="accent1">
+                  <a:tint val="66000"/>
+                  <a:satMod val="160000"/>
+                </a:schemeClr>
+              </a:gs>
+              <a:gs pos="50000">
+                <a:schemeClr val="accent1">
+                  <a:tint val="44500"/>
+                  <a:satMod val="160000"/>
+                </a:schemeClr>
+              </a:gs>
+              <a:gs pos="100000">
+                <a:schemeClr val="accent1">
+                  <a:tint val="23500"/>
+                  <a:satMod val="160000"/>
+                </a:schemeClr>
+              </a:gs>
+            </a:gsLst>
+            <a:path path="circle">
+              <a:fillToRect l="50000" t="50000" r="50000" b="50000"/>
+            </a:path>
+            <a:tileRect/>
+          </a:gradFill>
+          <a:ln w="9525" cap="flat" cmpd="sng" algn="ctr">
+            <a:solidFill>
+              <a:schemeClr val="dk1"/>
+            </a:solidFill>
+            <a:prstDash val="solid"/>
+            <a:round/>
+            <a:headEnd type="none" w="med" len="med"/>
+            <a:tailEnd type="none" w="med" len="med"/>
+          </a:ln>
+        </p:spPr>
+        <p:style>
+          <a:lnRef idx="0">
+            <a:scrgbClr r="0" g="0" b="0"/>
+          </a:lnRef>
+          <a:fillRef idx="0">
+            <a:scrgbClr r="0" g="0" b="0"/>
+          </a:fillRef>
+          <a:effectRef idx="0">
+            <a:scrgbClr r="0" g="0" b="0"/>
+          </a:effectRef>
+          <a:fontRef idx="minor">
+            <a:schemeClr val="dk1"/>
+          </a:fontRef>
+        </p:style>
+        <p:txBody>
+          <a:bodyPr rtlCol="0" anchor="ctr"/>
+          <a:lstStyle/>
+          <a:p>
+            <a:pPr algn="ctr"/>
+            <a:endParaRPr lang="es-GT"/>
+          </a:p>
+        </p:txBody>
+      </p:sp>
+      <p:pic>
+        <p:nvPicPr>
+          <p:cNvPr id="3" name="Imagen 2"/>
+          <p:cNvPicPr>
+            <a:picLocks noChangeAspect="1"/>
+          </p:cNvPicPr>
+          <p:nvPr/>
+        </p:nvPicPr>
+        <p:blipFill rotWithShape="1">
+          <a:blip r:embed="rId2">
+            <a:extLst>
+              <a:ext uri="{28A0092B-C50C-407E-A947-70E740481C1C}">
+                <a14:useLocalDpi xmlns:a14="http://schemas.microsoft.com/office/drawing/2010/main" val="0"/>
+              </a:ext>
+            </a:extLst>
+          </a:blip>
+          <a:srcRect l="22709" b="14423"/>
+          <a:stretch/>
+        </p:blipFill>
+        <p:spPr>
+          <a:xfrm>
+            <a:off x="225287" y="2783964"/>
+            <a:ext cx="4300396" cy="3616836"/>
+          </a:xfrm>
+          <a:prstGeom prst="rect">
+            <a:avLst/>
+          </a:prstGeom>
+        </p:spPr>
+      </p:pic>
+      <p:sp>
+        <p:nvSpPr>
+          <p:cNvPr id="4" name="Rectángulo 3"/>
+          <p:cNvSpPr/>
+          <p:nvPr/>
+        </p:nvSpPr>
+        <p:spPr>
+          <a:xfrm>
+            <a:off x="6864626" y="3087756"/>
+            <a:ext cx="2213113" cy="450574"/>
+          </a:xfrm>
+          <a:prstGeom prst="rect">
+            <a:avLst/>
+          </a:prstGeom>
+        </p:spPr>
+        <p:style>
+          <a:lnRef idx="2">
+            <a:schemeClr val="accent1"/>
+          </a:lnRef>
+          <a:fillRef idx="1">
+            <a:schemeClr val="lt1"/>
+          </a:fillRef>
+          <a:effectRef idx="0">
+            <a:schemeClr val="accent1"/>
+          </a:effectRef>
+          <a:fontRef idx="minor">
+            <a:schemeClr val="dk1"/>
+          </a:fontRef>
+        </p:style>
+        <p:txBody>
+          <a:bodyPr rtlCol="0" anchor="ctr"/>
+          <a:lstStyle/>
+          <a:p>
+            <a:r>
+              <a:rPr lang="es-GT" dirty="0">
+                <a:solidFill>
+                  <a:schemeClr val="bg1">
+                    <a:lumMod val="65000"/>
+                  </a:schemeClr>
+                </a:solidFill>
+              </a:rPr>
+              <a:t>Usuario</a:t>
+            </a:r>
+          </a:p>
+        </p:txBody>
+      </p:sp>
+      <p:sp>
+        <p:nvSpPr>
+          <p:cNvPr id="5" name="Rectángulo 4"/>
+          <p:cNvSpPr/>
+          <p:nvPr/>
+        </p:nvSpPr>
+        <p:spPr>
+          <a:xfrm>
+            <a:off x="6864626" y="3738120"/>
+            <a:ext cx="2213113" cy="450574"/>
+          </a:xfrm>
+          <a:prstGeom prst="rect">
+            <a:avLst/>
+          </a:prstGeom>
+        </p:spPr>
+        <p:style>
+          <a:lnRef idx="2">
+            <a:schemeClr val="accent1"/>
+          </a:lnRef>
+          <a:fillRef idx="1">
+            <a:schemeClr val="lt1"/>
+          </a:fillRef>
+          <a:effectRef idx="0">
+            <a:schemeClr val="accent1"/>
+          </a:effectRef>
+          <a:fontRef idx="minor">
+            <a:schemeClr val="dk1"/>
+          </a:fontRef>
+        </p:style>
+        <p:txBody>
+          <a:bodyPr rtlCol="0" anchor="ctr"/>
+          <a:lstStyle/>
+          <a:p>
+            <a:r>
+              <a:rPr lang="es-GT" dirty="0">
+                <a:solidFill>
+                  <a:schemeClr val="bg1">
+                    <a:lumMod val="65000"/>
+                  </a:schemeClr>
+                </a:solidFill>
+              </a:rPr>
+              <a:t>Contraseña</a:t>
+            </a:r>
+          </a:p>
+        </p:txBody>
+      </p:sp>
+      <p:sp>
+        <p:nvSpPr>
+          <p:cNvPr id="6" name="Rectángulo redondeado 5"/>
+          <p:cNvSpPr/>
+          <p:nvPr/>
+        </p:nvSpPr>
+        <p:spPr>
+          <a:xfrm>
+            <a:off x="8216348" y="4388484"/>
+            <a:ext cx="861391" cy="357809"/>
+          </a:xfrm>
+          <a:prstGeom prst="roundRect">
+            <a:avLst/>
+          </a:prstGeom>
+        </p:spPr>
+        <p:style>
+          <a:lnRef idx="0">
+            <a:schemeClr val="accent1"/>
+          </a:lnRef>
+          <a:fillRef idx="3">
+            <a:schemeClr val="accent1"/>
+          </a:fillRef>
+          <a:effectRef idx="3">
+            <a:schemeClr val="accent1"/>
+          </a:effectRef>
+          <a:fontRef idx="minor">
+            <a:schemeClr val="lt1"/>
+          </a:fontRef>
+        </p:style>
+        <p:txBody>
+          <a:bodyPr rtlCol="0" anchor="ctr"/>
+          <a:lstStyle/>
+          <a:p>
+            <a:pPr algn="ctr"/>
+            <a:r>
+              <a:rPr lang="es-GT" dirty="0"/>
+              <a:t>Iniciar</a:t>
+            </a:r>
+          </a:p>
+        </p:txBody>
+      </p:sp>
+      <p:sp>
+        <p:nvSpPr>
+          <p:cNvPr id="7" name="Rectángulo 6"/>
+          <p:cNvSpPr/>
+          <p:nvPr/>
+        </p:nvSpPr>
+        <p:spPr>
+          <a:xfrm>
+            <a:off x="1057897" y="1129457"/>
+            <a:ext cx="9983439" cy="1323439"/>
+          </a:xfrm>
+          <a:prstGeom prst="rect">
+            <a:avLst/>
+          </a:prstGeom>
+          <a:noFill/>
+        </p:spPr>
+        <p:txBody>
+          <a:bodyPr wrap="none" lIns="91440" tIns="45720" rIns="91440" bIns="45720">
+            <a:spAutoFit/>
+          </a:bodyPr>
+          <a:lstStyle/>
+          <a:p>
+            <a:pPr algn="ctr"/>
+            <a:r>
+              <a:rPr lang="es-ES" sz="4000" b="1" cap="none" spc="0" dirty="0">
+                <a:ln w="9525">
+                  <a:solidFill>
+                    <a:schemeClr val="bg1"/>
+                  </a:solidFill>
+                  <a:prstDash val="solid"/>
+                </a:ln>
+                <a:solidFill>
+                  <a:schemeClr val="accent5"/>
+                </a:solidFill>
+                <a:effectLst>
+                  <a:outerShdw blurRad="12700" dist="38100" dir="2700000" algn="tl" rotWithShape="0">
+                    <a:schemeClr val="accent5">
+                      <a:lumMod val="60000"/>
+                      <a:lumOff val="40000"/>
+                    </a:schemeClr>
+                  </a:outerShdw>
+                </a:effectLst>
+              </a:rPr>
+              <a:t>Sistema de Gestión de Información Estudiantil</a:t>
+            </a:r>
+          </a:p>
+          <a:p>
+            <a:pPr algn="ctr"/>
+            <a:r>
+              <a:rPr lang="es-ES" sz="4000" b="1" dirty="0">
+                <a:ln w="9525">
+                  <a:solidFill>
+                    <a:schemeClr val="bg1"/>
+                  </a:solidFill>
+                  <a:prstDash val="solid"/>
+                </a:ln>
+                <a:solidFill>
+                  <a:schemeClr val="accent5"/>
+                </a:solidFill>
+                <a:effectLst>
+                  <a:outerShdw blurRad="12700" dist="38100" dir="2700000" algn="tl" rotWithShape="0">
+                    <a:schemeClr val="accent5">
+                      <a:lumMod val="60000"/>
+                      <a:lumOff val="40000"/>
+                    </a:schemeClr>
+                  </a:outerShdw>
+                </a:effectLst>
+              </a:rPr>
+              <a:t>SIGIE</a:t>
+            </a:r>
+            <a:endParaRPr lang="es-ES" sz="4000" b="1" cap="none" spc="0" dirty="0">
+              <a:ln w="9525">
+                <a:solidFill>
+                  <a:schemeClr val="bg1"/>
+                </a:solidFill>
+                <a:prstDash val="solid"/>
+              </a:ln>
+              <a:solidFill>
+                <a:schemeClr val="accent5"/>
+              </a:solidFill>
+              <a:effectLst>
+                <a:outerShdw blurRad="12700" dist="38100" dir="2700000" algn="tl" rotWithShape="0">
+                  <a:schemeClr val="accent5">
+                    <a:lumMod val="60000"/>
+                    <a:lumOff val="40000"/>
+                  </a:schemeClr>
+                </a:outerShdw>
+              </a:effectLst>
+            </a:endParaRPr>
+          </a:p>
+        </p:txBody>
+      </p:sp>
+      <p:sp>
+        <p:nvSpPr>
+          <p:cNvPr id="8" name="CuadroTexto 7"/>
+          <p:cNvSpPr txBox="1"/>
+          <p:nvPr/>
+        </p:nvSpPr>
+        <p:spPr>
+          <a:xfrm>
+            <a:off x="1351722" y="357809"/>
+            <a:ext cx="2748894" cy="369332"/>
+          </a:xfrm>
+          <a:prstGeom prst="rect">
+            <a:avLst/>
+          </a:prstGeom>
+          <a:noFill/>
+        </p:spPr>
+        <p:txBody>
+          <a:bodyPr wrap="none" rtlCol="0">
+            <a:spAutoFit/>
+          </a:bodyPr>
+          <a:lstStyle/>
+          <a:p>
+            <a:r>
+              <a:rPr lang="es-GT" dirty="0"/>
+              <a:t>Información de estudiantes</a:t>
+            </a:r>
+          </a:p>
+        </p:txBody>
+      </p:sp>
+    </p:spTree>
+    <p:extLst>
+      <p:ext uri="{BB962C8B-B14F-4D97-AF65-F5344CB8AC3E}">
+        <p14:creationId xmlns:p14="http://schemas.microsoft.com/office/powerpoint/2010/main" val="1493746140"/>
+      </p:ext>
+    </p:extLst>
+  </p:cSld>
+  <p:clrMapOvr>
+    <a:masterClrMapping/>
+  </p:clrMapOvr>
+</p:sld>
+</file>
+
 <file path=ppt/theme/theme1.xml><?xml version="1.0" encoding="utf-8"?>
 <a:theme xmlns:a="http://schemas.openxmlformats.org/drawingml/2006/main" name="Tema de Office">
   <a:themeElements>

--- a/Documentacion/MapaDeNavegacion.pptx
+++ b/Documentacion/MapaDeNavegacion.pptx
@@ -9,7 +9,14 @@
     <p:sldId id="257" r:id="rId3"/>
     <p:sldId id="258" r:id="rId4"/>
     <p:sldId id="259" r:id="rId5"/>
-    <p:sldId id="261" r:id="rId6"/>
+    <p:sldId id="268" r:id="rId6"/>
+    <p:sldId id="261" r:id="rId7"/>
+    <p:sldId id="263" r:id="rId8"/>
+    <p:sldId id="264" r:id="rId9"/>
+    <p:sldId id="265" r:id="rId10"/>
+    <p:sldId id="266" r:id="rId11"/>
+    <p:sldId id="267" r:id="rId12"/>
+    <p:sldId id="269" r:id="rId13"/>
   </p:sldIdLst>
   <p:sldSz cx="12192000" cy="6858000"/>
   <p:notesSz cx="6858000" cy="9144000"/>
@@ -247,7 +254,7 @@
           <a:p>
             <a:fld id="{6C0DDE51-EE13-4411-8EE6-8EC10941598C}" type="datetimeFigureOut">
               <a:rPr lang="es-GT" smtClean="0"/>
-              <a:t>3/04/2016</a:t>
+              <a:t>4/04/2016</a:t>
             </a:fld>
             <a:endParaRPr lang="es-GT"/>
           </a:p>
@@ -417,7 +424,7 @@
           <a:p>
             <a:fld id="{6C0DDE51-EE13-4411-8EE6-8EC10941598C}" type="datetimeFigureOut">
               <a:rPr lang="es-GT" smtClean="0"/>
-              <a:t>3/04/2016</a:t>
+              <a:t>4/04/2016</a:t>
             </a:fld>
             <a:endParaRPr lang="es-GT"/>
           </a:p>
@@ -597,7 +604,7 @@
           <a:p>
             <a:fld id="{6C0DDE51-EE13-4411-8EE6-8EC10941598C}" type="datetimeFigureOut">
               <a:rPr lang="es-GT" smtClean="0"/>
-              <a:t>3/04/2016</a:t>
+              <a:t>4/04/2016</a:t>
             </a:fld>
             <a:endParaRPr lang="es-GT"/>
           </a:p>
@@ -767,7 +774,7 @@
           <a:p>
             <a:fld id="{6C0DDE51-EE13-4411-8EE6-8EC10941598C}" type="datetimeFigureOut">
               <a:rPr lang="es-GT" smtClean="0"/>
-              <a:t>3/04/2016</a:t>
+              <a:t>4/04/2016</a:t>
             </a:fld>
             <a:endParaRPr lang="es-GT"/>
           </a:p>
@@ -1013,7 +1020,7 @@
           <a:p>
             <a:fld id="{6C0DDE51-EE13-4411-8EE6-8EC10941598C}" type="datetimeFigureOut">
               <a:rPr lang="es-GT" smtClean="0"/>
-              <a:t>3/04/2016</a:t>
+              <a:t>4/04/2016</a:t>
             </a:fld>
             <a:endParaRPr lang="es-GT"/>
           </a:p>
@@ -1245,7 +1252,7 @@
           <a:p>
             <a:fld id="{6C0DDE51-EE13-4411-8EE6-8EC10941598C}" type="datetimeFigureOut">
               <a:rPr lang="es-GT" smtClean="0"/>
-              <a:t>3/04/2016</a:t>
+              <a:t>4/04/2016</a:t>
             </a:fld>
             <a:endParaRPr lang="es-GT"/>
           </a:p>
@@ -1612,7 +1619,7 @@
           <a:p>
             <a:fld id="{6C0DDE51-EE13-4411-8EE6-8EC10941598C}" type="datetimeFigureOut">
               <a:rPr lang="es-GT" smtClean="0"/>
-              <a:t>3/04/2016</a:t>
+              <a:t>4/04/2016</a:t>
             </a:fld>
             <a:endParaRPr lang="es-GT"/>
           </a:p>
@@ -1730,7 +1737,7 @@
           <a:p>
             <a:fld id="{6C0DDE51-EE13-4411-8EE6-8EC10941598C}" type="datetimeFigureOut">
               <a:rPr lang="es-GT" smtClean="0"/>
-              <a:t>3/04/2016</a:t>
+              <a:t>4/04/2016</a:t>
             </a:fld>
             <a:endParaRPr lang="es-GT"/>
           </a:p>
@@ -1825,7 +1832,7 @@
           <a:p>
             <a:fld id="{6C0DDE51-EE13-4411-8EE6-8EC10941598C}" type="datetimeFigureOut">
               <a:rPr lang="es-GT" smtClean="0"/>
-              <a:t>3/04/2016</a:t>
+              <a:t>4/04/2016</a:t>
             </a:fld>
             <a:endParaRPr lang="es-GT"/>
           </a:p>
@@ -2102,7 +2109,7 @@
           <a:p>
             <a:fld id="{6C0DDE51-EE13-4411-8EE6-8EC10941598C}" type="datetimeFigureOut">
               <a:rPr lang="es-GT" smtClean="0"/>
-              <a:t>3/04/2016</a:t>
+              <a:t>4/04/2016</a:t>
             </a:fld>
             <a:endParaRPr lang="es-GT"/>
           </a:p>
@@ -2355,7 +2362,7 @@
           <a:p>
             <a:fld id="{6C0DDE51-EE13-4411-8EE6-8EC10941598C}" type="datetimeFigureOut">
               <a:rPr lang="es-GT" smtClean="0"/>
-              <a:t>3/04/2016</a:t>
+              <a:t>4/04/2016</a:t>
             </a:fld>
             <a:endParaRPr lang="es-GT"/>
           </a:p>
@@ -2568,7 +2575,7 @@
           <a:p>
             <a:fld id="{6C0DDE51-EE13-4411-8EE6-8EC10941598C}" type="datetimeFigureOut">
               <a:rPr lang="es-GT" smtClean="0"/>
-              <a:t>3/04/2016</a:t>
+              <a:t>4/04/2016</a:t>
             </a:fld>
             <a:endParaRPr lang="es-GT"/>
           </a:p>
@@ -4216,7 +4223,7 @@
 </p:sld>
 </file>
 
-<file path=ppt/slides/slide2.xml><?xml version="1.0" encoding="utf-8"?>
+<file path=ppt/slides/slide10.xml><?xml version="1.0" encoding="utf-8"?>
 <p:sld xmlns:a="http://schemas.openxmlformats.org/drawingml/2006/main" xmlns:r="http://schemas.openxmlformats.org/officeDocument/2006/relationships" xmlns:p="http://schemas.openxmlformats.org/presentationml/2006/main">
   <p:cSld>
     <p:spTree>
@@ -4327,8 +4334,8 @@
         </p:blipFill>
         <p:spPr>
           <a:xfrm>
-            <a:off x="225287" y="2783964"/>
-            <a:ext cx="4300396" cy="3616836"/>
+            <a:off x="225287" y="5234609"/>
+            <a:ext cx="1386593" cy="1166190"/>
           </a:xfrm>
           <a:prstGeom prst="rect">
             <a:avLst/>
@@ -4337,133 +4344,41 @@
       </p:pic>
       <p:sp>
         <p:nvSpPr>
-          <p:cNvPr id="4" name="Rectángulo 3"/>
-          <p:cNvSpPr/>
-          <p:nvPr/>
-        </p:nvSpPr>
-        <p:spPr>
-          <a:xfrm>
-            <a:off x="6864626" y="3087756"/>
-            <a:ext cx="2213113" cy="450574"/>
-          </a:xfrm>
-          <a:prstGeom prst="rect">
-            <a:avLst/>
-          </a:prstGeom>
-        </p:spPr>
-        <p:style>
-          <a:lnRef idx="2">
-            <a:schemeClr val="accent1"/>
-          </a:lnRef>
-          <a:fillRef idx="1">
+          <p:cNvPr id="6" name="Rectángulo redondeado 5"/>
+          <p:cNvSpPr/>
+          <p:nvPr/>
+        </p:nvSpPr>
+        <p:spPr>
+          <a:xfrm>
+            <a:off x="10508975" y="5751444"/>
+            <a:ext cx="1229464" cy="543339"/>
+          </a:xfrm>
+          <a:prstGeom prst="roundRect">
+            <a:avLst/>
+          </a:prstGeom>
+        </p:spPr>
+        <p:style>
+          <a:lnRef idx="0">
+            <a:schemeClr val="accent1"/>
+          </a:lnRef>
+          <a:fillRef idx="3">
+            <a:schemeClr val="accent1"/>
+          </a:fillRef>
+          <a:effectRef idx="3">
+            <a:schemeClr val="accent1"/>
+          </a:effectRef>
+          <a:fontRef idx="minor">
             <a:schemeClr val="lt1"/>
-          </a:fillRef>
-          <a:effectRef idx="0">
-            <a:schemeClr val="accent1"/>
-          </a:effectRef>
-          <a:fontRef idx="minor">
-            <a:schemeClr val="dk1"/>
           </a:fontRef>
         </p:style>
         <p:txBody>
           <a:bodyPr rtlCol="0" anchor="ctr"/>
           <a:lstStyle/>
           <a:p>
-            <a:r>
-              <a:rPr lang="es-GT" dirty="0">
-                <a:solidFill>
-                  <a:schemeClr val="bg1">
-                    <a:lumMod val="65000"/>
-                  </a:schemeClr>
-                </a:solidFill>
-              </a:rPr>
-              <a:t>Usuario</a:t>
-            </a:r>
-          </a:p>
-        </p:txBody>
-      </p:sp>
-      <p:sp>
-        <p:nvSpPr>
-          <p:cNvPr id="5" name="Rectángulo 4"/>
-          <p:cNvSpPr/>
-          <p:nvPr/>
-        </p:nvSpPr>
-        <p:spPr>
-          <a:xfrm>
-            <a:off x="6864626" y="3738120"/>
-            <a:ext cx="2213113" cy="450574"/>
-          </a:xfrm>
-          <a:prstGeom prst="rect">
-            <a:avLst/>
-          </a:prstGeom>
-        </p:spPr>
-        <p:style>
-          <a:lnRef idx="2">
-            <a:schemeClr val="accent1"/>
-          </a:lnRef>
-          <a:fillRef idx="1">
-            <a:schemeClr val="lt1"/>
-          </a:fillRef>
-          <a:effectRef idx="0">
-            <a:schemeClr val="accent1"/>
-          </a:effectRef>
-          <a:fontRef idx="minor">
-            <a:schemeClr val="dk1"/>
-          </a:fontRef>
-        </p:style>
-        <p:txBody>
-          <a:bodyPr rtlCol="0" anchor="ctr"/>
-          <a:lstStyle/>
-          <a:p>
-            <a:r>
-              <a:rPr lang="es-GT" dirty="0">
-                <a:solidFill>
-                  <a:schemeClr val="bg1">
-                    <a:lumMod val="65000"/>
-                  </a:schemeClr>
-                </a:solidFill>
-              </a:rPr>
-              <a:t>Contraseña</a:t>
-            </a:r>
-          </a:p>
-        </p:txBody>
-      </p:sp>
-      <p:sp>
-        <p:nvSpPr>
-          <p:cNvPr id="6" name="Rectángulo redondeado 5"/>
-          <p:cNvSpPr/>
-          <p:nvPr/>
-        </p:nvSpPr>
-        <p:spPr>
-          <a:xfrm>
-            <a:off x="8216348" y="4388484"/>
-            <a:ext cx="861391" cy="357809"/>
-          </a:xfrm>
-          <a:prstGeom prst="roundRect">
-            <a:avLst/>
-          </a:prstGeom>
-        </p:spPr>
-        <p:style>
-          <a:lnRef idx="0">
-            <a:schemeClr val="accent1"/>
-          </a:lnRef>
-          <a:fillRef idx="3">
-            <a:schemeClr val="accent1"/>
-          </a:fillRef>
-          <a:effectRef idx="3">
-            <a:schemeClr val="accent1"/>
-          </a:effectRef>
-          <a:fontRef idx="minor">
-            <a:schemeClr val="lt1"/>
-          </a:fontRef>
-        </p:style>
-        <p:txBody>
-          <a:bodyPr rtlCol="0" anchor="ctr"/>
-          <a:lstStyle/>
-          <a:p>
             <a:pPr algn="ctr"/>
             <a:r>
               <a:rPr lang="es-GT" dirty="0"/>
-              <a:t>Iniciar</a:t>
+              <a:t>Finalizar</a:t>
             </a:r>
           </a:p>
         </p:txBody>
@@ -4476,8 +4391,8 @@
         </p:nvSpPr>
         <p:spPr>
           <a:xfrm>
-            <a:off x="1057897" y="1129457"/>
-            <a:ext cx="9983439" cy="1323439"/>
+            <a:off x="10815645" y="1091410"/>
+            <a:ext cx="1058303" cy="584775"/>
           </a:xfrm>
           <a:prstGeom prst="rect">
             <a:avLst/>
@@ -4492,32 +4407,7 @@
           <a:p>
             <a:pPr algn="ctr"/>
             <a:r>
-              <a:rPr lang="es-ES" sz="4000" b="1" cap="none" spc="0" dirty="0">
-                <a:ln w="9525">
-                  <a:solidFill>
-                    <a:schemeClr val="bg1"/>
-                  </a:solidFill>
-                  <a:prstDash val="solid"/>
-                </a:ln>
-                <a:solidFill>
-                  <a:schemeClr val="accent5"/>
-                </a:solidFill>
-                <a:effectLst>
-                  <a:outerShdw blurRad="12700" dist="38100" dir="2700000" algn="tl" rotWithShape="0">
-                    <a:schemeClr val="accent5">
-                      <a:lumMod val="60000"/>
-                      <a:lumOff val="40000"/>
-                    </a:schemeClr>
-                  </a:outerShdw>
-                </a:effectLst>
-              </a:rPr>
-              <a:t>Sistema de Gestión de Información Estudiantil</a:t>
-            </a:r>
-          </a:p>
-          <a:p>
-            <a:pPr algn="ctr"/>
-            <a:r>
-              <a:rPr lang="es-ES" sz="4000" b="1" dirty="0">
+              <a:rPr lang="es-ES" sz="3200" b="1" dirty="0">
                 <a:ln w="9525">
                   <a:solidFill>
                     <a:schemeClr val="bg1"/>
@@ -4538,7 +4428,7 @@
               </a:rPr>
               <a:t>SIGIE</a:t>
             </a:r>
-            <a:endParaRPr lang="es-ES" sz="4000" b="1" cap="none" spc="0" dirty="0">
+            <a:endParaRPr lang="es-ES" sz="3200" b="1" cap="none" spc="0" dirty="0">
               <a:ln w="9525">
                 <a:solidFill>
                   <a:schemeClr val="bg1"/>
@@ -4569,7 +4459,7 @@
         <p:spPr>
           <a:xfrm>
             <a:off x="1351722" y="357809"/>
-            <a:ext cx="1648208" cy="369332"/>
+            <a:ext cx="4451796" cy="369332"/>
           </a:xfrm>
           <a:prstGeom prst="rect">
             <a:avLst/>
@@ -4584,15 +4474,605 @@
           <a:p>
             <a:r>
               <a:rPr lang="es-GT" dirty="0"/>
-              <a:t>Inicio de Sesión</a:t>
-            </a:r>
+              <a:t>Inscripción Estudiantes – Datos Encargado (A)</a:t>
+            </a:r>
+          </a:p>
+        </p:txBody>
+      </p:sp>
+      <p:sp>
+        <p:nvSpPr>
+          <p:cNvPr id="10" name="CuadroTexto 9"/>
+          <p:cNvSpPr txBox="1"/>
+          <p:nvPr/>
+        </p:nvSpPr>
+        <p:spPr>
+          <a:xfrm>
+            <a:off x="225287" y="1060174"/>
+            <a:ext cx="4094922" cy="400110"/>
+          </a:xfrm>
+          <a:prstGeom prst="rect">
+            <a:avLst/>
+          </a:prstGeom>
+          <a:noFill/>
+        </p:spPr>
+        <p:txBody>
+          <a:bodyPr wrap="square" rtlCol="0">
+            <a:spAutoFit/>
+          </a:bodyPr>
+          <a:lstStyle/>
+          <a:p>
+            <a:r>
+              <a:rPr lang="es-GT" sz="2000" dirty="0">
+                <a:ln w="0"/>
+                <a:solidFill>
+                  <a:schemeClr val="accent1"/>
+                </a:solidFill>
+                <a:effectLst>
+                  <a:outerShdw blurRad="38100" dist="25400" dir="5400000" algn="ctr" rotWithShape="0">
+                    <a:srgbClr val="6E747A">
+                      <a:alpha val="43000"/>
+                    </a:srgbClr>
+                  </a:outerShdw>
+                </a:effectLst>
+              </a:rPr>
+              <a:t>Ficha de Inscripción</a:t>
+            </a:r>
+          </a:p>
+        </p:txBody>
+      </p:sp>
+      <p:sp>
+        <p:nvSpPr>
+          <p:cNvPr id="4" name="Rectángulo 3"/>
+          <p:cNvSpPr/>
+          <p:nvPr/>
+        </p:nvSpPr>
+        <p:spPr>
+          <a:xfrm>
+            <a:off x="690984" y="1411145"/>
+            <a:ext cx="10058401" cy="4247317"/>
+          </a:xfrm>
+          <a:prstGeom prst="rect">
+            <a:avLst/>
+          </a:prstGeom>
+          <a:noFill/>
+          <a:ln>
+            <a:noFill/>
+          </a:ln>
+        </p:spPr>
+        <p:style>
+          <a:lnRef idx="0">
+            <a:scrgbClr r="0" g="0" b="0"/>
+          </a:lnRef>
+          <a:fillRef idx="0">
+            <a:scrgbClr r="0" g="0" b="0"/>
+          </a:fillRef>
+          <a:effectRef idx="0">
+            <a:scrgbClr r="0" g="0" b="0"/>
+          </a:effectRef>
+          <a:fontRef idx="minor">
+            <a:schemeClr val="accent1"/>
+          </a:fontRef>
+        </p:style>
+        <p:txBody>
+          <a:bodyPr wrap="square">
+            <a:spAutoFit/>
+          </a:bodyPr>
+          <a:lstStyle/>
+          <a:p>
+            <a:pPr>
+              <a:lnSpc>
+                <a:spcPct val="150000"/>
+              </a:lnSpc>
+            </a:pPr>
+            <a:r>
+              <a:rPr lang="es-ES" dirty="0">
+                <a:solidFill>
+                  <a:schemeClr val="accent1">
+                    <a:lumMod val="75000"/>
+                  </a:schemeClr>
+                </a:solidFill>
+              </a:rPr>
+              <a:t>DATOS ENCARGADO (A)</a:t>
+            </a:r>
+          </a:p>
+          <a:p>
+            <a:pPr>
+              <a:lnSpc>
+                <a:spcPct val="150000"/>
+              </a:lnSpc>
+            </a:pPr>
+            <a:r>
+              <a:rPr lang="es-ES" dirty="0">
+                <a:solidFill>
+                  <a:schemeClr val="accent1">
+                    <a:lumMod val="75000"/>
+                  </a:schemeClr>
+                </a:solidFill>
+              </a:rPr>
+              <a:t>Nombre:</a:t>
+            </a:r>
+          </a:p>
+          <a:p>
+            <a:pPr>
+              <a:lnSpc>
+                <a:spcPct val="150000"/>
+              </a:lnSpc>
+            </a:pPr>
+            <a:r>
+              <a:rPr lang="es-ES" dirty="0">
+                <a:solidFill>
+                  <a:schemeClr val="accent1">
+                    <a:lumMod val="75000"/>
+                  </a:schemeClr>
+                </a:solidFill>
+              </a:rPr>
+              <a:t>No. de DPI:</a:t>
+            </a:r>
+          </a:p>
+          <a:p>
+            <a:pPr>
+              <a:lnSpc>
+                <a:spcPct val="150000"/>
+              </a:lnSpc>
+            </a:pPr>
+            <a:r>
+              <a:rPr lang="es-ES" dirty="0">
+                <a:solidFill>
+                  <a:schemeClr val="accent1">
+                    <a:lumMod val="75000"/>
+                  </a:schemeClr>
+                </a:solidFill>
+              </a:rPr>
+              <a:t>Extendida en</a:t>
+            </a:r>
+          </a:p>
+          <a:p>
+            <a:pPr>
+              <a:lnSpc>
+                <a:spcPct val="150000"/>
+              </a:lnSpc>
+            </a:pPr>
+            <a:r>
+              <a:rPr lang="es-ES" dirty="0">
+                <a:solidFill>
+                  <a:schemeClr val="accent1">
+                    <a:lumMod val="75000"/>
+                  </a:schemeClr>
+                </a:solidFill>
+              </a:rPr>
+              <a:t>Lugar de Trabajo:</a:t>
+            </a:r>
+          </a:p>
+          <a:p>
+            <a:pPr>
+              <a:lnSpc>
+                <a:spcPct val="150000"/>
+              </a:lnSpc>
+            </a:pPr>
+            <a:r>
+              <a:rPr lang="es-ES" dirty="0">
+                <a:solidFill>
+                  <a:schemeClr val="accent1">
+                    <a:lumMod val="75000"/>
+                  </a:schemeClr>
+                </a:solidFill>
+              </a:rPr>
+              <a:t>Dirección:</a:t>
+            </a:r>
+          </a:p>
+          <a:p>
+            <a:pPr>
+              <a:lnSpc>
+                <a:spcPct val="150000"/>
+              </a:lnSpc>
+            </a:pPr>
+            <a:r>
+              <a:rPr lang="es-ES" dirty="0">
+                <a:solidFill>
+                  <a:schemeClr val="accent1">
+                    <a:lumMod val="75000"/>
+                  </a:schemeClr>
+                </a:solidFill>
+              </a:rPr>
+              <a:t>Teléfonos:</a:t>
+            </a:r>
+          </a:p>
+          <a:p>
+            <a:pPr>
+              <a:lnSpc>
+                <a:spcPct val="150000"/>
+              </a:lnSpc>
+            </a:pPr>
+            <a:r>
+              <a:rPr lang="es-ES" dirty="0">
+                <a:solidFill>
+                  <a:schemeClr val="accent1">
+                    <a:lumMod val="75000"/>
+                  </a:schemeClr>
+                </a:solidFill>
+              </a:rPr>
+              <a:t>	Casa			    Trabajo			            Celular</a:t>
+            </a:r>
+          </a:p>
+          <a:p>
+            <a:pPr>
+              <a:lnSpc>
+                <a:spcPct val="150000"/>
+              </a:lnSpc>
+            </a:pPr>
+            <a:endParaRPr lang="es-ES" dirty="0">
+              <a:solidFill>
+                <a:schemeClr val="accent1">
+                  <a:lumMod val="75000"/>
+                </a:schemeClr>
+              </a:solidFill>
+            </a:endParaRPr>
+          </a:p>
+          <a:p>
+            <a:pPr>
+              <a:lnSpc>
+                <a:spcPct val="150000"/>
+              </a:lnSpc>
+            </a:pPr>
+            <a:r>
+              <a:rPr lang="es-ES" dirty="0">
+                <a:solidFill>
+                  <a:schemeClr val="accent1">
+                    <a:lumMod val="75000"/>
+                  </a:schemeClr>
+                </a:solidFill>
+              </a:rPr>
+              <a:t>	Observaciones:</a:t>
+            </a:r>
+          </a:p>
+        </p:txBody>
+      </p:sp>
+      <p:sp>
+        <p:nvSpPr>
+          <p:cNvPr id="28" name="Rectángulo 27"/>
+          <p:cNvSpPr/>
+          <p:nvPr/>
+        </p:nvSpPr>
+        <p:spPr>
+          <a:xfrm>
+            <a:off x="1678140" y="1949507"/>
+            <a:ext cx="8481391" cy="360000"/>
+          </a:xfrm>
+          <a:prstGeom prst="rect">
+            <a:avLst/>
+          </a:prstGeom>
+        </p:spPr>
+        <p:style>
+          <a:lnRef idx="2">
+            <a:schemeClr val="accent1"/>
+          </a:lnRef>
+          <a:fillRef idx="1">
+            <a:schemeClr val="lt1"/>
+          </a:fillRef>
+          <a:effectRef idx="0">
+            <a:schemeClr val="accent1"/>
+          </a:effectRef>
+          <a:fontRef idx="minor">
+            <a:schemeClr val="dk1"/>
+          </a:fontRef>
+        </p:style>
+        <p:txBody>
+          <a:bodyPr rtlCol="0" anchor="ctr"/>
+          <a:lstStyle/>
+          <a:p>
+            <a:pPr algn="ctr"/>
+            <a:endParaRPr lang="es-GT"/>
+          </a:p>
+        </p:txBody>
+      </p:sp>
+      <p:sp>
+        <p:nvSpPr>
+          <p:cNvPr id="29" name="Rectángulo 28"/>
+          <p:cNvSpPr/>
+          <p:nvPr/>
+        </p:nvSpPr>
+        <p:spPr>
+          <a:xfrm>
+            <a:off x="1857044" y="2345408"/>
+            <a:ext cx="8302487" cy="360000"/>
+          </a:xfrm>
+          <a:prstGeom prst="rect">
+            <a:avLst/>
+          </a:prstGeom>
+        </p:spPr>
+        <p:style>
+          <a:lnRef idx="2">
+            <a:schemeClr val="accent1"/>
+          </a:lnRef>
+          <a:fillRef idx="1">
+            <a:schemeClr val="lt1"/>
+          </a:fillRef>
+          <a:effectRef idx="0">
+            <a:schemeClr val="accent1"/>
+          </a:effectRef>
+          <a:fontRef idx="minor">
+            <a:schemeClr val="dk1"/>
+          </a:fontRef>
+        </p:style>
+        <p:txBody>
+          <a:bodyPr rtlCol="0" anchor="ctr"/>
+          <a:lstStyle/>
+          <a:p>
+            <a:pPr algn="ctr"/>
+            <a:endParaRPr lang="es-GT"/>
+          </a:p>
+        </p:txBody>
+      </p:sp>
+      <p:sp>
+        <p:nvSpPr>
+          <p:cNvPr id="30" name="Rectángulo 29"/>
+          <p:cNvSpPr/>
+          <p:nvPr/>
+        </p:nvSpPr>
+        <p:spPr>
+          <a:xfrm>
+            <a:off x="2035948" y="2746663"/>
+            <a:ext cx="8123584" cy="360000"/>
+          </a:xfrm>
+          <a:prstGeom prst="rect">
+            <a:avLst/>
+          </a:prstGeom>
+        </p:spPr>
+        <p:style>
+          <a:lnRef idx="2">
+            <a:schemeClr val="accent1"/>
+          </a:lnRef>
+          <a:fillRef idx="1">
+            <a:schemeClr val="lt1"/>
+          </a:fillRef>
+          <a:effectRef idx="0">
+            <a:schemeClr val="accent1"/>
+          </a:effectRef>
+          <a:fontRef idx="minor">
+            <a:schemeClr val="dk1"/>
+          </a:fontRef>
+        </p:style>
+        <p:txBody>
+          <a:bodyPr rtlCol="0" anchor="ctr"/>
+          <a:lstStyle/>
+          <a:p>
+            <a:pPr algn="ctr"/>
+            <a:endParaRPr lang="es-GT"/>
+          </a:p>
+        </p:txBody>
+      </p:sp>
+      <p:sp>
+        <p:nvSpPr>
+          <p:cNvPr id="31" name="Rectángulo 30"/>
+          <p:cNvSpPr/>
+          <p:nvPr/>
+        </p:nvSpPr>
+        <p:spPr>
+          <a:xfrm>
+            <a:off x="2438402" y="3150854"/>
+            <a:ext cx="7721130" cy="360000"/>
+          </a:xfrm>
+          <a:prstGeom prst="rect">
+            <a:avLst/>
+          </a:prstGeom>
+        </p:spPr>
+        <p:style>
+          <a:lnRef idx="2">
+            <a:schemeClr val="accent1"/>
+          </a:lnRef>
+          <a:fillRef idx="1">
+            <a:schemeClr val="lt1"/>
+          </a:fillRef>
+          <a:effectRef idx="0">
+            <a:schemeClr val="accent1"/>
+          </a:effectRef>
+          <a:fontRef idx="minor">
+            <a:schemeClr val="dk1"/>
+          </a:fontRef>
+        </p:style>
+        <p:txBody>
+          <a:bodyPr rtlCol="0" anchor="ctr"/>
+          <a:lstStyle/>
+          <a:p>
+            <a:pPr algn="ctr"/>
+            <a:endParaRPr lang="es-GT"/>
+          </a:p>
+        </p:txBody>
+      </p:sp>
+      <p:sp>
+        <p:nvSpPr>
+          <p:cNvPr id="32" name="Rectángulo 31"/>
+          <p:cNvSpPr/>
+          <p:nvPr/>
+        </p:nvSpPr>
+        <p:spPr>
+          <a:xfrm>
+            <a:off x="1762544" y="3555045"/>
+            <a:ext cx="8396988" cy="360000"/>
+          </a:xfrm>
+          <a:prstGeom prst="rect">
+            <a:avLst/>
+          </a:prstGeom>
+        </p:spPr>
+        <p:style>
+          <a:lnRef idx="2">
+            <a:schemeClr val="accent1"/>
+          </a:lnRef>
+          <a:fillRef idx="1">
+            <a:schemeClr val="lt1"/>
+          </a:fillRef>
+          <a:effectRef idx="0">
+            <a:schemeClr val="accent1"/>
+          </a:effectRef>
+          <a:fontRef idx="minor">
+            <a:schemeClr val="dk1"/>
+          </a:fontRef>
+        </p:style>
+        <p:txBody>
+          <a:bodyPr rtlCol="0" anchor="ctr"/>
+          <a:lstStyle/>
+          <a:p>
+            <a:pPr algn="ctr"/>
+            <a:endParaRPr lang="es-GT"/>
+          </a:p>
+        </p:txBody>
+      </p:sp>
+      <p:sp>
+        <p:nvSpPr>
+          <p:cNvPr id="33" name="Rectángulo 32"/>
+          <p:cNvSpPr/>
+          <p:nvPr/>
+        </p:nvSpPr>
+        <p:spPr>
+          <a:xfrm>
+            <a:off x="2206488" y="4404682"/>
+            <a:ext cx="2246243" cy="360000"/>
+          </a:xfrm>
+          <a:prstGeom prst="rect">
+            <a:avLst/>
+          </a:prstGeom>
+        </p:spPr>
+        <p:style>
+          <a:lnRef idx="2">
+            <a:schemeClr val="accent1"/>
+          </a:lnRef>
+          <a:fillRef idx="1">
+            <a:schemeClr val="lt1"/>
+          </a:fillRef>
+          <a:effectRef idx="0">
+            <a:schemeClr val="accent1"/>
+          </a:effectRef>
+          <a:fontRef idx="minor">
+            <a:schemeClr val="dk1"/>
+          </a:fontRef>
+        </p:style>
+        <p:txBody>
+          <a:bodyPr rtlCol="0" anchor="ctr"/>
+          <a:lstStyle/>
+          <a:p>
+            <a:pPr algn="ctr"/>
+            <a:endParaRPr lang="es-GT"/>
+          </a:p>
+        </p:txBody>
+      </p:sp>
+      <p:sp>
+        <p:nvSpPr>
+          <p:cNvPr id="34" name="Rectángulo 33"/>
+          <p:cNvSpPr/>
+          <p:nvPr/>
+        </p:nvSpPr>
+        <p:spPr>
+          <a:xfrm>
+            <a:off x="5421074" y="4396392"/>
+            <a:ext cx="2246243" cy="360000"/>
+          </a:xfrm>
+          <a:prstGeom prst="rect">
+            <a:avLst/>
+          </a:prstGeom>
+        </p:spPr>
+        <p:style>
+          <a:lnRef idx="2">
+            <a:schemeClr val="accent1"/>
+          </a:lnRef>
+          <a:fillRef idx="1">
+            <a:schemeClr val="lt1"/>
+          </a:fillRef>
+          <a:effectRef idx="0">
+            <a:schemeClr val="accent1"/>
+          </a:effectRef>
+          <a:fontRef idx="minor">
+            <a:schemeClr val="dk1"/>
+          </a:fontRef>
+        </p:style>
+        <p:txBody>
+          <a:bodyPr rtlCol="0" anchor="ctr"/>
+          <a:lstStyle/>
+          <a:p>
+            <a:pPr algn="ctr"/>
+            <a:endParaRPr lang="es-GT"/>
+          </a:p>
+        </p:txBody>
+      </p:sp>
+      <p:sp>
+        <p:nvSpPr>
+          <p:cNvPr id="35" name="Rectángulo 34"/>
+          <p:cNvSpPr/>
+          <p:nvPr/>
+        </p:nvSpPr>
+        <p:spPr>
+          <a:xfrm>
+            <a:off x="8503142" y="4389192"/>
+            <a:ext cx="1656389" cy="360000"/>
+          </a:xfrm>
+          <a:prstGeom prst="rect">
+            <a:avLst/>
+          </a:prstGeom>
+        </p:spPr>
+        <p:style>
+          <a:lnRef idx="2">
+            <a:schemeClr val="accent1"/>
+          </a:lnRef>
+          <a:fillRef idx="1">
+            <a:schemeClr val="lt1"/>
+          </a:fillRef>
+          <a:effectRef idx="0">
+            <a:schemeClr val="accent1"/>
+          </a:effectRef>
+          <a:fontRef idx="minor">
+            <a:schemeClr val="dk1"/>
+          </a:fontRef>
+        </p:style>
+        <p:txBody>
+          <a:bodyPr rtlCol="0" anchor="ctr"/>
+          <a:lstStyle/>
+          <a:p>
+            <a:pPr algn="ctr"/>
+            <a:endParaRPr lang="es-GT"/>
+          </a:p>
+        </p:txBody>
+      </p:sp>
+      <p:sp>
+        <p:nvSpPr>
+          <p:cNvPr id="17" name="Rectángulo 16"/>
+          <p:cNvSpPr/>
+          <p:nvPr/>
+        </p:nvSpPr>
+        <p:spPr>
+          <a:xfrm>
+            <a:off x="3200402" y="5250012"/>
+            <a:ext cx="6959129" cy="845606"/>
+          </a:xfrm>
+          <a:prstGeom prst="rect">
+            <a:avLst/>
+          </a:prstGeom>
+        </p:spPr>
+        <p:style>
+          <a:lnRef idx="2">
+            <a:schemeClr val="accent1"/>
+          </a:lnRef>
+          <a:fillRef idx="1">
+            <a:schemeClr val="lt1"/>
+          </a:fillRef>
+          <a:effectRef idx="0">
+            <a:schemeClr val="accent1"/>
+          </a:effectRef>
+          <a:fontRef idx="minor">
+            <a:schemeClr val="dk1"/>
+          </a:fontRef>
+        </p:style>
+        <p:txBody>
+          <a:bodyPr rtlCol="0" anchor="ctr"/>
+          <a:lstStyle/>
+          <a:p>
+            <a:pPr algn="ctr"/>
+            <a:endParaRPr lang="es-GT"/>
           </a:p>
         </p:txBody>
       </p:sp>
     </p:spTree>
     <p:extLst>
       <p:ext uri="{BB962C8B-B14F-4D97-AF65-F5344CB8AC3E}">
-        <p14:creationId xmlns:p14="http://schemas.microsoft.com/office/powerpoint/2010/main" val="4006645328"/>
+        <p14:creationId xmlns:p14="http://schemas.microsoft.com/office/powerpoint/2010/main" val="3454743923"/>
       </p:ext>
     </p:extLst>
   </p:cSld>
@@ -4602,7 +5082,7 @@
 </p:sld>
 </file>
 
-<file path=ppt/slides/slide3.xml><?xml version="1.0" encoding="utf-8"?>
+<file path=ppt/slides/slide11.xml><?xml version="1.0" encoding="utf-8"?>
 <p:sld xmlns:a="http://schemas.openxmlformats.org/drawingml/2006/main" xmlns:r="http://schemas.openxmlformats.org/officeDocument/2006/relationships" xmlns:p="http://schemas.openxmlformats.org/presentationml/2006/main">
   <p:cSld>
     <p:spTree>
@@ -4708,12 +5188,13 @@
               </a:ext>
             </a:extLst>
           </a:blip>
+          <a:srcRect l="22709" b="14423"/>
           <a:stretch/>
         </p:blipFill>
         <p:spPr>
           <a:xfrm>
-            <a:off x="3678110" y="1843059"/>
-            <a:ext cx="5240604" cy="3980844"/>
+            <a:off x="225287" y="2783964"/>
+            <a:ext cx="4300396" cy="3616836"/>
           </a:xfrm>
           <a:prstGeom prst="rect">
             <a:avLst/>
@@ -4722,14 +5203,101 @@
       </p:pic>
       <p:sp>
         <p:nvSpPr>
-          <p:cNvPr id="4" name="CuadroTexto 3"/>
+          <p:cNvPr id="4" name="Rectángulo 3"/>
+          <p:cNvSpPr/>
+          <p:nvPr/>
+        </p:nvSpPr>
+        <p:spPr>
+          <a:xfrm>
+            <a:off x="6864626" y="3087756"/>
+            <a:ext cx="2213113" cy="450574"/>
+          </a:xfrm>
+          <a:prstGeom prst="rect">
+            <a:avLst/>
+          </a:prstGeom>
+        </p:spPr>
+        <p:style>
+          <a:lnRef idx="2">
+            <a:schemeClr val="accent1"/>
+          </a:lnRef>
+          <a:fillRef idx="1">
+            <a:schemeClr val="lt1"/>
+          </a:fillRef>
+          <a:effectRef idx="0">
+            <a:schemeClr val="accent1"/>
+          </a:effectRef>
+          <a:fontRef idx="minor">
+            <a:schemeClr val="dk1"/>
+          </a:fontRef>
+        </p:style>
+        <p:txBody>
+          <a:bodyPr rtlCol="0" anchor="ctr"/>
+          <a:lstStyle/>
+          <a:p>
+            <a:r>
+              <a:rPr lang="es-GT" dirty="0">
+                <a:solidFill>
+                  <a:schemeClr val="bg1">
+                    <a:lumMod val="65000"/>
+                  </a:schemeClr>
+                </a:solidFill>
+              </a:rPr>
+              <a:t>Código Personal</a:t>
+            </a:r>
+          </a:p>
+        </p:txBody>
+      </p:sp>
+      <p:sp>
+        <p:nvSpPr>
+          <p:cNvPr id="6" name="Rectángulo redondeado 5"/>
+          <p:cNvSpPr/>
+          <p:nvPr/>
+        </p:nvSpPr>
+        <p:spPr>
+          <a:xfrm>
+            <a:off x="7971182" y="3730487"/>
+            <a:ext cx="1113182" cy="357809"/>
+          </a:xfrm>
+          <a:prstGeom prst="roundRect">
+            <a:avLst/>
+          </a:prstGeom>
+        </p:spPr>
+        <p:style>
+          <a:lnRef idx="0">
+            <a:schemeClr val="accent1"/>
+          </a:lnRef>
+          <a:fillRef idx="3">
+            <a:schemeClr val="accent1"/>
+          </a:fillRef>
+          <a:effectRef idx="3">
+            <a:schemeClr val="accent1"/>
+          </a:effectRef>
+          <a:fontRef idx="minor">
+            <a:schemeClr val="lt1"/>
+          </a:fontRef>
+        </p:style>
+        <p:txBody>
+          <a:bodyPr rtlCol="0" anchor="ctr"/>
+          <a:lstStyle/>
+          <a:p>
+            <a:pPr algn="ctr"/>
+            <a:r>
+              <a:rPr lang="es-GT" dirty="0"/>
+              <a:t>Consultar</a:t>
+            </a:r>
+          </a:p>
+        </p:txBody>
+      </p:sp>
+      <p:sp>
+        <p:nvSpPr>
+          <p:cNvPr id="8" name="CuadroTexto 7"/>
           <p:cNvSpPr txBox="1"/>
           <p:nvPr/>
         </p:nvSpPr>
         <p:spPr>
           <a:xfrm>
             <a:off x="1351722" y="357809"/>
-            <a:ext cx="2642903" cy="369332"/>
+            <a:ext cx="3692614" cy="369332"/>
           </a:xfrm>
           <a:prstGeom prst="rect">
             <a:avLst/>
@@ -4744,317 +5312,21 @@
           <a:p>
             <a:r>
               <a:rPr lang="es-GT" dirty="0"/>
-              <a:t>Pagina de Inicio Secretaria</a:t>
-            </a:r>
-          </a:p>
-        </p:txBody>
-      </p:sp>
-      <p:sp>
-        <p:nvSpPr>
-          <p:cNvPr id="6" name="Esquina doblada 5"/>
-          <p:cNvSpPr/>
-          <p:nvPr/>
-        </p:nvSpPr>
-        <p:spPr>
-          <a:xfrm>
-            <a:off x="225286" y="3412435"/>
-            <a:ext cx="2777721" cy="834886"/>
-          </a:xfrm>
-          <a:prstGeom prst="foldedCorner">
-            <a:avLst/>
-          </a:prstGeom>
-        </p:spPr>
-        <p:style>
-          <a:lnRef idx="2">
-            <a:schemeClr val="accent1">
-              <a:shade val="50000"/>
-            </a:schemeClr>
-          </a:lnRef>
-          <a:fillRef idx="1">
-            <a:schemeClr val="accent1"/>
-          </a:fillRef>
-          <a:effectRef idx="0">
-            <a:schemeClr val="accent1"/>
-          </a:effectRef>
-          <a:fontRef idx="minor">
-            <a:schemeClr val="lt1"/>
-          </a:fontRef>
-        </p:style>
-        <p:txBody>
-          <a:bodyPr rtlCol="0" anchor="ctr"/>
-          <a:lstStyle/>
-          <a:p>
-            <a:pPr algn="ctr"/>
-            <a:endParaRPr lang="es-GT"/>
-          </a:p>
-        </p:txBody>
-      </p:sp>
-      <p:sp>
-        <p:nvSpPr>
-          <p:cNvPr id="7" name="Esquina doblada 6"/>
-          <p:cNvSpPr/>
-          <p:nvPr/>
-        </p:nvSpPr>
-        <p:spPr>
-          <a:xfrm>
-            <a:off x="225283" y="1676400"/>
-            <a:ext cx="2777721" cy="834886"/>
-          </a:xfrm>
-          <a:prstGeom prst="foldedCorner">
-            <a:avLst/>
-          </a:prstGeom>
-        </p:spPr>
-        <p:style>
-          <a:lnRef idx="2">
-            <a:schemeClr val="accent1">
-              <a:shade val="50000"/>
-            </a:schemeClr>
-          </a:lnRef>
-          <a:fillRef idx="1">
-            <a:schemeClr val="accent1"/>
-          </a:fillRef>
-          <a:effectRef idx="0">
-            <a:schemeClr val="accent1"/>
-          </a:effectRef>
-          <a:fontRef idx="minor">
-            <a:schemeClr val="lt1"/>
-          </a:fontRef>
-        </p:style>
-        <p:txBody>
-          <a:bodyPr rtlCol="0" anchor="ctr"/>
-          <a:lstStyle/>
-          <a:p>
-            <a:pPr algn="ctr"/>
-            <a:r>
-              <a:rPr lang="es-GT" dirty="0"/>
-              <a:t>Información de Personal</a:t>
-            </a:r>
-          </a:p>
-        </p:txBody>
-      </p:sp>
-      <p:sp>
-        <p:nvSpPr>
-          <p:cNvPr id="8" name="Esquina doblada 7"/>
-          <p:cNvSpPr/>
-          <p:nvPr/>
-        </p:nvSpPr>
-        <p:spPr>
-          <a:xfrm>
-            <a:off x="225284" y="3412435"/>
-            <a:ext cx="2777721" cy="834886"/>
-          </a:xfrm>
-          <a:prstGeom prst="foldedCorner">
-            <a:avLst/>
-          </a:prstGeom>
-        </p:spPr>
-        <p:style>
-          <a:lnRef idx="2">
-            <a:schemeClr val="accent1">
-              <a:shade val="50000"/>
-            </a:schemeClr>
-          </a:lnRef>
-          <a:fillRef idx="1">
-            <a:schemeClr val="accent1"/>
-          </a:fillRef>
-          <a:effectRef idx="0">
-            <a:schemeClr val="accent1"/>
-          </a:effectRef>
-          <a:fontRef idx="minor">
-            <a:schemeClr val="lt1"/>
-          </a:fontRef>
-        </p:style>
-        <p:txBody>
-          <a:bodyPr rtlCol="0" anchor="ctr"/>
-          <a:lstStyle/>
-          <a:p>
-            <a:pPr algn="ctr"/>
-            <a:r>
-              <a:rPr lang="es-GT" dirty="0"/>
-              <a:t>Pagos</a:t>
-            </a:r>
-          </a:p>
-        </p:txBody>
-      </p:sp>
-      <p:sp>
-        <p:nvSpPr>
-          <p:cNvPr id="9" name="Esquina doblada 8"/>
-          <p:cNvSpPr/>
-          <p:nvPr/>
-        </p:nvSpPr>
-        <p:spPr>
-          <a:xfrm>
-            <a:off x="225284" y="5148470"/>
-            <a:ext cx="2777721" cy="834886"/>
-          </a:xfrm>
-          <a:prstGeom prst="foldedCorner">
-            <a:avLst/>
-          </a:prstGeom>
-        </p:spPr>
-        <p:style>
-          <a:lnRef idx="0">
-            <a:schemeClr val="accent3"/>
-          </a:lnRef>
-          <a:fillRef idx="3">
-            <a:schemeClr val="accent3"/>
-          </a:fillRef>
-          <a:effectRef idx="3">
-            <a:schemeClr val="accent3"/>
-          </a:effectRef>
-          <a:fontRef idx="minor">
-            <a:schemeClr val="lt1"/>
-          </a:fontRef>
-        </p:style>
-        <p:txBody>
-          <a:bodyPr rtlCol="0" anchor="ctr"/>
-          <a:lstStyle/>
-          <a:p>
-            <a:pPr algn="ctr"/>
-            <a:r>
-              <a:rPr lang="es-GT" dirty="0"/>
-              <a:t>Administración</a:t>
-            </a:r>
-          </a:p>
-        </p:txBody>
-      </p:sp>
-      <p:sp>
-        <p:nvSpPr>
-          <p:cNvPr id="17" name="Esquina doblada 16"/>
-          <p:cNvSpPr/>
-          <p:nvPr/>
-        </p:nvSpPr>
-        <p:spPr>
-          <a:xfrm flipH="1">
-            <a:off x="9096227" y="1676400"/>
-            <a:ext cx="2777721" cy="834886"/>
-          </a:xfrm>
-          <a:prstGeom prst="foldedCorner">
-            <a:avLst/>
-          </a:prstGeom>
-        </p:spPr>
-        <p:style>
-          <a:lnRef idx="2">
-            <a:schemeClr val="accent1">
-              <a:shade val="50000"/>
-            </a:schemeClr>
-          </a:lnRef>
-          <a:fillRef idx="1">
-            <a:schemeClr val="accent1"/>
-          </a:fillRef>
-          <a:effectRef idx="0">
-            <a:schemeClr val="accent1"/>
-          </a:effectRef>
-          <a:fontRef idx="minor">
-            <a:schemeClr val="lt1"/>
-          </a:fontRef>
-        </p:style>
-        <p:txBody>
-          <a:bodyPr rtlCol="0" anchor="ctr"/>
-          <a:lstStyle/>
-          <a:p>
-            <a:pPr algn="ctr"/>
-            <a:r>
-              <a:rPr lang="es-GT" dirty="0"/>
-              <a:t>Inscripción</a:t>
-            </a:r>
-          </a:p>
-        </p:txBody>
-      </p:sp>
-      <p:sp>
-        <p:nvSpPr>
-          <p:cNvPr id="18" name="Esquina doblada 17"/>
-          <p:cNvSpPr/>
-          <p:nvPr/>
-        </p:nvSpPr>
-        <p:spPr>
-          <a:xfrm flipH="1">
-            <a:off x="9096226" y="3313044"/>
-            <a:ext cx="2777721" cy="834886"/>
-          </a:xfrm>
-          <a:prstGeom prst="foldedCorner">
-            <a:avLst/>
-          </a:prstGeom>
-        </p:spPr>
-        <p:style>
-          <a:lnRef idx="2">
-            <a:schemeClr val="accent1">
-              <a:shade val="50000"/>
-            </a:schemeClr>
-          </a:lnRef>
-          <a:fillRef idx="1">
-            <a:schemeClr val="accent1"/>
-          </a:fillRef>
-          <a:effectRef idx="0">
-            <a:schemeClr val="accent1"/>
-          </a:effectRef>
-          <a:fontRef idx="minor">
-            <a:schemeClr val="lt1"/>
-          </a:fontRef>
-        </p:style>
-        <p:txBody>
-          <a:bodyPr rtlCol="0" anchor="ctr"/>
-          <a:lstStyle/>
-          <a:p>
-            <a:pPr algn="ctr"/>
-            <a:r>
-              <a:rPr lang="es-GT" dirty="0"/>
-              <a:t>Notas</a:t>
-            </a:r>
-          </a:p>
-        </p:txBody>
-      </p:sp>
-      <p:sp>
-        <p:nvSpPr>
-          <p:cNvPr id="19" name="Esquina doblada 18"/>
-          <p:cNvSpPr/>
-          <p:nvPr/>
-        </p:nvSpPr>
-        <p:spPr>
-          <a:xfrm flipH="1">
-            <a:off x="9096225" y="5148470"/>
-            <a:ext cx="2777721" cy="834886"/>
-          </a:xfrm>
-          <a:prstGeom prst="foldedCorner">
-            <a:avLst/>
-          </a:prstGeom>
-        </p:spPr>
-        <p:style>
-          <a:lnRef idx="2">
-            <a:schemeClr val="accent1">
-              <a:shade val="50000"/>
-            </a:schemeClr>
-          </a:lnRef>
-          <a:fillRef idx="1">
-            <a:schemeClr val="accent1"/>
-          </a:fillRef>
-          <a:effectRef idx="0">
-            <a:schemeClr val="accent1"/>
-          </a:effectRef>
-          <a:fontRef idx="minor">
-            <a:schemeClr val="lt1"/>
-          </a:fontRef>
-        </p:style>
-        <p:txBody>
-          <a:bodyPr rtlCol="0" anchor="ctr"/>
-          <a:lstStyle/>
-          <a:p>
-            <a:pPr algn="ctr"/>
-            <a:r>
-              <a:rPr lang="es-GT" dirty="0"/>
-              <a:t>Listados</a:t>
-            </a:r>
-          </a:p>
-        </p:txBody>
-      </p:sp>
-      <p:sp>
-        <p:nvSpPr>
-          <p:cNvPr id="20" name="Rectángulo 19"/>
-          <p:cNvSpPr/>
-          <p:nvPr/>
-        </p:nvSpPr>
-        <p:spPr>
-          <a:xfrm>
-            <a:off x="5628198" y="1135173"/>
-            <a:ext cx="1276311" cy="707886"/>
+              <a:t>Consulta de Información de Alumnos</a:t>
+            </a:r>
+          </a:p>
+        </p:txBody>
+      </p:sp>
+      <p:sp>
+        <p:nvSpPr>
+          <p:cNvPr id="9" name="Rectángulo 8"/>
+          <p:cNvSpPr/>
+          <p:nvPr/>
+        </p:nvSpPr>
+        <p:spPr>
+          <a:xfrm>
+            <a:off x="10815645" y="1091410"/>
+            <a:ext cx="1058303" cy="584775"/>
           </a:xfrm>
           <a:prstGeom prst="rect">
             <a:avLst/>
@@ -5069,7 +5341,7 @@
           <a:p>
             <a:pPr algn="ctr"/>
             <a:r>
-              <a:rPr lang="es-ES" sz="4000" b="1" dirty="0">
+              <a:rPr lang="es-ES" sz="3200" b="1" dirty="0">
                 <a:ln w="9525">
                   <a:solidFill>
                     <a:schemeClr val="bg1"/>
@@ -5090,7 +5362,7 @@
               </a:rPr>
               <a:t>SIGIE</a:t>
             </a:r>
-            <a:endParaRPr lang="es-ES" sz="4000" b="1" cap="none" spc="0" dirty="0">
+            <a:endParaRPr lang="es-ES" sz="3200" b="1" cap="none" spc="0" dirty="0">
               <a:ln w="9525">
                 <a:solidFill>
                   <a:schemeClr val="bg1"/>
@@ -5114,14 +5386,14 @@
       </p:sp>
       <p:sp>
         <p:nvSpPr>
-          <p:cNvPr id="21" name="Rectángulo 20"/>
-          <p:cNvSpPr/>
-          <p:nvPr/>
-        </p:nvSpPr>
-        <p:spPr>
-          <a:xfrm>
-            <a:off x="5628198" y="5692914"/>
-            <a:ext cx="1340432" cy="707886"/>
+          <p:cNvPr id="10" name="Rectángulo 9"/>
+          <p:cNvSpPr/>
+          <p:nvPr/>
+        </p:nvSpPr>
+        <p:spPr>
+          <a:xfrm>
+            <a:off x="1602318" y="1091410"/>
+            <a:ext cx="7836312" cy="707886"/>
           </a:xfrm>
           <a:prstGeom prst="rect">
             <a:avLst/>
@@ -5136,7 +5408,7 @@
           <a:p>
             <a:pPr algn="ctr"/>
             <a:r>
-              <a:rPr lang="es-ES" sz="4000" b="1" dirty="0">
+              <a:rPr lang="es-ES" sz="4000" b="1" cap="none" spc="0" dirty="0">
                 <a:ln w="9525">
                   <a:solidFill>
                     <a:schemeClr val="bg1"/>
@@ -5155,120 +5427,7 @@
                   </a:outerShdw>
                 </a:effectLst>
               </a:rPr>
-              <a:t>Inicio</a:t>
-            </a:r>
-            <a:endParaRPr lang="es-ES" sz="4000" b="1" cap="none" spc="0" dirty="0">
-              <a:ln w="9525">
-                <a:solidFill>
-                  <a:schemeClr val="bg1"/>
-                </a:solidFill>
-                <a:prstDash val="solid"/>
-              </a:ln>
-              <a:solidFill>
-                <a:schemeClr val="accent5"/>
-              </a:solidFill>
-              <a:effectLst>
-                <a:outerShdw blurRad="12700" dist="38100" dir="2700000" algn="tl" rotWithShape="0">
-                  <a:schemeClr val="accent5">
-                    <a:lumMod val="60000"/>
-                    <a:lumOff val="40000"/>
-                  </a:schemeClr>
-                </a:outerShdw>
-              </a:effectLst>
-            </a:endParaRPr>
-          </a:p>
-        </p:txBody>
-      </p:sp>
-      <p:sp>
-        <p:nvSpPr>
-          <p:cNvPr id="22" name="Esquina doblada 21"/>
-          <p:cNvSpPr/>
-          <p:nvPr/>
-        </p:nvSpPr>
-        <p:spPr>
-          <a:xfrm flipH="1">
-            <a:off x="10376452" y="1060174"/>
-            <a:ext cx="1497494" cy="397564"/>
-          </a:xfrm>
-          <a:prstGeom prst="foldedCorner">
-            <a:avLst/>
-          </a:prstGeom>
-        </p:spPr>
-        <p:style>
-          <a:lnRef idx="2">
-            <a:schemeClr val="accent5"/>
-          </a:lnRef>
-          <a:fillRef idx="1">
-            <a:schemeClr val="lt1"/>
-          </a:fillRef>
-          <a:effectRef idx="0">
-            <a:schemeClr val="accent5"/>
-          </a:effectRef>
-          <a:fontRef idx="minor">
-            <a:schemeClr val="dk1"/>
-          </a:fontRef>
-        </p:style>
-        <p:txBody>
-          <a:bodyPr rtlCol="0" anchor="ctr"/>
-          <a:lstStyle/>
-          <a:p>
-            <a:pPr algn="ctr"/>
-            <a:r>
-              <a:rPr lang="es-GT" dirty="0">
-                <a:solidFill>
-                  <a:schemeClr val="accent1">
-                    <a:lumMod val="75000"/>
-                  </a:schemeClr>
-                </a:solidFill>
-              </a:rPr>
-              <a:t>Cerrar Sesión</a:t>
-            </a:r>
-          </a:p>
-        </p:txBody>
-      </p:sp>
-      <p:sp>
-        <p:nvSpPr>
-          <p:cNvPr id="23" name="Esquina doblada 22"/>
-          <p:cNvSpPr/>
-          <p:nvPr/>
-        </p:nvSpPr>
-        <p:spPr>
-          <a:xfrm>
-            <a:off x="225283" y="1060174"/>
-            <a:ext cx="1497495" cy="397564"/>
-          </a:xfrm>
-          <a:prstGeom prst="foldedCorner">
-            <a:avLst/>
-          </a:prstGeom>
-        </p:spPr>
-        <p:style>
-          <a:lnRef idx="2">
-            <a:schemeClr val="accent5"/>
-          </a:lnRef>
-          <a:fillRef idx="1">
-            <a:schemeClr val="lt1"/>
-          </a:fillRef>
-          <a:effectRef idx="0">
-            <a:schemeClr val="accent5"/>
-          </a:effectRef>
-          <a:fontRef idx="minor">
-            <a:schemeClr val="dk1"/>
-          </a:fontRef>
-        </p:style>
-        <p:txBody>
-          <a:bodyPr rtlCol="0" anchor="ctr"/>
-          <a:lstStyle/>
-          <a:p>
-            <a:pPr algn="ctr"/>
-            <a:r>
-              <a:rPr lang="es-GT" sz="1400" dirty="0">
-                <a:solidFill>
-                  <a:schemeClr val="accent1">
-                    <a:lumMod val="75000"/>
-                  </a:schemeClr>
-                </a:solidFill>
-              </a:rPr>
-              <a:t>“Usuario Activo”</a:t>
+              <a:t>Consulta de Información de Alumno</a:t>
             </a:r>
           </a:p>
         </p:txBody>
@@ -5276,7 +5435,7 @@
     </p:spTree>
     <p:extLst>
       <p:ext uri="{BB962C8B-B14F-4D97-AF65-F5344CB8AC3E}">
-        <p14:creationId xmlns:p14="http://schemas.microsoft.com/office/powerpoint/2010/main" val="3318260324"/>
+        <p14:creationId xmlns:p14="http://schemas.microsoft.com/office/powerpoint/2010/main" val="2448508767"/>
       </p:ext>
     </p:extLst>
   </p:cSld>
@@ -5286,7 +5445,7 @@
 </p:sld>
 </file>
 
-<file path=ppt/slides/slide4.xml><?xml version="1.0" encoding="utf-8"?>
+<file path=ppt/slides/slide12.xml><?xml version="1.0" encoding="utf-8"?>
 <p:sld xmlns:a="http://schemas.openxmlformats.org/drawingml/2006/main" xmlns:r="http://schemas.openxmlformats.org/officeDocument/2006/relationships" xmlns:p="http://schemas.openxmlformats.org/presentationml/2006/main">
   <p:cSld>
     <p:spTree>
@@ -5392,12 +5551,13 @@
               </a:ext>
             </a:extLst>
           </a:blip>
+          <a:srcRect l="22709" b="14423"/>
           <a:stretch/>
         </p:blipFill>
         <p:spPr>
           <a:xfrm>
-            <a:off x="3678110" y="1843059"/>
-            <a:ext cx="5240604" cy="3980844"/>
+            <a:off x="225287" y="2783964"/>
+            <a:ext cx="4300396" cy="3616836"/>
           </a:xfrm>
           <a:prstGeom prst="rect">
             <a:avLst/>
@@ -5406,341 +5566,55 @@
       </p:pic>
       <p:sp>
         <p:nvSpPr>
-          <p:cNvPr id="4" name="CuadroTexto 3"/>
-          <p:cNvSpPr txBox="1"/>
-          <p:nvPr/>
-        </p:nvSpPr>
-        <p:spPr>
-          <a:xfrm>
-            <a:off x="1351722" y="357809"/>
-            <a:ext cx="3045001" cy="369332"/>
-          </a:xfrm>
-          <a:prstGeom prst="rect">
-            <a:avLst/>
-          </a:prstGeom>
-          <a:noFill/>
-        </p:spPr>
-        <p:txBody>
-          <a:bodyPr wrap="none" rtlCol="0">
-            <a:spAutoFit/>
-          </a:bodyPr>
-          <a:lstStyle/>
-          <a:p>
+          <p:cNvPr id="6" name="Rectángulo redondeado 5"/>
+          <p:cNvSpPr/>
+          <p:nvPr/>
+        </p:nvSpPr>
+        <p:spPr>
+          <a:xfrm>
+            <a:off x="5791200" y="3551582"/>
+            <a:ext cx="1696278" cy="954157"/>
+          </a:xfrm>
+          <a:prstGeom prst="roundRect">
+            <a:avLst/>
+          </a:prstGeom>
+        </p:spPr>
+        <p:style>
+          <a:lnRef idx="0">
+            <a:schemeClr val="accent1"/>
+          </a:lnRef>
+          <a:fillRef idx="3">
+            <a:schemeClr val="accent1"/>
+          </a:fillRef>
+          <a:effectRef idx="3">
+            <a:schemeClr val="accent1"/>
+          </a:effectRef>
+          <a:fontRef idx="minor">
+            <a:schemeClr val="lt1"/>
+          </a:fontRef>
+        </p:style>
+        <p:txBody>
+          <a:bodyPr rtlCol="0" anchor="ctr"/>
+          <a:lstStyle/>
+          <a:p>
+            <a:pPr algn="ctr"/>
             <a:r>
               <a:rPr lang="es-GT" dirty="0"/>
-              <a:t>Pagina de Inicio Administrador</a:t>
-            </a:r>
-          </a:p>
-        </p:txBody>
-      </p:sp>
-      <p:sp>
-        <p:nvSpPr>
-          <p:cNvPr id="6" name="Esquina doblada 5"/>
-          <p:cNvSpPr/>
-          <p:nvPr/>
-        </p:nvSpPr>
-        <p:spPr>
-          <a:xfrm>
-            <a:off x="225286" y="3412435"/>
-            <a:ext cx="2777721" cy="834886"/>
-          </a:xfrm>
-          <a:prstGeom prst="foldedCorner">
-            <a:avLst/>
-          </a:prstGeom>
-        </p:spPr>
-        <p:style>
-          <a:lnRef idx="2">
-            <a:schemeClr val="accent1">
-              <a:shade val="50000"/>
-            </a:schemeClr>
-          </a:lnRef>
-          <a:fillRef idx="1">
-            <a:schemeClr val="accent1"/>
-          </a:fillRef>
-          <a:effectRef idx="0">
-            <a:schemeClr val="accent1"/>
-          </a:effectRef>
-          <a:fontRef idx="minor">
-            <a:schemeClr val="lt1"/>
-          </a:fontRef>
-        </p:style>
-        <p:txBody>
-          <a:bodyPr rtlCol="0" anchor="ctr"/>
-          <a:lstStyle/>
-          <a:p>
-            <a:pPr algn="ctr"/>
-            <a:endParaRPr lang="es-GT"/>
-          </a:p>
-        </p:txBody>
-      </p:sp>
-      <p:sp>
-        <p:nvSpPr>
-          <p:cNvPr id="7" name="Esquina doblada 6"/>
-          <p:cNvSpPr/>
-          <p:nvPr/>
-        </p:nvSpPr>
-        <p:spPr>
-          <a:xfrm>
-            <a:off x="225283" y="1676400"/>
-            <a:ext cx="2777721" cy="834886"/>
-          </a:xfrm>
-          <a:prstGeom prst="foldedCorner">
-            <a:avLst/>
-          </a:prstGeom>
-        </p:spPr>
-        <p:style>
-          <a:lnRef idx="2">
-            <a:schemeClr val="accent1">
-              <a:shade val="50000"/>
-            </a:schemeClr>
-          </a:lnRef>
-          <a:fillRef idx="1">
-            <a:schemeClr val="accent1"/>
-          </a:fillRef>
-          <a:effectRef idx="0">
-            <a:schemeClr val="accent1"/>
-          </a:effectRef>
-          <a:fontRef idx="minor">
-            <a:schemeClr val="lt1"/>
-          </a:fontRef>
-        </p:style>
-        <p:txBody>
-          <a:bodyPr rtlCol="0" anchor="ctr"/>
-          <a:lstStyle/>
-          <a:p>
-            <a:pPr algn="ctr"/>
-            <a:r>
-              <a:rPr lang="es-GT" dirty="0"/>
-              <a:t>Información de Personal</a:t>
-            </a:r>
-          </a:p>
-        </p:txBody>
-      </p:sp>
-      <p:sp>
-        <p:nvSpPr>
-          <p:cNvPr id="8" name="Esquina doblada 7"/>
-          <p:cNvSpPr/>
-          <p:nvPr/>
-        </p:nvSpPr>
-        <p:spPr>
-          <a:xfrm>
-            <a:off x="225284" y="3412435"/>
-            <a:ext cx="2777721" cy="834886"/>
-          </a:xfrm>
-          <a:prstGeom prst="foldedCorner">
-            <a:avLst/>
-          </a:prstGeom>
-        </p:spPr>
-        <p:style>
-          <a:lnRef idx="2">
-            <a:schemeClr val="accent1">
-              <a:shade val="50000"/>
-            </a:schemeClr>
-          </a:lnRef>
-          <a:fillRef idx="1">
-            <a:schemeClr val="accent1"/>
-          </a:fillRef>
-          <a:effectRef idx="0">
-            <a:schemeClr val="accent1"/>
-          </a:effectRef>
-          <a:fontRef idx="minor">
-            <a:schemeClr val="lt1"/>
-          </a:fontRef>
-        </p:style>
-        <p:txBody>
-          <a:bodyPr rtlCol="0" anchor="ctr"/>
-          <a:lstStyle/>
-          <a:p>
-            <a:pPr algn="ctr"/>
-            <a:r>
-              <a:rPr lang="es-GT" dirty="0"/>
-              <a:t>Pagos</a:t>
-            </a:r>
-          </a:p>
-        </p:txBody>
-      </p:sp>
-      <p:sp>
-        <p:nvSpPr>
-          <p:cNvPr id="9" name="Esquina doblada 8"/>
-          <p:cNvSpPr/>
-          <p:nvPr/>
-        </p:nvSpPr>
-        <p:spPr>
-          <a:xfrm>
-            <a:off x="225284" y="5148470"/>
-            <a:ext cx="2777721" cy="834886"/>
-          </a:xfrm>
-          <a:prstGeom prst="foldedCorner">
-            <a:avLst/>
-          </a:prstGeom>
-        </p:spPr>
-        <p:style>
-          <a:lnRef idx="2">
-            <a:schemeClr val="accent1">
-              <a:shade val="50000"/>
-            </a:schemeClr>
-          </a:lnRef>
-          <a:fillRef idx="1">
-            <a:schemeClr val="accent1"/>
-          </a:fillRef>
-          <a:effectRef idx="0">
-            <a:schemeClr val="accent1"/>
-          </a:effectRef>
-          <a:fontRef idx="minor">
-            <a:schemeClr val="lt1"/>
-          </a:fontRef>
-        </p:style>
-        <p:txBody>
-          <a:bodyPr rtlCol="0" anchor="ctr"/>
-          <a:lstStyle/>
-          <a:p>
-            <a:pPr algn="ctr"/>
-            <a:r>
-              <a:rPr lang="es-GT" dirty="0"/>
-              <a:t>Administración</a:t>
-            </a:r>
-          </a:p>
-        </p:txBody>
-      </p:sp>
-      <p:sp>
-        <p:nvSpPr>
-          <p:cNvPr id="17" name="Esquina doblada 16"/>
-          <p:cNvSpPr/>
-          <p:nvPr/>
-        </p:nvSpPr>
-        <p:spPr>
-          <a:xfrm flipH="1">
-            <a:off x="9096227" y="1676400"/>
-            <a:ext cx="2777721" cy="834886"/>
-          </a:xfrm>
-          <a:prstGeom prst="foldedCorner">
-            <a:avLst/>
-          </a:prstGeom>
-        </p:spPr>
-        <p:style>
-          <a:lnRef idx="2">
-            <a:schemeClr val="accent1">
-              <a:shade val="50000"/>
-            </a:schemeClr>
-          </a:lnRef>
-          <a:fillRef idx="1">
-            <a:schemeClr val="accent1"/>
-          </a:fillRef>
-          <a:effectRef idx="0">
-            <a:schemeClr val="accent1"/>
-          </a:effectRef>
-          <a:fontRef idx="minor">
-            <a:schemeClr val="lt1"/>
-          </a:fontRef>
-        </p:style>
-        <p:txBody>
-          <a:bodyPr rtlCol="0" anchor="ctr"/>
-          <a:lstStyle/>
-          <a:p>
-            <a:pPr algn="ctr"/>
-            <a:r>
-              <a:rPr lang="es-GT" dirty="0"/>
-              <a:t>Inscripción</a:t>
-            </a:r>
-          </a:p>
-        </p:txBody>
-      </p:sp>
-      <p:sp>
-        <p:nvSpPr>
-          <p:cNvPr id="18" name="Esquina doblada 17"/>
-          <p:cNvSpPr/>
-          <p:nvPr/>
-        </p:nvSpPr>
-        <p:spPr>
-          <a:xfrm flipH="1">
-            <a:off x="9096226" y="3313044"/>
-            <a:ext cx="2777721" cy="834886"/>
-          </a:xfrm>
-          <a:prstGeom prst="foldedCorner">
-            <a:avLst/>
-          </a:prstGeom>
-        </p:spPr>
-        <p:style>
-          <a:lnRef idx="2">
-            <a:schemeClr val="accent1">
-              <a:shade val="50000"/>
-            </a:schemeClr>
-          </a:lnRef>
-          <a:fillRef idx="1">
-            <a:schemeClr val="accent1"/>
-          </a:fillRef>
-          <a:effectRef idx="0">
-            <a:schemeClr val="accent1"/>
-          </a:effectRef>
-          <a:fontRef idx="minor">
-            <a:schemeClr val="lt1"/>
-          </a:fontRef>
-        </p:style>
-        <p:txBody>
-          <a:bodyPr rtlCol="0" anchor="ctr"/>
-          <a:lstStyle/>
-          <a:p>
-            <a:pPr algn="ctr"/>
-            <a:r>
-              <a:rPr lang="es-GT" dirty="0"/>
-              <a:t>Notas</a:t>
-            </a:r>
-          </a:p>
-        </p:txBody>
-      </p:sp>
-      <p:sp>
-        <p:nvSpPr>
-          <p:cNvPr id="19" name="Esquina doblada 18"/>
-          <p:cNvSpPr/>
-          <p:nvPr/>
-        </p:nvSpPr>
-        <p:spPr>
-          <a:xfrm flipH="1">
-            <a:off x="9096225" y="5148470"/>
-            <a:ext cx="2777721" cy="834886"/>
-          </a:xfrm>
-          <a:prstGeom prst="foldedCorner">
-            <a:avLst/>
-          </a:prstGeom>
-        </p:spPr>
-        <p:style>
-          <a:lnRef idx="2">
-            <a:schemeClr val="accent1">
-              <a:shade val="50000"/>
-            </a:schemeClr>
-          </a:lnRef>
-          <a:fillRef idx="1">
-            <a:schemeClr val="accent1"/>
-          </a:fillRef>
-          <a:effectRef idx="0">
-            <a:schemeClr val="accent1"/>
-          </a:effectRef>
-          <a:fontRef idx="minor">
-            <a:schemeClr val="lt1"/>
-          </a:fontRef>
-        </p:style>
-        <p:txBody>
-          <a:bodyPr rtlCol="0" anchor="ctr"/>
-          <a:lstStyle/>
-          <a:p>
-            <a:pPr algn="ctr"/>
-            <a:r>
-              <a:rPr lang="es-GT" dirty="0"/>
-              <a:t>Listados</a:t>
-            </a:r>
-          </a:p>
-        </p:txBody>
-      </p:sp>
-      <p:sp>
-        <p:nvSpPr>
-          <p:cNvPr id="20" name="Rectángulo 19"/>
-          <p:cNvSpPr/>
-          <p:nvPr/>
-        </p:nvSpPr>
-        <p:spPr>
-          <a:xfrm>
-            <a:off x="5628198" y="1135173"/>
-            <a:ext cx="1276311" cy="707886"/>
+              <a:t>Ingreso</a:t>
+            </a:r>
+          </a:p>
+        </p:txBody>
+      </p:sp>
+      <p:sp>
+        <p:nvSpPr>
+          <p:cNvPr id="7" name="Rectángulo 6"/>
+          <p:cNvSpPr/>
+          <p:nvPr/>
+        </p:nvSpPr>
+        <p:spPr>
+          <a:xfrm>
+            <a:off x="4165127" y="1129457"/>
+            <a:ext cx="3768981" cy="1323439"/>
           </a:xfrm>
           <a:prstGeom prst="rect">
             <a:avLst/>
@@ -5752,6 +5626,31 @@
             <a:spAutoFit/>
           </a:bodyPr>
           <a:lstStyle/>
+          <a:p>
+            <a:pPr algn="ctr"/>
+            <a:r>
+              <a:rPr lang="es-ES" sz="4000" b="1" cap="none" spc="0" dirty="0">
+                <a:ln w="9525">
+                  <a:solidFill>
+                    <a:schemeClr val="bg1"/>
+                  </a:solidFill>
+                  <a:prstDash val="solid"/>
+                </a:ln>
+                <a:solidFill>
+                  <a:schemeClr val="accent5"/>
+                </a:solidFill>
+                <a:effectLst>
+                  <a:outerShdw blurRad="12700" dist="38100" dir="2700000" algn="tl" rotWithShape="0">
+                    <a:schemeClr val="accent5">
+                      <a:lumMod val="60000"/>
+                      <a:lumOff val="40000"/>
+                    </a:schemeClr>
+                  </a:outerShdw>
+                </a:effectLst>
+              </a:rPr>
+              <a:t>Control de Notas</a:t>
+            </a:r>
+          </a:p>
           <a:p>
             <a:pPr algn="ctr"/>
             <a:r>
@@ -5800,14 +5699,14 @@
       </p:sp>
       <p:sp>
         <p:nvSpPr>
-          <p:cNvPr id="21" name="Rectángulo 20"/>
-          <p:cNvSpPr/>
-          <p:nvPr/>
-        </p:nvSpPr>
-        <p:spPr>
-          <a:xfrm>
-            <a:off x="5628198" y="5692914"/>
-            <a:ext cx="1340432" cy="707886"/>
+          <p:cNvPr id="8" name="CuadroTexto 7"/>
+          <p:cNvSpPr txBox="1"/>
+          <p:nvPr/>
+        </p:nvSpPr>
+        <p:spPr>
+          <a:xfrm>
+            <a:off x="1351722" y="357809"/>
+            <a:ext cx="3004862" cy="369332"/>
           </a:xfrm>
           <a:prstGeom prst="rect">
             <a:avLst/>
@@ -5815,146 +5714,88 @@
           <a:noFill/>
         </p:spPr>
         <p:txBody>
-          <a:bodyPr wrap="none" lIns="91440" tIns="45720" rIns="91440" bIns="45720">
+          <a:bodyPr wrap="none" rtlCol="0">
             <a:spAutoFit/>
           </a:bodyPr>
           <a:lstStyle/>
           <a:p>
+            <a:r>
+              <a:rPr lang="es-GT" dirty="0"/>
+              <a:t>Pagina inicial control de Notas</a:t>
+            </a:r>
+          </a:p>
+        </p:txBody>
+      </p:sp>
+      <p:sp>
+        <p:nvSpPr>
+          <p:cNvPr id="9" name="Rectángulo redondeado 8"/>
+          <p:cNvSpPr/>
+          <p:nvPr/>
+        </p:nvSpPr>
+        <p:spPr>
+          <a:xfrm>
+            <a:off x="7984435" y="3551582"/>
+            <a:ext cx="1696278" cy="954157"/>
+          </a:xfrm>
+          <a:prstGeom prst="roundRect">
+            <a:avLst/>
+          </a:prstGeom>
+        </p:spPr>
+        <p:style>
+          <a:lnRef idx="0">
+            <a:schemeClr val="accent1"/>
+          </a:lnRef>
+          <a:fillRef idx="3">
+            <a:schemeClr val="accent1"/>
+          </a:fillRef>
+          <a:effectRef idx="3">
+            <a:schemeClr val="accent1"/>
+          </a:effectRef>
+          <a:fontRef idx="minor">
+            <a:schemeClr val="lt1"/>
+          </a:fontRef>
+        </p:style>
+        <p:txBody>
+          <a:bodyPr rtlCol="0" anchor="ctr"/>
+          <a:lstStyle/>
+          <a:p>
             <a:pPr algn="ctr"/>
             <a:r>
-              <a:rPr lang="es-ES" sz="4000" b="1" dirty="0">
-                <a:ln w="9525">
-                  <a:solidFill>
-                    <a:schemeClr val="bg1"/>
-                  </a:solidFill>
-                  <a:prstDash val="solid"/>
-                </a:ln>
-                <a:solidFill>
-                  <a:schemeClr val="accent5"/>
-                </a:solidFill>
-                <a:effectLst>
-                  <a:outerShdw blurRad="12700" dist="38100" dir="2700000" algn="tl" rotWithShape="0">
-                    <a:schemeClr val="accent5">
-                      <a:lumMod val="60000"/>
-                      <a:lumOff val="40000"/>
-                    </a:schemeClr>
-                  </a:outerShdw>
-                </a:effectLst>
-              </a:rPr>
-              <a:t>Inicio</a:t>
-            </a:r>
-            <a:endParaRPr lang="es-ES" sz="4000" b="1" cap="none" spc="0" dirty="0">
-              <a:ln w="9525">
+              <a:rPr lang="es-GT" dirty="0"/>
+              <a:t>Consulta y Edición</a:t>
+            </a:r>
+          </a:p>
+        </p:txBody>
+      </p:sp>
+      <p:sp>
+        <p:nvSpPr>
+          <p:cNvPr id="10" name="CuadroTexto 9"/>
+          <p:cNvSpPr txBox="1"/>
+          <p:nvPr/>
+        </p:nvSpPr>
+        <p:spPr>
+          <a:xfrm>
+            <a:off x="5791200" y="2817573"/>
+            <a:ext cx="4094922" cy="400110"/>
+          </a:xfrm>
+          <a:prstGeom prst="rect">
+            <a:avLst/>
+          </a:prstGeom>
+          <a:noFill/>
+        </p:spPr>
+        <p:txBody>
+          <a:bodyPr wrap="square" rtlCol="0">
+            <a:spAutoFit/>
+          </a:bodyPr>
+          <a:lstStyle/>
+          <a:p>
+            <a:r>
+              <a:rPr lang="es-GT" sz="2000" b="1" dirty="0">
                 <a:solidFill>
                   <a:schemeClr val="bg1"/>
                 </a:solidFill>
-                <a:prstDash val="solid"/>
-              </a:ln>
-              <a:solidFill>
-                <a:schemeClr val="accent5"/>
-              </a:solidFill>
-              <a:effectLst>
-                <a:outerShdw blurRad="12700" dist="38100" dir="2700000" algn="tl" rotWithShape="0">
-                  <a:schemeClr val="accent5">
-                    <a:lumMod val="60000"/>
-                    <a:lumOff val="40000"/>
-                  </a:schemeClr>
-                </a:outerShdw>
-              </a:effectLst>
-            </a:endParaRPr>
-          </a:p>
-        </p:txBody>
-      </p:sp>
-      <p:sp>
-        <p:nvSpPr>
-          <p:cNvPr id="22" name="Esquina doblada 21"/>
-          <p:cNvSpPr/>
-          <p:nvPr/>
-        </p:nvSpPr>
-        <p:spPr>
-          <a:xfrm flipH="1">
-            <a:off x="10376452" y="1060174"/>
-            <a:ext cx="1497494" cy="397564"/>
-          </a:xfrm>
-          <a:prstGeom prst="foldedCorner">
-            <a:avLst/>
-          </a:prstGeom>
-        </p:spPr>
-        <p:style>
-          <a:lnRef idx="2">
-            <a:schemeClr val="accent5"/>
-          </a:lnRef>
-          <a:fillRef idx="1">
-            <a:schemeClr val="lt1"/>
-          </a:fillRef>
-          <a:effectRef idx="0">
-            <a:schemeClr val="accent5"/>
-          </a:effectRef>
-          <a:fontRef idx="minor">
-            <a:schemeClr val="dk1"/>
-          </a:fontRef>
-        </p:style>
-        <p:txBody>
-          <a:bodyPr rtlCol="0" anchor="ctr"/>
-          <a:lstStyle/>
-          <a:p>
-            <a:pPr algn="ctr"/>
-            <a:r>
-              <a:rPr lang="es-GT" dirty="0">
-                <a:solidFill>
-                  <a:schemeClr val="accent1">
-                    <a:lumMod val="75000"/>
-                  </a:schemeClr>
-                </a:solidFill>
               </a:rPr>
-              <a:t>Cerrar Sesión</a:t>
-            </a:r>
-          </a:p>
-        </p:txBody>
-      </p:sp>
-      <p:sp>
-        <p:nvSpPr>
-          <p:cNvPr id="23" name="Esquina doblada 22"/>
-          <p:cNvSpPr/>
-          <p:nvPr/>
-        </p:nvSpPr>
-        <p:spPr>
-          <a:xfrm>
-            <a:off x="225283" y="1060174"/>
-            <a:ext cx="1497495" cy="397564"/>
-          </a:xfrm>
-          <a:prstGeom prst="foldedCorner">
-            <a:avLst/>
-          </a:prstGeom>
-        </p:spPr>
-        <p:style>
-          <a:lnRef idx="2">
-            <a:schemeClr val="accent5"/>
-          </a:lnRef>
-          <a:fillRef idx="1">
-            <a:schemeClr val="lt1"/>
-          </a:fillRef>
-          <a:effectRef idx="0">
-            <a:schemeClr val="accent5"/>
-          </a:effectRef>
-          <a:fontRef idx="minor">
-            <a:schemeClr val="dk1"/>
-          </a:fontRef>
-        </p:style>
-        <p:txBody>
-          <a:bodyPr rtlCol="0" anchor="ctr"/>
-          <a:lstStyle/>
-          <a:p>
-            <a:pPr algn="ctr"/>
-            <a:r>
-              <a:rPr lang="es-GT" sz="1400" dirty="0">
-                <a:solidFill>
-                  <a:schemeClr val="accent1">
-                    <a:lumMod val="75000"/>
-                  </a:schemeClr>
-                </a:solidFill>
-              </a:rPr>
-              <a:t>“Usuario Activo”</a:t>
+              <a:t>Selecciona Una Opción.</a:t>
             </a:r>
           </a:p>
         </p:txBody>
@@ -5962,7 +5803,7 @@
     </p:spTree>
     <p:extLst>
       <p:ext uri="{BB962C8B-B14F-4D97-AF65-F5344CB8AC3E}">
-        <p14:creationId xmlns:p14="http://schemas.microsoft.com/office/powerpoint/2010/main" val="57379434"/>
+        <p14:creationId xmlns:p14="http://schemas.microsoft.com/office/powerpoint/2010/main" val="1944309635"/>
       </p:ext>
     </p:extLst>
   </p:cSld>
@@ -5972,7 +5813,7 @@
 </p:sld>
 </file>
 
-<file path=ppt/slides/slide5.xml><?xml version="1.0" encoding="utf-8"?>
+<file path=ppt/slides/slide2.xml><?xml version="1.0" encoding="utf-8"?>
 <p:sld xmlns:a="http://schemas.openxmlformats.org/drawingml/2006/main" xmlns:r="http://schemas.openxmlformats.org/officeDocument/2006/relationships" xmlns:p="http://schemas.openxmlformats.org/presentationml/2006/main">
   <p:cSld>
     <p:spTree>
@@ -6325,7 +6166,7 @@
         <p:spPr>
           <a:xfrm>
             <a:off x="1351722" y="357809"/>
-            <a:ext cx="2748894" cy="369332"/>
+            <a:ext cx="1648208" cy="369332"/>
           </a:xfrm>
           <a:prstGeom prst="rect">
             <a:avLst/>
@@ -6340,7 +6181,1842 @@
           <a:p>
             <a:r>
               <a:rPr lang="es-GT" dirty="0"/>
+              <a:t>Inicio de Sesión</a:t>
+            </a:r>
+          </a:p>
+        </p:txBody>
+      </p:sp>
+    </p:spTree>
+    <p:extLst>
+      <p:ext uri="{BB962C8B-B14F-4D97-AF65-F5344CB8AC3E}">
+        <p14:creationId xmlns:p14="http://schemas.microsoft.com/office/powerpoint/2010/main" val="4006645328"/>
+      </p:ext>
+    </p:extLst>
+  </p:cSld>
+  <p:clrMapOvr>
+    <a:masterClrMapping/>
+  </p:clrMapOvr>
+</p:sld>
+</file>
+
+<file path=ppt/slides/slide3.xml><?xml version="1.0" encoding="utf-8"?>
+<p:sld xmlns:a="http://schemas.openxmlformats.org/drawingml/2006/main" xmlns:r="http://schemas.openxmlformats.org/officeDocument/2006/relationships" xmlns:p="http://schemas.openxmlformats.org/presentationml/2006/main">
+  <p:cSld>
+    <p:spTree>
+      <p:nvGrpSpPr>
+        <p:cNvPr id="1" name=""/>
+        <p:cNvGrpSpPr/>
+        <p:nvPr/>
+      </p:nvGrpSpPr>
+      <p:grpSpPr>
+        <a:xfrm>
+          <a:off x="0" y="0"/>
+          <a:ext cx="0" cy="0"/>
+          <a:chOff x="0" y="0"/>
+          <a:chExt cx="0" cy="0"/>
+        </a:xfrm>
+      </p:grpSpPr>
+      <p:sp>
+        <p:nvSpPr>
+          <p:cNvPr id="2" name="Rectángulo 1"/>
+          <p:cNvSpPr/>
+          <p:nvPr/>
+        </p:nvSpPr>
+        <p:spPr>
+          <a:xfrm>
+            <a:off x="225287" y="1060174"/>
+            <a:ext cx="11648661" cy="5340626"/>
+          </a:xfrm>
+          <a:prstGeom prst="rect">
+            <a:avLst/>
+          </a:prstGeom>
+          <a:gradFill flip="none" rotWithShape="1">
+            <a:gsLst>
+              <a:gs pos="0">
+                <a:schemeClr val="accent1">
+                  <a:tint val="66000"/>
+                  <a:satMod val="160000"/>
+                </a:schemeClr>
+              </a:gs>
+              <a:gs pos="50000">
+                <a:schemeClr val="accent1">
+                  <a:tint val="44500"/>
+                  <a:satMod val="160000"/>
+                </a:schemeClr>
+              </a:gs>
+              <a:gs pos="100000">
+                <a:schemeClr val="accent1">
+                  <a:tint val="23500"/>
+                  <a:satMod val="160000"/>
+                </a:schemeClr>
+              </a:gs>
+            </a:gsLst>
+            <a:path path="circle">
+              <a:fillToRect l="50000" t="50000" r="50000" b="50000"/>
+            </a:path>
+            <a:tileRect/>
+          </a:gradFill>
+          <a:ln w="9525" cap="flat" cmpd="sng" algn="ctr">
+            <a:solidFill>
+              <a:schemeClr val="dk1"/>
+            </a:solidFill>
+            <a:prstDash val="solid"/>
+            <a:round/>
+            <a:headEnd type="none" w="med" len="med"/>
+            <a:tailEnd type="none" w="med" len="med"/>
+          </a:ln>
+        </p:spPr>
+        <p:style>
+          <a:lnRef idx="0">
+            <a:scrgbClr r="0" g="0" b="0"/>
+          </a:lnRef>
+          <a:fillRef idx="0">
+            <a:scrgbClr r="0" g="0" b="0"/>
+          </a:fillRef>
+          <a:effectRef idx="0">
+            <a:scrgbClr r="0" g="0" b="0"/>
+          </a:effectRef>
+          <a:fontRef idx="minor">
+            <a:schemeClr val="dk1"/>
+          </a:fontRef>
+        </p:style>
+        <p:txBody>
+          <a:bodyPr rtlCol="0" anchor="ctr"/>
+          <a:lstStyle/>
+          <a:p>
+            <a:pPr algn="ctr"/>
+            <a:endParaRPr lang="es-GT"/>
+          </a:p>
+        </p:txBody>
+      </p:sp>
+      <p:pic>
+        <p:nvPicPr>
+          <p:cNvPr id="3" name="Imagen 2"/>
+          <p:cNvPicPr>
+            <a:picLocks noChangeAspect="1"/>
+          </p:cNvPicPr>
+          <p:nvPr/>
+        </p:nvPicPr>
+        <p:blipFill rotWithShape="1">
+          <a:blip r:embed="rId2">
+            <a:extLst>
+              <a:ext uri="{28A0092B-C50C-407E-A947-70E740481C1C}">
+                <a14:useLocalDpi xmlns:a14="http://schemas.microsoft.com/office/drawing/2010/main" val="0"/>
+              </a:ext>
+            </a:extLst>
+          </a:blip>
+          <a:stretch/>
+        </p:blipFill>
+        <p:spPr>
+          <a:xfrm>
+            <a:off x="3678110" y="1843059"/>
+            <a:ext cx="5240604" cy="3980844"/>
+          </a:xfrm>
+          <a:prstGeom prst="rect">
+            <a:avLst/>
+          </a:prstGeom>
+        </p:spPr>
+      </p:pic>
+      <p:sp>
+        <p:nvSpPr>
+          <p:cNvPr id="4" name="CuadroTexto 3"/>
+          <p:cNvSpPr txBox="1"/>
+          <p:nvPr/>
+        </p:nvSpPr>
+        <p:spPr>
+          <a:xfrm>
+            <a:off x="1351722" y="357809"/>
+            <a:ext cx="2642903" cy="369332"/>
+          </a:xfrm>
+          <a:prstGeom prst="rect">
+            <a:avLst/>
+          </a:prstGeom>
+          <a:noFill/>
+        </p:spPr>
+        <p:txBody>
+          <a:bodyPr wrap="none" rtlCol="0">
+            <a:spAutoFit/>
+          </a:bodyPr>
+          <a:lstStyle/>
+          <a:p>
+            <a:r>
+              <a:rPr lang="es-GT" dirty="0"/>
+              <a:t>Pagina de Inicio Secretaria</a:t>
+            </a:r>
+          </a:p>
+        </p:txBody>
+      </p:sp>
+      <p:sp>
+        <p:nvSpPr>
+          <p:cNvPr id="6" name="Esquina doblada 5"/>
+          <p:cNvSpPr/>
+          <p:nvPr/>
+        </p:nvSpPr>
+        <p:spPr>
+          <a:xfrm>
+            <a:off x="225286" y="3412435"/>
+            <a:ext cx="2777721" cy="834886"/>
+          </a:xfrm>
+          <a:prstGeom prst="foldedCorner">
+            <a:avLst/>
+          </a:prstGeom>
+        </p:spPr>
+        <p:style>
+          <a:lnRef idx="2">
+            <a:schemeClr val="accent1">
+              <a:shade val="50000"/>
+            </a:schemeClr>
+          </a:lnRef>
+          <a:fillRef idx="1">
+            <a:schemeClr val="accent1"/>
+          </a:fillRef>
+          <a:effectRef idx="0">
+            <a:schemeClr val="accent1"/>
+          </a:effectRef>
+          <a:fontRef idx="minor">
+            <a:schemeClr val="lt1"/>
+          </a:fontRef>
+        </p:style>
+        <p:txBody>
+          <a:bodyPr rtlCol="0" anchor="ctr"/>
+          <a:lstStyle/>
+          <a:p>
+            <a:pPr algn="ctr"/>
+            <a:endParaRPr lang="es-GT"/>
+          </a:p>
+        </p:txBody>
+      </p:sp>
+      <p:sp>
+        <p:nvSpPr>
+          <p:cNvPr id="7" name="Esquina doblada 6"/>
+          <p:cNvSpPr/>
+          <p:nvPr/>
+        </p:nvSpPr>
+        <p:spPr>
+          <a:xfrm>
+            <a:off x="225283" y="1676400"/>
+            <a:ext cx="2777721" cy="834886"/>
+          </a:xfrm>
+          <a:prstGeom prst="foldedCorner">
+            <a:avLst/>
+          </a:prstGeom>
+        </p:spPr>
+        <p:style>
+          <a:lnRef idx="2">
+            <a:schemeClr val="accent1">
+              <a:shade val="50000"/>
+            </a:schemeClr>
+          </a:lnRef>
+          <a:fillRef idx="1">
+            <a:schemeClr val="accent1"/>
+          </a:fillRef>
+          <a:effectRef idx="0">
+            <a:schemeClr val="accent1"/>
+          </a:effectRef>
+          <a:fontRef idx="minor">
+            <a:schemeClr val="lt1"/>
+          </a:fontRef>
+        </p:style>
+        <p:txBody>
+          <a:bodyPr rtlCol="0" anchor="ctr"/>
+          <a:lstStyle/>
+          <a:p>
+            <a:pPr algn="ctr"/>
+            <a:r>
+              <a:rPr lang="es-GT" dirty="0"/>
+              <a:t>Información de Personal</a:t>
+            </a:r>
+          </a:p>
+        </p:txBody>
+      </p:sp>
+      <p:sp>
+        <p:nvSpPr>
+          <p:cNvPr id="8" name="Esquina doblada 7"/>
+          <p:cNvSpPr/>
+          <p:nvPr/>
+        </p:nvSpPr>
+        <p:spPr>
+          <a:xfrm>
+            <a:off x="225284" y="3412435"/>
+            <a:ext cx="2777721" cy="834886"/>
+          </a:xfrm>
+          <a:prstGeom prst="foldedCorner">
+            <a:avLst/>
+          </a:prstGeom>
+        </p:spPr>
+        <p:style>
+          <a:lnRef idx="2">
+            <a:schemeClr val="accent1">
+              <a:shade val="50000"/>
+            </a:schemeClr>
+          </a:lnRef>
+          <a:fillRef idx="1">
+            <a:schemeClr val="accent1"/>
+          </a:fillRef>
+          <a:effectRef idx="0">
+            <a:schemeClr val="accent1"/>
+          </a:effectRef>
+          <a:fontRef idx="minor">
+            <a:schemeClr val="lt1"/>
+          </a:fontRef>
+        </p:style>
+        <p:txBody>
+          <a:bodyPr rtlCol="0" anchor="ctr"/>
+          <a:lstStyle/>
+          <a:p>
+            <a:pPr algn="ctr"/>
+            <a:r>
+              <a:rPr lang="es-GT" dirty="0"/>
+              <a:t>Pagos</a:t>
+            </a:r>
+          </a:p>
+        </p:txBody>
+      </p:sp>
+      <p:sp>
+        <p:nvSpPr>
+          <p:cNvPr id="9" name="Esquina doblada 8"/>
+          <p:cNvSpPr/>
+          <p:nvPr/>
+        </p:nvSpPr>
+        <p:spPr>
+          <a:xfrm>
+            <a:off x="225284" y="5148470"/>
+            <a:ext cx="2777721" cy="834886"/>
+          </a:xfrm>
+          <a:prstGeom prst="foldedCorner">
+            <a:avLst/>
+          </a:prstGeom>
+        </p:spPr>
+        <p:style>
+          <a:lnRef idx="0">
+            <a:schemeClr val="accent3"/>
+          </a:lnRef>
+          <a:fillRef idx="3">
+            <a:schemeClr val="accent3"/>
+          </a:fillRef>
+          <a:effectRef idx="3">
+            <a:schemeClr val="accent3"/>
+          </a:effectRef>
+          <a:fontRef idx="minor">
+            <a:schemeClr val="lt1"/>
+          </a:fontRef>
+        </p:style>
+        <p:txBody>
+          <a:bodyPr rtlCol="0" anchor="ctr"/>
+          <a:lstStyle/>
+          <a:p>
+            <a:pPr algn="ctr"/>
+            <a:r>
+              <a:rPr lang="es-GT" dirty="0"/>
+              <a:t>Administración</a:t>
+            </a:r>
+          </a:p>
+        </p:txBody>
+      </p:sp>
+      <p:sp>
+        <p:nvSpPr>
+          <p:cNvPr id="17" name="Esquina doblada 16"/>
+          <p:cNvSpPr/>
+          <p:nvPr/>
+        </p:nvSpPr>
+        <p:spPr>
+          <a:xfrm flipH="1">
+            <a:off x="9096227" y="1676400"/>
+            <a:ext cx="2777721" cy="834886"/>
+          </a:xfrm>
+          <a:prstGeom prst="foldedCorner">
+            <a:avLst/>
+          </a:prstGeom>
+        </p:spPr>
+        <p:style>
+          <a:lnRef idx="2">
+            <a:schemeClr val="accent1">
+              <a:shade val="50000"/>
+            </a:schemeClr>
+          </a:lnRef>
+          <a:fillRef idx="1">
+            <a:schemeClr val="accent1"/>
+          </a:fillRef>
+          <a:effectRef idx="0">
+            <a:schemeClr val="accent1"/>
+          </a:effectRef>
+          <a:fontRef idx="minor">
+            <a:schemeClr val="lt1"/>
+          </a:fontRef>
+        </p:style>
+        <p:txBody>
+          <a:bodyPr rtlCol="0" anchor="ctr"/>
+          <a:lstStyle/>
+          <a:p>
+            <a:pPr algn="ctr"/>
+            <a:r>
+              <a:rPr lang="es-GT" dirty="0"/>
+              <a:t>Inscripción</a:t>
+            </a:r>
+          </a:p>
+        </p:txBody>
+      </p:sp>
+      <p:sp>
+        <p:nvSpPr>
+          <p:cNvPr id="18" name="Esquina doblada 17"/>
+          <p:cNvSpPr/>
+          <p:nvPr/>
+        </p:nvSpPr>
+        <p:spPr>
+          <a:xfrm flipH="1">
+            <a:off x="9096226" y="3313044"/>
+            <a:ext cx="2777721" cy="834886"/>
+          </a:xfrm>
+          <a:prstGeom prst="foldedCorner">
+            <a:avLst/>
+          </a:prstGeom>
+        </p:spPr>
+        <p:style>
+          <a:lnRef idx="2">
+            <a:schemeClr val="accent1">
+              <a:shade val="50000"/>
+            </a:schemeClr>
+          </a:lnRef>
+          <a:fillRef idx="1">
+            <a:schemeClr val="accent1"/>
+          </a:fillRef>
+          <a:effectRef idx="0">
+            <a:schemeClr val="accent1"/>
+          </a:effectRef>
+          <a:fontRef idx="minor">
+            <a:schemeClr val="lt1"/>
+          </a:fontRef>
+        </p:style>
+        <p:txBody>
+          <a:bodyPr rtlCol="0" anchor="ctr"/>
+          <a:lstStyle/>
+          <a:p>
+            <a:pPr algn="ctr"/>
+            <a:r>
+              <a:rPr lang="es-GT" dirty="0"/>
+              <a:t>Notas</a:t>
+            </a:r>
+          </a:p>
+        </p:txBody>
+      </p:sp>
+      <p:sp>
+        <p:nvSpPr>
+          <p:cNvPr id="19" name="Esquina doblada 18"/>
+          <p:cNvSpPr/>
+          <p:nvPr/>
+        </p:nvSpPr>
+        <p:spPr>
+          <a:xfrm flipH="1">
+            <a:off x="9096225" y="5148470"/>
+            <a:ext cx="2777721" cy="834886"/>
+          </a:xfrm>
+          <a:prstGeom prst="foldedCorner">
+            <a:avLst/>
+          </a:prstGeom>
+        </p:spPr>
+        <p:style>
+          <a:lnRef idx="2">
+            <a:schemeClr val="accent1">
+              <a:shade val="50000"/>
+            </a:schemeClr>
+          </a:lnRef>
+          <a:fillRef idx="1">
+            <a:schemeClr val="accent1"/>
+          </a:fillRef>
+          <a:effectRef idx="0">
+            <a:schemeClr val="accent1"/>
+          </a:effectRef>
+          <a:fontRef idx="minor">
+            <a:schemeClr val="lt1"/>
+          </a:fontRef>
+        </p:style>
+        <p:txBody>
+          <a:bodyPr rtlCol="0" anchor="ctr"/>
+          <a:lstStyle/>
+          <a:p>
+            <a:pPr algn="ctr"/>
+            <a:r>
+              <a:rPr lang="es-GT" dirty="0"/>
+              <a:t>Listados</a:t>
+            </a:r>
+          </a:p>
+        </p:txBody>
+      </p:sp>
+      <p:sp>
+        <p:nvSpPr>
+          <p:cNvPr id="20" name="Rectángulo 19"/>
+          <p:cNvSpPr/>
+          <p:nvPr/>
+        </p:nvSpPr>
+        <p:spPr>
+          <a:xfrm>
+            <a:off x="5628198" y="1135173"/>
+            <a:ext cx="1276311" cy="707886"/>
+          </a:xfrm>
+          <a:prstGeom prst="rect">
+            <a:avLst/>
+          </a:prstGeom>
+          <a:noFill/>
+        </p:spPr>
+        <p:txBody>
+          <a:bodyPr wrap="none" lIns="91440" tIns="45720" rIns="91440" bIns="45720">
+            <a:spAutoFit/>
+          </a:bodyPr>
+          <a:lstStyle/>
+          <a:p>
+            <a:pPr algn="ctr"/>
+            <a:r>
+              <a:rPr lang="es-ES" sz="4000" b="1" dirty="0">
+                <a:ln w="9525">
+                  <a:solidFill>
+                    <a:schemeClr val="bg1"/>
+                  </a:solidFill>
+                  <a:prstDash val="solid"/>
+                </a:ln>
+                <a:solidFill>
+                  <a:schemeClr val="accent5"/>
+                </a:solidFill>
+                <a:effectLst>
+                  <a:outerShdw blurRad="12700" dist="38100" dir="2700000" algn="tl" rotWithShape="0">
+                    <a:schemeClr val="accent5">
+                      <a:lumMod val="60000"/>
+                      <a:lumOff val="40000"/>
+                    </a:schemeClr>
+                  </a:outerShdw>
+                </a:effectLst>
+              </a:rPr>
+              <a:t>SIGIE</a:t>
+            </a:r>
+            <a:endParaRPr lang="es-ES" sz="4000" b="1" cap="none" spc="0" dirty="0">
+              <a:ln w="9525">
+                <a:solidFill>
+                  <a:schemeClr val="bg1"/>
+                </a:solidFill>
+                <a:prstDash val="solid"/>
+              </a:ln>
+              <a:solidFill>
+                <a:schemeClr val="accent5"/>
+              </a:solidFill>
+              <a:effectLst>
+                <a:outerShdw blurRad="12700" dist="38100" dir="2700000" algn="tl" rotWithShape="0">
+                  <a:schemeClr val="accent5">
+                    <a:lumMod val="60000"/>
+                    <a:lumOff val="40000"/>
+                  </a:schemeClr>
+                </a:outerShdw>
+              </a:effectLst>
+            </a:endParaRPr>
+          </a:p>
+        </p:txBody>
+      </p:sp>
+      <p:sp>
+        <p:nvSpPr>
+          <p:cNvPr id="21" name="Rectángulo 20"/>
+          <p:cNvSpPr/>
+          <p:nvPr/>
+        </p:nvSpPr>
+        <p:spPr>
+          <a:xfrm>
+            <a:off x="5628198" y="5692914"/>
+            <a:ext cx="1340432" cy="707886"/>
+          </a:xfrm>
+          <a:prstGeom prst="rect">
+            <a:avLst/>
+          </a:prstGeom>
+          <a:noFill/>
+        </p:spPr>
+        <p:txBody>
+          <a:bodyPr wrap="none" lIns="91440" tIns="45720" rIns="91440" bIns="45720">
+            <a:spAutoFit/>
+          </a:bodyPr>
+          <a:lstStyle/>
+          <a:p>
+            <a:pPr algn="ctr"/>
+            <a:r>
+              <a:rPr lang="es-ES" sz="4000" b="1" dirty="0">
+                <a:ln w="9525">
+                  <a:solidFill>
+                    <a:schemeClr val="bg1"/>
+                  </a:solidFill>
+                  <a:prstDash val="solid"/>
+                </a:ln>
+                <a:solidFill>
+                  <a:schemeClr val="accent5"/>
+                </a:solidFill>
+                <a:effectLst>
+                  <a:outerShdw blurRad="12700" dist="38100" dir="2700000" algn="tl" rotWithShape="0">
+                    <a:schemeClr val="accent5">
+                      <a:lumMod val="60000"/>
+                      <a:lumOff val="40000"/>
+                    </a:schemeClr>
+                  </a:outerShdw>
+                </a:effectLst>
+              </a:rPr>
+              <a:t>Inicio</a:t>
+            </a:r>
+            <a:endParaRPr lang="es-ES" sz="4000" b="1" cap="none" spc="0" dirty="0">
+              <a:ln w="9525">
+                <a:solidFill>
+                  <a:schemeClr val="bg1"/>
+                </a:solidFill>
+                <a:prstDash val="solid"/>
+              </a:ln>
+              <a:solidFill>
+                <a:schemeClr val="accent5"/>
+              </a:solidFill>
+              <a:effectLst>
+                <a:outerShdw blurRad="12700" dist="38100" dir="2700000" algn="tl" rotWithShape="0">
+                  <a:schemeClr val="accent5">
+                    <a:lumMod val="60000"/>
+                    <a:lumOff val="40000"/>
+                  </a:schemeClr>
+                </a:outerShdw>
+              </a:effectLst>
+            </a:endParaRPr>
+          </a:p>
+        </p:txBody>
+      </p:sp>
+      <p:sp>
+        <p:nvSpPr>
+          <p:cNvPr id="22" name="Esquina doblada 21"/>
+          <p:cNvSpPr/>
+          <p:nvPr/>
+        </p:nvSpPr>
+        <p:spPr>
+          <a:xfrm flipH="1">
+            <a:off x="10376452" y="1060174"/>
+            <a:ext cx="1497494" cy="397564"/>
+          </a:xfrm>
+          <a:prstGeom prst="foldedCorner">
+            <a:avLst/>
+          </a:prstGeom>
+        </p:spPr>
+        <p:style>
+          <a:lnRef idx="2">
+            <a:schemeClr val="accent5"/>
+          </a:lnRef>
+          <a:fillRef idx="1">
+            <a:schemeClr val="lt1"/>
+          </a:fillRef>
+          <a:effectRef idx="0">
+            <a:schemeClr val="accent5"/>
+          </a:effectRef>
+          <a:fontRef idx="minor">
+            <a:schemeClr val="dk1"/>
+          </a:fontRef>
+        </p:style>
+        <p:txBody>
+          <a:bodyPr rtlCol="0" anchor="ctr"/>
+          <a:lstStyle/>
+          <a:p>
+            <a:pPr algn="ctr"/>
+            <a:r>
+              <a:rPr lang="es-GT" dirty="0">
+                <a:solidFill>
+                  <a:schemeClr val="accent1">
+                    <a:lumMod val="75000"/>
+                  </a:schemeClr>
+                </a:solidFill>
+              </a:rPr>
+              <a:t>Cerrar Sesión</a:t>
+            </a:r>
+          </a:p>
+        </p:txBody>
+      </p:sp>
+      <p:sp>
+        <p:nvSpPr>
+          <p:cNvPr id="23" name="Esquina doblada 22"/>
+          <p:cNvSpPr/>
+          <p:nvPr/>
+        </p:nvSpPr>
+        <p:spPr>
+          <a:xfrm>
+            <a:off x="225283" y="1060174"/>
+            <a:ext cx="1497495" cy="397564"/>
+          </a:xfrm>
+          <a:prstGeom prst="foldedCorner">
+            <a:avLst/>
+          </a:prstGeom>
+        </p:spPr>
+        <p:style>
+          <a:lnRef idx="2">
+            <a:schemeClr val="accent5"/>
+          </a:lnRef>
+          <a:fillRef idx="1">
+            <a:schemeClr val="lt1"/>
+          </a:fillRef>
+          <a:effectRef idx="0">
+            <a:schemeClr val="accent5"/>
+          </a:effectRef>
+          <a:fontRef idx="minor">
+            <a:schemeClr val="dk1"/>
+          </a:fontRef>
+        </p:style>
+        <p:txBody>
+          <a:bodyPr rtlCol="0" anchor="ctr"/>
+          <a:lstStyle/>
+          <a:p>
+            <a:pPr algn="ctr"/>
+            <a:r>
+              <a:rPr lang="es-GT" sz="1400" dirty="0">
+                <a:solidFill>
+                  <a:schemeClr val="accent1">
+                    <a:lumMod val="75000"/>
+                  </a:schemeClr>
+                </a:solidFill>
+              </a:rPr>
+              <a:t>“Usuario Activo”</a:t>
+            </a:r>
+          </a:p>
+        </p:txBody>
+      </p:sp>
+    </p:spTree>
+    <p:extLst>
+      <p:ext uri="{BB962C8B-B14F-4D97-AF65-F5344CB8AC3E}">
+        <p14:creationId xmlns:p14="http://schemas.microsoft.com/office/powerpoint/2010/main" val="3318260324"/>
+      </p:ext>
+    </p:extLst>
+  </p:cSld>
+  <p:clrMapOvr>
+    <a:masterClrMapping/>
+  </p:clrMapOvr>
+</p:sld>
+</file>
+
+<file path=ppt/slides/slide4.xml><?xml version="1.0" encoding="utf-8"?>
+<p:sld xmlns:a="http://schemas.openxmlformats.org/drawingml/2006/main" xmlns:r="http://schemas.openxmlformats.org/officeDocument/2006/relationships" xmlns:p="http://schemas.openxmlformats.org/presentationml/2006/main">
+  <p:cSld>
+    <p:spTree>
+      <p:nvGrpSpPr>
+        <p:cNvPr id="1" name=""/>
+        <p:cNvGrpSpPr/>
+        <p:nvPr/>
+      </p:nvGrpSpPr>
+      <p:grpSpPr>
+        <a:xfrm>
+          <a:off x="0" y="0"/>
+          <a:ext cx="0" cy="0"/>
+          <a:chOff x="0" y="0"/>
+          <a:chExt cx="0" cy="0"/>
+        </a:xfrm>
+      </p:grpSpPr>
+      <p:sp>
+        <p:nvSpPr>
+          <p:cNvPr id="2" name="Rectángulo 1"/>
+          <p:cNvSpPr/>
+          <p:nvPr/>
+        </p:nvSpPr>
+        <p:spPr>
+          <a:xfrm>
+            <a:off x="225287" y="1060174"/>
+            <a:ext cx="11648661" cy="5340626"/>
+          </a:xfrm>
+          <a:prstGeom prst="rect">
+            <a:avLst/>
+          </a:prstGeom>
+          <a:gradFill flip="none" rotWithShape="1">
+            <a:gsLst>
+              <a:gs pos="0">
+                <a:schemeClr val="accent1">
+                  <a:tint val="66000"/>
+                  <a:satMod val="160000"/>
+                </a:schemeClr>
+              </a:gs>
+              <a:gs pos="50000">
+                <a:schemeClr val="accent1">
+                  <a:tint val="44500"/>
+                  <a:satMod val="160000"/>
+                </a:schemeClr>
+              </a:gs>
+              <a:gs pos="100000">
+                <a:schemeClr val="accent1">
+                  <a:tint val="23500"/>
+                  <a:satMod val="160000"/>
+                </a:schemeClr>
+              </a:gs>
+            </a:gsLst>
+            <a:path path="circle">
+              <a:fillToRect l="50000" t="50000" r="50000" b="50000"/>
+            </a:path>
+            <a:tileRect/>
+          </a:gradFill>
+          <a:ln w="9525" cap="flat" cmpd="sng" algn="ctr">
+            <a:solidFill>
+              <a:schemeClr val="dk1"/>
+            </a:solidFill>
+            <a:prstDash val="solid"/>
+            <a:round/>
+            <a:headEnd type="none" w="med" len="med"/>
+            <a:tailEnd type="none" w="med" len="med"/>
+          </a:ln>
+        </p:spPr>
+        <p:style>
+          <a:lnRef idx="0">
+            <a:scrgbClr r="0" g="0" b="0"/>
+          </a:lnRef>
+          <a:fillRef idx="0">
+            <a:scrgbClr r="0" g="0" b="0"/>
+          </a:fillRef>
+          <a:effectRef idx="0">
+            <a:scrgbClr r="0" g="0" b="0"/>
+          </a:effectRef>
+          <a:fontRef idx="minor">
+            <a:schemeClr val="dk1"/>
+          </a:fontRef>
+        </p:style>
+        <p:txBody>
+          <a:bodyPr rtlCol="0" anchor="ctr"/>
+          <a:lstStyle/>
+          <a:p>
+            <a:pPr algn="ctr"/>
+            <a:endParaRPr lang="es-GT"/>
+          </a:p>
+        </p:txBody>
+      </p:sp>
+      <p:pic>
+        <p:nvPicPr>
+          <p:cNvPr id="3" name="Imagen 2"/>
+          <p:cNvPicPr>
+            <a:picLocks noChangeAspect="1"/>
+          </p:cNvPicPr>
+          <p:nvPr/>
+        </p:nvPicPr>
+        <p:blipFill rotWithShape="1">
+          <a:blip r:embed="rId2">
+            <a:extLst>
+              <a:ext uri="{28A0092B-C50C-407E-A947-70E740481C1C}">
+                <a14:useLocalDpi xmlns:a14="http://schemas.microsoft.com/office/drawing/2010/main" val="0"/>
+              </a:ext>
+            </a:extLst>
+          </a:blip>
+          <a:stretch/>
+        </p:blipFill>
+        <p:spPr>
+          <a:xfrm>
+            <a:off x="3678110" y="1843059"/>
+            <a:ext cx="5240604" cy="3980844"/>
+          </a:xfrm>
+          <a:prstGeom prst="rect">
+            <a:avLst/>
+          </a:prstGeom>
+        </p:spPr>
+      </p:pic>
+      <p:sp>
+        <p:nvSpPr>
+          <p:cNvPr id="4" name="CuadroTexto 3"/>
+          <p:cNvSpPr txBox="1"/>
+          <p:nvPr/>
+        </p:nvSpPr>
+        <p:spPr>
+          <a:xfrm>
+            <a:off x="1351722" y="357809"/>
+            <a:ext cx="3045001" cy="369332"/>
+          </a:xfrm>
+          <a:prstGeom prst="rect">
+            <a:avLst/>
+          </a:prstGeom>
+          <a:noFill/>
+        </p:spPr>
+        <p:txBody>
+          <a:bodyPr wrap="none" rtlCol="0">
+            <a:spAutoFit/>
+          </a:bodyPr>
+          <a:lstStyle/>
+          <a:p>
+            <a:r>
+              <a:rPr lang="es-GT" dirty="0"/>
+              <a:t>Pagina de Inicio Administrador</a:t>
+            </a:r>
+          </a:p>
+        </p:txBody>
+      </p:sp>
+      <p:sp>
+        <p:nvSpPr>
+          <p:cNvPr id="6" name="Esquina doblada 5"/>
+          <p:cNvSpPr/>
+          <p:nvPr/>
+        </p:nvSpPr>
+        <p:spPr>
+          <a:xfrm>
+            <a:off x="225286" y="3412435"/>
+            <a:ext cx="2777721" cy="834886"/>
+          </a:xfrm>
+          <a:prstGeom prst="foldedCorner">
+            <a:avLst/>
+          </a:prstGeom>
+        </p:spPr>
+        <p:style>
+          <a:lnRef idx="2">
+            <a:schemeClr val="accent1">
+              <a:shade val="50000"/>
+            </a:schemeClr>
+          </a:lnRef>
+          <a:fillRef idx="1">
+            <a:schemeClr val="accent1"/>
+          </a:fillRef>
+          <a:effectRef idx="0">
+            <a:schemeClr val="accent1"/>
+          </a:effectRef>
+          <a:fontRef idx="minor">
+            <a:schemeClr val="lt1"/>
+          </a:fontRef>
+        </p:style>
+        <p:txBody>
+          <a:bodyPr rtlCol="0" anchor="ctr"/>
+          <a:lstStyle/>
+          <a:p>
+            <a:pPr algn="ctr"/>
+            <a:endParaRPr lang="es-GT"/>
+          </a:p>
+        </p:txBody>
+      </p:sp>
+      <p:sp>
+        <p:nvSpPr>
+          <p:cNvPr id="7" name="Esquina doblada 6"/>
+          <p:cNvSpPr/>
+          <p:nvPr/>
+        </p:nvSpPr>
+        <p:spPr>
+          <a:xfrm>
+            <a:off x="225283" y="1676400"/>
+            <a:ext cx="2777721" cy="834886"/>
+          </a:xfrm>
+          <a:prstGeom prst="foldedCorner">
+            <a:avLst/>
+          </a:prstGeom>
+        </p:spPr>
+        <p:style>
+          <a:lnRef idx="2">
+            <a:schemeClr val="accent1">
+              <a:shade val="50000"/>
+            </a:schemeClr>
+          </a:lnRef>
+          <a:fillRef idx="1">
+            <a:schemeClr val="accent1"/>
+          </a:fillRef>
+          <a:effectRef idx="0">
+            <a:schemeClr val="accent1"/>
+          </a:effectRef>
+          <a:fontRef idx="minor">
+            <a:schemeClr val="lt1"/>
+          </a:fontRef>
+        </p:style>
+        <p:txBody>
+          <a:bodyPr rtlCol="0" anchor="ctr"/>
+          <a:lstStyle/>
+          <a:p>
+            <a:pPr algn="ctr"/>
+            <a:r>
+              <a:rPr lang="es-GT" dirty="0"/>
+              <a:t>Información de Personal</a:t>
+            </a:r>
+          </a:p>
+        </p:txBody>
+      </p:sp>
+      <p:sp>
+        <p:nvSpPr>
+          <p:cNvPr id="8" name="Esquina doblada 7"/>
+          <p:cNvSpPr/>
+          <p:nvPr/>
+        </p:nvSpPr>
+        <p:spPr>
+          <a:xfrm>
+            <a:off x="225284" y="3412435"/>
+            <a:ext cx="2777721" cy="834886"/>
+          </a:xfrm>
+          <a:prstGeom prst="foldedCorner">
+            <a:avLst/>
+          </a:prstGeom>
+        </p:spPr>
+        <p:style>
+          <a:lnRef idx="2">
+            <a:schemeClr val="accent1">
+              <a:shade val="50000"/>
+            </a:schemeClr>
+          </a:lnRef>
+          <a:fillRef idx="1">
+            <a:schemeClr val="accent1"/>
+          </a:fillRef>
+          <a:effectRef idx="0">
+            <a:schemeClr val="accent1"/>
+          </a:effectRef>
+          <a:fontRef idx="minor">
+            <a:schemeClr val="lt1"/>
+          </a:fontRef>
+        </p:style>
+        <p:txBody>
+          <a:bodyPr rtlCol="0" anchor="ctr"/>
+          <a:lstStyle/>
+          <a:p>
+            <a:pPr algn="ctr"/>
+            <a:r>
+              <a:rPr lang="es-GT" dirty="0"/>
+              <a:t>Pagos</a:t>
+            </a:r>
+          </a:p>
+        </p:txBody>
+      </p:sp>
+      <p:sp>
+        <p:nvSpPr>
+          <p:cNvPr id="9" name="Esquina doblada 8"/>
+          <p:cNvSpPr/>
+          <p:nvPr/>
+        </p:nvSpPr>
+        <p:spPr>
+          <a:xfrm>
+            <a:off x="225284" y="5148470"/>
+            <a:ext cx="2777721" cy="834886"/>
+          </a:xfrm>
+          <a:prstGeom prst="foldedCorner">
+            <a:avLst/>
+          </a:prstGeom>
+        </p:spPr>
+        <p:style>
+          <a:lnRef idx="2">
+            <a:schemeClr val="accent1">
+              <a:shade val="50000"/>
+            </a:schemeClr>
+          </a:lnRef>
+          <a:fillRef idx="1">
+            <a:schemeClr val="accent1"/>
+          </a:fillRef>
+          <a:effectRef idx="0">
+            <a:schemeClr val="accent1"/>
+          </a:effectRef>
+          <a:fontRef idx="minor">
+            <a:schemeClr val="lt1"/>
+          </a:fontRef>
+        </p:style>
+        <p:txBody>
+          <a:bodyPr rtlCol="0" anchor="ctr"/>
+          <a:lstStyle/>
+          <a:p>
+            <a:pPr algn="ctr"/>
+            <a:r>
+              <a:rPr lang="es-GT" dirty="0"/>
+              <a:t>Administración</a:t>
+            </a:r>
+          </a:p>
+        </p:txBody>
+      </p:sp>
+      <p:sp>
+        <p:nvSpPr>
+          <p:cNvPr id="17" name="Esquina doblada 16"/>
+          <p:cNvSpPr/>
+          <p:nvPr/>
+        </p:nvSpPr>
+        <p:spPr>
+          <a:xfrm flipH="1">
+            <a:off x="9096227" y="1676400"/>
+            <a:ext cx="2777721" cy="834886"/>
+          </a:xfrm>
+          <a:prstGeom prst="foldedCorner">
+            <a:avLst/>
+          </a:prstGeom>
+        </p:spPr>
+        <p:style>
+          <a:lnRef idx="2">
+            <a:schemeClr val="accent1">
+              <a:shade val="50000"/>
+            </a:schemeClr>
+          </a:lnRef>
+          <a:fillRef idx="1">
+            <a:schemeClr val="accent1"/>
+          </a:fillRef>
+          <a:effectRef idx="0">
+            <a:schemeClr val="accent1"/>
+          </a:effectRef>
+          <a:fontRef idx="minor">
+            <a:schemeClr val="lt1"/>
+          </a:fontRef>
+        </p:style>
+        <p:txBody>
+          <a:bodyPr rtlCol="0" anchor="ctr"/>
+          <a:lstStyle/>
+          <a:p>
+            <a:pPr algn="ctr"/>
+            <a:r>
+              <a:rPr lang="es-GT" dirty="0"/>
+              <a:t>Inscripción</a:t>
+            </a:r>
+          </a:p>
+        </p:txBody>
+      </p:sp>
+      <p:sp>
+        <p:nvSpPr>
+          <p:cNvPr id="18" name="Esquina doblada 17"/>
+          <p:cNvSpPr/>
+          <p:nvPr/>
+        </p:nvSpPr>
+        <p:spPr>
+          <a:xfrm flipH="1">
+            <a:off x="9096226" y="3313044"/>
+            <a:ext cx="2777721" cy="834886"/>
+          </a:xfrm>
+          <a:prstGeom prst="foldedCorner">
+            <a:avLst/>
+          </a:prstGeom>
+        </p:spPr>
+        <p:style>
+          <a:lnRef idx="2">
+            <a:schemeClr val="accent1">
+              <a:shade val="50000"/>
+            </a:schemeClr>
+          </a:lnRef>
+          <a:fillRef idx="1">
+            <a:schemeClr val="accent1"/>
+          </a:fillRef>
+          <a:effectRef idx="0">
+            <a:schemeClr val="accent1"/>
+          </a:effectRef>
+          <a:fontRef idx="minor">
+            <a:schemeClr val="lt1"/>
+          </a:fontRef>
+        </p:style>
+        <p:txBody>
+          <a:bodyPr rtlCol="0" anchor="ctr"/>
+          <a:lstStyle/>
+          <a:p>
+            <a:pPr algn="ctr"/>
+            <a:r>
+              <a:rPr lang="es-GT" dirty="0"/>
+              <a:t>Notas</a:t>
+            </a:r>
+          </a:p>
+        </p:txBody>
+      </p:sp>
+      <p:sp>
+        <p:nvSpPr>
+          <p:cNvPr id="19" name="Esquina doblada 18"/>
+          <p:cNvSpPr/>
+          <p:nvPr/>
+        </p:nvSpPr>
+        <p:spPr>
+          <a:xfrm flipH="1">
+            <a:off x="9096225" y="5148470"/>
+            <a:ext cx="2777721" cy="834886"/>
+          </a:xfrm>
+          <a:prstGeom prst="foldedCorner">
+            <a:avLst/>
+          </a:prstGeom>
+        </p:spPr>
+        <p:style>
+          <a:lnRef idx="2">
+            <a:schemeClr val="accent1">
+              <a:shade val="50000"/>
+            </a:schemeClr>
+          </a:lnRef>
+          <a:fillRef idx="1">
+            <a:schemeClr val="accent1"/>
+          </a:fillRef>
+          <a:effectRef idx="0">
+            <a:schemeClr val="accent1"/>
+          </a:effectRef>
+          <a:fontRef idx="minor">
+            <a:schemeClr val="lt1"/>
+          </a:fontRef>
+        </p:style>
+        <p:txBody>
+          <a:bodyPr rtlCol="0" anchor="ctr"/>
+          <a:lstStyle/>
+          <a:p>
+            <a:pPr algn="ctr"/>
+            <a:r>
+              <a:rPr lang="es-GT" dirty="0"/>
+              <a:t>Listados</a:t>
+            </a:r>
+          </a:p>
+        </p:txBody>
+      </p:sp>
+      <p:sp>
+        <p:nvSpPr>
+          <p:cNvPr id="20" name="Rectángulo 19"/>
+          <p:cNvSpPr/>
+          <p:nvPr/>
+        </p:nvSpPr>
+        <p:spPr>
+          <a:xfrm>
+            <a:off x="5628198" y="1135173"/>
+            <a:ext cx="1276311" cy="707886"/>
+          </a:xfrm>
+          <a:prstGeom prst="rect">
+            <a:avLst/>
+          </a:prstGeom>
+          <a:noFill/>
+        </p:spPr>
+        <p:txBody>
+          <a:bodyPr wrap="none" lIns="91440" tIns="45720" rIns="91440" bIns="45720">
+            <a:spAutoFit/>
+          </a:bodyPr>
+          <a:lstStyle/>
+          <a:p>
+            <a:pPr algn="ctr"/>
+            <a:r>
+              <a:rPr lang="es-ES" sz="4000" b="1" dirty="0">
+                <a:ln w="9525">
+                  <a:solidFill>
+                    <a:schemeClr val="bg1"/>
+                  </a:solidFill>
+                  <a:prstDash val="solid"/>
+                </a:ln>
+                <a:solidFill>
+                  <a:schemeClr val="accent5"/>
+                </a:solidFill>
+                <a:effectLst>
+                  <a:outerShdw blurRad="12700" dist="38100" dir="2700000" algn="tl" rotWithShape="0">
+                    <a:schemeClr val="accent5">
+                      <a:lumMod val="60000"/>
+                      <a:lumOff val="40000"/>
+                    </a:schemeClr>
+                  </a:outerShdw>
+                </a:effectLst>
+              </a:rPr>
+              <a:t>SIGIE</a:t>
+            </a:r>
+            <a:endParaRPr lang="es-ES" sz="4000" b="1" cap="none" spc="0" dirty="0">
+              <a:ln w="9525">
+                <a:solidFill>
+                  <a:schemeClr val="bg1"/>
+                </a:solidFill>
+                <a:prstDash val="solid"/>
+              </a:ln>
+              <a:solidFill>
+                <a:schemeClr val="accent5"/>
+              </a:solidFill>
+              <a:effectLst>
+                <a:outerShdw blurRad="12700" dist="38100" dir="2700000" algn="tl" rotWithShape="0">
+                  <a:schemeClr val="accent5">
+                    <a:lumMod val="60000"/>
+                    <a:lumOff val="40000"/>
+                  </a:schemeClr>
+                </a:outerShdw>
+              </a:effectLst>
+            </a:endParaRPr>
+          </a:p>
+        </p:txBody>
+      </p:sp>
+      <p:sp>
+        <p:nvSpPr>
+          <p:cNvPr id="21" name="Rectángulo 20"/>
+          <p:cNvSpPr/>
+          <p:nvPr/>
+        </p:nvSpPr>
+        <p:spPr>
+          <a:xfrm>
+            <a:off x="5628198" y="5692914"/>
+            <a:ext cx="1340432" cy="707886"/>
+          </a:xfrm>
+          <a:prstGeom prst="rect">
+            <a:avLst/>
+          </a:prstGeom>
+          <a:noFill/>
+        </p:spPr>
+        <p:txBody>
+          <a:bodyPr wrap="none" lIns="91440" tIns="45720" rIns="91440" bIns="45720">
+            <a:spAutoFit/>
+          </a:bodyPr>
+          <a:lstStyle/>
+          <a:p>
+            <a:pPr algn="ctr"/>
+            <a:r>
+              <a:rPr lang="es-ES" sz="4000" b="1" dirty="0">
+                <a:ln w="9525">
+                  <a:solidFill>
+                    <a:schemeClr val="bg1"/>
+                  </a:solidFill>
+                  <a:prstDash val="solid"/>
+                </a:ln>
+                <a:solidFill>
+                  <a:schemeClr val="accent5"/>
+                </a:solidFill>
+                <a:effectLst>
+                  <a:outerShdw blurRad="12700" dist="38100" dir="2700000" algn="tl" rotWithShape="0">
+                    <a:schemeClr val="accent5">
+                      <a:lumMod val="60000"/>
+                      <a:lumOff val="40000"/>
+                    </a:schemeClr>
+                  </a:outerShdw>
+                </a:effectLst>
+              </a:rPr>
+              <a:t>Inicio</a:t>
+            </a:r>
+            <a:endParaRPr lang="es-ES" sz="4000" b="1" cap="none" spc="0" dirty="0">
+              <a:ln w="9525">
+                <a:solidFill>
+                  <a:schemeClr val="bg1"/>
+                </a:solidFill>
+                <a:prstDash val="solid"/>
+              </a:ln>
+              <a:solidFill>
+                <a:schemeClr val="accent5"/>
+              </a:solidFill>
+              <a:effectLst>
+                <a:outerShdw blurRad="12700" dist="38100" dir="2700000" algn="tl" rotWithShape="0">
+                  <a:schemeClr val="accent5">
+                    <a:lumMod val="60000"/>
+                    <a:lumOff val="40000"/>
+                  </a:schemeClr>
+                </a:outerShdw>
+              </a:effectLst>
+            </a:endParaRPr>
+          </a:p>
+        </p:txBody>
+      </p:sp>
+      <p:sp>
+        <p:nvSpPr>
+          <p:cNvPr id="22" name="Esquina doblada 21"/>
+          <p:cNvSpPr/>
+          <p:nvPr/>
+        </p:nvSpPr>
+        <p:spPr>
+          <a:xfrm flipH="1">
+            <a:off x="10376452" y="1060174"/>
+            <a:ext cx="1497494" cy="397564"/>
+          </a:xfrm>
+          <a:prstGeom prst="foldedCorner">
+            <a:avLst/>
+          </a:prstGeom>
+        </p:spPr>
+        <p:style>
+          <a:lnRef idx="2">
+            <a:schemeClr val="accent5"/>
+          </a:lnRef>
+          <a:fillRef idx="1">
+            <a:schemeClr val="lt1"/>
+          </a:fillRef>
+          <a:effectRef idx="0">
+            <a:schemeClr val="accent5"/>
+          </a:effectRef>
+          <a:fontRef idx="minor">
+            <a:schemeClr val="dk1"/>
+          </a:fontRef>
+        </p:style>
+        <p:txBody>
+          <a:bodyPr rtlCol="0" anchor="ctr"/>
+          <a:lstStyle/>
+          <a:p>
+            <a:pPr algn="ctr"/>
+            <a:r>
+              <a:rPr lang="es-GT" dirty="0">
+                <a:solidFill>
+                  <a:schemeClr val="accent1">
+                    <a:lumMod val="75000"/>
+                  </a:schemeClr>
+                </a:solidFill>
+              </a:rPr>
+              <a:t>Cerrar Sesión</a:t>
+            </a:r>
+          </a:p>
+        </p:txBody>
+      </p:sp>
+      <p:sp>
+        <p:nvSpPr>
+          <p:cNvPr id="23" name="Esquina doblada 22"/>
+          <p:cNvSpPr/>
+          <p:nvPr/>
+        </p:nvSpPr>
+        <p:spPr>
+          <a:xfrm>
+            <a:off x="225283" y="1060174"/>
+            <a:ext cx="1497495" cy="397564"/>
+          </a:xfrm>
+          <a:prstGeom prst="foldedCorner">
+            <a:avLst/>
+          </a:prstGeom>
+        </p:spPr>
+        <p:style>
+          <a:lnRef idx="2">
+            <a:schemeClr val="accent5"/>
+          </a:lnRef>
+          <a:fillRef idx="1">
+            <a:schemeClr val="lt1"/>
+          </a:fillRef>
+          <a:effectRef idx="0">
+            <a:schemeClr val="accent5"/>
+          </a:effectRef>
+          <a:fontRef idx="minor">
+            <a:schemeClr val="dk1"/>
+          </a:fontRef>
+        </p:style>
+        <p:txBody>
+          <a:bodyPr rtlCol="0" anchor="ctr"/>
+          <a:lstStyle/>
+          <a:p>
+            <a:pPr algn="ctr"/>
+            <a:r>
+              <a:rPr lang="es-GT" sz="1400" dirty="0">
+                <a:solidFill>
+                  <a:schemeClr val="accent1">
+                    <a:lumMod val="75000"/>
+                  </a:schemeClr>
+                </a:solidFill>
+              </a:rPr>
+              <a:t>“Usuario Activo”</a:t>
+            </a:r>
+          </a:p>
+        </p:txBody>
+      </p:sp>
+    </p:spTree>
+    <p:extLst>
+      <p:ext uri="{BB962C8B-B14F-4D97-AF65-F5344CB8AC3E}">
+        <p14:creationId xmlns:p14="http://schemas.microsoft.com/office/powerpoint/2010/main" val="57379434"/>
+      </p:ext>
+    </p:extLst>
+  </p:cSld>
+  <p:clrMapOvr>
+    <a:masterClrMapping/>
+  </p:clrMapOvr>
+</p:sld>
+</file>
+
+<file path=ppt/slides/slide5.xml><?xml version="1.0" encoding="utf-8"?>
+<p:sld xmlns:a="http://schemas.openxmlformats.org/drawingml/2006/main" xmlns:r="http://schemas.openxmlformats.org/officeDocument/2006/relationships" xmlns:p="http://schemas.openxmlformats.org/presentationml/2006/main">
+  <p:cSld>
+    <p:spTree>
+      <p:nvGrpSpPr>
+        <p:cNvPr id="1" name=""/>
+        <p:cNvGrpSpPr/>
+        <p:nvPr/>
+      </p:nvGrpSpPr>
+      <p:grpSpPr>
+        <a:xfrm>
+          <a:off x="0" y="0"/>
+          <a:ext cx="0" cy="0"/>
+          <a:chOff x="0" y="0"/>
+          <a:chExt cx="0" cy="0"/>
+        </a:xfrm>
+      </p:grpSpPr>
+      <p:sp>
+        <p:nvSpPr>
+          <p:cNvPr id="2" name="Rectángulo 1"/>
+          <p:cNvSpPr/>
+          <p:nvPr/>
+        </p:nvSpPr>
+        <p:spPr>
+          <a:xfrm>
+            <a:off x="3655750" y="2967335"/>
+            <a:ext cx="4880503" cy="1446550"/>
+          </a:xfrm>
+          <a:prstGeom prst="rect">
+            <a:avLst/>
+          </a:prstGeom>
+          <a:noFill/>
+        </p:spPr>
+        <p:txBody>
+          <a:bodyPr wrap="none" lIns="91440" tIns="45720" rIns="91440" bIns="45720">
+            <a:spAutoFit/>
+          </a:bodyPr>
+          <a:lstStyle/>
+          <a:p>
+            <a:pPr algn="ctr"/>
+            <a:r>
+              <a:rPr lang="es-ES" sz="8800" b="1" cap="none" spc="0" dirty="0">
+                <a:ln w="9525">
+                  <a:solidFill>
+                    <a:schemeClr val="bg1"/>
+                  </a:solidFill>
+                  <a:prstDash val="solid"/>
+                </a:ln>
+                <a:solidFill>
+                  <a:schemeClr val="accent5"/>
+                </a:solidFill>
+                <a:effectLst>
+                  <a:outerShdw blurRad="12700" dist="38100" dir="2700000" algn="tl" rotWithShape="0">
+                    <a:schemeClr val="accent5">
+                      <a:lumMod val="60000"/>
+                      <a:lumOff val="40000"/>
+                    </a:schemeClr>
+                  </a:outerShdw>
+                </a:effectLst>
+              </a:rPr>
+              <a:t>Secretaria</a:t>
+            </a:r>
+          </a:p>
+        </p:txBody>
+      </p:sp>
+    </p:spTree>
+    <p:extLst>
+      <p:ext uri="{BB962C8B-B14F-4D97-AF65-F5344CB8AC3E}">
+        <p14:creationId xmlns:p14="http://schemas.microsoft.com/office/powerpoint/2010/main" val="2809853636"/>
+      </p:ext>
+    </p:extLst>
+  </p:cSld>
+  <p:clrMapOvr>
+    <a:masterClrMapping/>
+  </p:clrMapOvr>
+</p:sld>
+</file>
+
+<file path=ppt/slides/slide6.xml><?xml version="1.0" encoding="utf-8"?>
+<p:sld xmlns:a="http://schemas.openxmlformats.org/drawingml/2006/main" xmlns:r="http://schemas.openxmlformats.org/officeDocument/2006/relationships" xmlns:p="http://schemas.openxmlformats.org/presentationml/2006/main">
+  <p:cSld>
+    <p:spTree>
+      <p:nvGrpSpPr>
+        <p:cNvPr id="1" name=""/>
+        <p:cNvGrpSpPr/>
+        <p:nvPr/>
+      </p:nvGrpSpPr>
+      <p:grpSpPr>
+        <a:xfrm>
+          <a:off x="0" y="0"/>
+          <a:ext cx="0" cy="0"/>
+          <a:chOff x="0" y="0"/>
+          <a:chExt cx="0" cy="0"/>
+        </a:xfrm>
+      </p:grpSpPr>
+      <p:sp>
+        <p:nvSpPr>
+          <p:cNvPr id="2" name="Rectángulo 1"/>
+          <p:cNvSpPr/>
+          <p:nvPr/>
+        </p:nvSpPr>
+        <p:spPr>
+          <a:xfrm>
+            <a:off x="225287" y="1060174"/>
+            <a:ext cx="11648661" cy="5340626"/>
+          </a:xfrm>
+          <a:prstGeom prst="rect">
+            <a:avLst/>
+          </a:prstGeom>
+          <a:gradFill flip="none" rotWithShape="1">
+            <a:gsLst>
+              <a:gs pos="0">
+                <a:schemeClr val="accent1">
+                  <a:tint val="66000"/>
+                  <a:satMod val="160000"/>
+                </a:schemeClr>
+              </a:gs>
+              <a:gs pos="50000">
+                <a:schemeClr val="accent1">
+                  <a:tint val="44500"/>
+                  <a:satMod val="160000"/>
+                </a:schemeClr>
+              </a:gs>
+              <a:gs pos="100000">
+                <a:schemeClr val="accent1">
+                  <a:tint val="23500"/>
+                  <a:satMod val="160000"/>
+                </a:schemeClr>
+              </a:gs>
+            </a:gsLst>
+            <a:path path="circle">
+              <a:fillToRect l="50000" t="50000" r="50000" b="50000"/>
+            </a:path>
+            <a:tileRect/>
+          </a:gradFill>
+          <a:ln w="9525" cap="flat" cmpd="sng" algn="ctr">
+            <a:solidFill>
+              <a:schemeClr val="dk1"/>
+            </a:solidFill>
+            <a:prstDash val="solid"/>
+            <a:round/>
+            <a:headEnd type="none" w="med" len="med"/>
+            <a:tailEnd type="none" w="med" len="med"/>
+          </a:ln>
+        </p:spPr>
+        <p:style>
+          <a:lnRef idx="0">
+            <a:scrgbClr r="0" g="0" b="0"/>
+          </a:lnRef>
+          <a:fillRef idx="0">
+            <a:scrgbClr r="0" g="0" b="0"/>
+          </a:fillRef>
+          <a:effectRef idx="0">
+            <a:scrgbClr r="0" g="0" b="0"/>
+          </a:effectRef>
+          <a:fontRef idx="minor">
+            <a:schemeClr val="dk1"/>
+          </a:fontRef>
+        </p:style>
+        <p:txBody>
+          <a:bodyPr rtlCol="0" anchor="ctr"/>
+          <a:lstStyle/>
+          <a:p>
+            <a:pPr algn="ctr"/>
+            <a:endParaRPr lang="es-GT"/>
+          </a:p>
+        </p:txBody>
+      </p:sp>
+      <p:pic>
+        <p:nvPicPr>
+          <p:cNvPr id="3" name="Imagen 2"/>
+          <p:cNvPicPr>
+            <a:picLocks noChangeAspect="1"/>
+          </p:cNvPicPr>
+          <p:nvPr/>
+        </p:nvPicPr>
+        <p:blipFill rotWithShape="1">
+          <a:blip r:embed="rId2">
+            <a:extLst>
+              <a:ext uri="{28A0092B-C50C-407E-A947-70E740481C1C}">
+                <a14:useLocalDpi xmlns:a14="http://schemas.microsoft.com/office/drawing/2010/main" val="0"/>
+              </a:ext>
+            </a:extLst>
+          </a:blip>
+          <a:srcRect l="22709" b="14423"/>
+          <a:stretch/>
+        </p:blipFill>
+        <p:spPr>
+          <a:xfrm>
+            <a:off x="225287" y="2783964"/>
+            <a:ext cx="4300396" cy="3616836"/>
+          </a:xfrm>
+          <a:prstGeom prst="rect">
+            <a:avLst/>
+          </a:prstGeom>
+        </p:spPr>
+      </p:pic>
+      <p:sp>
+        <p:nvSpPr>
+          <p:cNvPr id="6" name="Rectángulo redondeado 5"/>
+          <p:cNvSpPr/>
+          <p:nvPr/>
+        </p:nvSpPr>
+        <p:spPr>
+          <a:xfrm>
+            <a:off x="5791200" y="3551582"/>
+            <a:ext cx="1696278" cy="954157"/>
+          </a:xfrm>
+          <a:prstGeom prst="roundRect">
+            <a:avLst/>
+          </a:prstGeom>
+        </p:spPr>
+        <p:style>
+          <a:lnRef idx="0">
+            <a:schemeClr val="accent1"/>
+          </a:lnRef>
+          <a:fillRef idx="3">
+            <a:schemeClr val="accent1"/>
+          </a:fillRef>
+          <a:effectRef idx="3">
+            <a:schemeClr val="accent1"/>
+          </a:effectRef>
+          <a:fontRef idx="minor">
+            <a:schemeClr val="lt1"/>
+          </a:fontRef>
+        </p:style>
+        <p:txBody>
+          <a:bodyPr rtlCol="0" anchor="ctr"/>
+          <a:lstStyle/>
+          <a:p>
+            <a:pPr algn="ctr"/>
+            <a:r>
+              <a:rPr lang="es-GT" dirty="0"/>
+              <a:t>Inscripción</a:t>
+            </a:r>
+          </a:p>
+        </p:txBody>
+      </p:sp>
+      <p:sp>
+        <p:nvSpPr>
+          <p:cNvPr id="7" name="Rectángulo 6"/>
+          <p:cNvSpPr/>
+          <p:nvPr/>
+        </p:nvSpPr>
+        <p:spPr>
+          <a:xfrm>
+            <a:off x="3050275" y="1129457"/>
+            <a:ext cx="5998693" cy="1323439"/>
+          </a:xfrm>
+          <a:prstGeom prst="rect">
+            <a:avLst/>
+          </a:prstGeom>
+          <a:noFill/>
+        </p:spPr>
+        <p:txBody>
+          <a:bodyPr wrap="none" lIns="91440" tIns="45720" rIns="91440" bIns="45720">
+            <a:spAutoFit/>
+          </a:bodyPr>
+          <a:lstStyle/>
+          <a:p>
+            <a:pPr algn="ctr"/>
+            <a:r>
+              <a:rPr lang="es-ES" sz="4000" b="1" dirty="0">
+                <a:ln w="9525">
+                  <a:solidFill>
+                    <a:schemeClr val="bg1"/>
+                  </a:solidFill>
+                  <a:prstDash val="solid"/>
+                </a:ln>
+                <a:solidFill>
+                  <a:schemeClr val="accent5"/>
+                </a:solidFill>
+                <a:effectLst>
+                  <a:outerShdw blurRad="12700" dist="38100" dir="2700000" algn="tl" rotWithShape="0">
+                    <a:schemeClr val="accent5">
+                      <a:lumMod val="60000"/>
+                      <a:lumOff val="40000"/>
+                    </a:schemeClr>
+                  </a:outerShdw>
+                </a:effectLst>
+              </a:rPr>
+              <a:t>Información de Estudiantes</a:t>
+            </a:r>
+            <a:endParaRPr lang="es-ES" sz="4000" b="1" cap="none" spc="0" dirty="0">
+              <a:ln w="9525">
+                <a:solidFill>
+                  <a:schemeClr val="bg1"/>
+                </a:solidFill>
+                <a:prstDash val="solid"/>
+              </a:ln>
+              <a:solidFill>
+                <a:schemeClr val="accent5"/>
+              </a:solidFill>
+              <a:effectLst>
+                <a:outerShdw blurRad="12700" dist="38100" dir="2700000" algn="tl" rotWithShape="0">
+                  <a:schemeClr val="accent5">
+                    <a:lumMod val="60000"/>
+                    <a:lumOff val="40000"/>
+                  </a:schemeClr>
+                </a:outerShdw>
+              </a:effectLst>
+            </a:endParaRPr>
+          </a:p>
+          <a:p>
+            <a:pPr algn="ctr"/>
+            <a:r>
+              <a:rPr lang="es-ES" sz="4000" b="1" dirty="0">
+                <a:ln w="9525">
+                  <a:solidFill>
+                    <a:schemeClr val="bg1"/>
+                  </a:solidFill>
+                  <a:prstDash val="solid"/>
+                </a:ln>
+                <a:solidFill>
+                  <a:schemeClr val="accent5"/>
+                </a:solidFill>
+                <a:effectLst>
+                  <a:outerShdw blurRad="12700" dist="38100" dir="2700000" algn="tl" rotWithShape="0">
+                    <a:schemeClr val="accent5">
+                      <a:lumMod val="60000"/>
+                      <a:lumOff val="40000"/>
+                    </a:schemeClr>
+                  </a:outerShdw>
+                </a:effectLst>
+              </a:rPr>
+              <a:t>SIGIE</a:t>
+            </a:r>
+            <a:endParaRPr lang="es-ES" sz="4000" b="1" cap="none" spc="0" dirty="0">
+              <a:ln w="9525">
+                <a:solidFill>
+                  <a:schemeClr val="bg1"/>
+                </a:solidFill>
+                <a:prstDash val="solid"/>
+              </a:ln>
+              <a:solidFill>
+                <a:schemeClr val="accent5"/>
+              </a:solidFill>
+              <a:effectLst>
+                <a:outerShdw blurRad="12700" dist="38100" dir="2700000" algn="tl" rotWithShape="0">
+                  <a:schemeClr val="accent5">
+                    <a:lumMod val="60000"/>
+                    <a:lumOff val="40000"/>
+                  </a:schemeClr>
+                </a:outerShdw>
+              </a:effectLst>
+            </a:endParaRPr>
+          </a:p>
+        </p:txBody>
+      </p:sp>
+      <p:sp>
+        <p:nvSpPr>
+          <p:cNvPr id="8" name="CuadroTexto 7"/>
+          <p:cNvSpPr txBox="1"/>
+          <p:nvPr/>
+        </p:nvSpPr>
+        <p:spPr>
+          <a:xfrm>
+            <a:off x="1351722" y="357809"/>
+            <a:ext cx="2748894" cy="369332"/>
+          </a:xfrm>
+          <a:prstGeom prst="rect">
+            <a:avLst/>
+          </a:prstGeom>
+          <a:noFill/>
+        </p:spPr>
+        <p:txBody>
+          <a:bodyPr wrap="none" rtlCol="0">
+            <a:spAutoFit/>
+          </a:bodyPr>
+          <a:lstStyle/>
+          <a:p>
+            <a:r>
+              <a:rPr lang="es-GT" dirty="0"/>
               <a:t>Información de estudiantes</a:t>
+            </a:r>
+          </a:p>
+        </p:txBody>
+      </p:sp>
+      <p:sp>
+        <p:nvSpPr>
+          <p:cNvPr id="9" name="Rectángulo redondeado 8"/>
+          <p:cNvSpPr/>
+          <p:nvPr/>
+        </p:nvSpPr>
+        <p:spPr>
+          <a:xfrm>
+            <a:off x="7984435" y="3551582"/>
+            <a:ext cx="1696278" cy="954157"/>
+          </a:xfrm>
+          <a:prstGeom prst="roundRect">
+            <a:avLst/>
+          </a:prstGeom>
+        </p:spPr>
+        <p:style>
+          <a:lnRef idx="0">
+            <a:schemeClr val="accent1"/>
+          </a:lnRef>
+          <a:fillRef idx="3">
+            <a:schemeClr val="accent1"/>
+          </a:fillRef>
+          <a:effectRef idx="3">
+            <a:schemeClr val="accent1"/>
+          </a:effectRef>
+          <a:fontRef idx="minor">
+            <a:schemeClr val="lt1"/>
+          </a:fontRef>
+        </p:style>
+        <p:txBody>
+          <a:bodyPr rtlCol="0" anchor="ctr"/>
+          <a:lstStyle/>
+          <a:p>
+            <a:pPr algn="ctr"/>
+            <a:r>
+              <a:rPr lang="es-GT" dirty="0"/>
+              <a:t>Consulta y Edición</a:t>
+            </a:r>
+          </a:p>
+        </p:txBody>
+      </p:sp>
+      <p:sp>
+        <p:nvSpPr>
+          <p:cNvPr id="10" name="CuadroTexto 9"/>
+          <p:cNvSpPr txBox="1"/>
+          <p:nvPr/>
+        </p:nvSpPr>
+        <p:spPr>
+          <a:xfrm>
+            <a:off x="5791200" y="2817573"/>
+            <a:ext cx="4094922" cy="400110"/>
+          </a:xfrm>
+          <a:prstGeom prst="rect">
+            <a:avLst/>
+          </a:prstGeom>
+          <a:noFill/>
+        </p:spPr>
+        <p:txBody>
+          <a:bodyPr wrap="square" rtlCol="0">
+            <a:spAutoFit/>
+          </a:bodyPr>
+          <a:lstStyle/>
+          <a:p>
+            <a:r>
+              <a:rPr lang="es-GT" sz="2000" b="1" dirty="0">
+                <a:solidFill>
+                  <a:schemeClr val="bg1"/>
+                </a:solidFill>
+              </a:rPr>
+              <a:t>Selecciona Una Opción.</a:t>
             </a:r>
           </a:p>
         </p:txBody>
@@ -6349,6 +8025,2515 @@
     <p:extLst>
       <p:ext uri="{BB962C8B-B14F-4D97-AF65-F5344CB8AC3E}">
         <p14:creationId xmlns:p14="http://schemas.microsoft.com/office/powerpoint/2010/main" val="1493746140"/>
+      </p:ext>
+    </p:extLst>
+  </p:cSld>
+  <p:clrMapOvr>
+    <a:masterClrMapping/>
+  </p:clrMapOvr>
+</p:sld>
+</file>
+
+<file path=ppt/slides/slide7.xml><?xml version="1.0" encoding="utf-8"?>
+<p:sld xmlns:a="http://schemas.openxmlformats.org/drawingml/2006/main" xmlns:r="http://schemas.openxmlformats.org/officeDocument/2006/relationships" xmlns:p="http://schemas.openxmlformats.org/presentationml/2006/main">
+  <p:cSld>
+    <p:spTree>
+      <p:nvGrpSpPr>
+        <p:cNvPr id="1" name=""/>
+        <p:cNvGrpSpPr/>
+        <p:nvPr/>
+      </p:nvGrpSpPr>
+      <p:grpSpPr>
+        <a:xfrm>
+          <a:off x="0" y="0"/>
+          <a:ext cx="0" cy="0"/>
+          <a:chOff x="0" y="0"/>
+          <a:chExt cx="0" cy="0"/>
+        </a:xfrm>
+      </p:grpSpPr>
+      <p:sp>
+        <p:nvSpPr>
+          <p:cNvPr id="2" name="Rectángulo 1"/>
+          <p:cNvSpPr/>
+          <p:nvPr/>
+        </p:nvSpPr>
+        <p:spPr>
+          <a:xfrm>
+            <a:off x="225287" y="1060174"/>
+            <a:ext cx="11648661" cy="5340626"/>
+          </a:xfrm>
+          <a:prstGeom prst="rect">
+            <a:avLst/>
+          </a:prstGeom>
+          <a:gradFill flip="none" rotWithShape="1">
+            <a:gsLst>
+              <a:gs pos="0">
+                <a:schemeClr val="accent1">
+                  <a:tint val="66000"/>
+                  <a:satMod val="160000"/>
+                </a:schemeClr>
+              </a:gs>
+              <a:gs pos="50000">
+                <a:schemeClr val="accent1">
+                  <a:tint val="44500"/>
+                  <a:satMod val="160000"/>
+                </a:schemeClr>
+              </a:gs>
+              <a:gs pos="100000">
+                <a:schemeClr val="accent1">
+                  <a:tint val="23500"/>
+                  <a:satMod val="160000"/>
+                </a:schemeClr>
+              </a:gs>
+            </a:gsLst>
+            <a:path path="circle">
+              <a:fillToRect l="50000" t="50000" r="50000" b="50000"/>
+            </a:path>
+            <a:tileRect/>
+          </a:gradFill>
+          <a:ln w="9525" cap="flat" cmpd="sng" algn="ctr">
+            <a:solidFill>
+              <a:schemeClr val="dk1"/>
+            </a:solidFill>
+            <a:prstDash val="solid"/>
+            <a:round/>
+            <a:headEnd type="none" w="med" len="med"/>
+            <a:tailEnd type="none" w="med" len="med"/>
+          </a:ln>
+        </p:spPr>
+        <p:style>
+          <a:lnRef idx="0">
+            <a:scrgbClr r="0" g="0" b="0"/>
+          </a:lnRef>
+          <a:fillRef idx="0">
+            <a:scrgbClr r="0" g="0" b="0"/>
+          </a:fillRef>
+          <a:effectRef idx="0">
+            <a:scrgbClr r="0" g="0" b="0"/>
+          </a:effectRef>
+          <a:fontRef idx="minor">
+            <a:schemeClr val="dk1"/>
+          </a:fontRef>
+        </p:style>
+        <p:txBody>
+          <a:bodyPr rtlCol="0" anchor="ctr"/>
+          <a:lstStyle/>
+          <a:p>
+            <a:pPr algn="ctr"/>
+            <a:endParaRPr lang="es-GT"/>
+          </a:p>
+        </p:txBody>
+      </p:sp>
+      <p:pic>
+        <p:nvPicPr>
+          <p:cNvPr id="3" name="Imagen 2"/>
+          <p:cNvPicPr>
+            <a:picLocks noChangeAspect="1"/>
+          </p:cNvPicPr>
+          <p:nvPr/>
+        </p:nvPicPr>
+        <p:blipFill rotWithShape="1">
+          <a:blip r:embed="rId2">
+            <a:extLst>
+              <a:ext uri="{28A0092B-C50C-407E-A947-70E740481C1C}">
+                <a14:useLocalDpi xmlns:a14="http://schemas.microsoft.com/office/drawing/2010/main" val="0"/>
+              </a:ext>
+            </a:extLst>
+          </a:blip>
+          <a:srcRect l="22709" b="14423"/>
+          <a:stretch/>
+        </p:blipFill>
+        <p:spPr>
+          <a:xfrm>
+            <a:off x="225287" y="5234609"/>
+            <a:ext cx="1386593" cy="1166190"/>
+          </a:xfrm>
+          <a:prstGeom prst="rect">
+            <a:avLst/>
+          </a:prstGeom>
+        </p:spPr>
+      </p:pic>
+      <p:sp>
+        <p:nvSpPr>
+          <p:cNvPr id="6" name="Rectángulo redondeado 5"/>
+          <p:cNvSpPr/>
+          <p:nvPr/>
+        </p:nvSpPr>
+        <p:spPr>
+          <a:xfrm>
+            <a:off x="10508975" y="5751444"/>
+            <a:ext cx="1229464" cy="543339"/>
+          </a:xfrm>
+          <a:prstGeom prst="roundRect">
+            <a:avLst/>
+          </a:prstGeom>
+        </p:spPr>
+        <p:style>
+          <a:lnRef idx="0">
+            <a:schemeClr val="accent1"/>
+          </a:lnRef>
+          <a:fillRef idx="3">
+            <a:schemeClr val="accent1"/>
+          </a:fillRef>
+          <a:effectRef idx="3">
+            <a:schemeClr val="accent1"/>
+          </a:effectRef>
+          <a:fontRef idx="minor">
+            <a:schemeClr val="lt1"/>
+          </a:fontRef>
+        </p:style>
+        <p:txBody>
+          <a:bodyPr rtlCol="0" anchor="ctr"/>
+          <a:lstStyle/>
+          <a:p>
+            <a:pPr algn="ctr"/>
+            <a:r>
+              <a:rPr lang="es-GT" dirty="0"/>
+              <a:t>Continuar</a:t>
+            </a:r>
+          </a:p>
+        </p:txBody>
+      </p:sp>
+      <p:sp>
+        <p:nvSpPr>
+          <p:cNvPr id="7" name="Rectángulo 6"/>
+          <p:cNvSpPr/>
+          <p:nvPr/>
+        </p:nvSpPr>
+        <p:spPr>
+          <a:xfrm>
+            <a:off x="10815645" y="1091410"/>
+            <a:ext cx="1058303" cy="584775"/>
+          </a:xfrm>
+          <a:prstGeom prst="rect">
+            <a:avLst/>
+          </a:prstGeom>
+          <a:noFill/>
+        </p:spPr>
+        <p:txBody>
+          <a:bodyPr wrap="none" lIns="91440" tIns="45720" rIns="91440" bIns="45720">
+            <a:spAutoFit/>
+          </a:bodyPr>
+          <a:lstStyle/>
+          <a:p>
+            <a:pPr algn="ctr"/>
+            <a:r>
+              <a:rPr lang="es-ES" sz="3200" b="1" dirty="0">
+                <a:ln w="9525">
+                  <a:solidFill>
+                    <a:schemeClr val="bg1"/>
+                  </a:solidFill>
+                  <a:prstDash val="solid"/>
+                </a:ln>
+                <a:solidFill>
+                  <a:schemeClr val="accent5"/>
+                </a:solidFill>
+                <a:effectLst>
+                  <a:outerShdw blurRad="12700" dist="38100" dir="2700000" algn="tl" rotWithShape="0">
+                    <a:schemeClr val="accent5">
+                      <a:lumMod val="60000"/>
+                      <a:lumOff val="40000"/>
+                    </a:schemeClr>
+                  </a:outerShdw>
+                </a:effectLst>
+              </a:rPr>
+              <a:t>SIGIE</a:t>
+            </a:r>
+            <a:endParaRPr lang="es-ES" sz="3200" b="1" cap="none" spc="0" dirty="0">
+              <a:ln w="9525">
+                <a:solidFill>
+                  <a:schemeClr val="bg1"/>
+                </a:solidFill>
+                <a:prstDash val="solid"/>
+              </a:ln>
+              <a:solidFill>
+                <a:schemeClr val="accent5"/>
+              </a:solidFill>
+              <a:effectLst>
+                <a:outerShdw blurRad="12700" dist="38100" dir="2700000" algn="tl" rotWithShape="0">
+                  <a:schemeClr val="accent5">
+                    <a:lumMod val="60000"/>
+                    <a:lumOff val="40000"/>
+                  </a:schemeClr>
+                </a:outerShdw>
+              </a:effectLst>
+            </a:endParaRPr>
+          </a:p>
+        </p:txBody>
+      </p:sp>
+      <p:sp>
+        <p:nvSpPr>
+          <p:cNvPr id="8" name="CuadroTexto 7"/>
+          <p:cNvSpPr txBox="1"/>
+          <p:nvPr/>
+        </p:nvSpPr>
+        <p:spPr>
+          <a:xfrm>
+            <a:off x="1351722" y="357809"/>
+            <a:ext cx="4231158" cy="369332"/>
+          </a:xfrm>
+          <a:prstGeom prst="rect">
+            <a:avLst/>
+          </a:prstGeom>
+          <a:noFill/>
+        </p:spPr>
+        <p:txBody>
+          <a:bodyPr wrap="none" rtlCol="0">
+            <a:spAutoFit/>
+          </a:bodyPr>
+          <a:lstStyle/>
+          <a:p>
+            <a:r>
+              <a:rPr lang="es-GT" dirty="0"/>
+              <a:t>Inscripción Estudiantes – Datos Estudiantes</a:t>
+            </a:r>
+          </a:p>
+        </p:txBody>
+      </p:sp>
+      <p:sp>
+        <p:nvSpPr>
+          <p:cNvPr id="10" name="CuadroTexto 9"/>
+          <p:cNvSpPr txBox="1"/>
+          <p:nvPr/>
+        </p:nvSpPr>
+        <p:spPr>
+          <a:xfrm>
+            <a:off x="225287" y="1060174"/>
+            <a:ext cx="4094922" cy="400110"/>
+          </a:xfrm>
+          <a:prstGeom prst="rect">
+            <a:avLst/>
+          </a:prstGeom>
+          <a:noFill/>
+        </p:spPr>
+        <p:txBody>
+          <a:bodyPr wrap="square" rtlCol="0">
+            <a:spAutoFit/>
+          </a:bodyPr>
+          <a:lstStyle/>
+          <a:p>
+            <a:r>
+              <a:rPr lang="es-GT" sz="2000" dirty="0">
+                <a:ln w="0"/>
+                <a:solidFill>
+                  <a:schemeClr val="accent1"/>
+                </a:solidFill>
+                <a:effectLst>
+                  <a:outerShdw blurRad="38100" dist="25400" dir="5400000" algn="ctr" rotWithShape="0">
+                    <a:srgbClr val="6E747A">
+                      <a:alpha val="43000"/>
+                    </a:srgbClr>
+                  </a:outerShdw>
+                </a:effectLst>
+              </a:rPr>
+              <a:t>Ficha de Inscripción</a:t>
+            </a:r>
+          </a:p>
+        </p:txBody>
+      </p:sp>
+      <p:sp>
+        <p:nvSpPr>
+          <p:cNvPr id="13" name="Rectángulo 12"/>
+          <p:cNvSpPr/>
+          <p:nvPr/>
+        </p:nvSpPr>
+        <p:spPr>
+          <a:xfrm>
+            <a:off x="768626" y="1596313"/>
+            <a:ext cx="11304104" cy="3416320"/>
+          </a:xfrm>
+          <a:prstGeom prst="rect">
+            <a:avLst/>
+          </a:prstGeom>
+          <a:noFill/>
+          <a:ln>
+            <a:noFill/>
+          </a:ln>
+        </p:spPr>
+        <p:style>
+          <a:lnRef idx="0">
+            <a:scrgbClr r="0" g="0" b="0"/>
+          </a:lnRef>
+          <a:fillRef idx="0">
+            <a:scrgbClr r="0" g="0" b="0"/>
+          </a:fillRef>
+          <a:effectRef idx="0">
+            <a:scrgbClr r="0" g="0" b="0"/>
+          </a:effectRef>
+          <a:fontRef idx="minor">
+            <a:schemeClr val="accent5"/>
+          </a:fontRef>
+        </p:style>
+        <p:txBody>
+          <a:bodyPr wrap="square">
+            <a:spAutoFit/>
+          </a:bodyPr>
+          <a:lstStyle/>
+          <a:p>
+            <a:pPr>
+              <a:lnSpc>
+                <a:spcPct val="150000"/>
+              </a:lnSpc>
+            </a:pPr>
+            <a:r>
+              <a:rPr lang="es-ES" dirty="0"/>
+              <a:t>Nombre:</a:t>
+            </a:r>
+          </a:p>
+          <a:p>
+            <a:pPr>
+              <a:lnSpc>
+                <a:spcPct val="150000"/>
+              </a:lnSpc>
+            </a:pPr>
+            <a:r>
+              <a:rPr lang="es-ES" dirty="0"/>
+              <a:t>Dirección:</a:t>
+            </a:r>
+          </a:p>
+          <a:p>
+            <a:pPr>
+              <a:lnSpc>
+                <a:spcPct val="150000"/>
+              </a:lnSpc>
+            </a:pPr>
+            <a:r>
+              <a:rPr lang="es-ES" dirty="0"/>
+              <a:t>Establecimiento donde estudió el año anterior: </a:t>
+            </a:r>
+          </a:p>
+          <a:p>
+            <a:pPr>
+              <a:lnSpc>
+                <a:spcPct val="150000"/>
+              </a:lnSpc>
+            </a:pPr>
+            <a:r>
+              <a:rPr lang="es-ES" dirty="0"/>
+              <a:t>Lugar y Fecha de Nacimiento: </a:t>
+            </a:r>
+          </a:p>
+          <a:p>
+            <a:pPr>
+              <a:lnSpc>
+                <a:spcPct val="150000"/>
+              </a:lnSpc>
+            </a:pPr>
+            <a:r>
+              <a:rPr lang="es-ES" dirty="0"/>
+              <a:t>No. de Partida		Folio		Libro 		Edad:</a:t>
+            </a:r>
+          </a:p>
+          <a:p>
+            <a:pPr>
+              <a:lnSpc>
+                <a:spcPct val="150000"/>
+              </a:lnSpc>
+            </a:pPr>
+            <a:r>
+              <a:rPr lang="es-ES" dirty="0"/>
+              <a:t>Grado que cursa:			 Fecha de Inscripción</a:t>
+            </a:r>
+          </a:p>
+          <a:p>
+            <a:pPr>
+              <a:lnSpc>
+                <a:spcPct val="150000"/>
+              </a:lnSpc>
+            </a:pPr>
+            <a:endParaRPr lang="es-ES" dirty="0"/>
+          </a:p>
+          <a:p>
+            <a:pPr>
+              <a:lnSpc>
+                <a:spcPct val="150000"/>
+              </a:lnSpc>
+            </a:pPr>
+            <a:r>
+              <a:rPr lang="es-ES" dirty="0"/>
+              <a:t>Expediente Completo  	Si	No</a:t>
+            </a:r>
+          </a:p>
+        </p:txBody>
+      </p:sp>
+      <p:sp>
+        <p:nvSpPr>
+          <p:cNvPr id="14" name="Rectángulo 13"/>
+          <p:cNvSpPr/>
+          <p:nvPr/>
+        </p:nvSpPr>
+        <p:spPr>
+          <a:xfrm>
+            <a:off x="1802296" y="1660383"/>
+            <a:ext cx="8481391" cy="360000"/>
+          </a:xfrm>
+          <a:prstGeom prst="rect">
+            <a:avLst/>
+          </a:prstGeom>
+        </p:spPr>
+        <p:style>
+          <a:lnRef idx="2">
+            <a:schemeClr val="accent1"/>
+          </a:lnRef>
+          <a:fillRef idx="1">
+            <a:schemeClr val="lt1"/>
+          </a:fillRef>
+          <a:effectRef idx="0">
+            <a:schemeClr val="accent1"/>
+          </a:effectRef>
+          <a:fontRef idx="minor">
+            <a:schemeClr val="dk1"/>
+          </a:fontRef>
+        </p:style>
+        <p:txBody>
+          <a:bodyPr rtlCol="0" anchor="ctr"/>
+          <a:lstStyle/>
+          <a:p>
+            <a:pPr algn="ctr"/>
+            <a:endParaRPr lang="es-GT"/>
+          </a:p>
+        </p:txBody>
+      </p:sp>
+      <p:sp>
+        <p:nvSpPr>
+          <p:cNvPr id="15" name="Rectángulo 14"/>
+          <p:cNvSpPr/>
+          <p:nvPr/>
+        </p:nvSpPr>
+        <p:spPr>
+          <a:xfrm>
+            <a:off x="1802296" y="2085013"/>
+            <a:ext cx="8481391" cy="360000"/>
+          </a:xfrm>
+          <a:prstGeom prst="rect">
+            <a:avLst/>
+          </a:prstGeom>
+        </p:spPr>
+        <p:style>
+          <a:lnRef idx="2">
+            <a:schemeClr val="accent1"/>
+          </a:lnRef>
+          <a:fillRef idx="1">
+            <a:schemeClr val="lt1"/>
+          </a:fillRef>
+          <a:effectRef idx="0">
+            <a:schemeClr val="accent1"/>
+          </a:effectRef>
+          <a:fontRef idx="minor">
+            <a:schemeClr val="dk1"/>
+          </a:fontRef>
+        </p:style>
+        <p:txBody>
+          <a:bodyPr rtlCol="0" anchor="ctr"/>
+          <a:lstStyle/>
+          <a:p>
+            <a:pPr algn="ctr"/>
+            <a:endParaRPr lang="es-GT" dirty="0"/>
+          </a:p>
+        </p:txBody>
+      </p:sp>
+      <p:sp>
+        <p:nvSpPr>
+          <p:cNvPr id="16" name="Rectángulo 15"/>
+          <p:cNvSpPr/>
+          <p:nvPr/>
+        </p:nvSpPr>
+        <p:spPr>
+          <a:xfrm>
+            <a:off x="5267740" y="2509643"/>
+            <a:ext cx="5015948" cy="360000"/>
+          </a:xfrm>
+          <a:prstGeom prst="rect">
+            <a:avLst/>
+          </a:prstGeom>
+        </p:spPr>
+        <p:style>
+          <a:lnRef idx="2">
+            <a:schemeClr val="accent1"/>
+          </a:lnRef>
+          <a:fillRef idx="1">
+            <a:schemeClr val="lt1"/>
+          </a:fillRef>
+          <a:effectRef idx="0">
+            <a:schemeClr val="accent1"/>
+          </a:effectRef>
+          <a:fontRef idx="minor">
+            <a:schemeClr val="dk1"/>
+          </a:fontRef>
+        </p:style>
+        <p:txBody>
+          <a:bodyPr rtlCol="0" anchor="ctr"/>
+          <a:lstStyle/>
+          <a:p>
+            <a:pPr algn="ctr"/>
+            <a:endParaRPr lang="es-GT" dirty="0"/>
+          </a:p>
+        </p:txBody>
+      </p:sp>
+      <p:sp>
+        <p:nvSpPr>
+          <p:cNvPr id="17" name="Rectángulo 16"/>
+          <p:cNvSpPr/>
+          <p:nvPr/>
+        </p:nvSpPr>
+        <p:spPr>
+          <a:xfrm>
+            <a:off x="3710610" y="2933713"/>
+            <a:ext cx="5075581" cy="360000"/>
+          </a:xfrm>
+          <a:prstGeom prst="rect">
+            <a:avLst/>
+          </a:prstGeom>
+        </p:spPr>
+        <p:style>
+          <a:lnRef idx="2">
+            <a:schemeClr val="accent1"/>
+          </a:lnRef>
+          <a:fillRef idx="1">
+            <a:schemeClr val="lt1"/>
+          </a:fillRef>
+          <a:effectRef idx="0">
+            <a:schemeClr val="accent1"/>
+          </a:effectRef>
+          <a:fontRef idx="minor">
+            <a:schemeClr val="dk1"/>
+          </a:fontRef>
+        </p:style>
+        <p:txBody>
+          <a:bodyPr rtlCol="0" anchor="ctr"/>
+          <a:lstStyle/>
+          <a:p>
+            <a:pPr algn="ctr"/>
+            <a:endParaRPr lang="es-GT" dirty="0"/>
+          </a:p>
+        </p:txBody>
+      </p:sp>
+      <p:sp>
+        <p:nvSpPr>
+          <p:cNvPr id="18" name="Rectángulo 17"/>
+          <p:cNvSpPr/>
+          <p:nvPr/>
+        </p:nvSpPr>
+        <p:spPr>
+          <a:xfrm>
+            <a:off x="8892208" y="2937425"/>
+            <a:ext cx="1391479" cy="360000"/>
+          </a:xfrm>
+          <a:prstGeom prst="rect">
+            <a:avLst/>
+          </a:prstGeom>
+        </p:spPr>
+        <p:style>
+          <a:lnRef idx="2">
+            <a:schemeClr val="accent1"/>
+          </a:lnRef>
+          <a:fillRef idx="1">
+            <a:schemeClr val="lt1"/>
+          </a:fillRef>
+          <a:effectRef idx="0">
+            <a:schemeClr val="accent1"/>
+          </a:effectRef>
+          <a:fontRef idx="minor">
+            <a:schemeClr val="dk1"/>
+          </a:fontRef>
+        </p:style>
+        <p:txBody>
+          <a:bodyPr rtlCol="0" anchor="ctr"/>
+          <a:lstStyle/>
+          <a:p>
+            <a:pPr algn="ctr"/>
+            <a:endParaRPr lang="es-GT" dirty="0"/>
+          </a:p>
+        </p:txBody>
+      </p:sp>
+      <p:sp>
+        <p:nvSpPr>
+          <p:cNvPr id="19" name="Rectángulo 18"/>
+          <p:cNvSpPr/>
+          <p:nvPr/>
+        </p:nvSpPr>
+        <p:spPr>
+          <a:xfrm>
+            <a:off x="2237339" y="3357783"/>
+            <a:ext cx="1300992" cy="360000"/>
+          </a:xfrm>
+          <a:prstGeom prst="rect">
+            <a:avLst/>
+          </a:prstGeom>
+        </p:spPr>
+        <p:style>
+          <a:lnRef idx="2">
+            <a:schemeClr val="accent1"/>
+          </a:lnRef>
+          <a:fillRef idx="1">
+            <a:schemeClr val="lt1"/>
+          </a:fillRef>
+          <a:effectRef idx="0">
+            <a:schemeClr val="accent1"/>
+          </a:effectRef>
+          <a:fontRef idx="minor">
+            <a:schemeClr val="dk1"/>
+          </a:fontRef>
+        </p:style>
+        <p:txBody>
+          <a:bodyPr rtlCol="0" anchor="ctr"/>
+          <a:lstStyle/>
+          <a:p>
+            <a:pPr algn="ctr"/>
+            <a:endParaRPr lang="es-GT" dirty="0"/>
+          </a:p>
+        </p:txBody>
+      </p:sp>
+      <p:sp>
+        <p:nvSpPr>
+          <p:cNvPr id="20" name="Rectángulo 19"/>
+          <p:cNvSpPr/>
+          <p:nvPr/>
+        </p:nvSpPr>
+        <p:spPr>
+          <a:xfrm>
+            <a:off x="4081670" y="3363326"/>
+            <a:ext cx="1300992" cy="360000"/>
+          </a:xfrm>
+          <a:prstGeom prst="rect">
+            <a:avLst/>
+          </a:prstGeom>
+        </p:spPr>
+        <p:style>
+          <a:lnRef idx="2">
+            <a:schemeClr val="accent1"/>
+          </a:lnRef>
+          <a:fillRef idx="1">
+            <a:schemeClr val="lt1"/>
+          </a:fillRef>
+          <a:effectRef idx="0">
+            <a:schemeClr val="accent1"/>
+          </a:effectRef>
+          <a:fontRef idx="minor">
+            <a:schemeClr val="dk1"/>
+          </a:fontRef>
+        </p:style>
+        <p:txBody>
+          <a:bodyPr rtlCol="0" anchor="ctr"/>
+          <a:lstStyle/>
+          <a:p>
+            <a:pPr algn="ctr"/>
+            <a:endParaRPr lang="es-GT" dirty="0"/>
+          </a:p>
+        </p:txBody>
+      </p:sp>
+      <p:sp>
+        <p:nvSpPr>
+          <p:cNvPr id="21" name="Rectángulo 20"/>
+          <p:cNvSpPr/>
+          <p:nvPr/>
+        </p:nvSpPr>
+        <p:spPr>
+          <a:xfrm>
+            <a:off x="5926001" y="3357783"/>
+            <a:ext cx="1243425" cy="360000"/>
+          </a:xfrm>
+          <a:prstGeom prst="rect">
+            <a:avLst/>
+          </a:prstGeom>
+        </p:spPr>
+        <p:style>
+          <a:lnRef idx="2">
+            <a:schemeClr val="accent1"/>
+          </a:lnRef>
+          <a:fillRef idx="1">
+            <a:schemeClr val="lt1"/>
+          </a:fillRef>
+          <a:effectRef idx="0">
+            <a:schemeClr val="accent1"/>
+          </a:effectRef>
+          <a:fontRef idx="minor">
+            <a:schemeClr val="dk1"/>
+          </a:fontRef>
+        </p:style>
+        <p:txBody>
+          <a:bodyPr rtlCol="0" anchor="ctr"/>
+          <a:lstStyle/>
+          <a:p>
+            <a:pPr algn="ctr"/>
+            <a:endParaRPr lang="es-GT" dirty="0"/>
+          </a:p>
+        </p:txBody>
+      </p:sp>
+      <p:sp>
+        <p:nvSpPr>
+          <p:cNvPr id="22" name="Rectángulo 21"/>
+          <p:cNvSpPr/>
+          <p:nvPr/>
+        </p:nvSpPr>
+        <p:spPr>
+          <a:xfrm>
+            <a:off x="8006592" y="3356427"/>
+            <a:ext cx="2277095" cy="360000"/>
+          </a:xfrm>
+          <a:prstGeom prst="rect">
+            <a:avLst/>
+          </a:prstGeom>
+        </p:spPr>
+        <p:style>
+          <a:lnRef idx="2">
+            <a:schemeClr val="accent1"/>
+          </a:lnRef>
+          <a:fillRef idx="1">
+            <a:schemeClr val="lt1"/>
+          </a:fillRef>
+          <a:effectRef idx="0">
+            <a:schemeClr val="accent1"/>
+          </a:effectRef>
+          <a:fontRef idx="minor">
+            <a:schemeClr val="dk1"/>
+          </a:fontRef>
+        </p:style>
+        <p:txBody>
+          <a:bodyPr rtlCol="0" anchor="ctr"/>
+          <a:lstStyle/>
+          <a:p>
+            <a:pPr algn="ctr"/>
+            <a:endParaRPr lang="es-GT" dirty="0"/>
+          </a:p>
+        </p:txBody>
+      </p:sp>
+      <p:sp>
+        <p:nvSpPr>
+          <p:cNvPr id="23" name="Rectángulo 22"/>
+          <p:cNvSpPr/>
+          <p:nvPr/>
+        </p:nvSpPr>
+        <p:spPr>
+          <a:xfrm>
+            <a:off x="2493682" y="3775429"/>
+            <a:ext cx="2025309" cy="360000"/>
+          </a:xfrm>
+          <a:prstGeom prst="rect">
+            <a:avLst/>
+          </a:prstGeom>
+        </p:spPr>
+        <p:style>
+          <a:lnRef idx="2">
+            <a:schemeClr val="accent1"/>
+          </a:lnRef>
+          <a:fillRef idx="1">
+            <a:schemeClr val="lt1"/>
+          </a:fillRef>
+          <a:effectRef idx="0">
+            <a:schemeClr val="accent1"/>
+          </a:effectRef>
+          <a:fontRef idx="minor">
+            <a:schemeClr val="dk1"/>
+          </a:fontRef>
+        </p:style>
+        <p:txBody>
+          <a:bodyPr rtlCol="0" anchor="ctr"/>
+          <a:lstStyle/>
+          <a:p>
+            <a:pPr algn="ctr"/>
+            <a:endParaRPr lang="es-GT" dirty="0"/>
+          </a:p>
+        </p:txBody>
+      </p:sp>
+      <p:sp>
+        <p:nvSpPr>
+          <p:cNvPr id="24" name="Rectángulo 23"/>
+          <p:cNvSpPr/>
+          <p:nvPr/>
+        </p:nvSpPr>
+        <p:spPr>
+          <a:xfrm>
+            <a:off x="6493566" y="3775429"/>
+            <a:ext cx="3790122" cy="360000"/>
+          </a:xfrm>
+          <a:prstGeom prst="rect">
+            <a:avLst/>
+          </a:prstGeom>
+        </p:spPr>
+        <p:style>
+          <a:lnRef idx="2">
+            <a:schemeClr val="accent1"/>
+          </a:lnRef>
+          <a:fillRef idx="1">
+            <a:schemeClr val="lt1"/>
+          </a:fillRef>
+          <a:effectRef idx="0">
+            <a:schemeClr val="accent1"/>
+          </a:effectRef>
+          <a:fontRef idx="minor">
+            <a:schemeClr val="dk1"/>
+          </a:fontRef>
+        </p:style>
+        <p:txBody>
+          <a:bodyPr rtlCol="0" anchor="ctr"/>
+          <a:lstStyle/>
+          <a:p>
+            <a:pPr algn="ctr"/>
+            <a:endParaRPr lang="es-GT" dirty="0"/>
+          </a:p>
+        </p:txBody>
+      </p:sp>
+      <p:sp>
+        <p:nvSpPr>
+          <p:cNvPr id="25" name="Rectángulo 24"/>
+          <p:cNvSpPr/>
+          <p:nvPr/>
+        </p:nvSpPr>
+        <p:spPr>
+          <a:xfrm>
+            <a:off x="3897278" y="4583621"/>
+            <a:ext cx="422931" cy="360000"/>
+          </a:xfrm>
+          <a:prstGeom prst="rect">
+            <a:avLst/>
+          </a:prstGeom>
+        </p:spPr>
+        <p:style>
+          <a:lnRef idx="2">
+            <a:schemeClr val="accent1"/>
+          </a:lnRef>
+          <a:fillRef idx="1">
+            <a:schemeClr val="lt1"/>
+          </a:fillRef>
+          <a:effectRef idx="0">
+            <a:schemeClr val="accent1"/>
+          </a:effectRef>
+          <a:fontRef idx="minor">
+            <a:schemeClr val="dk1"/>
+          </a:fontRef>
+        </p:style>
+        <p:txBody>
+          <a:bodyPr rtlCol="0" anchor="ctr"/>
+          <a:lstStyle/>
+          <a:p>
+            <a:pPr algn="ctr"/>
+            <a:endParaRPr lang="es-GT" dirty="0"/>
+          </a:p>
+        </p:txBody>
+      </p:sp>
+      <p:sp>
+        <p:nvSpPr>
+          <p:cNvPr id="26" name="Rectángulo 25"/>
+          <p:cNvSpPr/>
+          <p:nvPr/>
+        </p:nvSpPr>
+        <p:spPr>
+          <a:xfrm>
+            <a:off x="4863548" y="4583621"/>
+            <a:ext cx="422931" cy="360000"/>
+          </a:xfrm>
+          <a:prstGeom prst="rect">
+            <a:avLst/>
+          </a:prstGeom>
+        </p:spPr>
+        <p:style>
+          <a:lnRef idx="2">
+            <a:schemeClr val="accent1"/>
+          </a:lnRef>
+          <a:fillRef idx="1">
+            <a:schemeClr val="lt1"/>
+          </a:fillRef>
+          <a:effectRef idx="0">
+            <a:schemeClr val="accent1"/>
+          </a:effectRef>
+          <a:fontRef idx="minor">
+            <a:schemeClr val="dk1"/>
+          </a:fontRef>
+        </p:style>
+        <p:txBody>
+          <a:bodyPr rtlCol="0" anchor="ctr"/>
+          <a:lstStyle/>
+          <a:p>
+            <a:pPr algn="ctr"/>
+            <a:endParaRPr lang="es-GT" dirty="0"/>
+          </a:p>
+        </p:txBody>
+      </p:sp>
+    </p:spTree>
+    <p:extLst>
+      <p:ext uri="{BB962C8B-B14F-4D97-AF65-F5344CB8AC3E}">
+        <p14:creationId xmlns:p14="http://schemas.microsoft.com/office/powerpoint/2010/main" val="3792858119"/>
+      </p:ext>
+    </p:extLst>
+  </p:cSld>
+  <p:clrMapOvr>
+    <a:masterClrMapping/>
+  </p:clrMapOvr>
+</p:sld>
+</file>
+
+<file path=ppt/slides/slide8.xml><?xml version="1.0" encoding="utf-8"?>
+<p:sld xmlns:a="http://schemas.openxmlformats.org/drawingml/2006/main" xmlns:r="http://schemas.openxmlformats.org/officeDocument/2006/relationships" xmlns:p="http://schemas.openxmlformats.org/presentationml/2006/main">
+  <p:cSld>
+    <p:spTree>
+      <p:nvGrpSpPr>
+        <p:cNvPr id="1" name=""/>
+        <p:cNvGrpSpPr/>
+        <p:nvPr/>
+      </p:nvGrpSpPr>
+      <p:grpSpPr>
+        <a:xfrm>
+          <a:off x="0" y="0"/>
+          <a:ext cx="0" cy="0"/>
+          <a:chOff x="0" y="0"/>
+          <a:chExt cx="0" cy="0"/>
+        </a:xfrm>
+      </p:grpSpPr>
+      <p:sp>
+        <p:nvSpPr>
+          <p:cNvPr id="2" name="Rectángulo 1"/>
+          <p:cNvSpPr/>
+          <p:nvPr/>
+        </p:nvSpPr>
+        <p:spPr>
+          <a:xfrm>
+            <a:off x="225287" y="1060174"/>
+            <a:ext cx="11648661" cy="5340626"/>
+          </a:xfrm>
+          <a:prstGeom prst="rect">
+            <a:avLst/>
+          </a:prstGeom>
+          <a:gradFill flip="none" rotWithShape="1">
+            <a:gsLst>
+              <a:gs pos="0">
+                <a:schemeClr val="accent1">
+                  <a:tint val="66000"/>
+                  <a:satMod val="160000"/>
+                </a:schemeClr>
+              </a:gs>
+              <a:gs pos="50000">
+                <a:schemeClr val="accent1">
+                  <a:tint val="44500"/>
+                  <a:satMod val="160000"/>
+                </a:schemeClr>
+              </a:gs>
+              <a:gs pos="100000">
+                <a:schemeClr val="accent1">
+                  <a:tint val="23500"/>
+                  <a:satMod val="160000"/>
+                </a:schemeClr>
+              </a:gs>
+            </a:gsLst>
+            <a:path path="circle">
+              <a:fillToRect l="50000" t="50000" r="50000" b="50000"/>
+            </a:path>
+            <a:tileRect/>
+          </a:gradFill>
+          <a:ln w="9525" cap="flat" cmpd="sng" algn="ctr">
+            <a:solidFill>
+              <a:schemeClr val="dk1"/>
+            </a:solidFill>
+            <a:prstDash val="solid"/>
+            <a:round/>
+            <a:headEnd type="none" w="med" len="med"/>
+            <a:tailEnd type="none" w="med" len="med"/>
+          </a:ln>
+        </p:spPr>
+        <p:style>
+          <a:lnRef idx="0">
+            <a:scrgbClr r="0" g="0" b="0"/>
+          </a:lnRef>
+          <a:fillRef idx="0">
+            <a:scrgbClr r="0" g="0" b="0"/>
+          </a:fillRef>
+          <a:effectRef idx="0">
+            <a:scrgbClr r="0" g="0" b="0"/>
+          </a:effectRef>
+          <a:fontRef idx="minor">
+            <a:schemeClr val="dk1"/>
+          </a:fontRef>
+        </p:style>
+        <p:txBody>
+          <a:bodyPr rtlCol="0" anchor="ctr"/>
+          <a:lstStyle/>
+          <a:p>
+            <a:pPr algn="ctr"/>
+            <a:endParaRPr lang="es-GT"/>
+          </a:p>
+        </p:txBody>
+      </p:sp>
+      <p:pic>
+        <p:nvPicPr>
+          <p:cNvPr id="3" name="Imagen 2"/>
+          <p:cNvPicPr>
+            <a:picLocks noChangeAspect="1"/>
+          </p:cNvPicPr>
+          <p:nvPr/>
+        </p:nvPicPr>
+        <p:blipFill rotWithShape="1">
+          <a:blip r:embed="rId2">
+            <a:extLst>
+              <a:ext uri="{28A0092B-C50C-407E-A947-70E740481C1C}">
+                <a14:useLocalDpi xmlns:a14="http://schemas.microsoft.com/office/drawing/2010/main" val="0"/>
+              </a:ext>
+            </a:extLst>
+          </a:blip>
+          <a:srcRect l="22709" b="14423"/>
+          <a:stretch/>
+        </p:blipFill>
+        <p:spPr>
+          <a:xfrm>
+            <a:off x="225287" y="5234609"/>
+            <a:ext cx="1386593" cy="1166190"/>
+          </a:xfrm>
+          <a:prstGeom prst="rect">
+            <a:avLst/>
+          </a:prstGeom>
+        </p:spPr>
+      </p:pic>
+      <p:sp>
+        <p:nvSpPr>
+          <p:cNvPr id="6" name="Rectángulo redondeado 5"/>
+          <p:cNvSpPr/>
+          <p:nvPr/>
+        </p:nvSpPr>
+        <p:spPr>
+          <a:xfrm>
+            <a:off x="10508975" y="5751444"/>
+            <a:ext cx="1229464" cy="543339"/>
+          </a:xfrm>
+          <a:prstGeom prst="roundRect">
+            <a:avLst/>
+          </a:prstGeom>
+        </p:spPr>
+        <p:style>
+          <a:lnRef idx="0">
+            <a:schemeClr val="accent1"/>
+          </a:lnRef>
+          <a:fillRef idx="3">
+            <a:schemeClr val="accent1"/>
+          </a:fillRef>
+          <a:effectRef idx="3">
+            <a:schemeClr val="accent1"/>
+          </a:effectRef>
+          <a:fontRef idx="minor">
+            <a:schemeClr val="lt1"/>
+          </a:fontRef>
+        </p:style>
+        <p:txBody>
+          <a:bodyPr rtlCol="0" anchor="ctr"/>
+          <a:lstStyle/>
+          <a:p>
+            <a:pPr algn="ctr"/>
+            <a:r>
+              <a:rPr lang="es-GT" dirty="0"/>
+              <a:t>Continuar</a:t>
+            </a:r>
+          </a:p>
+        </p:txBody>
+      </p:sp>
+      <p:sp>
+        <p:nvSpPr>
+          <p:cNvPr id="7" name="Rectángulo 6"/>
+          <p:cNvSpPr/>
+          <p:nvPr/>
+        </p:nvSpPr>
+        <p:spPr>
+          <a:xfrm>
+            <a:off x="10815645" y="1091410"/>
+            <a:ext cx="1058303" cy="584775"/>
+          </a:xfrm>
+          <a:prstGeom prst="rect">
+            <a:avLst/>
+          </a:prstGeom>
+          <a:noFill/>
+        </p:spPr>
+        <p:txBody>
+          <a:bodyPr wrap="none" lIns="91440" tIns="45720" rIns="91440" bIns="45720">
+            <a:spAutoFit/>
+          </a:bodyPr>
+          <a:lstStyle/>
+          <a:p>
+            <a:pPr algn="ctr"/>
+            <a:r>
+              <a:rPr lang="es-ES" sz="3200" b="1" dirty="0">
+                <a:ln w="9525">
+                  <a:solidFill>
+                    <a:schemeClr val="bg1"/>
+                  </a:solidFill>
+                  <a:prstDash val="solid"/>
+                </a:ln>
+                <a:solidFill>
+                  <a:schemeClr val="accent5"/>
+                </a:solidFill>
+                <a:effectLst>
+                  <a:outerShdw blurRad="12700" dist="38100" dir="2700000" algn="tl" rotWithShape="0">
+                    <a:schemeClr val="accent5">
+                      <a:lumMod val="60000"/>
+                      <a:lumOff val="40000"/>
+                    </a:schemeClr>
+                  </a:outerShdw>
+                </a:effectLst>
+              </a:rPr>
+              <a:t>SIGIE</a:t>
+            </a:r>
+            <a:endParaRPr lang="es-ES" sz="3200" b="1" cap="none" spc="0" dirty="0">
+              <a:ln w="9525">
+                <a:solidFill>
+                  <a:schemeClr val="bg1"/>
+                </a:solidFill>
+                <a:prstDash val="solid"/>
+              </a:ln>
+              <a:solidFill>
+                <a:schemeClr val="accent5"/>
+              </a:solidFill>
+              <a:effectLst>
+                <a:outerShdw blurRad="12700" dist="38100" dir="2700000" algn="tl" rotWithShape="0">
+                  <a:schemeClr val="accent5">
+                    <a:lumMod val="60000"/>
+                    <a:lumOff val="40000"/>
+                  </a:schemeClr>
+                </a:outerShdw>
+              </a:effectLst>
+            </a:endParaRPr>
+          </a:p>
+        </p:txBody>
+      </p:sp>
+      <p:sp>
+        <p:nvSpPr>
+          <p:cNvPr id="8" name="CuadroTexto 7"/>
+          <p:cNvSpPr txBox="1"/>
+          <p:nvPr/>
+        </p:nvSpPr>
+        <p:spPr>
+          <a:xfrm>
+            <a:off x="1351722" y="357809"/>
+            <a:ext cx="3770456" cy="369332"/>
+          </a:xfrm>
+          <a:prstGeom prst="rect">
+            <a:avLst/>
+          </a:prstGeom>
+          <a:noFill/>
+        </p:spPr>
+        <p:txBody>
+          <a:bodyPr wrap="none" rtlCol="0">
+            <a:spAutoFit/>
+          </a:bodyPr>
+          <a:lstStyle/>
+          <a:p>
+            <a:r>
+              <a:rPr lang="es-GT" dirty="0"/>
+              <a:t>Inscripción Estudiantes – Datos Madre</a:t>
+            </a:r>
+          </a:p>
+        </p:txBody>
+      </p:sp>
+      <p:sp>
+        <p:nvSpPr>
+          <p:cNvPr id="10" name="CuadroTexto 9"/>
+          <p:cNvSpPr txBox="1"/>
+          <p:nvPr/>
+        </p:nvSpPr>
+        <p:spPr>
+          <a:xfrm>
+            <a:off x="225287" y="1060174"/>
+            <a:ext cx="4094922" cy="400110"/>
+          </a:xfrm>
+          <a:prstGeom prst="rect">
+            <a:avLst/>
+          </a:prstGeom>
+          <a:noFill/>
+        </p:spPr>
+        <p:txBody>
+          <a:bodyPr wrap="square" rtlCol="0">
+            <a:spAutoFit/>
+          </a:bodyPr>
+          <a:lstStyle/>
+          <a:p>
+            <a:r>
+              <a:rPr lang="es-GT" sz="2000" dirty="0">
+                <a:ln w="0"/>
+                <a:solidFill>
+                  <a:schemeClr val="accent1"/>
+                </a:solidFill>
+                <a:effectLst>
+                  <a:outerShdw blurRad="38100" dist="25400" dir="5400000" algn="ctr" rotWithShape="0">
+                    <a:srgbClr val="6E747A">
+                      <a:alpha val="43000"/>
+                    </a:srgbClr>
+                  </a:outerShdw>
+                </a:effectLst>
+              </a:rPr>
+              <a:t>Ficha de Inscripción</a:t>
+            </a:r>
+          </a:p>
+        </p:txBody>
+      </p:sp>
+      <p:sp>
+        <p:nvSpPr>
+          <p:cNvPr id="4" name="Rectángulo 3"/>
+          <p:cNvSpPr/>
+          <p:nvPr/>
+        </p:nvSpPr>
+        <p:spPr>
+          <a:xfrm>
+            <a:off x="757244" y="1676185"/>
+            <a:ext cx="10058401" cy="3416320"/>
+          </a:xfrm>
+          <a:prstGeom prst="rect">
+            <a:avLst/>
+          </a:prstGeom>
+          <a:noFill/>
+          <a:ln>
+            <a:noFill/>
+          </a:ln>
+        </p:spPr>
+        <p:style>
+          <a:lnRef idx="0">
+            <a:scrgbClr r="0" g="0" b="0"/>
+          </a:lnRef>
+          <a:fillRef idx="0">
+            <a:scrgbClr r="0" g="0" b="0"/>
+          </a:fillRef>
+          <a:effectRef idx="0">
+            <a:scrgbClr r="0" g="0" b="0"/>
+          </a:effectRef>
+          <a:fontRef idx="minor">
+            <a:schemeClr val="accent1"/>
+          </a:fontRef>
+        </p:style>
+        <p:txBody>
+          <a:bodyPr wrap="square">
+            <a:spAutoFit/>
+          </a:bodyPr>
+          <a:lstStyle/>
+          <a:p>
+            <a:pPr>
+              <a:lnSpc>
+                <a:spcPct val="150000"/>
+              </a:lnSpc>
+            </a:pPr>
+            <a:r>
+              <a:rPr lang="es-ES" dirty="0">
+                <a:solidFill>
+                  <a:schemeClr val="accent1">
+                    <a:lumMod val="75000"/>
+                  </a:schemeClr>
+                </a:solidFill>
+              </a:rPr>
+              <a:t>MADRE DE FAMILIA</a:t>
+            </a:r>
+          </a:p>
+          <a:p>
+            <a:pPr>
+              <a:lnSpc>
+                <a:spcPct val="150000"/>
+              </a:lnSpc>
+            </a:pPr>
+            <a:r>
+              <a:rPr lang="es-ES" dirty="0">
+                <a:solidFill>
+                  <a:schemeClr val="accent1">
+                    <a:lumMod val="75000"/>
+                  </a:schemeClr>
+                </a:solidFill>
+              </a:rPr>
+              <a:t>Nombre:</a:t>
+            </a:r>
+          </a:p>
+          <a:p>
+            <a:pPr>
+              <a:lnSpc>
+                <a:spcPct val="150000"/>
+              </a:lnSpc>
+            </a:pPr>
+            <a:r>
+              <a:rPr lang="es-ES" dirty="0">
+                <a:solidFill>
+                  <a:schemeClr val="accent1">
+                    <a:lumMod val="75000"/>
+                  </a:schemeClr>
+                </a:solidFill>
+              </a:rPr>
+              <a:t>No. de DPI:</a:t>
+            </a:r>
+          </a:p>
+          <a:p>
+            <a:pPr>
+              <a:lnSpc>
+                <a:spcPct val="150000"/>
+              </a:lnSpc>
+            </a:pPr>
+            <a:r>
+              <a:rPr lang="es-ES" dirty="0">
+                <a:solidFill>
+                  <a:schemeClr val="accent1">
+                    <a:lumMod val="75000"/>
+                  </a:schemeClr>
+                </a:solidFill>
+              </a:rPr>
+              <a:t>Extendida en</a:t>
+            </a:r>
+          </a:p>
+          <a:p>
+            <a:pPr>
+              <a:lnSpc>
+                <a:spcPct val="150000"/>
+              </a:lnSpc>
+            </a:pPr>
+            <a:r>
+              <a:rPr lang="es-ES" dirty="0">
+                <a:solidFill>
+                  <a:schemeClr val="accent1">
+                    <a:lumMod val="75000"/>
+                  </a:schemeClr>
+                </a:solidFill>
+              </a:rPr>
+              <a:t>Lugar de Trabajo:</a:t>
+            </a:r>
+          </a:p>
+          <a:p>
+            <a:pPr>
+              <a:lnSpc>
+                <a:spcPct val="150000"/>
+              </a:lnSpc>
+            </a:pPr>
+            <a:r>
+              <a:rPr lang="es-ES" dirty="0">
+                <a:solidFill>
+                  <a:schemeClr val="accent1">
+                    <a:lumMod val="75000"/>
+                  </a:schemeClr>
+                </a:solidFill>
+              </a:rPr>
+              <a:t>Dirección:</a:t>
+            </a:r>
+          </a:p>
+          <a:p>
+            <a:pPr>
+              <a:lnSpc>
+                <a:spcPct val="150000"/>
+              </a:lnSpc>
+            </a:pPr>
+            <a:r>
+              <a:rPr lang="es-ES" dirty="0">
+                <a:solidFill>
+                  <a:schemeClr val="accent1">
+                    <a:lumMod val="75000"/>
+                  </a:schemeClr>
+                </a:solidFill>
+              </a:rPr>
+              <a:t>Teléfonos:</a:t>
+            </a:r>
+          </a:p>
+          <a:p>
+            <a:pPr>
+              <a:lnSpc>
+                <a:spcPct val="150000"/>
+              </a:lnSpc>
+            </a:pPr>
+            <a:r>
+              <a:rPr lang="es-ES" dirty="0">
+                <a:solidFill>
+                  <a:schemeClr val="accent1">
+                    <a:lumMod val="75000"/>
+                  </a:schemeClr>
+                </a:solidFill>
+              </a:rPr>
+              <a:t>	Casa			    Trabajo			            Celular</a:t>
+            </a:r>
+          </a:p>
+        </p:txBody>
+      </p:sp>
+      <p:sp>
+        <p:nvSpPr>
+          <p:cNvPr id="28" name="Rectángulo 27"/>
+          <p:cNvSpPr/>
+          <p:nvPr/>
+        </p:nvSpPr>
+        <p:spPr>
+          <a:xfrm>
+            <a:off x="1744400" y="2214547"/>
+            <a:ext cx="8481391" cy="360000"/>
+          </a:xfrm>
+          <a:prstGeom prst="rect">
+            <a:avLst/>
+          </a:prstGeom>
+        </p:spPr>
+        <p:style>
+          <a:lnRef idx="2">
+            <a:schemeClr val="accent1"/>
+          </a:lnRef>
+          <a:fillRef idx="1">
+            <a:schemeClr val="lt1"/>
+          </a:fillRef>
+          <a:effectRef idx="0">
+            <a:schemeClr val="accent1"/>
+          </a:effectRef>
+          <a:fontRef idx="minor">
+            <a:schemeClr val="dk1"/>
+          </a:fontRef>
+        </p:style>
+        <p:txBody>
+          <a:bodyPr rtlCol="0" anchor="ctr"/>
+          <a:lstStyle/>
+          <a:p>
+            <a:pPr algn="ctr"/>
+            <a:endParaRPr lang="es-GT"/>
+          </a:p>
+        </p:txBody>
+      </p:sp>
+      <p:sp>
+        <p:nvSpPr>
+          <p:cNvPr id="29" name="Rectángulo 28"/>
+          <p:cNvSpPr/>
+          <p:nvPr/>
+        </p:nvSpPr>
+        <p:spPr>
+          <a:xfrm>
+            <a:off x="1923304" y="2610448"/>
+            <a:ext cx="8302487" cy="360000"/>
+          </a:xfrm>
+          <a:prstGeom prst="rect">
+            <a:avLst/>
+          </a:prstGeom>
+        </p:spPr>
+        <p:style>
+          <a:lnRef idx="2">
+            <a:schemeClr val="accent1"/>
+          </a:lnRef>
+          <a:fillRef idx="1">
+            <a:schemeClr val="lt1"/>
+          </a:fillRef>
+          <a:effectRef idx="0">
+            <a:schemeClr val="accent1"/>
+          </a:effectRef>
+          <a:fontRef idx="minor">
+            <a:schemeClr val="dk1"/>
+          </a:fontRef>
+        </p:style>
+        <p:txBody>
+          <a:bodyPr rtlCol="0" anchor="ctr"/>
+          <a:lstStyle/>
+          <a:p>
+            <a:pPr algn="ctr"/>
+            <a:endParaRPr lang="es-GT"/>
+          </a:p>
+        </p:txBody>
+      </p:sp>
+      <p:sp>
+        <p:nvSpPr>
+          <p:cNvPr id="30" name="Rectángulo 29"/>
+          <p:cNvSpPr/>
+          <p:nvPr/>
+        </p:nvSpPr>
+        <p:spPr>
+          <a:xfrm>
+            <a:off x="2102208" y="3011703"/>
+            <a:ext cx="8123584" cy="360000"/>
+          </a:xfrm>
+          <a:prstGeom prst="rect">
+            <a:avLst/>
+          </a:prstGeom>
+        </p:spPr>
+        <p:style>
+          <a:lnRef idx="2">
+            <a:schemeClr val="accent1"/>
+          </a:lnRef>
+          <a:fillRef idx="1">
+            <a:schemeClr val="lt1"/>
+          </a:fillRef>
+          <a:effectRef idx="0">
+            <a:schemeClr val="accent1"/>
+          </a:effectRef>
+          <a:fontRef idx="minor">
+            <a:schemeClr val="dk1"/>
+          </a:fontRef>
+        </p:style>
+        <p:txBody>
+          <a:bodyPr rtlCol="0" anchor="ctr"/>
+          <a:lstStyle/>
+          <a:p>
+            <a:pPr algn="ctr"/>
+            <a:endParaRPr lang="es-GT"/>
+          </a:p>
+        </p:txBody>
+      </p:sp>
+      <p:sp>
+        <p:nvSpPr>
+          <p:cNvPr id="31" name="Rectángulo 30"/>
+          <p:cNvSpPr/>
+          <p:nvPr/>
+        </p:nvSpPr>
+        <p:spPr>
+          <a:xfrm>
+            <a:off x="2504662" y="3415894"/>
+            <a:ext cx="7721130" cy="360000"/>
+          </a:xfrm>
+          <a:prstGeom prst="rect">
+            <a:avLst/>
+          </a:prstGeom>
+        </p:spPr>
+        <p:style>
+          <a:lnRef idx="2">
+            <a:schemeClr val="accent1"/>
+          </a:lnRef>
+          <a:fillRef idx="1">
+            <a:schemeClr val="lt1"/>
+          </a:fillRef>
+          <a:effectRef idx="0">
+            <a:schemeClr val="accent1"/>
+          </a:effectRef>
+          <a:fontRef idx="minor">
+            <a:schemeClr val="dk1"/>
+          </a:fontRef>
+        </p:style>
+        <p:txBody>
+          <a:bodyPr rtlCol="0" anchor="ctr"/>
+          <a:lstStyle/>
+          <a:p>
+            <a:pPr algn="ctr"/>
+            <a:endParaRPr lang="es-GT"/>
+          </a:p>
+        </p:txBody>
+      </p:sp>
+      <p:sp>
+        <p:nvSpPr>
+          <p:cNvPr id="32" name="Rectángulo 31"/>
+          <p:cNvSpPr/>
+          <p:nvPr/>
+        </p:nvSpPr>
+        <p:spPr>
+          <a:xfrm>
+            <a:off x="1828804" y="3820085"/>
+            <a:ext cx="8396988" cy="360000"/>
+          </a:xfrm>
+          <a:prstGeom prst="rect">
+            <a:avLst/>
+          </a:prstGeom>
+        </p:spPr>
+        <p:style>
+          <a:lnRef idx="2">
+            <a:schemeClr val="accent1"/>
+          </a:lnRef>
+          <a:fillRef idx="1">
+            <a:schemeClr val="lt1"/>
+          </a:fillRef>
+          <a:effectRef idx="0">
+            <a:schemeClr val="accent1"/>
+          </a:effectRef>
+          <a:fontRef idx="minor">
+            <a:schemeClr val="dk1"/>
+          </a:fontRef>
+        </p:style>
+        <p:txBody>
+          <a:bodyPr rtlCol="0" anchor="ctr"/>
+          <a:lstStyle/>
+          <a:p>
+            <a:pPr algn="ctr"/>
+            <a:endParaRPr lang="es-GT"/>
+          </a:p>
+        </p:txBody>
+      </p:sp>
+      <p:sp>
+        <p:nvSpPr>
+          <p:cNvPr id="33" name="Rectángulo 32"/>
+          <p:cNvSpPr/>
+          <p:nvPr/>
+        </p:nvSpPr>
+        <p:spPr>
+          <a:xfrm>
+            <a:off x="2272748" y="4669722"/>
+            <a:ext cx="2246243" cy="360000"/>
+          </a:xfrm>
+          <a:prstGeom prst="rect">
+            <a:avLst/>
+          </a:prstGeom>
+        </p:spPr>
+        <p:style>
+          <a:lnRef idx="2">
+            <a:schemeClr val="accent1"/>
+          </a:lnRef>
+          <a:fillRef idx="1">
+            <a:schemeClr val="lt1"/>
+          </a:fillRef>
+          <a:effectRef idx="0">
+            <a:schemeClr val="accent1"/>
+          </a:effectRef>
+          <a:fontRef idx="minor">
+            <a:schemeClr val="dk1"/>
+          </a:fontRef>
+        </p:style>
+        <p:txBody>
+          <a:bodyPr rtlCol="0" anchor="ctr"/>
+          <a:lstStyle/>
+          <a:p>
+            <a:pPr algn="ctr"/>
+            <a:endParaRPr lang="es-GT"/>
+          </a:p>
+        </p:txBody>
+      </p:sp>
+      <p:sp>
+        <p:nvSpPr>
+          <p:cNvPr id="34" name="Rectángulo 33"/>
+          <p:cNvSpPr/>
+          <p:nvPr/>
+        </p:nvSpPr>
+        <p:spPr>
+          <a:xfrm>
+            <a:off x="5487334" y="4661432"/>
+            <a:ext cx="2246243" cy="360000"/>
+          </a:xfrm>
+          <a:prstGeom prst="rect">
+            <a:avLst/>
+          </a:prstGeom>
+        </p:spPr>
+        <p:style>
+          <a:lnRef idx="2">
+            <a:schemeClr val="accent1"/>
+          </a:lnRef>
+          <a:fillRef idx="1">
+            <a:schemeClr val="lt1"/>
+          </a:fillRef>
+          <a:effectRef idx="0">
+            <a:schemeClr val="accent1"/>
+          </a:effectRef>
+          <a:fontRef idx="minor">
+            <a:schemeClr val="dk1"/>
+          </a:fontRef>
+        </p:style>
+        <p:txBody>
+          <a:bodyPr rtlCol="0" anchor="ctr"/>
+          <a:lstStyle/>
+          <a:p>
+            <a:pPr algn="ctr"/>
+            <a:endParaRPr lang="es-GT"/>
+          </a:p>
+        </p:txBody>
+      </p:sp>
+      <p:sp>
+        <p:nvSpPr>
+          <p:cNvPr id="35" name="Rectángulo 34"/>
+          <p:cNvSpPr/>
+          <p:nvPr/>
+        </p:nvSpPr>
+        <p:spPr>
+          <a:xfrm>
+            <a:off x="8569402" y="4654232"/>
+            <a:ext cx="1656389" cy="360000"/>
+          </a:xfrm>
+          <a:prstGeom prst="rect">
+            <a:avLst/>
+          </a:prstGeom>
+        </p:spPr>
+        <p:style>
+          <a:lnRef idx="2">
+            <a:schemeClr val="accent1"/>
+          </a:lnRef>
+          <a:fillRef idx="1">
+            <a:schemeClr val="lt1"/>
+          </a:fillRef>
+          <a:effectRef idx="0">
+            <a:schemeClr val="accent1"/>
+          </a:effectRef>
+          <a:fontRef idx="minor">
+            <a:schemeClr val="dk1"/>
+          </a:fontRef>
+        </p:style>
+        <p:txBody>
+          <a:bodyPr rtlCol="0" anchor="ctr"/>
+          <a:lstStyle/>
+          <a:p>
+            <a:pPr algn="ctr"/>
+            <a:endParaRPr lang="es-GT"/>
+          </a:p>
+        </p:txBody>
+      </p:sp>
+    </p:spTree>
+    <p:extLst>
+      <p:ext uri="{BB962C8B-B14F-4D97-AF65-F5344CB8AC3E}">
+        <p14:creationId xmlns:p14="http://schemas.microsoft.com/office/powerpoint/2010/main" val="2375739298"/>
+      </p:ext>
+    </p:extLst>
+  </p:cSld>
+  <p:clrMapOvr>
+    <a:masterClrMapping/>
+  </p:clrMapOvr>
+</p:sld>
+</file>
+
+<file path=ppt/slides/slide9.xml><?xml version="1.0" encoding="utf-8"?>
+<p:sld xmlns:a="http://schemas.openxmlformats.org/drawingml/2006/main" xmlns:r="http://schemas.openxmlformats.org/officeDocument/2006/relationships" xmlns:p="http://schemas.openxmlformats.org/presentationml/2006/main">
+  <p:cSld>
+    <p:spTree>
+      <p:nvGrpSpPr>
+        <p:cNvPr id="1" name=""/>
+        <p:cNvGrpSpPr/>
+        <p:nvPr/>
+      </p:nvGrpSpPr>
+      <p:grpSpPr>
+        <a:xfrm>
+          <a:off x="0" y="0"/>
+          <a:ext cx="0" cy="0"/>
+          <a:chOff x="0" y="0"/>
+          <a:chExt cx="0" cy="0"/>
+        </a:xfrm>
+      </p:grpSpPr>
+      <p:sp>
+        <p:nvSpPr>
+          <p:cNvPr id="2" name="Rectángulo 1"/>
+          <p:cNvSpPr/>
+          <p:nvPr/>
+        </p:nvSpPr>
+        <p:spPr>
+          <a:xfrm>
+            <a:off x="225287" y="1060174"/>
+            <a:ext cx="11648661" cy="5340626"/>
+          </a:xfrm>
+          <a:prstGeom prst="rect">
+            <a:avLst/>
+          </a:prstGeom>
+          <a:gradFill flip="none" rotWithShape="1">
+            <a:gsLst>
+              <a:gs pos="0">
+                <a:schemeClr val="accent1">
+                  <a:tint val="66000"/>
+                  <a:satMod val="160000"/>
+                </a:schemeClr>
+              </a:gs>
+              <a:gs pos="50000">
+                <a:schemeClr val="accent1">
+                  <a:tint val="44500"/>
+                  <a:satMod val="160000"/>
+                </a:schemeClr>
+              </a:gs>
+              <a:gs pos="100000">
+                <a:schemeClr val="accent1">
+                  <a:tint val="23500"/>
+                  <a:satMod val="160000"/>
+                </a:schemeClr>
+              </a:gs>
+            </a:gsLst>
+            <a:path path="circle">
+              <a:fillToRect l="50000" t="50000" r="50000" b="50000"/>
+            </a:path>
+            <a:tileRect/>
+          </a:gradFill>
+          <a:ln w="9525" cap="flat" cmpd="sng" algn="ctr">
+            <a:solidFill>
+              <a:schemeClr val="dk1"/>
+            </a:solidFill>
+            <a:prstDash val="solid"/>
+            <a:round/>
+            <a:headEnd type="none" w="med" len="med"/>
+            <a:tailEnd type="none" w="med" len="med"/>
+          </a:ln>
+        </p:spPr>
+        <p:style>
+          <a:lnRef idx="0">
+            <a:scrgbClr r="0" g="0" b="0"/>
+          </a:lnRef>
+          <a:fillRef idx="0">
+            <a:scrgbClr r="0" g="0" b="0"/>
+          </a:fillRef>
+          <a:effectRef idx="0">
+            <a:scrgbClr r="0" g="0" b="0"/>
+          </a:effectRef>
+          <a:fontRef idx="minor">
+            <a:schemeClr val="dk1"/>
+          </a:fontRef>
+        </p:style>
+        <p:txBody>
+          <a:bodyPr rtlCol="0" anchor="ctr"/>
+          <a:lstStyle/>
+          <a:p>
+            <a:pPr algn="ctr"/>
+            <a:endParaRPr lang="es-GT"/>
+          </a:p>
+        </p:txBody>
+      </p:sp>
+      <p:pic>
+        <p:nvPicPr>
+          <p:cNvPr id="3" name="Imagen 2"/>
+          <p:cNvPicPr>
+            <a:picLocks noChangeAspect="1"/>
+          </p:cNvPicPr>
+          <p:nvPr/>
+        </p:nvPicPr>
+        <p:blipFill rotWithShape="1">
+          <a:blip r:embed="rId2">
+            <a:extLst>
+              <a:ext uri="{28A0092B-C50C-407E-A947-70E740481C1C}">
+                <a14:useLocalDpi xmlns:a14="http://schemas.microsoft.com/office/drawing/2010/main" val="0"/>
+              </a:ext>
+            </a:extLst>
+          </a:blip>
+          <a:srcRect l="22709" b="14423"/>
+          <a:stretch/>
+        </p:blipFill>
+        <p:spPr>
+          <a:xfrm>
+            <a:off x="225287" y="5234609"/>
+            <a:ext cx="1386593" cy="1166190"/>
+          </a:xfrm>
+          <a:prstGeom prst="rect">
+            <a:avLst/>
+          </a:prstGeom>
+        </p:spPr>
+      </p:pic>
+      <p:sp>
+        <p:nvSpPr>
+          <p:cNvPr id="6" name="Rectángulo redondeado 5"/>
+          <p:cNvSpPr/>
+          <p:nvPr/>
+        </p:nvSpPr>
+        <p:spPr>
+          <a:xfrm>
+            <a:off x="10508975" y="5751444"/>
+            <a:ext cx="1229464" cy="543339"/>
+          </a:xfrm>
+          <a:prstGeom prst="roundRect">
+            <a:avLst/>
+          </a:prstGeom>
+        </p:spPr>
+        <p:style>
+          <a:lnRef idx="0">
+            <a:schemeClr val="accent1"/>
+          </a:lnRef>
+          <a:fillRef idx="3">
+            <a:schemeClr val="accent1"/>
+          </a:fillRef>
+          <a:effectRef idx="3">
+            <a:schemeClr val="accent1"/>
+          </a:effectRef>
+          <a:fontRef idx="minor">
+            <a:schemeClr val="lt1"/>
+          </a:fontRef>
+        </p:style>
+        <p:txBody>
+          <a:bodyPr rtlCol="0" anchor="ctr"/>
+          <a:lstStyle/>
+          <a:p>
+            <a:pPr algn="ctr"/>
+            <a:r>
+              <a:rPr lang="es-GT" dirty="0"/>
+              <a:t>Continuar</a:t>
+            </a:r>
+          </a:p>
+        </p:txBody>
+      </p:sp>
+      <p:sp>
+        <p:nvSpPr>
+          <p:cNvPr id="7" name="Rectángulo 6"/>
+          <p:cNvSpPr/>
+          <p:nvPr/>
+        </p:nvSpPr>
+        <p:spPr>
+          <a:xfrm>
+            <a:off x="10815645" y="1091410"/>
+            <a:ext cx="1058303" cy="584775"/>
+          </a:xfrm>
+          <a:prstGeom prst="rect">
+            <a:avLst/>
+          </a:prstGeom>
+          <a:noFill/>
+        </p:spPr>
+        <p:txBody>
+          <a:bodyPr wrap="none" lIns="91440" tIns="45720" rIns="91440" bIns="45720">
+            <a:spAutoFit/>
+          </a:bodyPr>
+          <a:lstStyle/>
+          <a:p>
+            <a:pPr algn="ctr"/>
+            <a:r>
+              <a:rPr lang="es-ES" sz="3200" b="1" dirty="0">
+                <a:ln w="9525">
+                  <a:solidFill>
+                    <a:schemeClr val="bg1"/>
+                  </a:solidFill>
+                  <a:prstDash val="solid"/>
+                </a:ln>
+                <a:solidFill>
+                  <a:schemeClr val="accent5"/>
+                </a:solidFill>
+                <a:effectLst>
+                  <a:outerShdw blurRad="12700" dist="38100" dir="2700000" algn="tl" rotWithShape="0">
+                    <a:schemeClr val="accent5">
+                      <a:lumMod val="60000"/>
+                      <a:lumOff val="40000"/>
+                    </a:schemeClr>
+                  </a:outerShdw>
+                </a:effectLst>
+              </a:rPr>
+              <a:t>SIGIE</a:t>
+            </a:r>
+            <a:endParaRPr lang="es-ES" sz="3200" b="1" cap="none" spc="0" dirty="0">
+              <a:ln w="9525">
+                <a:solidFill>
+                  <a:schemeClr val="bg1"/>
+                </a:solidFill>
+                <a:prstDash val="solid"/>
+              </a:ln>
+              <a:solidFill>
+                <a:schemeClr val="accent5"/>
+              </a:solidFill>
+              <a:effectLst>
+                <a:outerShdw blurRad="12700" dist="38100" dir="2700000" algn="tl" rotWithShape="0">
+                  <a:schemeClr val="accent5">
+                    <a:lumMod val="60000"/>
+                    <a:lumOff val="40000"/>
+                  </a:schemeClr>
+                </a:outerShdw>
+              </a:effectLst>
+            </a:endParaRPr>
+          </a:p>
+        </p:txBody>
+      </p:sp>
+      <p:sp>
+        <p:nvSpPr>
+          <p:cNvPr id="8" name="CuadroTexto 7"/>
+          <p:cNvSpPr txBox="1"/>
+          <p:nvPr/>
+        </p:nvSpPr>
+        <p:spPr>
+          <a:xfrm>
+            <a:off x="1351722" y="357809"/>
+            <a:ext cx="3686971" cy="369332"/>
+          </a:xfrm>
+          <a:prstGeom prst="rect">
+            <a:avLst/>
+          </a:prstGeom>
+          <a:noFill/>
+        </p:spPr>
+        <p:txBody>
+          <a:bodyPr wrap="none" rtlCol="0">
+            <a:spAutoFit/>
+          </a:bodyPr>
+          <a:lstStyle/>
+          <a:p>
+            <a:r>
+              <a:rPr lang="es-GT" dirty="0"/>
+              <a:t>Inscripción Estudiantes – Datos Padre</a:t>
+            </a:r>
+          </a:p>
+        </p:txBody>
+      </p:sp>
+      <p:sp>
+        <p:nvSpPr>
+          <p:cNvPr id="10" name="CuadroTexto 9"/>
+          <p:cNvSpPr txBox="1"/>
+          <p:nvPr/>
+        </p:nvSpPr>
+        <p:spPr>
+          <a:xfrm>
+            <a:off x="225287" y="1060174"/>
+            <a:ext cx="4094922" cy="400110"/>
+          </a:xfrm>
+          <a:prstGeom prst="rect">
+            <a:avLst/>
+          </a:prstGeom>
+          <a:noFill/>
+        </p:spPr>
+        <p:txBody>
+          <a:bodyPr wrap="square" rtlCol="0">
+            <a:spAutoFit/>
+          </a:bodyPr>
+          <a:lstStyle/>
+          <a:p>
+            <a:r>
+              <a:rPr lang="es-GT" sz="2000" dirty="0">
+                <a:ln w="0"/>
+                <a:solidFill>
+                  <a:schemeClr val="accent1"/>
+                </a:solidFill>
+                <a:effectLst>
+                  <a:outerShdw blurRad="38100" dist="25400" dir="5400000" algn="ctr" rotWithShape="0">
+                    <a:srgbClr val="6E747A">
+                      <a:alpha val="43000"/>
+                    </a:srgbClr>
+                  </a:outerShdw>
+                </a:effectLst>
+              </a:rPr>
+              <a:t>Ficha de Inscripción</a:t>
+            </a:r>
+          </a:p>
+        </p:txBody>
+      </p:sp>
+      <p:sp>
+        <p:nvSpPr>
+          <p:cNvPr id="4" name="Rectángulo 3"/>
+          <p:cNvSpPr/>
+          <p:nvPr/>
+        </p:nvSpPr>
+        <p:spPr>
+          <a:xfrm>
+            <a:off x="757244" y="1676185"/>
+            <a:ext cx="10058401" cy="3416320"/>
+          </a:xfrm>
+          <a:prstGeom prst="rect">
+            <a:avLst/>
+          </a:prstGeom>
+          <a:noFill/>
+          <a:ln>
+            <a:noFill/>
+          </a:ln>
+        </p:spPr>
+        <p:style>
+          <a:lnRef idx="0">
+            <a:scrgbClr r="0" g="0" b="0"/>
+          </a:lnRef>
+          <a:fillRef idx="0">
+            <a:scrgbClr r="0" g="0" b="0"/>
+          </a:fillRef>
+          <a:effectRef idx="0">
+            <a:scrgbClr r="0" g="0" b="0"/>
+          </a:effectRef>
+          <a:fontRef idx="minor">
+            <a:schemeClr val="accent1"/>
+          </a:fontRef>
+        </p:style>
+        <p:txBody>
+          <a:bodyPr wrap="square">
+            <a:spAutoFit/>
+          </a:bodyPr>
+          <a:lstStyle/>
+          <a:p>
+            <a:pPr>
+              <a:lnSpc>
+                <a:spcPct val="150000"/>
+              </a:lnSpc>
+            </a:pPr>
+            <a:r>
+              <a:rPr lang="es-ES" dirty="0">
+                <a:solidFill>
+                  <a:schemeClr val="accent1">
+                    <a:lumMod val="75000"/>
+                  </a:schemeClr>
+                </a:solidFill>
+              </a:rPr>
+              <a:t>DATOS DEL PADRE</a:t>
+            </a:r>
+          </a:p>
+          <a:p>
+            <a:pPr>
+              <a:lnSpc>
+                <a:spcPct val="150000"/>
+              </a:lnSpc>
+            </a:pPr>
+            <a:r>
+              <a:rPr lang="es-ES" dirty="0">
+                <a:solidFill>
+                  <a:schemeClr val="accent1">
+                    <a:lumMod val="75000"/>
+                  </a:schemeClr>
+                </a:solidFill>
+              </a:rPr>
+              <a:t>Nombre:</a:t>
+            </a:r>
+          </a:p>
+          <a:p>
+            <a:pPr>
+              <a:lnSpc>
+                <a:spcPct val="150000"/>
+              </a:lnSpc>
+            </a:pPr>
+            <a:r>
+              <a:rPr lang="es-ES" dirty="0">
+                <a:solidFill>
+                  <a:schemeClr val="accent1">
+                    <a:lumMod val="75000"/>
+                  </a:schemeClr>
+                </a:solidFill>
+              </a:rPr>
+              <a:t>No. de DPI:</a:t>
+            </a:r>
+          </a:p>
+          <a:p>
+            <a:pPr>
+              <a:lnSpc>
+                <a:spcPct val="150000"/>
+              </a:lnSpc>
+            </a:pPr>
+            <a:r>
+              <a:rPr lang="es-ES" dirty="0">
+                <a:solidFill>
+                  <a:schemeClr val="accent1">
+                    <a:lumMod val="75000"/>
+                  </a:schemeClr>
+                </a:solidFill>
+              </a:rPr>
+              <a:t>Extendida en</a:t>
+            </a:r>
+          </a:p>
+          <a:p>
+            <a:pPr>
+              <a:lnSpc>
+                <a:spcPct val="150000"/>
+              </a:lnSpc>
+            </a:pPr>
+            <a:r>
+              <a:rPr lang="es-ES" dirty="0">
+                <a:solidFill>
+                  <a:schemeClr val="accent1">
+                    <a:lumMod val="75000"/>
+                  </a:schemeClr>
+                </a:solidFill>
+              </a:rPr>
+              <a:t>Lugar de Trabajo:</a:t>
+            </a:r>
+          </a:p>
+          <a:p>
+            <a:pPr>
+              <a:lnSpc>
+                <a:spcPct val="150000"/>
+              </a:lnSpc>
+            </a:pPr>
+            <a:r>
+              <a:rPr lang="es-ES" dirty="0">
+                <a:solidFill>
+                  <a:schemeClr val="accent1">
+                    <a:lumMod val="75000"/>
+                  </a:schemeClr>
+                </a:solidFill>
+              </a:rPr>
+              <a:t>Dirección:</a:t>
+            </a:r>
+          </a:p>
+          <a:p>
+            <a:pPr>
+              <a:lnSpc>
+                <a:spcPct val="150000"/>
+              </a:lnSpc>
+            </a:pPr>
+            <a:r>
+              <a:rPr lang="es-ES" dirty="0">
+                <a:solidFill>
+                  <a:schemeClr val="accent1">
+                    <a:lumMod val="75000"/>
+                  </a:schemeClr>
+                </a:solidFill>
+              </a:rPr>
+              <a:t>Teléfonos:</a:t>
+            </a:r>
+          </a:p>
+          <a:p>
+            <a:pPr>
+              <a:lnSpc>
+                <a:spcPct val="150000"/>
+              </a:lnSpc>
+            </a:pPr>
+            <a:r>
+              <a:rPr lang="es-ES" dirty="0">
+                <a:solidFill>
+                  <a:schemeClr val="accent1">
+                    <a:lumMod val="75000"/>
+                  </a:schemeClr>
+                </a:solidFill>
+              </a:rPr>
+              <a:t>	Casa			    Trabajo			            Celular</a:t>
+            </a:r>
+          </a:p>
+        </p:txBody>
+      </p:sp>
+      <p:sp>
+        <p:nvSpPr>
+          <p:cNvPr id="28" name="Rectángulo 27"/>
+          <p:cNvSpPr/>
+          <p:nvPr/>
+        </p:nvSpPr>
+        <p:spPr>
+          <a:xfrm>
+            <a:off x="1744400" y="2214547"/>
+            <a:ext cx="8481391" cy="360000"/>
+          </a:xfrm>
+          <a:prstGeom prst="rect">
+            <a:avLst/>
+          </a:prstGeom>
+        </p:spPr>
+        <p:style>
+          <a:lnRef idx="2">
+            <a:schemeClr val="accent1"/>
+          </a:lnRef>
+          <a:fillRef idx="1">
+            <a:schemeClr val="lt1"/>
+          </a:fillRef>
+          <a:effectRef idx="0">
+            <a:schemeClr val="accent1"/>
+          </a:effectRef>
+          <a:fontRef idx="minor">
+            <a:schemeClr val="dk1"/>
+          </a:fontRef>
+        </p:style>
+        <p:txBody>
+          <a:bodyPr rtlCol="0" anchor="ctr"/>
+          <a:lstStyle/>
+          <a:p>
+            <a:pPr algn="ctr"/>
+            <a:endParaRPr lang="es-GT"/>
+          </a:p>
+        </p:txBody>
+      </p:sp>
+      <p:sp>
+        <p:nvSpPr>
+          <p:cNvPr id="29" name="Rectángulo 28"/>
+          <p:cNvSpPr/>
+          <p:nvPr/>
+        </p:nvSpPr>
+        <p:spPr>
+          <a:xfrm>
+            <a:off x="1923304" y="2610448"/>
+            <a:ext cx="8302487" cy="360000"/>
+          </a:xfrm>
+          <a:prstGeom prst="rect">
+            <a:avLst/>
+          </a:prstGeom>
+        </p:spPr>
+        <p:style>
+          <a:lnRef idx="2">
+            <a:schemeClr val="accent1"/>
+          </a:lnRef>
+          <a:fillRef idx="1">
+            <a:schemeClr val="lt1"/>
+          </a:fillRef>
+          <a:effectRef idx="0">
+            <a:schemeClr val="accent1"/>
+          </a:effectRef>
+          <a:fontRef idx="minor">
+            <a:schemeClr val="dk1"/>
+          </a:fontRef>
+        </p:style>
+        <p:txBody>
+          <a:bodyPr rtlCol="0" anchor="ctr"/>
+          <a:lstStyle/>
+          <a:p>
+            <a:pPr algn="ctr"/>
+            <a:endParaRPr lang="es-GT"/>
+          </a:p>
+        </p:txBody>
+      </p:sp>
+      <p:sp>
+        <p:nvSpPr>
+          <p:cNvPr id="30" name="Rectángulo 29"/>
+          <p:cNvSpPr/>
+          <p:nvPr/>
+        </p:nvSpPr>
+        <p:spPr>
+          <a:xfrm>
+            <a:off x="2102208" y="3011703"/>
+            <a:ext cx="8123584" cy="360000"/>
+          </a:xfrm>
+          <a:prstGeom prst="rect">
+            <a:avLst/>
+          </a:prstGeom>
+        </p:spPr>
+        <p:style>
+          <a:lnRef idx="2">
+            <a:schemeClr val="accent1"/>
+          </a:lnRef>
+          <a:fillRef idx="1">
+            <a:schemeClr val="lt1"/>
+          </a:fillRef>
+          <a:effectRef idx="0">
+            <a:schemeClr val="accent1"/>
+          </a:effectRef>
+          <a:fontRef idx="minor">
+            <a:schemeClr val="dk1"/>
+          </a:fontRef>
+        </p:style>
+        <p:txBody>
+          <a:bodyPr rtlCol="0" anchor="ctr"/>
+          <a:lstStyle/>
+          <a:p>
+            <a:pPr algn="ctr"/>
+            <a:endParaRPr lang="es-GT"/>
+          </a:p>
+        </p:txBody>
+      </p:sp>
+      <p:sp>
+        <p:nvSpPr>
+          <p:cNvPr id="31" name="Rectángulo 30"/>
+          <p:cNvSpPr/>
+          <p:nvPr/>
+        </p:nvSpPr>
+        <p:spPr>
+          <a:xfrm>
+            <a:off x="2504662" y="3415894"/>
+            <a:ext cx="7721130" cy="360000"/>
+          </a:xfrm>
+          <a:prstGeom prst="rect">
+            <a:avLst/>
+          </a:prstGeom>
+        </p:spPr>
+        <p:style>
+          <a:lnRef idx="2">
+            <a:schemeClr val="accent1"/>
+          </a:lnRef>
+          <a:fillRef idx="1">
+            <a:schemeClr val="lt1"/>
+          </a:fillRef>
+          <a:effectRef idx="0">
+            <a:schemeClr val="accent1"/>
+          </a:effectRef>
+          <a:fontRef idx="minor">
+            <a:schemeClr val="dk1"/>
+          </a:fontRef>
+        </p:style>
+        <p:txBody>
+          <a:bodyPr rtlCol="0" anchor="ctr"/>
+          <a:lstStyle/>
+          <a:p>
+            <a:pPr algn="ctr"/>
+            <a:endParaRPr lang="es-GT"/>
+          </a:p>
+        </p:txBody>
+      </p:sp>
+      <p:sp>
+        <p:nvSpPr>
+          <p:cNvPr id="32" name="Rectángulo 31"/>
+          <p:cNvSpPr/>
+          <p:nvPr/>
+        </p:nvSpPr>
+        <p:spPr>
+          <a:xfrm>
+            <a:off x="1828804" y="3820085"/>
+            <a:ext cx="8396988" cy="360000"/>
+          </a:xfrm>
+          <a:prstGeom prst="rect">
+            <a:avLst/>
+          </a:prstGeom>
+        </p:spPr>
+        <p:style>
+          <a:lnRef idx="2">
+            <a:schemeClr val="accent1"/>
+          </a:lnRef>
+          <a:fillRef idx="1">
+            <a:schemeClr val="lt1"/>
+          </a:fillRef>
+          <a:effectRef idx="0">
+            <a:schemeClr val="accent1"/>
+          </a:effectRef>
+          <a:fontRef idx="minor">
+            <a:schemeClr val="dk1"/>
+          </a:fontRef>
+        </p:style>
+        <p:txBody>
+          <a:bodyPr rtlCol="0" anchor="ctr"/>
+          <a:lstStyle/>
+          <a:p>
+            <a:pPr algn="ctr"/>
+            <a:endParaRPr lang="es-GT"/>
+          </a:p>
+        </p:txBody>
+      </p:sp>
+      <p:sp>
+        <p:nvSpPr>
+          <p:cNvPr id="33" name="Rectángulo 32"/>
+          <p:cNvSpPr/>
+          <p:nvPr/>
+        </p:nvSpPr>
+        <p:spPr>
+          <a:xfrm>
+            <a:off x="2272748" y="4669722"/>
+            <a:ext cx="2246243" cy="360000"/>
+          </a:xfrm>
+          <a:prstGeom prst="rect">
+            <a:avLst/>
+          </a:prstGeom>
+        </p:spPr>
+        <p:style>
+          <a:lnRef idx="2">
+            <a:schemeClr val="accent1"/>
+          </a:lnRef>
+          <a:fillRef idx="1">
+            <a:schemeClr val="lt1"/>
+          </a:fillRef>
+          <a:effectRef idx="0">
+            <a:schemeClr val="accent1"/>
+          </a:effectRef>
+          <a:fontRef idx="minor">
+            <a:schemeClr val="dk1"/>
+          </a:fontRef>
+        </p:style>
+        <p:txBody>
+          <a:bodyPr rtlCol="0" anchor="ctr"/>
+          <a:lstStyle/>
+          <a:p>
+            <a:pPr algn="ctr"/>
+            <a:endParaRPr lang="es-GT"/>
+          </a:p>
+        </p:txBody>
+      </p:sp>
+      <p:sp>
+        <p:nvSpPr>
+          <p:cNvPr id="34" name="Rectángulo 33"/>
+          <p:cNvSpPr/>
+          <p:nvPr/>
+        </p:nvSpPr>
+        <p:spPr>
+          <a:xfrm>
+            <a:off x="5487334" y="4661432"/>
+            <a:ext cx="2246243" cy="360000"/>
+          </a:xfrm>
+          <a:prstGeom prst="rect">
+            <a:avLst/>
+          </a:prstGeom>
+        </p:spPr>
+        <p:style>
+          <a:lnRef idx="2">
+            <a:schemeClr val="accent1"/>
+          </a:lnRef>
+          <a:fillRef idx="1">
+            <a:schemeClr val="lt1"/>
+          </a:fillRef>
+          <a:effectRef idx="0">
+            <a:schemeClr val="accent1"/>
+          </a:effectRef>
+          <a:fontRef idx="minor">
+            <a:schemeClr val="dk1"/>
+          </a:fontRef>
+        </p:style>
+        <p:txBody>
+          <a:bodyPr rtlCol="0" anchor="ctr"/>
+          <a:lstStyle/>
+          <a:p>
+            <a:pPr algn="ctr"/>
+            <a:endParaRPr lang="es-GT"/>
+          </a:p>
+        </p:txBody>
+      </p:sp>
+      <p:sp>
+        <p:nvSpPr>
+          <p:cNvPr id="35" name="Rectángulo 34"/>
+          <p:cNvSpPr/>
+          <p:nvPr/>
+        </p:nvSpPr>
+        <p:spPr>
+          <a:xfrm>
+            <a:off x="8569402" y="4654232"/>
+            <a:ext cx="1656389" cy="360000"/>
+          </a:xfrm>
+          <a:prstGeom prst="rect">
+            <a:avLst/>
+          </a:prstGeom>
+        </p:spPr>
+        <p:style>
+          <a:lnRef idx="2">
+            <a:schemeClr val="accent1"/>
+          </a:lnRef>
+          <a:fillRef idx="1">
+            <a:schemeClr val="lt1"/>
+          </a:fillRef>
+          <a:effectRef idx="0">
+            <a:schemeClr val="accent1"/>
+          </a:effectRef>
+          <a:fontRef idx="minor">
+            <a:schemeClr val="dk1"/>
+          </a:fontRef>
+        </p:style>
+        <p:txBody>
+          <a:bodyPr rtlCol="0" anchor="ctr"/>
+          <a:lstStyle/>
+          <a:p>
+            <a:pPr algn="ctr"/>
+            <a:endParaRPr lang="es-GT"/>
+          </a:p>
+        </p:txBody>
+      </p:sp>
+    </p:spTree>
+    <p:extLst>
+      <p:ext uri="{BB962C8B-B14F-4D97-AF65-F5344CB8AC3E}">
+        <p14:creationId xmlns:p14="http://schemas.microsoft.com/office/powerpoint/2010/main" val="45087126"/>
       </p:ext>
     </p:extLst>
   </p:cSld>

--- a/Documentacion/MapaDeNavegacion.pptx
+++ b/Documentacion/MapaDeNavegacion.pptx
@@ -4,19 +4,24 @@
   <p:sldMasterIdLst>
     <p:sldMasterId id="2147483648" r:id="rId1"/>
   </p:sldMasterIdLst>
+  <p:notesMasterIdLst>
+    <p:notesMasterId r:id="rId16"/>
+  </p:notesMasterIdLst>
   <p:sldIdLst>
     <p:sldId id="256" r:id="rId2"/>
-    <p:sldId id="257" r:id="rId3"/>
-    <p:sldId id="258" r:id="rId4"/>
-    <p:sldId id="259" r:id="rId5"/>
-    <p:sldId id="268" r:id="rId6"/>
-    <p:sldId id="261" r:id="rId7"/>
-    <p:sldId id="263" r:id="rId8"/>
-    <p:sldId id="264" r:id="rId9"/>
-    <p:sldId id="265" r:id="rId10"/>
-    <p:sldId id="266" r:id="rId11"/>
-    <p:sldId id="267" r:id="rId12"/>
-    <p:sldId id="269" r:id="rId13"/>
+    <p:sldId id="271" r:id="rId3"/>
+    <p:sldId id="270" r:id="rId4"/>
+    <p:sldId id="257" r:id="rId5"/>
+    <p:sldId id="258" r:id="rId6"/>
+    <p:sldId id="259" r:id="rId7"/>
+    <p:sldId id="268" r:id="rId8"/>
+    <p:sldId id="261" r:id="rId9"/>
+    <p:sldId id="263" r:id="rId10"/>
+    <p:sldId id="264" r:id="rId11"/>
+    <p:sldId id="265" r:id="rId12"/>
+    <p:sldId id="266" r:id="rId13"/>
+    <p:sldId id="267" r:id="rId14"/>
+    <p:sldId id="269" r:id="rId15"/>
   </p:sldIdLst>
   <p:sldSz cx="12192000" cy="6858000"/>
   <p:notesSz cx="6858000" cy="9144000"/>
@@ -123,6 +128,500 @@
 </p:presentation>
 </file>
 
+<file path=ppt/notesMasters/notesMaster1.xml><?xml version="1.0" encoding="utf-8"?>
+<p:notesMaster xmlns:a="http://schemas.openxmlformats.org/drawingml/2006/main" xmlns:r="http://schemas.openxmlformats.org/officeDocument/2006/relationships" xmlns:p="http://schemas.openxmlformats.org/presentationml/2006/main">
+  <p:cSld>
+    <p:bg>
+      <p:bgRef idx="1001">
+        <a:schemeClr val="bg1"/>
+      </p:bgRef>
+    </p:bg>
+    <p:spTree>
+      <p:nvGrpSpPr>
+        <p:cNvPr id="1" name=""/>
+        <p:cNvGrpSpPr/>
+        <p:nvPr/>
+      </p:nvGrpSpPr>
+      <p:grpSpPr>
+        <a:xfrm>
+          <a:off x="0" y="0"/>
+          <a:ext cx="0" cy="0"/>
+          <a:chOff x="0" y="0"/>
+          <a:chExt cx="0" cy="0"/>
+        </a:xfrm>
+      </p:grpSpPr>
+      <p:sp>
+        <p:nvSpPr>
+          <p:cNvPr id="2" name="Marcador de encabezado 1"/>
+          <p:cNvSpPr>
+            <a:spLocks noGrp="1"/>
+          </p:cNvSpPr>
+          <p:nvPr>
+            <p:ph type="hdr" sz="quarter"/>
+          </p:nvPr>
+        </p:nvSpPr>
+        <p:spPr>
+          <a:xfrm>
+            <a:off x="0" y="0"/>
+            <a:ext cx="2971800" cy="458788"/>
+          </a:xfrm>
+          <a:prstGeom prst="rect">
+            <a:avLst/>
+          </a:prstGeom>
+        </p:spPr>
+        <p:txBody>
+          <a:bodyPr vert="horz" lIns="91440" tIns="45720" rIns="91440" bIns="45720" rtlCol="0"/>
+          <a:lstStyle>
+            <a:lvl1pPr algn="l">
+              <a:defRPr sz="1200"/>
+            </a:lvl1pPr>
+          </a:lstStyle>
+          <a:p>
+            <a:endParaRPr lang="es-GT"/>
+          </a:p>
+        </p:txBody>
+      </p:sp>
+      <p:sp>
+        <p:nvSpPr>
+          <p:cNvPr id="3" name="Marcador de fecha 2"/>
+          <p:cNvSpPr>
+            <a:spLocks noGrp="1"/>
+          </p:cNvSpPr>
+          <p:nvPr>
+            <p:ph type="dt" idx="1"/>
+          </p:nvPr>
+        </p:nvSpPr>
+        <p:spPr>
+          <a:xfrm>
+            <a:off x="3884613" y="0"/>
+            <a:ext cx="2971800" cy="458788"/>
+          </a:xfrm>
+          <a:prstGeom prst="rect">
+            <a:avLst/>
+          </a:prstGeom>
+        </p:spPr>
+        <p:txBody>
+          <a:bodyPr vert="horz" lIns="91440" tIns="45720" rIns="91440" bIns="45720" rtlCol="0"/>
+          <a:lstStyle>
+            <a:lvl1pPr algn="r">
+              <a:defRPr sz="1200"/>
+            </a:lvl1pPr>
+          </a:lstStyle>
+          <a:p>
+            <a:fld id="{2BC3CBD9-91D5-4E75-A671-0D5D9F8A479B}" type="datetimeFigureOut">
+              <a:rPr lang="es-GT" smtClean="0"/>
+              <a:t>16/05/2016</a:t>
+            </a:fld>
+            <a:endParaRPr lang="es-GT"/>
+          </a:p>
+        </p:txBody>
+      </p:sp>
+      <p:sp>
+        <p:nvSpPr>
+          <p:cNvPr id="4" name="Marcador de imagen de diapositiva 3"/>
+          <p:cNvSpPr>
+            <a:spLocks noGrp="1" noRot="1" noChangeAspect="1"/>
+          </p:cNvSpPr>
+          <p:nvPr>
+            <p:ph type="sldImg" idx="2"/>
+          </p:nvPr>
+        </p:nvSpPr>
+        <p:spPr>
+          <a:xfrm>
+            <a:off x="685800" y="1143000"/>
+            <a:ext cx="5486400" cy="3086100"/>
+          </a:xfrm>
+          <a:prstGeom prst="rect">
+            <a:avLst/>
+          </a:prstGeom>
+          <a:noFill/>
+          <a:ln w="12700">
+            <a:solidFill>
+              <a:prstClr val="black"/>
+            </a:solidFill>
+          </a:ln>
+        </p:spPr>
+        <p:txBody>
+          <a:bodyPr vert="horz" lIns="91440" tIns="45720" rIns="91440" bIns="45720" rtlCol="0" anchor="ctr"/>
+          <a:lstStyle/>
+          <a:p>
+            <a:endParaRPr lang="es-GT"/>
+          </a:p>
+        </p:txBody>
+      </p:sp>
+      <p:sp>
+        <p:nvSpPr>
+          <p:cNvPr id="5" name="Marcador de notas 4"/>
+          <p:cNvSpPr>
+            <a:spLocks noGrp="1"/>
+          </p:cNvSpPr>
+          <p:nvPr>
+            <p:ph type="body" sz="quarter" idx="3"/>
+          </p:nvPr>
+        </p:nvSpPr>
+        <p:spPr>
+          <a:xfrm>
+            <a:off x="685800" y="4400550"/>
+            <a:ext cx="5486400" cy="3600450"/>
+          </a:xfrm>
+          <a:prstGeom prst="rect">
+            <a:avLst/>
+          </a:prstGeom>
+        </p:spPr>
+        <p:txBody>
+          <a:bodyPr vert="horz" lIns="91440" tIns="45720" rIns="91440" bIns="45720" rtlCol="0"/>
+          <a:lstStyle/>
+          <a:p>
+            <a:pPr lvl="0"/>
+            <a:r>
+              <a:rPr lang="es-ES"/>
+              <a:t>Editar el estilo de texto del patrón</a:t>
+            </a:r>
+          </a:p>
+          <a:p>
+            <a:pPr lvl="1"/>
+            <a:r>
+              <a:rPr lang="es-ES"/>
+              <a:t>Segundo nivel</a:t>
+            </a:r>
+          </a:p>
+          <a:p>
+            <a:pPr lvl="2"/>
+            <a:r>
+              <a:rPr lang="es-ES"/>
+              <a:t>Tercer nivel</a:t>
+            </a:r>
+          </a:p>
+          <a:p>
+            <a:pPr lvl="3"/>
+            <a:r>
+              <a:rPr lang="es-ES"/>
+              <a:t>Cuarto nivel</a:t>
+            </a:r>
+          </a:p>
+          <a:p>
+            <a:pPr lvl="4"/>
+            <a:r>
+              <a:rPr lang="es-ES"/>
+              <a:t>Quinto nivel</a:t>
+            </a:r>
+            <a:endParaRPr lang="es-GT"/>
+          </a:p>
+        </p:txBody>
+      </p:sp>
+      <p:sp>
+        <p:nvSpPr>
+          <p:cNvPr id="6" name="Marcador de pie de página 5"/>
+          <p:cNvSpPr>
+            <a:spLocks noGrp="1"/>
+          </p:cNvSpPr>
+          <p:nvPr>
+            <p:ph type="ftr" sz="quarter" idx="4"/>
+          </p:nvPr>
+        </p:nvSpPr>
+        <p:spPr>
+          <a:xfrm>
+            <a:off x="0" y="8685213"/>
+            <a:ext cx="2971800" cy="458787"/>
+          </a:xfrm>
+          <a:prstGeom prst="rect">
+            <a:avLst/>
+          </a:prstGeom>
+        </p:spPr>
+        <p:txBody>
+          <a:bodyPr vert="horz" lIns="91440" tIns="45720" rIns="91440" bIns="45720" rtlCol="0" anchor="b"/>
+          <a:lstStyle>
+            <a:lvl1pPr algn="l">
+              <a:defRPr sz="1200"/>
+            </a:lvl1pPr>
+          </a:lstStyle>
+          <a:p>
+            <a:endParaRPr lang="es-GT"/>
+          </a:p>
+        </p:txBody>
+      </p:sp>
+      <p:sp>
+        <p:nvSpPr>
+          <p:cNvPr id="7" name="Marcador de número de diapositiva 6"/>
+          <p:cNvSpPr>
+            <a:spLocks noGrp="1"/>
+          </p:cNvSpPr>
+          <p:nvPr>
+            <p:ph type="sldNum" sz="quarter" idx="5"/>
+          </p:nvPr>
+        </p:nvSpPr>
+        <p:spPr>
+          <a:xfrm>
+            <a:off x="3884613" y="8685213"/>
+            <a:ext cx="2971800" cy="458787"/>
+          </a:xfrm>
+          <a:prstGeom prst="rect">
+            <a:avLst/>
+          </a:prstGeom>
+        </p:spPr>
+        <p:txBody>
+          <a:bodyPr vert="horz" lIns="91440" tIns="45720" rIns="91440" bIns="45720" rtlCol="0" anchor="b"/>
+          <a:lstStyle>
+            <a:lvl1pPr algn="r">
+              <a:defRPr sz="1200"/>
+            </a:lvl1pPr>
+          </a:lstStyle>
+          <a:p>
+            <a:fld id="{C95B08F0-AC8C-4E06-B6B6-640406D565E3}" type="slidenum">
+              <a:rPr lang="es-GT" smtClean="0"/>
+              <a:t>‹Nº›</a:t>
+            </a:fld>
+            <a:endParaRPr lang="es-GT"/>
+          </a:p>
+        </p:txBody>
+      </p:sp>
+    </p:spTree>
+    <p:extLst>
+      <p:ext uri="{BB962C8B-B14F-4D97-AF65-F5344CB8AC3E}">
+        <p14:creationId xmlns:p14="http://schemas.microsoft.com/office/powerpoint/2010/main" val="2912478233"/>
+      </p:ext>
+    </p:extLst>
+  </p:cSld>
+  <p:clrMap bg1="lt1" tx1="dk1" bg2="lt2" tx2="dk2" accent1="accent1" accent2="accent2" accent3="accent3" accent4="accent4" accent5="accent5" accent6="accent6" hlink="hlink" folHlink="folHlink"/>
+  <p:notesStyle>
+    <a:lvl1pPr marL="0" algn="l" defTabSz="914400" rtl="0" eaLnBrk="1" latinLnBrk="0" hangingPunct="1">
+      <a:defRPr sz="1200" kern="1200">
+        <a:solidFill>
+          <a:schemeClr val="tx1"/>
+        </a:solidFill>
+        <a:latin typeface="+mn-lt"/>
+        <a:ea typeface="+mn-ea"/>
+        <a:cs typeface="+mn-cs"/>
+      </a:defRPr>
+    </a:lvl1pPr>
+    <a:lvl2pPr marL="457200" algn="l" defTabSz="914400" rtl="0" eaLnBrk="1" latinLnBrk="0" hangingPunct="1">
+      <a:defRPr sz="1200" kern="1200">
+        <a:solidFill>
+          <a:schemeClr val="tx1"/>
+        </a:solidFill>
+        <a:latin typeface="+mn-lt"/>
+        <a:ea typeface="+mn-ea"/>
+        <a:cs typeface="+mn-cs"/>
+      </a:defRPr>
+    </a:lvl2pPr>
+    <a:lvl3pPr marL="914400" algn="l" defTabSz="914400" rtl="0" eaLnBrk="1" latinLnBrk="0" hangingPunct="1">
+      <a:defRPr sz="1200" kern="1200">
+        <a:solidFill>
+          <a:schemeClr val="tx1"/>
+        </a:solidFill>
+        <a:latin typeface="+mn-lt"/>
+        <a:ea typeface="+mn-ea"/>
+        <a:cs typeface="+mn-cs"/>
+      </a:defRPr>
+    </a:lvl3pPr>
+    <a:lvl4pPr marL="1371600" algn="l" defTabSz="914400" rtl="0" eaLnBrk="1" latinLnBrk="0" hangingPunct="1">
+      <a:defRPr sz="1200" kern="1200">
+        <a:solidFill>
+          <a:schemeClr val="tx1"/>
+        </a:solidFill>
+        <a:latin typeface="+mn-lt"/>
+        <a:ea typeface="+mn-ea"/>
+        <a:cs typeface="+mn-cs"/>
+      </a:defRPr>
+    </a:lvl4pPr>
+    <a:lvl5pPr marL="1828800" algn="l" defTabSz="914400" rtl="0" eaLnBrk="1" latinLnBrk="0" hangingPunct="1">
+      <a:defRPr sz="1200" kern="1200">
+        <a:solidFill>
+          <a:schemeClr val="tx1"/>
+        </a:solidFill>
+        <a:latin typeface="+mn-lt"/>
+        <a:ea typeface="+mn-ea"/>
+        <a:cs typeface="+mn-cs"/>
+      </a:defRPr>
+    </a:lvl5pPr>
+    <a:lvl6pPr marL="2286000" algn="l" defTabSz="914400" rtl="0" eaLnBrk="1" latinLnBrk="0" hangingPunct="1">
+      <a:defRPr sz="1200" kern="1200">
+        <a:solidFill>
+          <a:schemeClr val="tx1"/>
+        </a:solidFill>
+        <a:latin typeface="+mn-lt"/>
+        <a:ea typeface="+mn-ea"/>
+        <a:cs typeface="+mn-cs"/>
+      </a:defRPr>
+    </a:lvl6pPr>
+    <a:lvl7pPr marL="2743200" algn="l" defTabSz="914400" rtl="0" eaLnBrk="1" latinLnBrk="0" hangingPunct="1">
+      <a:defRPr sz="1200" kern="1200">
+        <a:solidFill>
+          <a:schemeClr val="tx1"/>
+        </a:solidFill>
+        <a:latin typeface="+mn-lt"/>
+        <a:ea typeface="+mn-ea"/>
+        <a:cs typeface="+mn-cs"/>
+      </a:defRPr>
+    </a:lvl7pPr>
+    <a:lvl8pPr marL="3200400" algn="l" defTabSz="914400" rtl="0" eaLnBrk="1" latinLnBrk="0" hangingPunct="1">
+      <a:defRPr sz="1200" kern="1200">
+        <a:solidFill>
+          <a:schemeClr val="tx1"/>
+        </a:solidFill>
+        <a:latin typeface="+mn-lt"/>
+        <a:ea typeface="+mn-ea"/>
+        <a:cs typeface="+mn-cs"/>
+      </a:defRPr>
+    </a:lvl8pPr>
+    <a:lvl9pPr marL="3657600" algn="l" defTabSz="914400" rtl="0" eaLnBrk="1" latinLnBrk="0" hangingPunct="1">
+      <a:defRPr sz="1200" kern="1200">
+        <a:solidFill>
+          <a:schemeClr val="tx1"/>
+        </a:solidFill>
+        <a:latin typeface="+mn-lt"/>
+        <a:ea typeface="+mn-ea"/>
+        <a:cs typeface="+mn-cs"/>
+      </a:defRPr>
+    </a:lvl9pPr>
+  </p:notesStyle>
+</p:notesMaster>
+</file>
+
+<file path=ppt/notesSlides/notesSlide1.xml><?xml version="1.0" encoding="utf-8"?>
+<p:notes xmlns:a="http://schemas.openxmlformats.org/drawingml/2006/main" xmlns:r="http://schemas.openxmlformats.org/officeDocument/2006/relationships" xmlns:p="http://schemas.openxmlformats.org/presentationml/2006/main">
+  <p:cSld>
+    <p:spTree>
+      <p:nvGrpSpPr>
+        <p:cNvPr id="1" name=""/>
+        <p:cNvGrpSpPr/>
+        <p:nvPr/>
+      </p:nvGrpSpPr>
+      <p:grpSpPr>
+        <a:xfrm>
+          <a:off x="0" y="0"/>
+          <a:ext cx="0" cy="0"/>
+          <a:chOff x="0" y="0"/>
+          <a:chExt cx="0" cy="0"/>
+        </a:xfrm>
+      </p:grpSpPr>
+      <p:sp>
+        <p:nvSpPr>
+          <p:cNvPr id="2" name="Marcador de imagen de diapositiva 1"/>
+          <p:cNvSpPr>
+            <a:spLocks noGrp="1" noRot="1" noChangeAspect="1"/>
+          </p:cNvSpPr>
+          <p:nvPr>
+            <p:ph type="sldImg"/>
+          </p:nvPr>
+        </p:nvSpPr>
+        <p:spPr/>
+      </p:sp>
+      <p:sp>
+        <p:nvSpPr>
+          <p:cNvPr id="3" name="Marcador de notas 2"/>
+          <p:cNvSpPr>
+            <a:spLocks noGrp="1"/>
+          </p:cNvSpPr>
+          <p:nvPr>
+            <p:ph type="body" idx="1"/>
+          </p:nvPr>
+        </p:nvSpPr>
+        <p:spPr/>
+        <p:txBody>
+          <a:bodyPr/>
+          <a:lstStyle/>
+          <a:p>
+            <a:r>
+              <a:rPr lang="es-GT" dirty="0"/>
+              <a:t>Correo </a:t>
+            </a:r>
+            <a:r>
+              <a:rPr lang="es-GT" dirty="0" err="1"/>
+              <a:t>Electronico</a:t>
+            </a:r>
+            <a:r>
+              <a:rPr lang="es-GT" dirty="0"/>
+              <a:t>, </a:t>
+            </a:r>
+            <a:r>
+              <a:rPr lang="es-GT" sz="1200" kern="1200" dirty="0" err="1">
+                <a:solidFill>
+                  <a:schemeClr val="tx1"/>
+                </a:solidFill>
+                <a:effectLst/>
+                <a:latin typeface="+mn-lt"/>
+                <a:ea typeface="+mn-ea"/>
+                <a:cs typeface="+mn-cs"/>
+              </a:rPr>
+              <a:t>clockingit</a:t>
+            </a:r>
+            <a:r>
+              <a:rPr lang="es-GT" sz="1200" kern="1200" dirty="0">
+                <a:solidFill>
+                  <a:schemeClr val="tx1"/>
+                </a:solidFill>
+                <a:effectLst/>
+                <a:latin typeface="+mn-lt"/>
+                <a:ea typeface="+mn-ea"/>
+                <a:cs typeface="+mn-cs"/>
+              </a:rPr>
+              <a:t>, Moodle, </a:t>
+            </a:r>
+            <a:r>
+              <a:rPr lang="es-GT" sz="1200" kern="1200" dirty="0" err="1">
+                <a:solidFill>
+                  <a:schemeClr val="tx1"/>
+                </a:solidFill>
+                <a:effectLst/>
+                <a:latin typeface="+mn-lt"/>
+                <a:ea typeface="+mn-ea"/>
+                <a:cs typeface="+mn-cs"/>
+              </a:rPr>
+              <a:t>Hangouts</a:t>
+            </a:r>
+            <a:r>
+              <a:rPr lang="es-GT" sz="1200" kern="1200" dirty="0">
+                <a:solidFill>
+                  <a:schemeClr val="tx1"/>
+                </a:solidFill>
+                <a:effectLst/>
+                <a:latin typeface="+mn-lt"/>
+                <a:ea typeface="+mn-ea"/>
+                <a:cs typeface="+mn-cs"/>
+              </a:rPr>
+              <a:t>, Messenger</a:t>
+            </a:r>
+            <a:endParaRPr lang="es-GT" dirty="0"/>
+          </a:p>
+        </p:txBody>
+      </p:sp>
+      <p:sp>
+        <p:nvSpPr>
+          <p:cNvPr id="4" name="Marcador de número de diapositiva 3"/>
+          <p:cNvSpPr>
+            <a:spLocks noGrp="1"/>
+          </p:cNvSpPr>
+          <p:nvPr>
+            <p:ph type="sldNum" sz="quarter" idx="10"/>
+          </p:nvPr>
+        </p:nvSpPr>
+        <p:spPr/>
+        <p:txBody>
+          <a:bodyPr/>
+          <a:lstStyle/>
+          <a:p>
+            <a:fld id="{C95B08F0-AC8C-4E06-B6B6-640406D565E3}" type="slidenum">
+              <a:rPr lang="es-GT" smtClean="0"/>
+              <a:t>3</a:t>
+            </a:fld>
+            <a:endParaRPr lang="es-GT"/>
+          </a:p>
+        </p:txBody>
+      </p:sp>
+    </p:spTree>
+    <p:extLst>
+      <p:ext uri="{BB962C8B-B14F-4D97-AF65-F5344CB8AC3E}">
+        <p14:creationId xmlns:p14="http://schemas.microsoft.com/office/powerpoint/2010/main" val="4276941094"/>
+      </p:ext>
+    </p:extLst>
+  </p:cSld>
+  <p:clrMapOvr>
+    <a:masterClrMapping/>
+  </p:clrMapOvr>
+</p:notes>
+</file>
+
 <file path=ppt/slideLayouts/slideLayout1.xml><?xml version="1.0" encoding="utf-8"?>
 <p:sldLayout xmlns:a="http://schemas.openxmlformats.org/drawingml/2006/main" xmlns:r="http://schemas.openxmlformats.org/officeDocument/2006/relationships" xmlns:p="http://schemas.openxmlformats.org/presentationml/2006/main" type="title" preserve="1">
   <p:cSld name="Diapositiva de título">
@@ -254,7 +753,7 @@
           <a:p>
             <a:fld id="{6C0DDE51-EE13-4411-8EE6-8EC10941598C}" type="datetimeFigureOut">
               <a:rPr lang="es-GT" smtClean="0"/>
-              <a:t>4/04/2016</a:t>
+              <a:t>16/05/2016</a:t>
             </a:fld>
             <a:endParaRPr lang="es-GT"/>
           </a:p>
@@ -424,7 +923,7 @@
           <a:p>
             <a:fld id="{6C0DDE51-EE13-4411-8EE6-8EC10941598C}" type="datetimeFigureOut">
               <a:rPr lang="es-GT" smtClean="0"/>
-              <a:t>4/04/2016</a:t>
+              <a:t>16/05/2016</a:t>
             </a:fld>
             <a:endParaRPr lang="es-GT"/>
           </a:p>
@@ -604,7 +1103,7 @@
           <a:p>
             <a:fld id="{6C0DDE51-EE13-4411-8EE6-8EC10941598C}" type="datetimeFigureOut">
               <a:rPr lang="es-GT" smtClean="0"/>
-              <a:t>4/04/2016</a:t>
+              <a:t>16/05/2016</a:t>
             </a:fld>
             <a:endParaRPr lang="es-GT"/>
           </a:p>
@@ -774,7 +1273,7 @@
           <a:p>
             <a:fld id="{6C0DDE51-EE13-4411-8EE6-8EC10941598C}" type="datetimeFigureOut">
               <a:rPr lang="es-GT" smtClean="0"/>
-              <a:t>4/04/2016</a:t>
+              <a:t>16/05/2016</a:t>
             </a:fld>
             <a:endParaRPr lang="es-GT"/>
           </a:p>
@@ -1020,7 +1519,7 @@
           <a:p>
             <a:fld id="{6C0DDE51-EE13-4411-8EE6-8EC10941598C}" type="datetimeFigureOut">
               <a:rPr lang="es-GT" smtClean="0"/>
-              <a:t>4/04/2016</a:t>
+              <a:t>16/05/2016</a:t>
             </a:fld>
             <a:endParaRPr lang="es-GT"/>
           </a:p>
@@ -1252,7 +1751,7 @@
           <a:p>
             <a:fld id="{6C0DDE51-EE13-4411-8EE6-8EC10941598C}" type="datetimeFigureOut">
               <a:rPr lang="es-GT" smtClean="0"/>
-              <a:t>4/04/2016</a:t>
+              <a:t>16/05/2016</a:t>
             </a:fld>
             <a:endParaRPr lang="es-GT"/>
           </a:p>
@@ -1619,7 +2118,7 @@
           <a:p>
             <a:fld id="{6C0DDE51-EE13-4411-8EE6-8EC10941598C}" type="datetimeFigureOut">
               <a:rPr lang="es-GT" smtClean="0"/>
-              <a:t>4/04/2016</a:t>
+              <a:t>16/05/2016</a:t>
             </a:fld>
             <a:endParaRPr lang="es-GT"/>
           </a:p>
@@ -1737,7 +2236,7 @@
           <a:p>
             <a:fld id="{6C0DDE51-EE13-4411-8EE6-8EC10941598C}" type="datetimeFigureOut">
               <a:rPr lang="es-GT" smtClean="0"/>
-              <a:t>4/04/2016</a:t>
+              <a:t>16/05/2016</a:t>
             </a:fld>
             <a:endParaRPr lang="es-GT"/>
           </a:p>
@@ -1832,7 +2331,7 @@
           <a:p>
             <a:fld id="{6C0DDE51-EE13-4411-8EE6-8EC10941598C}" type="datetimeFigureOut">
               <a:rPr lang="es-GT" smtClean="0"/>
-              <a:t>4/04/2016</a:t>
+              <a:t>16/05/2016</a:t>
             </a:fld>
             <a:endParaRPr lang="es-GT"/>
           </a:p>
@@ -2109,7 +2608,7 @@
           <a:p>
             <a:fld id="{6C0DDE51-EE13-4411-8EE6-8EC10941598C}" type="datetimeFigureOut">
               <a:rPr lang="es-GT" smtClean="0"/>
-              <a:t>4/04/2016</a:t>
+              <a:t>16/05/2016</a:t>
             </a:fld>
             <a:endParaRPr lang="es-GT"/>
           </a:p>
@@ -2362,7 +2861,7 @@
           <a:p>
             <a:fld id="{6C0DDE51-EE13-4411-8EE6-8EC10941598C}" type="datetimeFigureOut">
               <a:rPr lang="es-GT" smtClean="0"/>
-              <a:t>4/04/2016</a:t>
+              <a:t>16/05/2016</a:t>
             </a:fld>
             <a:endParaRPr lang="es-GT"/>
           </a:p>
@@ -2575,7 +3074,7 @@
           <a:p>
             <a:fld id="{6C0DDE51-EE13-4411-8EE6-8EC10941598C}" type="datetimeFigureOut">
               <a:rPr lang="es-GT" smtClean="0"/>
-              <a:t>4/04/2016</a:t>
+              <a:t>16/05/2016</a:t>
             </a:fld>
             <a:endParaRPr lang="es-GT"/>
           </a:p>
@@ -4378,7 +4877,7 @@
             <a:pPr algn="ctr"/>
             <a:r>
               <a:rPr lang="es-GT" dirty="0"/>
-              <a:t>Finalizar</a:t>
+              <a:t>Continuar</a:t>
             </a:r>
           </a:p>
         </p:txBody>
@@ -4459,7 +4958,7 @@
         <p:spPr>
           <a:xfrm>
             <a:off x="1351722" y="357809"/>
-            <a:ext cx="4451796" cy="369332"/>
+            <a:ext cx="3770456" cy="369332"/>
           </a:xfrm>
           <a:prstGeom prst="rect">
             <a:avLst/>
@@ -4474,7 +4973,7 @@
           <a:p>
             <a:r>
               <a:rPr lang="es-GT" dirty="0"/>
-              <a:t>Inscripción Estudiantes – Datos Encargado (A)</a:t>
+              <a:t>Inscripción Estudiantes – Datos Madre</a:t>
             </a:r>
           </a:p>
         </p:txBody>
@@ -4528,8 +5027,8 @@
         </p:nvSpPr>
         <p:spPr>
           <a:xfrm>
-            <a:off x="690984" y="1411145"/>
-            <a:ext cx="10058401" cy="4247317"/>
+            <a:off x="757244" y="1676185"/>
+            <a:ext cx="10058401" cy="3416320"/>
           </a:xfrm>
           <a:prstGeom prst="rect">
             <a:avLst/>
@@ -4572,7 +5071,7 @@
                   </a:schemeClr>
                 </a:solidFill>
               </a:rPr>
-              <a:t>DATOS ENCARGADO (A)</a:t>
+              <a:t>MADRE DE FAMILIA</a:t>
             </a:r>
           </a:p>
           <a:p>
@@ -4694,37 +5193,6 @@
               <a:t>	Casa			    Trabajo			            Celular</a:t>
             </a:r>
           </a:p>
-          <a:p>
-            <a:pPr>
-              <a:lnSpc>
-                <a:spcPct val="150000"/>
-              </a:lnSpc>
-            </a:pPr>
-            <a:endParaRPr lang="es-ES" dirty="0">
-              <a:solidFill>
-                <a:schemeClr val="accent1">
-                  <a:lumMod val="75000"/>
-                </a:schemeClr>
-              </a:solidFill>
-            </a:endParaRPr>
-          </a:p>
-          <a:p>
-            <a:pPr>
-              <a:lnSpc>
-                <a:spcPct val="150000"/>
-              </a:lnSpc>
-            </a:pPr>
-            <a:r>
-              <a:rPr lang="es-ES" dirty="0">
-                <a:solidFill>
-                  <a:schemeClr val="accent1">
-                    <a:lumMod val="75000"/>
-                  </a:schemeClr>
-                </a:solidFill>
-              </a:rPr>
-              <a:t>	Observaciones:</a:t>
-            </a:r>
-          </a:p>
         </p:txBody>
       </p:sp>
       <p:sp>
@@ -4735,7 +5203,7 @@
         </p:nvSpPr>
         <p:spPr>
           <a:xfrm>
-            <a:off x="1678140" y="1949507"/>
+            <a:off x="1744400" y="2214547"/>
             <a:ext cx="8481391" cy="360000"/>
           </a:xfrm>
           <a:prstGeom prst="rect">
@@ -4773,7 +5241,7 @@
         </p:nvSpPr>
         <p:spPr>
           <a:xfrm>
-            <a:off x="1857044" y="2345408"/>
+            <a:off x="1923304" y="2610448"/>
             <a:ext cx="8302487" cy="360000"/>
           </a:xfrm>
           <a:prstGeom prst="rect">
@@ -4811,7 +5279,7 @@
         </p:nvSpPr>
         <p:spPr>
           <a:xfrm>
-            <a:off x="2035948" y="2746663"/>
+            <a:off x="2102208" y="3011703"/>
             <a:ext cx="8123584" cy="360000"/>
           </a:xfrm>
           <a:prstGeom prst="rect">
@@ -4849,7 +5317,7 @@
         </p:nvSpPr>
         <p:spPr>
           <a:xfrm>
-            <a:off x="2438402" y="3150854"/>
+            <a:off x="2504662" y="3415894"/>
             <a:ext cx="7721130" cy="360000"/>
           </a:xfrm>
           <a:prstGeom prst="rect">
@@ -4887,7 +5355,7 @@
         </p:nvSpPr>
         <p:spPr>
           <a:xfrm>
-            <a:off x="1762544" y="3555045"/>
+            <a:off x="1828804" y="3820085"/>
             <a:ext cx="8396988" cy="360000"/>
           </a:xfrm>
           <a:prstGeom prst="rect">
@@ -4925,7 +5393,7 @@
         </p:nvSpPr>
         <p:spPr>
           <a:xfrm>
-            <a:off x="2206488" y="4404682"/>
+            <a:off x="2272748" y="4669722"/>
             <a:ext cx="2246243" cy="360000"/>
           </a:xfrm>
           <a:prstGeom prst="rect">
@@ -4963,7 +5431,7 @@
         </p:nvSpPr>
         <p:spPr>
           <a:xfrm>
-            <a:off x="5421074" y="4396392"/>
+            <a:off x="5487334" y="4661432"/>
             <a:ext cx="2246243" cy="360000"/>
           </a:xfrm>
           <a:prstGeom prst="rect">
@@ -5001,46 +5469,8 @@
         </p:nvSpPr>
         <p:spPr>
           <a:xfrm>
-            <a:off x="8503142" y="4389192"/>
+            <a:off x="8569402" y="4654232"/>
             <a:ext cx="1656389" cy="360000"/>
-          </a:xfrm>
-          <a:prstGeom prst="rect">
-            <a:avLst/>
-          </a:prstGeom>
-        </p:spPr>
-        <p:style>
-          <a:lnRef idx="2">
-            <a:schemeClr val="accent1"/>
-          </a:lnRef>
-          <a:fillRef idx="1">
-            <a:schemeClr val="lt1"/>
-          </a:fillRef>
-          <a:effectRef idx="0">
-            <a:schemeClr val="accent1"/>
-          </a:effectRef>
-          <a:fontRef idx="minor">
-            <a:schemeClr val="dk1"/>
-          </a:fontRef>
-        </p:style>
-        <p:txBody>
-          <a:bodyPr rtlCol="0" anchor="ctr"/>
-          <a:lstStyle/>
-          <a:p>
-            <a:pPr algn="ctr"/>
-            <a:endParaRPr lang="es-GT"/>
-          </a:p>
-        </p:txBody>
-      </p:sp>
-      <p:sp>
-        <p:nvSpPr>
-          <p:cNvPr id="17" name="Rectángulo 16"/>
-          <p:cNvSpPr/>
-          <p:nvPr/>
-        </p:nvSpPr>
-        <p:spPr>
-          <a:xfrm>
-            <a:off x="3200402" y="5250012"/>
-            <a:ext cx="6959129" cy="845606"/>
           </a:xfrm>
           <a:prstGeom prst="rect">
             <a:avLst/>
@@ -5072,7 +5502,7 @@
     </p:spTree>
     <p:extLst>
       <p:ext uri="{BB962C8B-B14F-4D97-AF65-F5344CB8AC3E}">
-        <p14:creationId xmlns:p14="http://schemas.microsoft.com/office/powerpoint/2010/main" val="3454743923"/>
+        <p14:creationId xmlns:p14="http://schemas.microsoft.com/office/powerpoint/2010/main" val="2375739298"/>
       </p:ext>
     </p:extLst>
   </p:cSld>
@@ -5193,60 +5623,14 @@
         </p:blipFill>
         <p:spPr>
           <a:xfrm>
-            <a:off x="225287" y="2783964"/>
-            <a:ext cx="4300396" cy="3616836"/>
+            <a:off x="225287" y="5234609"/>
+            <a:ext cx="1386593" cy="1166190"/>
           </a:xfrm>
           <a:prstGeom prst="rect">
             <a:avLst/>
           </a:prstGeom>
         </p:spPr>
       </p:pic>
-      <p:sp>
-        <p:nvSpPr>
-          <p:cNvPr id="4" name="Rectángulo 3"/>
-          <p:cNvSpPr/>
-          <p:nvPr/>
-        </p:nvSpPr>
-        <p:spPr>
-          <a:xfrm>
-            <a:off x="6864626" y="3087756"/>
-            <a:ext cx="2213113" cy="450574"/>
-          </a:xfrm>
-          <a:prstGeom prst="rect">
-            <a:avLst/>
-          </a:prstGeom>
-        </p:spPr>
-        <p:style>
-          <a:lnRef idx="2">
-            <a:schemeClr val="accent1"/>
-          </a:lnRef>
-          <a:fillRef idx="1">
-            <a:schemeClr val="lt1"/>
-          </a:fillRef>
-          <a:effectRef idx="0">
-            <a:schemeClr val="accent1"/>
-          </a:effectRef>
-          <a:fontRef idx="minor">
-            <a:schemeClr val="dk1"/>
-          </a:fontRef>
-        </p:style>
-        <p:txBody>
-          <a:bodyPr rtlCol="0" anchor="ctr"/>
-          <a:lstStyle/>
-          <a:p>
-            <a:r>
-              <a:rPr lang="es-GT" dirty="0">
-                <a:solidFill>
-                  <a:schemeClr val="bg1">
-                    <a:lumMod val="65000"/>
-                  </a:schemeClr>
-                </a:solidFill>
-              </a:rPr>
-              <a:t>Código Personal</a:t>
-            </a:r>
-          </a:p>
-        </p:txBody>
-      </p:sp>
       <p:sp>
         <p:nvSpPr>
           <p:cNvPr id="6" name="Rectángulo redondeado 5"/>
@@ -5255,8 +5639,8 @@
         </p:nvSpPr>
         <p:spPr>
           <a:xfrm>
-            <a:off x="7971182" y="3730487"/>
-            <a:ext cx="1113182" cy="357809"/>
+            <a:off x="10508975" y="5751444"/>
+            <a:ext cx="1229464" cy="543339"/>
           </a:xfrm>
           <a:prstGeom prst="roundRect">
             <a:avLst/>
@@ -5283,43 +5667,14 @@
             <a:pPr algn="ctr"/>
             <a:r>
               <a:rPr lang="es-GT" dirty="0"/>
-              <a:t>Consultar</a:t>
-            </a:r>
-          </a:p>
-        </p:txBody>
-      </p:sp>
-      <p:sp>
-        <p:nvSpPr>
-          <p:cNvPr id="8" name="CuadroTexto 7"/>
-          <p:cNvSpPr txBox="1"/>
-          <p:nvPr/>
-        </p:nvSpPr>
-        <p:spPr>
-          <a:xfrm>
-            <a:off x="1351722" y="357809"/>
-            <a:ext cx="3692614" cy="369332"/>
-          </a:xfrm>
-          <a:prstGeom prst="rect">
-            <a:avLst/>
-          </a:prstGeom>
-          <a:noFill/>
-        </p:spPr>
-        <p:txBody>
-          <a:bodyPr wrap="none" rtlCol="0">
-            <a:spAutoFit/>
-          </a:bodyPr>
-          <a:lstStyle/>
-          <a:p>
-            <a:r>
-              <a:rPr lang="es-GT" dirty="0"/>
-              <a:t>Consulta de Información de Alumnos</a:t>
-            </a:r>
-          </a:p>
-        </p:txBody>
-      </p:sp>
-      <p:sp>
-        <p:nvSpPr>
-          <p:cNvPr id="9" name="Rectángulo 8"/>
+              <a:t>Continuar</a:t>
+            </a:r>
+          </a:p>
+        </p:txBody>
+      </p:sp>
+      <p:sp>
+        <p:nvSpPr>
+          <p:cNvPr id="7" name="Rectángulo 6"/>
           <p:cNvSpPr/>
           <p:nvPr/>
         </p:nvSpPr>
@@ -5386,14 +5741,14 @@
       </p:sp>
       <p:sp>
         <p:nvSpPr>
-          <p:cNvPr id="10" name="Rectángulo 9"/>
-          <p:cNvSpPr/>
-          <p:nvPr/>
-        </p:nvSpPr>
-        <p:spPr>
-          <a:xfrm>
-            <a:off x="1602318" y="1091410"/>
-            <a:ext cx="7836312" cy="707886"/>
+          <p:cNvPr id="8" name="CuadroTexto 7"/>
+          <p:cNvSpPr txBox="1"/>
+          <p:nvPr/>
+        </p:nvSpPr>
+        <p:spPr>
+          <a:xfrm>
+            <a:off x="1351722" y="357809"/>
+            <a:ext cx="3686971" cy="369332"/>
           </a:xfrm>
           <a:prstGeom prst="rect">
             <a:avLst/>
@@ -5401,41 +5756,543 @@
           <a:noFill/>
         </p:spPr>
         <p:txBody>
-          <a:bodyPr wrap="none" lIns="91440" tIns="45720" rIns="91440" bIns="45720">
+          <a:bodyPr wrap="none" rtlCol="0">
             <a:spAutoFit/>
           </a:bodyPr>
           <a:lstStyle/>
           <a:p>
-            <a:pPr algn="ctr"/>
-            <a:r>
-              <a:rPr lang="es-ES" sz="4000" b="1" cap="none" spc="0" dirty="0">
-                <a:ln w="9525">
-                  <a:solidFill>
-                    <a:schemeClr val="bg1"/>
-                  </a:solidFill>
-                  <a:prstDash val="solid"/>
-                </a:ln>
+            <a:r>
+              <a:rPr lang="es-GT" dirty="0"/>
+              <a:t>Inscripción Estudiantes – Datos Padre</a:t>
+            </a:r>
+          </a:p>
+        </p:txBody>
+      </p:sp>
+      <p:sp>
+        <p:nvSpPr>
+          <p:cNvPr id="10" name="CuadroTexto 9"/>
+          <p:cNvSpPr txBox="1"/>
+          <p:nvPr/>
+        </p:nvSpPr>
+        <p:spPr>
+          <a:xfrm>
+            <a:off x="225287" y="1060174"/>
+            <a:ext cx="4094922" cy="400110"/>
+          </a:xfrm>
+          <a:prstGeom prst="rect">
+            <a:avLst/>
+          </a:prstGeom>
+          <a:noFill/>
+        </p:spPr>
+        <p:txBody>
+          <a:bodyPr wrap="square" rtlCol="0">
+            <a:spAutoFit/>
+          </a:bodyPr>
+          <a:lstStyle/>
+          <a:p>
+            <a:r>
+              <a:rPr lang="es-GT" sz="2000" dirty="0">
+                <a:ln w="0"/>
                 <a:solidFill>
-                  <a:schemeClr val="accent5"/>
+                  <a:schemeClr val="accent1"/>
                 </a:solidFill>
                 <a:effectLst>
-                  <a:outerShdw blurRad="12700" dist="38100" dir="2700000" algn="tl" rotWithShape="0">
-                    <a:schemeClr val="accent5">
-                      <a:lumMod val="60000"/>
-                      <a:lumOff val="40000"/>
-                    </a:schemeClr>
+                  <a:outerShdw blurRad="38100" dist="25400" dir="5400000" algn="ctr" rotWithShape="0">
+                    <a:srgbClr val="6E747A">
+                      <a:alpha val="43000"/>
+                    </a:srgbClr>
                   </a:outerShdw>
                 </a:effectLst>
               </a:rPr>
-              <a:t>Consulta de Información de Alumno</a:t>
-            </a:r>
+              <a:t>Ficha de Inscripción</a:t>
+            </a:r>
+          </a:p>
+        </p:txBody>
+      </p:sp>
+      <p:sp>
+        <p:nvSpPr>
+          <p:cNvPr id="4" name="Rectángulo 3"/>
+          <p:cNvSpPr/>
+          <p:nvPr/>
+        </p:nvSpPr>
+        <p:spPr>
+          <a:xfrm>
+            <a:off x="757244" y="1676185"/>
+            <a:ext cx="10058401" cy="3416320"/>
+          </a:xfrm>
+          <a:prstGeom prst="rect">
+            <a:avLst/>
+          </a:prstGeom>
+          <a:noFill/>
+          <a:ln>
+            <a:noFill/>
+          </a:ln>
+        </p:spPr>
+        <p:style>
+          <a:lnRef idx="0">
+            <a:scrgbClr r="0" g="0" b="0"/>
+          </a:lnRef>
+          <a:fillRef idx="0">
+            <a:scrgbClr r="0" g="0" b="0"/>
+          </a:fillRef>
+          <a:effectRef idx="0">
+            <a:scrgbClr r="0" g="0" b="0"/>
+          </a:effectRef>
+          <a:fontRef idx="minor">
+            <a:schemeClr val="accent1"/>
+          </a:fontRef>
+        </p:style>
+        <p:txBody>
+          <a:bodyPr wrap="square">
+            <a:spAutoFit/>
+          </a:bodyPr>
+          <a:lstStyle/>
+          <a:p>
+            <a:pPr>
+              <a:lnSpc>
+                <a:spcPct val="150000"/>
+              </a:lnSpc>
+            </a:pPr>
+            <a:r>
+              <a:rPr lang="es-ES" dirty="0">
+                <a:solidFill>
+                  <a:schemeClr val="accent1">
+                    <a:lumMod val="75000"/>
+                  </a:schemeClr>
+                </a:solidFill>
+              </a:rPr>
+              <a:t>DATOS DEL PADRE</a:t>
+            </a:r>
+          </a:p>
+          <a:p>
+            <a:pPr>
+              <a:lnSpc>
+                <a:spcPct val="150000"/>
+              </a:lnSpc>
+            </a:pPr>
+            <a:r>
+              <a:rPr lang="es-ES" dirty="0">
+                <a:solidFill>
+                  <a:schemeClr val="accent1">
+                    <a:lumMod val="75000"/>
+                  </a:schemeClr>
+                </a:solidFill>
+              </a:rPr>
+              <a:t>Nombre:</a:t>
+            </a:r>
+          </a:p>
+          <a:p>
+            <a:pPr>
+              <a:lnSpc>
+                <a:spcPct val="150000"/>
+              </a:lnSpc>
+            </a:pPr>
+            <a:r>
+              <a:rPr lang="es-ES" dirty="0">
+                <a:solidFill>
+                  <a:schemeClr val="accent1">
+                    <a:lumMod val="75000"/>
+                  </a:schemeClr>
+                </a:solidFill>
+              </a:rPr>
+              <a:t>No. de DPI:</a:t>
+            </a:r>
+          </a:p>
+          <a:p>
+            <a:pPr>
+              <a:lnSpc>
+                <a:spcPct val="150000"/>
+              </a:lnSpc>
+            </a:pPr>
+            <a:r>
+              <a:rPr lang="es-ES" dirty="0">
+                <a:solidFill>
+                  <a:schemeClr val="accent1">
+                    <a:lumMod val="75000"/>
+                  </a:schemeClr>
+                </a:solidFill>
+              </a:rPr>
+              <a:t>Extendida en</a:t>
+            </a:r>
+          </a:p>
+          <a:p>
+            <a:pPr>
+              <a:lnSpc>
+                <a:spcPct val="150000"/>
+              </a:lnSpc>
+            </a:pPr>
+            <a:r>
+              <a:rPr lang="es-ES" dirty="0">
+                <a:solidFill>
+                  <a:schemeClr val="accent1">
+                    <a:lumMod val="75000"/>
+                  </a:schemeClr>
+                </a:solidFill>
+              </a:rPr>
+              <a:t>Lugar de Trabajo:</a:t>
+            </a:r>
+          </a:p>
+          <a:p>
+            <a:pPr>
+              <a:lnSpc>
+                <a:spcPct val="150000"/>
+              </a:lnSpc>
+            </a:pPr>
+            <a:r>
+              <a:rPr lang="es-ES" dirty="0">
+                <a:solidFill>
+                  <a:schemeClr val="accent1">
+                    <a:lumMod val="75000"/>
+                  </a:schemeClr>
+                </a:solidFill>
+              </a:rPr>
+              <a:t>Dirección:</a:t>
+            </a:r>
+          </a:p>
+          <a:p>
+            <a:pPr>
+              <a:lnSpc>
+                <a:spcPct val="150000"/>
+              </a:lnSpc>
+            </a:pPr>
+            <a:r>
+              <a:rPr lang="es-ES" dirty="0">
+                <a:solidFill>
+                  <a:schemeClr val="accent1">
+                    <a:lumMod val="75000"/>
+                  </a:schemeClr>
+                </a:solidFill>
+              </a:rPr>
+              <a:t>Teléfonos:</a:t>
+            </a:r>
+          </a:p>
+          <a:p>
+            <a:pPr>
+              <a:lnSpc>
+                <a:spcPct val="150000"/>
+              </a:lnSpc>
+            </a:pPr>
+            <a:r>
+              <a:rPr lang="es-ES" dirty="0">
+                <a:solidFill>
+                  <a:schemeClr val="accent1">
+                    <a:lumMod val="75000"/>
+                  </a:schemeClr>
+                </a:solidFill>
+              </a:rPr>
+              <a:t>	Casa			    Trabajo			            Celular</a:t>
+            </a:r>
+          </a:p>
+        </p:txBody>
+      </p:sp>
+      <p:sp>
+        <p:nvSpPr>
+          <p:cNvPr id="28" name="Rectángulo 27"/>
+          <p:cNvSpPr/>
+          <p:nvPr/>
+        </p:nvSpPr>
+        <p:spPr>
+          <a:xfrm>
+            <a:off x="1744400" y="2214547"/>
+            <a:ext cx="8481391" cy="360000"/>
+          </a:xfrm>
+          <a:prstGeom prst="rect">
+            <a:avLst/>
+          </a:prstGeom>
+        </p:spPr>
+        <p:style>
+          <a:lnRef idx="2">
+            <a:schemeClr val="accent1"/>
+          </a:lnRef>
+          <a:fillRef idx="1">
+            <a:schemeClr val="lt1"/>
+          </a:fillRef>
+          <a:effectRef idx="0">
+            <a:schemeClr val="accent1"/>
+          </a:effectRef>
+          <a:fontRef idx="minor">
+            <a:schemeClr val="dk1"/>
+          </a:fontRef>
+        </p:style>
+        <p:txBody>
+          <a:bodyPr rtlCol="0" anchor="ctr"/>
+          <a:lstStyle/>
+          <a:p>
+            <a:pPr algn="ctr"/>
+            <a:endParaRPr lang="es-GT"/>
+          </a:p>
+        </p:txBody>
+      </p:sp>
+      <p:sp>
+        <p:nvSpPr>
+          <p:cNvPr id="29" name="Rectángulo 28"/>
+          <p:cNvSpPr/>
+          <p:nvPr/>
+        </p:nvSpPr>
+        <p:spPr>
+          <a:xfrm>
+            <a:off x="1923304" y="2610448"/>
+            <a:ext cx="8302487" cy="360000"/>
+          </a:xfrm>
+          <a:prstGeom prst="rect">
+            <a:avLst/>
+          </a:prstGeom>
+        </p:spPr>
+        <p:style>
+          <a:lnRef idx="2">
+            <a:schemeClr val="accent1"/>
+          </a:lnRef>
+          <a:fillRef idx="1">
+            <a:schemeClr val="lt1"/>
+          </a:fillRef>
+          <a:effectRef idx="0">
+            <a:schemeClr val="accent1"/>
+          </a:effectRef>
+          <a:fontRef idx="minor">
+            <a:schemeClr val="dk1"/>
+          </a:fontRef>
+        </p:style>
+        <p:txBody>
+          <a:bodyPr rtlCol="0" anchor="ctr"/>
+          <a:lstStyle/>
+          <a:p>
+            <a:pPr algn="ctr"/>
+            <a:endParaRPr lang="es-GT"/>
+          </a:p>
+        </p:txBody>
+      </p:sp>
+      <p:sp>
+        <p:nvSpPr>
+          <p:cNvPr id="30" name="Rectángulo 29"/>
+          <p:cNvSpPr/>
+          <p:nvPr/>
+        </p:nvSpPr>
+        <p:spPr>
+          <a:xfrm>
+            <a:off x="2102208" y="3011703"/>
+            <a:ext cx="8123584" cy="360000"/>
+          </a:xfrm>
+          <a:prstGeom prst="rect">
+            <a:avLst/>
+          </a:prstGeom>
+        </p:spPr>
+        <p:style>
+          <a:lnRef idx="2">
+            <a:schemeClr val="accent1"/>
+          </a:lnRef>
+          <a:fillRef idx="1">
+            <a:schemeClr val="lt1"/>
+          </a:fillRef>
+          <a:effectRef idx="0">
+            <a:schemeClr val="accent1"/>
+          </a:effectRef>
+          <a:fontRef idx="minor">
+            <a:schemeClr val="dk1"/>
+          </a:fontRef>
+        </p:style>
+        <p:txBody>
+          <a:bodyPr rtlCol="0" anchor="ctr"/>
+          <a:lstStyle/>
+          <a:p>
+            <a:pPr algn="ctr"/>
+            <a:endParaRPr lang="es-GT"/>
+          </a:p>
+        </p:txBody>
+      </p:sp>
+      <p:sp>
+        <p:nvSpPr>
+          <p:cNvPr id="31" name="Rectángulo 30"/>
+          <p:cNvSpPr/>
+          <p:nvPr/>
+        </p:nvSpPr>
+        <p:spPr>
+          <a:xfrm>
+            <a:off x="2504662" y="3415894"/>
+            <a:ext cx="7721130" cy="360000"/>
+          </a:xfrm>
+          <a:prstGeom prst="rect">
+            <a:avLst/>
+          </a:prstGeom>
+        </p:spPr>
+        <p:style>
+          <a:lnRef idx="2">
+            <a:schemeClr val="accent1"/>
+          </a:lnRef>
+          <a:fillRef idx="1">
+            <a:schemeClr val="lt1"/>
+          </a:fillRef>
+          <a:effectRef idx="0">
+            <a:schemeClr val="accent1"/>
+          </a:effectRef>
+          <a:fontRef idx="minor">
+            <a:schemeClr val="dk1"/>
+          </a:fontRef>
+        </p:style>
+        <p:txBody>
+          <a:bodyPr rtlCol="0" anchor="ctr"/>
+          <a:lstStyle/>
+          <a:p>
+            <a:pPr algn="ctr"/>
+            <a:endParaRPr lang="es-GT"/>
+          </a:p>
+        </p:txBody>
+      </p:sp>
+      <p:sp>
+        <p:nvSpPr>
+          <p:cNvPr id="32" name="Rectángulo 31"/>
+          <p:cNvSpPr/>
+          <p:nvPr/>
+        </p:nvSpPr>
+        <p:spPr>
+          <a:xfrm>
+            <a:off x="1828804" y="3820085"/>
+            <a:ext cx="8396988" cy="360000"/>
+          </a:xfrm>
+          <a:prstGeom prst="rect">
+            <a:avLst/>
+          </a:prstGeom>
+        </p:spPr>
+        <p:style>
+          <a:lnRef idx="2">
+            <a:schemeClr val="accent1"/>
+          </a:lnRef>
+          <a:fillRef idx="1">
+            <a:schemeClr val="lt1"/>
+          </a:fillRef>
+          <a:effectRef idx="0">
+            <a:schemeClr val="accent1"/>
+          </a:effectRef>
+          <a:fontRef idx="minor">
+            <a:schemeClr val="dk1"/>
+          </a:fontRef>
+        </p:style>
+        <p:txBody>
+          <a:bodyPr rtlCol="0" anchor="ctr"/>
+          <a:lstStyle/>
+          <a:p>
+            <a:pPr algn="ctr"/>
+            <a:endParaRPr lang="es-GT"/>
+          </a:p>
+        </p:txBody>
+      </p:sp>
+      <p:sp>
+        <p:nvSpPr>
+          <p:cNvPr id="33" name="Rectángulo 32"/>
+          <p:cNvSpPr/>
+          <p:nvPr/>
+        </p:nvSpPr>
+        <p:spPr>
+          <a:xfrm>
+            <a:off x="2272748" y="4669722"/>
+            <a:ext cx="2246243" cy="360000"/>
+          </a:xfrm>
+          <a:prstGeom prst="rect">
+            <a:avLst/>
+          </a:prstGeom>
+        </p:spPr>
+        <p:style>
+          <a:lnRef idx="2">
+            <a:schemeClr val="accent1"/>
+          </a:lnRef>
+          <a:fillRef idx="1">
+            <a:schemeClr val="lt1"/>
+          </a:fillRef>
+          <a:effectRef idx="0">
+            <a:schemeClr val="accent1"/>
+          </a:effectRef>
+          <a:fontRef idx="minor">
+            <a:schemeClr val="dk1"/>
+          </a:fontRef>
+        </p:style>
+        <p:txBody>
+          <a:bodyPr rtlCol="0" anchor="ctr"/>
+          <a:lstStyle/>
+          <a:p>
+            <a:pPr algn="ctr"/>
+            <a:endParaRPr lang="es-GT"/>
+          </a:p>
+        </p:txBody>
+      </p:sp>
+      <p:sp>
+        <p:nvSpPr>
+          <p:cNvPr id="34" name="Rectángulo 33"/>
+          <p:cNvSpPr/>
+          <p:nvPr/>
+        </p:nvSpPr>
+        <p:spPr>
+          <a:xfrm>
+            <a:off x="5487334" y="4661432"/>
+            <a:ext cx="2246243" cy="360000"/>
+          </a:xfrm>
+          <a:prstGeom prst="rect">
+            <a:avLst/>
+          </a:prstGeom>
+        </p:spPr>
+        <p:style>
+          <a:lnRef idx="2">
+            <a:schemeClr val="accent1"/>
+          </a:lnRef>
+          <a:fillRef idx="1">
+            <a:schemeClr val="lt1"/>
+          </a:fillRef>
+          <a:effectRef idx="0">
+            <a:schemeClr val="accent1"/>
+          </a:effectRef>
+          <a:fontRef idx="minor">
+            <a:schemeClr val="dk1"/>
+          </a:fontRef>
+        </p:style>
+        <p:txBody>
+          <a:bodyPr rtlCol="0" anchor="ctr"/>
+          <a:lstStyle/>
+          <a:p>
+            <a:pPr algn="ctr"/>
+            <a:endParaRPr lang="es-GT"/>
+          </a:p>
+        </p:txBody>
+      </p:sp>
+      <p:sp>
+        <p:nvSpPr>
+          <p:cNvPr id="35" name="Rectángulo 34"/>
+          <p:cNvSpPr/>
+          <p:nvPr/>
+        </p:nvSpPr>
+        <p:spPr>
+          <a:xfrm>
+            <a:off x="8569402" y="4654232"/>
+            <a:ext cx="1656389" cy="360000"/>
+          </a:xfrm>
+          <a:prstGeom prst="rect">
+            <a:avLst/>
+          </a:prstGeom>
+        </p:spPr>
+        <p:style>
+          <a:lnRef idx="2">
+            <a:schemeClr val="accent1"/>
+          </a:lnRef>
+          <a:fillRef idx="1">
+            <a:schemeClr val="lt1"/>
+          </a:fillRef>
+          <a:effectRef idx="0">
+            <a:schemeClr val="accent1"/>
+          </a:effectRef>
+          <a:fontRef idx="minor">
+            <a:schemeClr val="dk1"/>
+          </a:fontRef>
+        </p:style>
+        <p:txBody>
+          <a:bodyPr rtlCol="0" anchor="ctr"/>
+          <a:lstStyle/>
+          <a:p>
+            <a:pPr algn="ctr"/>
+            <a:endParaRPr lang="es-GT"/>
           </a:p>
         </p:txBody>
       </p:sp>
     </p:spTree>
     <p:extLst>
       <p:ext uri="{BB962C8B-B14F-4D97-AF65-F5344CB8AC3E}">
-        <p14:creationId xmlns:p14="http://schemas.microsoft.com/office/powerpoint/2010/main" val="2448508767"/>
+        <p14:creationId xmlns:p14="http://schemas.microsoft.com/office/powerpoint/2010/main" val="45087126"/>
       </p:ext>
     </p:extLst>
   </p:cSld>
@@ -5556,8 +6413,8 @@
         </p:blipFill>
         <p:spPr>
           <a:xfrm>
-            <a:off x="225287" y="2783964"/>
-            <a:ext cx="4300396" cy="3616836"/>
+            <a:off x="225287" y="5234609"/>
+            <a:ext cx="1386593" cy="1166190"/>
           </a:xfrm>
           <a:prstGeom prst="rect">
             <a:avLst/>
@@ -5572,8 +6429,8 @@
         </p:nvSpPr>
         <p:spPr>
           <a:xfrm>
-            <a:off x="5791200" y="3551582"/>
-            <a:ext cx="1696278" cy="954157"/>
+            <a:off x="10508975" y="5751444"/>
+            <a:ext cx="1229464" cy="543339"/>
           </a:xfrm>
           <a:prstGeom prst="roundRect">
             <a:avLst/>
@@ -5600,7 +6457,7 @@
             <a:pPr algn="ctr"/>
             <a:r>
               <a:rPr lang="es-GT" dirty="0"/>
-              <a:t>Ingreso</a:t>
+              <a:t>Finalizar</a:t>
             </a:r>
           </a:p>
         </p:txBody>
@@ -5613,8 +6470,8 @@
         </p:nvSpPr>
         <p:spPr>
           <a:xfrm>
-            <a:off x="4165127" y="1129457"/>
-            <a:ext cx="3768981" cy="1323439"/>
+            <a:off x="10815645" y="1091410"/>
+            <a:ext cx="1058303" cy="584775"/>
           </a:xfrm>
           <a:prstGeom prst="rect">
             <a:avLst/>
@@ -5629,32 +6486,7 @@
           <a:p>
             <a:pPr algn="ctr"/>
             <a:r>
-              <a:rPr lang="es-ES" sz="4000" b="1" cap="none" spc="0" dirty="0">
-                <a:ln w="9525">
-                  <a:solidFill>
-                    <a:schemeClr val="bg1"/>
-                  </a:solidFill>
-                  <a:prstDash val="solid"/>
-                </a:ln>
-                <a:solidFill>
-                  <a:schemeClr val="accent5"/>
-                </a:solidFill>
-                <a:effectLst>
-                  <a:outerShdw blurRad="12700" dist="38100" dir="2700000" algn="tl" rotWithShape="0">
-                    <a:schemeClr val="accent5">
-                      <a:lumMod val="60000"/>
-                      <a:lumOff val="40000"/>
-                    </a:schemeClr>
-                  </a:outerShdw>
-                </a:effectLst>
-              </a:rPr>
-              <a:t>Control de Notas</a:t>
-            </a:r>
-          </a:p>
-          <a:p>
-            <a:pPr algn="ctr"/>
-            <a:r>
-              <a:rPr lang="es-ES" sz="4000" b="1" dirty="0">
+              <a:rPr lang="es-ES" sz="3200" b="1" dirty="0">
                 <a:ln w="9525">
                   <a:solidFill>
                     <a:schemeClr val="bg1"/>
@@ -5675,7 +6507,7 @@
               </a:rPr>
               <a:t>SIGIE</a:t>
             </a:r>
-            <a:endParaRPr lang="es-ES" sz="4000" b="1" cap="none" spc="0" dirty="0">
+            <a:endParaRPr lang="es-ES" sz="3200" b="1" cap="none" spc="0" dirty="0">
               <a:ln w="9525">
                 <a:solidFill>
                   <a:schemeClr val="bg1"/>
@@ -5706,7 +6538,7 @@
         <p:spPr>
           <a:xfrm>
             <a:off x="1351722" y="357809"/>
-            <a:ext cx="3004862" cy="369332"/>
+            <a:ext cx="4451796" cy="369332"/>
           </a:xfrm>
           <a:prstGeom prst="rect">
             <a:avLst/>
@@ -5721,48 +6553,7 @@
           <a:p>
             <a:r>
               <a:rPr lang="es-GT" dirty="0"/>
-              <a:t>Pagina inicial control de Notas</a:t>
-            </a:r>
-          </a:p>
-        </p:txBody>
-      </p:sp>
-      <p:sp>
-        <p:nvSpPr>
-          <p:cNvPr id="9" name="Rectángulo redondeado 8"/>
-          <p:cNvSpPr/>
-          <p:nvPr/>
-        </p:nvSpPr>
-        <p:spPr>
-          <a:xfrm>
-            <a:off x="7984435" y="3551582"/>
-            <a:ext cx="1696278" cy="954157"/>
-          </a:xfrm>
-          <a:prstGeom prst="roundRect">
-            <a:avLst/>
-          </a:prstGeom>
-        </p:spPr>
-        <p:style>
-          <a:lnRef idx="0">
-            <a:schemeClr val="accent1"/>
-          </a:lnRef>
-          <a:fillRef idx="3">
-            <a:schemeClr val="accent1"/>
-          </a:fillRef>
-          <a:effectRef idx="3">
-            <a:schemeClr val="accent1"/>
-          </a:effectRef>
-          <a:fontRef idx="minor">
-            <a:schemeClr val="lt1"/>
-          </a:fontRef>
-        </p:style>
-        <p:txBody>
-          <a:bodyPr rtlCol="0" anchor="ctr"/>
-          <a:lstStyle/>
-          <a:p>
-            <a:pPr algn="ctr"/>
-            <a:r>
-              <a:rPr lang="es-GT" dirty="0"/>
-              <a:t>Consulta y Edición</a:t>
+              <a:t>Inscripción Estudiantes – Datos Encargado (A)</a:t>
             </a:r>
           </a:p>
         </p:txBody>
@@ -5775,7 +6566,7 @@
         </p:nvSpPr>
         <p:spPr>
           <a:xfrm>
-            <a:off x="5791200" y="2817573"/>
+            <a:off x="225287" y="1060174"/>
             <a:ext cx="4094922" cy="400110"/>
           </a:xfrm>
           <a:prstGeom prst="rect">
@@ -5790,20 +6581,577 @@
           <a:lstStyle/>
           <a:p>
             <a:r>
-              <a:rPr lang="es-GT" sz="2000" b="1" dirty="0">
+              <a:rPr lang="es-GT" sz="2000" dirty="0">
+                <a:ln w="0"/>
                 <a:solidFill>
-                  <a:schemeClr val="bg1"/>
+                  <a:schemeClr val="accent1"/>
+                </a:solidFill>
+                <a:effectLst>
+                  <a:outerShdw blurRad="38100" dist="25400" dir="5400000" algn="ctr" rotWithShape="0">
+                    <a:srgbClr val="6E747A">
+                      <a:alpha val="43000"/>
+                    </a:srgbClr>
+                  </a:outerShdw>
+                </a:effectLst>
+              </a:rPr>
+              <a:t>Ficha de Inscripción</a:t>
+            </a:r>
+          </a:p>
+        </p:txBody>
+      </p:sp>
+      <p:sp>
+        <p:nvSpPr>
+          <p:cNvPr id="4" name="Rectángulo 3"/>
+          <p:cNvSpPr/>
+          <p:nvPr/>
+        </p:nvSpPr>
+        <p:spPr>
+          <a:xfrm>
+            <a:off x="690984" y="1411145"/>
+            <a:ext cx="10058401" cy="4247317"/>
+          </a:xfrm>
+          <a:prstGeom prst="rect">
+            <a:avLst/>
+          </a:prstGeom>
+          <a:noFill/>
+          <a:ln>
+            <a:noFill/>
+          </a:ln>
+        </p:spPr>
+        <p:style>
+          <a:lnRef idx="0">
+            <a:scrgbClr r="0" g="0" b="0"/>
+          </a:lnRef>
+          <a:fillRef idx="0">
+            <a:scrgbClr r="0" g="0" b="0"/>
+          </a:fillRef>
+          <a:effectRef idx="0">
+            <a:scrgbClr r="0" g="0" b="0"/>
+          </a:effectRef>
+          <a:fontRef idx="minor">
+            <a:schemeClr val="accent1"/>
+          </a:fontRef>
+        </p:style>
+        <p:txBody>
+          <a:bodyPr wrap="square">
+            <a:spAutoFit/>
+          </a:bodyPr>
+          <a:lstStyle/>
+          <a:p>
+            <a:pPr>
+              <a:lnSpc>
+                <a:spcPct val="150000"/>
+              </a:lnSpc>
+            </a:pPr>
+            <a:r>
+              <a:rPr lang="es-ES" dirty="0">
+                <a:solidFill>
+                  <a:schemeClr val="accent1">
+                    <a:lumMod val="75000"/>
+                  </a:schemeClr>
                 </a:solidFill>
               </a:rPr>
-              <a:t>Selecciona Una Opción.</a:t>
-            </a:r>
+              <a:t>DATOS ENCARGADO (A)</a:t>
+            </a:r>
+          </a:p>
+          <a:p>
+            <a:pPr>
+              <a:lnSpc>
+                <a:spcPct val="150000"/>
+              </a:lnSpc>
+            </a:pPr>
+            <a:r>
+              <a:rPr lang="es-ES" dirty="0">
+                <a:solidFill>
+                  <a:schemeClr val="accent1">
+                    <a:lumMod val="75000"/>
+                  </a:schemeClr>
+                </a:solidFill>
+              </a:rPr>
+              <a:t>Nombre:</a:t>
+            </a:r>
+          </a:p>
+          <a:p>
+            <a:pPr>
+              <a:lnSpc>
+                <a:spcPct val="150000"/>
+              </a:lnSpc>
+            </a:pPr>
+            <a:r>
+              <a:rPr lang="es-ES" dirty="0">
+                <a:solidFill>
+                  <a:schemeClr val="accent1">
+                    <a:lumMod val="75000"/>
+                  </a:schemeClr>
+                </a:solidFill>
+              </a:rPr>
+              <a:t>No. de DPI:</a:t>
+            </a:r>
+          </a:p>
+          <a:p>
+            <a:pPr>
+              <a:lnSpc>
+                <a:spcPct val="150000"/>
+              </a:lnSpc>
+            </a:pPr>
+            <a:r>
+              <a:rPr lang="es-ES" dirty="0">
+                <a:solidFill>
+                  <a:schemeClr val="accent1">
+                    <a:lumMod val="75000"/>
+                  </a:schemeClr>
+                </a:solidFill>
+              </a:rPr>
+              <a:t>Extendida en</a:t>
+            </a:r>
+          </a:p>
+          <a:p>
+            <a:pPr>
+              <a:lnSpc>
+                <a:spcPct val="150000"/>
+              </a:lnSpc>
+            </a:pPr>
+            <a:r>
+              <a:rPr lang="es-ES" dirty="0">
+                <a:solidFill>
+                  <a:schemeClr val="accent1">
+                    <a:lumMod val="75000"/>
+                  </a:schemeClr>
+                </a:solidFill>
+              </a:rPr>
+              <a:t>Lugar de Trabajo:</a:t>
+            </a:r>
+          </a:p>
+          <a:p>
+            <a:pPr>
+              <a:lnSpc>
+                <a:spcPct val="150000"/>
+              </a:lnSpc>
+            </a:pPr>
+            <a:r>
+              <a:rPr lang="es-ES" dirty="0">
+                <a:solidFill>
+                  <a:schemeClr val="accent1">
+                    <a:lumMod val="75000"/>
+                  </a:schemeClr>
+                </a:solidFill>
+              </a:rPr>
+              <a:t>Dirección:</a:t>
+            </a:r>
+          </a:p>
+          <a:p>
+            <a:pPr>
+              <a:lnSpc>
+                <a:spcPct val="150000"/>
+              </a:lnSpc>
+            </a:pPr>
+            <a:r>
+              <a:rPr lang="es-ES" dirty="0">
+                <a:solidFill>
+                  <a:schemeClr val="accent1">
+                    <a:lumMod val="75000"/>
+                  </a:schemeClr>
+                </a:solidFill>
+              </a:rPr>
+              <a:t>Teléfonos:</a:t>
+            </a:r>
+          </a:p>
+          <a:p>
+            <a:pPr>
+              <a:lnSpc>
+                <a:spcPct val="150000"/>
+              </a:lnSpc>
+            </a:pPr>
+            <a:r>
+              <a:rPr lang="es-ES" dirty="0">
+                <a:solidFill>
+                  <a:schemeClr val="accent1">
+                    <a:lumMod val="75000"/>
+                  </a:schemeClr>
+                </a:solidFill>
+              </a:rPr>
+              <a:t>	Casa			    Trabajo			            Celular</a:t>
+            </a:r>
+          </a:p>
+          <a:p>
+            <a:pPr>
+              <a:lnSpc>
+                <a:spcPct val="150000"/>
+              </a:lnSpc>
+            </a:pPr>
+            <a:endParaRPr lang="es-ES" dirty="0">
+              <a:solidFill>
+                <a:schemeClr val="accent1">
+                  <a:lumMod val="75000"/>
+                </a:schemeClr>
+              </a:solidFill>
+            </a:endParaRPr>
+          </a:p>
+          <a:p>
+            <a:pPr>
+              <a:lnSpc>
+                <a:spcPct val="150000"/>
+              </a:lnSpc>
+            </a:pPr>
+            <a:r>
+              <a:rPr lang="es-ES" dirty="0">
+                <a:solidFill>
+                  <a:schemeClr val="accent1">
+                    <a:lumMod val="75000"/>
+                  </a:schemeClr>
+                </a:solidFill>
+              </a:rPr>
+              <a:t>	Observaciones:</a:t>
+            </a:r>
+          </a:p>
+        </p:txBody>
+      </p:sp>
+      <p:sp>
+        <p:nvSpPr>
+          <p:cNvPr id="28" name="Rectángulo 27"/>
+          <p:cNvSpPr/>
+          <p:nvPr/>
+        </p:nvSpPr>
+        <p:spPr>
+          <a:xfrm>
+            <a:off x="1678140" y="1949507"/>
+            <a:ext cx="8481391" cy="360000"/>
+          </a:xfrm>
+          <a:prstGeom prst="rect">
+            <a:avLst/>
+          </a:prstGeom>
+        </p:spPr>
+        <p:style>
+          <a:lnRef idx="2">
+            <a:schemeClr val="accent1"/>
+          </a:lnRef>
+          <a:fillRef idx="1">
+            <a:schemeClr val="lt1"/>
+          </a:fillRef>
+          <a:effectRef idx="0">
+            <a:schemeClr val="accent1"/>
+          </a:effectRef>
+          <a:fontRef idx="minor">
+            <a:schemeClr val="dk1"/>
+          </a:fontRef>
+        </p:style>
+        <p:txBody>
+          <a:bodyPr rtlCol="0" anchor="ctr"/>
+          <a:lstStyle/>
+          <a:p>
+            <a:pPr algn="ctr"/>
+            <a:endParaRPr lang="es-GT"/>
+          </a:p>
+        </p:txBody>
+      </p:sp>
+      <p:sp>
+        <p:nvSpPr>
+          <p:cNvPr id="29" name="Rectángulo 28"/>
+          <p:cNvSpPr/>
+          <p:nvPr/>
+        </p:nvSpPr>
+        <p:spPr>
+          <a:xfrm>
+            <a:off x="1857044" y="2345408"/>
+            <a:ext cx="8302487" cy="360000"/>
+          </a:xfrm>
+          <a:prstGeom prst="rect">
+            <a:avLst/>
+          </a:prstGeom>
+        </p:spPr>
+        <p:style>
+          <a:lnRef idx="2">
+            <a:schemeClr val="accent1"/>
+          </a:lnRef>
+          <a:fillRef idx="1">
+            <a:schemeClr val="lt1"/>
+          </a:fillRef>
+          <a:effectRef idx="0">
+            <a:schemeClr val="accent1"/>
+          </a:effectRef>
+          <a:fontRef idx="minor">
+            <a:schemeClr val="dk1"/>
+          </a:fontRef>
+        </p:style>
+        <p:txBody>
+          <a:bodyPr rtlCol="0" anchor="ctr"/>
+          <a:lstStyle/>
+          <a:p>
+            <a:pPr algn="ctr"/>
+            <a:endParaRPr lang="es-GT"/>
+          </a:p>
+        </p:txBody>
+      </p:sp>
+      <p:sp>
+        <p:nvSpPr>
+          <p:cNvPr id="30" name="Rectángulo 29"/>
+          <p:cNvSpPr/>
+          <p:nvPr/>
+        </p:nvSpPr>
+        <p:spPr>
+          <a:xfrm>
+            <a:off x="2035948" y="2746663"/>
+            <a:ext cx="8123584" cy="360000"/>
+          </a:xfrm>
+          <a:prstGeom prst="rect">
+            <a:avLst/>
+          </a:prstGeom>
+        </p:spPr>
+        <p:style>
+          <a:lnRef idx="2">
+            <a:schemeClr val="accent1"/>
+          </a:lnRef>
+          <a:fillRef idx="1">
+            <a:schemeClr val="lt1"/>
+          </a:fillRef>
+          <a:effectRef idx="0">
+            <a:schemeClr val="accent1"/>
+          </a:effectRef>
+          <a:fontRef idx="minor">
+            <a:schemeClr val="dk1"/>
+          </a:fontRef>
+        </p:style>
+        <p:txBody>
+          <a:bodyPr rtlCol="0" anchor="ctr"/>
+          <a:lstStyle/>
+          <a:p>
+            <a:pPr algn="ctr"/>
+            <a:endParaRPr lang="es-GT"/>
+          </a:p>
+        </p:txBody>
+      </p:sp>
+      <p:sp>
+        <p:nvSpPr>
+          <p:cNvPr id="31" name="Rectángulo 30"/>
+          <p:cNvSpPr/>
+          <p:nvPr/>
+        </p:nvSpPr>
+        <p:spPr>
+          <a:xfrm>
+            <a:off x="2438402" y="3150854"/>
+            <a:ext cx="7721130" cy="360000"/>
+          </a:xfrm>
+          <a:prstGeom prst="rect">
+            <a:avLst/>
+          </a:prstGeom>
+        </p:spPr>
+        <p:style>
+          <a:lnRef idx="2">
+            <a:schemeClr val="accent1"/>
+          </a:lnRef>
+          <a:fillRef idx="1">
+            <a:schemeClr val="lt1"/>
+          </a:fillRef>
+          <a:effectRef idx="0">
+            <a:schemeClr val="accent1"/>
+          </a:effectRef>
+          <a:fontRef idx="minor">
+            <a:schemeClr val="dk1"/>
+          </a:fontRef>
+        </p:style>
+        <p:txBody>
+          <a:bodyPr rtlCol="0" anchor="ctr"/>
+          <a:lstStyle/>
+          <a:p>
+            <a:pPr algn="ctr"/>
+            <a:endParaRPr lang="es-GT"/>
+          </a:p>
+        </p:txBody>
+      </p:sp>
+      <p:sp>
+        <p:nvSpPr>
+          <p:cNvPr id="32" name="Rectángulo 31"/>
+          <p:cNvSpPr/>
+          <p:nvPr/>
+        </p:nvSpPr>
+        <p:spPr>
+          <a:xfrm>
+            <a:off x="1762544" y="3555045"/>
+            <a:ext cx="8396988" cy="360000"/>
+          </a:xfrm>
+          <a:prstGeom prst="rect">
+            <a:avLst/>
+          </a:prstGeom>
+        </p:spPr>
+        <p:style>
+          <a:lnRef idx="2">
+            <a:schemeClr val="accent1"/>
+          </a:lnRef>
+          <a:fillRef idx="1">
+            <a:schemeClr val="lt1"/>
+          </a:fillRef>
+          <a:effectRef idx="0">
+            <a:schemeClr val="accent1"/>
+          </a:effectRef>
+          <a:fontRef idx="minor">
+            <a:schemeClr val="dk1"/>
+          </a:fontRef>
+        </p:style>
+        <p:txBody>
+          <a:bodyPr rtlCol="0" anchor="ctr"/>
+          <a:lstStyle/>
+          <a:p>
+            <a:pPr algn="ctr"/>
+            <a:endParaRPr lang="es-GT"/>
+          </a:p>
+        </p:txBody>
+      </p:sp>
+      <p:sp>
+        <p:nvSpPr>
+          <p:cNvPr id="33" name="Rectángulo 32"/>
+          <p:cNvSpPr/>
+          <p:nvPr/>
+        </p:nvSpPr>
+        <p:spPr>
+          <a:xfrm>
+            <a:off x="2206488" y="4404682"/>
+            <a:ext cx="2246243" cy="360000"/>
+          </a:xfrm>
+          <a:prstGeom prst="rect">
+            <a:avLst/>
+          </a:prstGeom>
+        </p:spPr>
+        <p:style>
+          <a:lnRef idx="2">
+            <a:schemeClr val="accent1"/>
+          </a:lnRef>
+          <a:fillRef idx="1">
+            <a:schemeClr val="lt1"/>
+          </a:fillRef>
+          <a:effectRef idx="0">
+            <a:schemeClr val="accent1"/>
+          </a:effectRef>
+          <a:fontRef idx="minor">
+            <a:schemeClr val="dk1"/>
+          </a:fontRef>
+        </p:style>
+        <p:txBody>
+          <a:bodyPr rtlCol="0" anchor="ctr"/>
+          <a:lstStyle/>
+          <a:p>
+            <a:pPr algn="ctr"/>
+            <a:endParaRPr lang="es-GT"/>
+          </a:p>
+        </p:txBody>
+      </p:sp>
+      <p:sp>
+        <p:nvSpPr>
+          <p:cNvPr id="34" name="Rectángulo 33"/>
+          <p:cNvSpPr/>
+          <p:nvPr/>
+        </p:nvSpPr>
+        <p:spPr>
+          <a:xfrm>
+            <a:off x="5421074" y="4396392"/>
+            <a:ext cx="2246243" cy="360000"/>
+          </a:xfrm>
+          <a:prstGeom prst="rect">
+            <a:avLst/>
+          </a:prstGeom>
+        </p:spPr>
+        <p:style>
+          <a:lnRef idx="2">
+            <a:schemeClr val="accent1"/>
+          </a:lnRef>
+          <a:fillRef idx="1">
+            <a:schemeClr val="lt1"/>
+          </a:fillRef>
+          <a:effectRef idx="0">
+            <a:schemeClr val="accent1"/>
+          </a:effectRef>
+          <a:fontRef idx="minor">
+            <a:schemeClr val="dk1"/>
+          </a:fontRef>
+        </p:style>
+        <p:txBody>
+          <a:bodyPr rtlCol="0" anchor="ctr"/>
+          <a:lstStyle/>
+          <a:p>
+            <a:pPr algn="ctr"/>
+            <a:endParaRPr lang="es-GT"/>
+          </a:p>
+        </p:txBody>
+      </p:sp>
+      <p:sp>
+        <p:nvSpPr>
+          <p:cNvPr id="35" name="Rectángulo 34"/>
+          <p:cNvSpPr/>
+          <p:nvPr/>
+        </p:nvSpPr>
+        <p:spPr>
+          <a:xfrm>
+            <a:off x="8503142" y="4389192"/>
+            <a:ext cx="1656389" cy="360000"/>
+          </a:xfrm>
+          <a:prstGeom prst="rect">
+            <a:avLst/>
+          </a:prstGeom>
+        </p:spPr>
+        <p:style>
+          <a:lnRef idx="2">
+            <a:schemeClr val="accent1"/>
+          </a:lnRef>
+          <a:fillRef idx="1">
+            <a:schemeClr val="lt1"/>
+          </a:fillRef>
+          <a:effectRef idx="0">
+            <a:schemeClr val="accent1"/>
+          </a:effectRef>
+          <a:fontRef idx="minor">
+            <a:schemeClr val="dk1"/>
+          </a:fontRef>
+        </p:style>
+        <p:txBody>
+          <a:bodyPr rtlCol="0" anchor="ctr"/>
+          <a:lstStyle/>
+          <a:p>
+            <a:pPr algn="ctr"/>
+            <a:endParaRPr lang="es-GT"/>
+          </a:p>
+        </p:txBody>
+      </p:sp>
+      <p:sp>
+        <p:nvSpPr>
+          <p:cNvPr id="17" name="Rectángulo 16"/>
+          <p:cNvSpPr/>
+          <p:nvPr/>
+        </p:nvSpPr>
+        <p:spPr>
+          <a:xfrm>
+            <a:off x="3200402" y="5250012"/>
+            <a:ext cx="6959129" cy="845606"/>
+          </a:xfrm>
+          <a:prstGeom prst="rect">
+            <a:avLst/>
+          </a:prstGeom>
+        </p:spPr>
+        <p:style>
+          <a:lnRef idx="2">
+            <a:schemeClr val="accent1"/>
+          </a:lnRef>
+          <a:fillRef idx="1">
+            <a:schemeClr val="lt1"/>
+          </a:fillRef>
+          <a:effectRef idx="0">
+            <a:schemeClr val="accent1"/>
+          </a:effectRef>
+          <a:fontRef idx="minor">
+            <a:schemeClr val="dk1"/>
+          </a:fontRef>
+        </p:style>
+        <p:txBody>
+          <a:bodyPr rtlCol="0" anchor="ctr"/>
+          <a:lstStyle/>
+          <a:p>
+            <a:pPr algn="ctr"/>
+            <a:endParaRPr lang="es-GT"/>
           </a:p>
         </p:txBody>
       </p:sp>
     </p:spTree>
     <p:extLst>
       <p:ext uri="{BB962C8B-B14F-4D97-AF65-F5344CB8AC3E}">
-        <p14:creationId xmlns:p14="http://schemas.microsoft.com/office/powerpoint/2010/main" val="1944309635"/>
+        <p14:creationId xmlns:p14="http://schemas.microsoft.com/office/powerpoint/2010/main" val="3454743923"/>
       </p:ext>
     </p:extLst>
   </p:cSld>
@@ -5813,7 +7161,7 @@
 </p:sld>
 </file>
 
-<file path=ppt/slides/slide2.xml><?xml version="1.0" encoding="utf-8"?>
+<file path=ppt/slides/slide13.xml><?xml version="1.0" encoding="utf-8"?>
 <p:sld xmlns:a="http://schemas.openxmlformats.org/drawingml/2006/main" xmlns:r="http://schemas.openxmlformats.org/officeDocument/2006/relationships" xmlns:p="http://schemas.openxmlformats.org/presentationml/2006/main">
   <p:cSld>
     <p:spTree>
@@ -5973,53 +7321,7 @@
                   </a:schemeClr>
                 </a:solidFill>
               </a:rPr>
-              <a:t>Usuario</a:t>
-            </a:r>
-          </a:p>
-        </p:txBody>
-      </p:sp>
-      <p:sp>
-        <p:nvSpPr>
-          <p:cNvPr id="5" name="Rectángulo 4"/>
-          <p:cNvSpPr/>
-          <p:nvPr/>
-        </p:nvSpPr>
-        <p:spPr>
-          <a:xfrm>
-            <a:off x="6864626" y="3738120"/>
-            <a:ext cx="2213113" cy="450574"/>
-          </a:xfrm>
-          <a:prstGeom prst="rect">
-            <a:avLst/>
-          </a:prstGeom>
-        </p:spPr>
-        <p:style>
-          <a:lnRef idx="2">
-            <a:schemeClr val="accent1"/>
-          </a:lnRef>
-          <a:fillRef idx="1">
-            <a:schemeClr val="lt1"/>
-          </a:fillRef>
-          <a:effectRef idx="0">
-            <a:schemeClr val="accent1"/>
-          </a:effectRef>
-          <a:fontRef idx="minor">
-            <a:schemeClr val="dk1"/>
-          </a:fontRef>
-        </p:style>
-        <p:txBody>
-          <a:bodyPr rtlCol="0" anchor="ctr"/>
-          <a:lstStyle/>
-          <a:p>
-            <a:r>
-              <a:rPr lang="es-GT" dirty="0">
-                <a:solidFill>
-                  <a:schemeClr val="bg1">
-                    <a:lumMod val="65000"/>
-                  </a:schemeClr>
-                </a:solidFill>
-              </a:rPr>
-              <a:t>Contraseña</a:t>
+              <a:t>Código Personal</a:t>
             </a:r>
           </a:p>
         </p:txBody>
@@ -6032,8 +7334,8 @@
         </p:nvSpPr>
         <p:spPr>
           <a:xfrm>
-            <a:off x="8216348" y="4388484"/>
-            <a:ext cx="861391" cy="357809"/>
+            <a:off x="7971182" y="3730487"/>
+            <a:ext cx="1113182" cy="357809"/>
           </a:xfrm>
           <a:prstGeom prst="roundRect">
             <a:avLst/>
@@ -6060,21 +7362,117 @@
             <a:pPr algn="ctr"/>
             <a:r>
               <a:rPr lang="es-GT" dirty="0"/>
-              <a:t>Iniciar</a:t>
-            </a:r>
-          </a:p>
-        </p:txBody>
-      </p:sp>
-      <p:sp>
-        <p:nvSpPr>
-          <p:cNvPr id="7" name="Rectángulo 6"/>
+              <a:t>Consultar</a:t>
+            </a:r>
+          </a:p>
+        </p:txBody>
+      </p:sp>
+      <p:sp>
+        <p:nvSpPr>
+          <p:cNvPr id="8" name="CuadroTexto 7"/>
+          <p:cNvSpPr txBox="1"/>
+          <p:nvPr/>
+        </p:nvSpPr>
+        <p:spPr>
+          <a:xfrm>
+            <a:off x="1351722" y="357809"/>
+            <a:ext cx="3692614" cy="369332"/>
+          </a:xfrm>
+          <a:prstGeom prst="rect">
+            <a:avLst/>
+          </a:prstGeom>
+          <a:noFill/>
+        </p:spPr>
+        <p:txBody>
+          <a:bodyPr wrap="none" rtlCol="0">
+            <a:spAutoFit/>
+          </a:bodyPr>
+          <a:lstStyle/>
+          <a:p>
+            <a:r>
+              <a:rPr lang="es-GT" dirty="0"/>
+              <a:t>Consulta de Información de Alumnos</a:t>
+            </a:r>
+          </a:p>
+        </p:txBody>
+      </p:sp>
+      <p:sp>
+        <p:nvSpPr>
+          <p:cNvPr id="9" name="Rectángulo 8"/>
           <p:cNvSpPr/>
           <p:nvPr/>
         </p:nvSpPr>
         <p:spPr>
           <a:xfrm>
-            <a:off x="1057897" y="1129457"/>
-            <a:ext cx="9983439" cy="1323439"/>
+            <a:off x="10815645" y="1091410"/>
+            <a:ext cx="1058303" cy="584775"/>
+          </a:xfrm>
+          <a:prstGeom prst="rect">
+            <a:avLst/>
+          </a:prstGeom>
+          <a:noFill/>
+        </p:spPr>
+        <p:txBody>
+          <a:bodyPr wrap="none" lIns="91440" tIns="45720" rIns="91440" bIns="45720">
+            <a:spAutoFit/>
+          </a:bodyPr>
+          <a:lstStyle/>
+          <a:p>
+            <a:pPr algn="ctr"/>
+            <a:r>
+              <a:rPr lang="es-ES" sz="3200" b="1" dirty="0">
+                <a:ln w="9525">
+                  <a:solidFill>
+                    <a:schemeClr val="bg1"/>
+                  </a:solidFill>
+                  <a:prstDash val="solid"/>
+                </a:ln>
+                <a:solidFill>
+                  <a:schemeClr val="accent5"/>
+                </a:solidFill>
+                <a:effectLst>
+                  <a:outerShdw blurRad="12700" dist="38100" dir="2700000" algn="tl" rotWithShape="0">
+                    <a:schemeClr val="accent5">
+                      <a:lumMod val="60000"/>
+                      <a:lumOff val="40000"/>
+                    </a:schemeClr>
+                  </a:outerShdw>
+                </a:effectLst>
+              </a:rPr>
+              <a:t>SIGIE</a:t>
+            </a:r>
+            <a:endParaRPr lang="es-ES" sz="3200" b="1" cap="none" spc="0" dirty="0">
+              <a:ln w="9525">
+                <a:solidFill>
+                  <a:schemeClr val="bg1"/>
+                </a:solidFill>
+                <a:prstDash val="solid"/>
+              </a:ln>
+              <a:solidFill>
+                <a:schemeClr val="accent5"/>
+              </a:solidFill>
+              <a:effectLst>
+                <a:outerShdw blurRad="12700" dist="38100" dir="2700000" algn="tl" rotWithShape="0">
+                  <a:schemeClr val="accent5">
+                    <a:lumMod val="60000"/>
+                    <a:lumOff val="40000"/>
+                  </a:schemeClr>
+                </a:outerShdw>
+              </a:effectLst>
+            </a:endParaRPr>
+          </a:p>
+        </p:txBody>
+      </p:sp>
+      <p:sp>
+        <p:nvSpPr>
+          <p:cNvPr id="10" name="Rectángulo 9"/>
+          <p:cNvSpPr/>
+          <p:nvPr/>
+        </p:nvSpPr>
+        <p:spPr>
+          <a:xfrm>
+            <a:off x="1602318" y="1091410"/>
+            <a:ext cx="7836312" cy="707886"/>
           </a:xfrm>
           <a:prstGeom prst="rect">
             <a:avLst/>
@@ -6108,80 +7506,7 @@
                   </a:outerShdw>
                 </a:effectLst>
               </a:rPr>
-              <a:t>Sistema de Gestión de Información Estudiantil</a:t>
-            </a:r>
-          </a:p>
-          <a:p>
-            <a:pPr algn="ctr"/>
-            <a:r>
-              <a:rPr lang="es-ES" sz="4000" b="1" dirty="0">
-                <a:ln w="9525">
-                  <a:solidFill>
-                    <a:schemeClr val="bg1"/>
-                  </a:solidFill>
-                  <a:prstDash val="solid"/>
-                </a:ln>
-                <a:solidFill>
-                  <a:schemeClr val="accent5"/>
-                </a:solidFill>
-                <a:effectLst>
-                  <a:outerShdw blurRad="12700" dist="38100" dir="2700000" algn="tl" rotWithShape="0">
-                    <a:schemeClr val="accent5">
-                      <a:lumMod val="60000"/>
-                      <a:lumOff val="40000"/>
-                    </a:schemeClr>
-                  </a:outerShdw>
-                </a:effectLst>
-              </a:rPr>
-              <a:t>SIGIE</a:t>
-            </a:r>
-            <a:endParaRPr lang="es-ES" sz="4000" b="1" cap="none" spc="0" dirty="0">
-              <a:ln w="9525">
-                <a:solidFill>
-                  <a:schemeClr val="bg1"/>
-                </a:solidFill>
-                <a:prstDash val="solid"/>
-              </a:ln>
-              <a:solidFill>
-                <a:schemeClr val="accent5"/>
-              </a:solidFill>
-              <a:effectLst>
-                <a:outerShdw blurRad="12700" dist="38100" dir="2700000" algn="tl" rotWithShape="0">
-                  <a:schemeClr val="accent5">
-                    <a:lumMod val="60000"/>
-                    <a:lumOff val="40000"/>
-                  </a:schemeClr>
-                </a:outerShdw>
-              </a:effectLst>
-            </a:endParaRPr>
-          </a:p>
-        </p:txBody>
-      </p:sp>
-      <p:sp>
-        <p:nvSpPr>
-          <p:cNvPr id="8" name="CuadroTexto 7"/>
-          <p:cNvSpPr txBox="1"/>
-          <p:nvPr/>
-        </p:nvSpPr>
-        <p:spPr>
-          <a:xfrm>
-            <a:off x="1351722" y="357809"/>
-            <a:ext cx="1648208" cy="369332"/>
-          </a:xfrm>
-          <a:prstGeom prst="rect">
-            <a:avLst/>
-          </a:prstGeom>
-          <a:noFill/>
-        </p:spPr>
-        <p:txBody>
-          <a:bodyPr wrap="none" rtlCol="0">
-            <a:spAutoFit/>
-          </a:bodyPr>
-          <a:lstStyle/>
-          <a:p>
-            <a:r>
-              <a:rPr lang="es-GT" dirty="0"/>
-              <a:t>Inicio de Sesión</a:t>
+              <a:t>Consulta de Información de Alumno</a:t>
             </a:r>
           </a:p>
         </p:txBody>
@@ -6189,7 +7514,7 @@
     </p:spTree>
     <p:extLst>
       <p:ext uri="{BB962C8B-B14F-4D97-AF65-F5344CB8AC3E}">
-        <p14:creationId xmlns:p14="http://schemas.microsoft.com/office/powerpoint/2010/main" val="4006645328"/>
+        <p14:creationId xmlns:p14="http://schemas.microsoft.com/office/powerpoint/2010/main" val="2448508767"/>
       </p:ext>
     </p:extLst>
   </p:cSld>
@@ -6199,7 +7524,7 @@
 </p:sld>
 </file>
 
-<file path=ppt/slides/slide3.xml><?xml version="1.0" encoding="utf-8"?>
+<file path=ppt/slides/slide14.xml><?xml version="1.0" encoding="utf-8"?>
 <p:sld xmlns:a="http://schemas.openxmlformats.org/drawingml/2006/main" xmlns:r="http://schemas.openxmlformats.org/officeDocument/2006/relationships" xmlns:p="http://schemas.openxmlformats.org/presentationml/2006/main">
   <p:cSld>
     <p:spTree>
@@ -6305,12 +7630,13 @@
               </a:ext>
             </a:extLst>
           </a:blip>
+          <a:srcRect l="22709" b="14423"/>
           <a:stretch/>
         </p:blipFill>
         <p:spPr>
           <a:xfrm>
-            <a:off x="3678110" y="1843059"/>
-            <a:ext cx="5240604" cy="3980844"/>
+            <a:off x="225287" y="2783964"/>
+            <a:ext cx="4300396" cy="3616836"/>
           </a:xfrm>
           <a:prstGeom prst="rect">
             <a:avLst/>
@@ -6319,339 +7645,55 @@
       </p:pic>
       <p:sp>
         <p:nvSpPr>
-          <p:cNvPr id="4" name="CuadroTexto 3"/>
-          <p:cNvSpPr txBox="1"/>
-          <p:nvPr/>
-        </p:nvSpPr>
-        <p:spPr>
-          <a:xfrm>
-            <a:off x="1351722" y="357809"/>
-            <a:ext cx="2642903" cy="369332"/>
-          </a:xfrm>
-          <a:prstGeom prst="rect">
-            <a:avLst/>
-          </a:prstGeom>
-          <a:noFill/>
-        </p:spPr>
-        <p:txBody>
-          <a:bodyPr wrap="none" rtlCol="0">
-            <a:spAutoFit/>
-          </a:bodyPr>
-          <a:lstStyle/>
-          <a:p>
+          <p:cNvPr id="6" name="Rectángulo redondeado 5"/>
+          <p:cNvSpPr/>
+          <p:nvPr/>
+        </p:nvSpPr>
+        <p:spPr>
+          <a:xfrm>
+            <a:off x="5791200" y="3551582"/>
+            <a:ext cx="1696278" cy="954157"/>
+          </a:xfrm>
+          <a:prstGeom prst="roundRect">
+            <a:avLst/>
+          </a:prstGeom>
+        </p:spPr>
+        <p:style>
+          <a:lnRef idx="0">
+            <a:schemeClr val="accent1"/>
+          </a:lnRef>
+          <a:fillRef idx="3">
+            <a:schemeClr val="accent1"/>
+          </a:fillRef>
+          <a:effectRef idx="3">
+            <a:schemeClr val="accent1"/>
+          </a:effectRef>
+          <a:fontRef idx="minor">
+            <a:schemeClr val="lt1"/>
+          </a:fontRef>
+        </p:style>
+        <p:txBody>
+          <a:bodyPr rtlCol="0" anchor="ctr"/>
+          <a:lstStyle/>
+          <a:p>
+            <a:pPr algn="ctr"/>
             <a:r>
               <a:rPr lang="es-GT" dirty="0"/>
-              <a:t>Pagina de Inicio Secretaria</a:t>
-            </a:r>
-          </a:p>
-        </p:txBody>
-      </p:sp>
-      <p:sp>
-        <p:nvSpPr>
-          <p:cNvPr id="6" name="Esquina doblada 5"/>
+              <a:t>Ingreso</a:t>
+            </a:r>
+          </a:p>
+        </p:txBody>
+      </p:sp>
+      <p:sp>
+        <p:nvSpPr>
+          <p:cNvPr id="7" name="Rectángulo 6"/>
           <p:cNvSpPr/>
           <p:nvPr/>
         </p:nvSpPr>
         <p:spPr>
           <a:xfrm>
-            <a:off x="225286" y="3412435"/>
-            <a:ext cx="2777721" cy="834886"/>
-          </a:xfrm>
-          <a:prstGeom prst="foldedCorner">
-            <a:avLst/>
-          </a:prstGeom>
-        </p:spPr>
-        <p:style>
-          <a:lnRef idx="2">
-            <a:schemeClr val="accent1">
-              <a:shade val="50000"/>
-            </a:schemeClr>
-          </a:lnRef>
-          <a:fillRef idx="1">
-            <a:schemeClr val="accent1"/>
-          </a:fillRef>
-          <a:effectRef idx="0">
-            <a:schemeClr val="accent1"/>
-          </a:effectRef>
-          <a:fontRef idx="minor">
-            <a:schemeClr val="lt1"/>
-          </a:fontRef>
-        </p:style>
-        <p:txBody>
-          <a:bodyPr rtlCol="0" anchor="ctr"/>
-          <a:lstStyle/>
-          <a:p>
-            <a:pPr algn="ctr"/>
-            <a:endParaRPr lang="es-GT"/>
-          </a:p>
-        </p:txBody>
-      </p:sp>
-      <p:sp>
-        <p:nvSpPr>
-          <p:cNvPr id="7" name="Esquina doblada 6"/>
-          <p:cNvSpPr/>
-          <p:nvPr/>
-        </p:nvSpPr>
-        <p:spPr>
-          <a:xfrm>
-            <a:off x="225283" y="1676400"/>
-            <a:ext cx="2777721" cy="834886"/>
-          </a:xfrm>
-          <a:prstGeom prst="foldedCorner">
-            <a:avLst/>
-          </a:prstGeom>
-        </p:spPr>
-        <p:style>
-          <a:lnRef idx="2">
-            <a:schemeClr val="accent1">
-              <a:shade val="50000"/>
-            </a:schemeClr>
-          </a:lnRef>
-          <a:fillRef idx="1">
-            <a:schemeClr val="accent1"/>
-          </a:fillRef>
-          <a:effectRef idx="0">
-            <a:schemeClr val="accent1"/>
-          </a:effectRef>
-          <a:fontRef idx="minor">
-            <a:schemeClr val="lt1"/>
-          </a:fontRef>
-        </p:style>
-        <p:txBody>
-          <a:bodyPr rtlCol="0" anchor="ctr"/>
-          <a:lstStyle/>
-          <a:p>
-            <a:pPr algn="ctr"/>
-            <a:r>
-              <a:rPr lang="es-GT" dirty="0"/>
-              <a:t>Información de Personal</a:t>
-            </a:r>
-          </a:p>
-        </p:txBody>
-      </p:sp>
-      <p:sp>
-        <p:nvSpPr>
-          <p:cNvPr id="8" name="Esquina doblada 7"/>
-          <p:cNvSpPr/>
-          <p:nvPr/>
-        </p:nvSpPr>
-        <p:spPr>
-          <a:xfrm>
-            <a:off x="225284" y="3412435"/>
-            <a:ext cx="2777721" cy="834886"/>
-          </a:xfrm>
-          <a:prstGeom prst="foldedCorner">
-            <a:avLst/>
-          </a:prstGeom>
-        </p:spPr>
-        <p:style>
-          <a:lnRef idx="2">
-            <a:schemeClr val="accent1">
-              <a:shade val="50000"/>
-            </a:schemeClr>
-          </a:lnRef>
-          <a:fillRef idx="1">
-            <a:schemeClr val="accent1"/>
-          </a:fillRef>
-          <a:effectRef idx="0">
-            <a:schemeClr val="accent1"/>
-          </a:effectRef>
-          <a:fontRef idx="minor">
-            <a:schemeClr val="lt1"/>
-          </a:fontRef>
-        </p:style>
-        <p:txBody>
-          <a:bodyPr rtlCol="0" anchor="ctr"/>
-          <a:lstStyle/>
-          <a:p>
-            <a:pPr algn="ctr"/>
-            <a:r>
-              <a:rPr lang="es-GT" dirty="0"/>
-              <a:t>Pagos</a:t>
-            </a:r>
-          </a:p>
-        </p:txBody>
-      </p:sp>
-      <p:sp>
-        <p:nvSpPr>
-          <p:cNvPr id="9" name="Esquina doblada 8"/>
-          <p:cNvSpPr/>
-          <p:nvPr/>
-        </p:nvSpPr>
-        <p:spPr>
-          <a:xfrm>
-            <a:off x="225284" y="5148470"/>
-            <a:ext cx="2777721" cy="834886"/>
-          </a:xfrm>
-          <a:prstGeom prst="foldedCorner">
-            <a:avLst/>
-          </a:prstGeom>
-        </p:spPr>
-        <p:style>
-          <a:lnRef idx="0">
-            <a:schemeClr val="accent3"/>
-          </a:lnRef>
-          <a:fillRef idx="3">
-            <a:schemeClr val="accent3"/>
-          </a:fillRef>
-          <a:effectRef idx="3">
-            <a:schemeClr val="accent3"/>
-          </a:effectRef>
-          <a:fontRef idx="minor">
-            <a:schemeClr val="lt1"/>
-          </a:fontRef>
-        </p:style>
-        <p:txBody>
-          <a:bodyPr rtlCol="0" anchor="ctr"/>
-          <a:lstStyle/>
-          <a:p>
-            <a:pPr algn="ctr"/>
-            <a:r>
-              <a:rPr lang="es-GT" dirty="0"/>
-              <a:t>Administración</a:t>
-            </a:r>
-          </a:p>
-        </p:txBody>
-      </p:sp>
-      <p:sp>
-        <p:nvSpPr>
-          <p:cNvPr id="17" name="Esquina doblada 16"/>
-          <p:cNvSpPr/>
-          <p:nvPr/>
-        </p:nvSpPr>
-        <p:spPr>
-          <a:xfrm flipH="1">
-            <a:off x="9096227" y="1676400"/>
-            <a:ext cx="2777721" cy="834886"/>
-          </a:xfrm>
-          <a:prstGeom prst="foldedCorner">
-            <a:avLst/>
-          </a:prstGeom>
-        </p:spPr>
-        <p:style>
-          <a:lnRef idx="2">
-            <a:schemeClr val="accent1">
-              <a:shade val="50000"/>
-            </a:schemeClr>
-          </a:lnRef>
-          <a:fillRef idx="1">
-            <a:schemeClr val="accent1"/>
-          </a:fillRef>
-          <a:effectRef idx="0">
-            <a:schemeClr val="accent1"/>
-          </a:effectRef>
-          <a:fontRef idx="minor">
-            <a:schemeClr val="lt1"/>
-          </a:fontRef>
-        </p:style>
-        <p:txBody>
-          <a:bodyPr rtlCol="0" anchor="ctr"/>
-          <a:lstStyle/>
-          <a:p>
-            <a:pPr algn="ctr"/>
-            <a:r>
-              <a:rPr lang="es-GT" dirty="0"/>
-              <a:t>Inscripción</a:t>
-            </a:r>
-          </a:p>
-        </p:txBody>
-      </p:sp>
-      <p:sp>
-        <p:nvSpPr>
-          <p:cNvPr id="18" name="Esquina doblada 17"/>
-          <p:cNvSpPr/>
-          <p:nvPr/>
-        </p:nvSpPr>
-        <p:spPr>
-          <a:xfrm flipH="1">
-            <a:off x="9096226" y="3313044"/>
-            <a:ext cx="2777721" cy="834886"/>
-          </a:xfrm>
-          <a:prstGeom prst="foldedCorner">
-            <a:avLst/>
-          </a:prstGeom>
-        </p:spPr>
-        <p:style>
-          <a:lnRef idx="2">
-            <a:schemeClr val="accent1">
-              <a:shade val="50000"/>
-            </a:schemeClr>
-          </a:lnRef>
-          <a:fillRef idx="1">
-            <a:schemeClr val="accent1"/>
-          </a:fillRef>
-          <a:effectRef idx="0">
-            <a:schemeClr val="accent1"/>
-          </a:effectRef>
-          <a:fontRef idx="minor">
-            <a:schemeClr val="lt1"/>
-          </a:fontRef>
-        </p:style>
-        <p:txBody>
-          <a:bodyPr rtlCol="0" anchor="ctr"/>
-          <a:lstStyle/>
-          <a:p>
-            <a:pPr algn="ctr"/>
-            <a:r>
-              <a:rPr lang="es-GT" dirty="0"/>
-              <a:t>Notas</a:t>
-            </a:r>
-          </a:p>
-        </p:txBody>
-      </p:sp>
-      <p:sp>
-        <p:nvSpPr>
-          <p:cNvPr id="19" name="Esquina doblada 18"/>
-          <p:cNvSpPr/>
-          <p:nvPr/>
-        </p:nvSpPr>
-        <p:spPr>
-          <a:xfrm flipH="1">
-            <a:off x="9096225" y="5148470"/>
-            <a:ext cx="2777721" cy="834886"/>
-          </a:xfrm>
-          <a:prstGeom prst="foldedCorner">
-            <a:avLst/>
-          </a:prstGeom>
-        </p:spPr>
-        <p:style>
-          <a:lnRef idx="2">
-            <a:schemeClr val="accent1">
-              <a:shade val="50000"/>
-            </a:schemeClr>
-          </a:lnRef>
-          <a:fillRef idx="1">
-            <a:schemeClr val="accent1"/>
-          </a:fillRef>
-          <a:effectRef idx="0">
-            <a:schemeClr val="accent1"/>
-          </a:effectRef>
-          <a:fontRef idx="minor">
-            <a:schemeClr val="lt1"/>
-          </a:fontRef>
-        </p:style>
-        <p:txBody>
-          <a:bodyPr rtlCol="0" anchor="ctr"/>
-          <a:lstStyle/>
-          <a:p>
-            <a:pPr algn="ctr"/>
-            <a:r>
-              <a:rPr lang="es-GT" dirty="0"/>
-              <a:t>Listados</a:t>
-            </a:r>
-          </a:p>
-        </p:txBody>
-      </p:sp>
-      <p:sp>
-        <p:nvSpPr>
-          <p:cNvPr id="20" name="Rectángulo 19"/>
-          <p:cNvSpPr/>
-          <p:nvPr/>
-        </p:nvSpPr>
-        <p:spPr>
-          <a:xfrm>
-            <a:off x="5628198" y="1135173"/>
-            <a:ext cx="1276311" cy="707886"/>
+            <a:off x="4165127" y="1129457"/>
+            <a:ext cx="3768981" cy="1323439"/>
           </a:xfrm>
           <a:prstGeom prst="rect">
             <a:avLst/>
@@ -6663,6 +7705,31 @@
             <a:spAutoFit/>
           </a:bodyPr>
           <a:lstStyle/>
+          <a:p>
+            <a:pPr algn="ctr"/>
+            <a:r>
+              <a:rPr lang="es-ES" sz="4000" b="1" cap="none" spc="0" dirty="0">
+                <a:ln w="9525">
+                  <a:solidFill>
+                    <a:schemeClr val="bg1"/>
+                  </a:solidFill>
+                  <a:prstDash val="solid"/>
+                </a:ln>
+                <a:solidFill>
+                  <a:schemeClr val="accent5"/>
+                </a:solidFill>
+                <a:effectLst>
+                  <a:outerShdw blurRad="12700" dist="38100" dir="2700000" algn="tl" rotWithShape="0">
+                    <a:schemeClr val="accent5">
+                      <a:lumMod val="60000"/>
+                      <a:lumOff val="40000"/>
+                    </a:schemeClr>
+                  </a:outerShdw>
+                </a:effectLst>
+              </a:rPr>
+              <a:t>Control de Notas</a:t>
+            </a:r>
+          </a:p>
           <a:p>
             <a:pPr algn="ctr"/>
             <a:r>
@@ -6711,14 +7778,14 @@
       </p:sp>
       <p:sp>
         <p:nvSpPr>
-          <p:cNvPr id="21" name="Rectángulo 20"/>
-          <p:cNvSpPr/>
-          <p:nvPr/>
-        </p:nvSpPr>
-        <p:spPr>
-          <a:xfrm>
-            <a:off x="5628198" y="5692914"/>
-            <a:ext cx="1340432" cy="707886"/>
+          <p:cNvPr id="8" name="CuadroTexto 7"/>
+          <p:cNvSpPr txBox="1"/>
+          <p:nvPr/>
+        </p:nvSpPr>
+        <p:spPr>
+          <a:xfrm>
+            <a:off x="1351722" y="357809"/>
+            <a:ext cx="3004862" cy="369332"/>
           </a:xfrm>
           <a:prstGeom prst="rect">
             <a:avLst/>
@@ -6726,146 +7793,88 @@
           <a:noFill/>
         </p:spPr>
         <p:txBody>
-          <a:bodyPr wrap="none" lIns="91440" tIns="45720" rIns="91440" bIns="45720">
+          <a:bodyPr wrap="none" rtlCol="0">
             <a:spAutoFit/>
           </a:bodyPr>
           <a:lstStyle/>
           <a:p>
-            <a:pPr algn="ctr"/>
-            <a:r>
-              <a:rPr lang="es-ES" sz="4000" b="1" dirty="0">
-                <a:ln w="9525">
-                  <a:solidFill>
-                    <a:schemeClr val="bg1"/>
-                  </a:solidFill>
-                  <a:prstDash val="solid"/>
-                </a:ln>
-                <a:solidFill>
-                  <a:schemeClr val="accent5"/>
-                </a:solidFill>
-                <a:effectLst>
-                  <a:outerShdw blurRad="12700" dist="38100" dir="2700000" algn="tl" rotWithShape="0">
-                    <a:schemeClr val="accent5">
-                      <a:lumMod val="60000"/>
-                      <a:lumOff val="40000"/>
-                    </a:schemeClr>
-                  </a:outerShdw>
-                </a:effectLst>
-              </a:rPr>
-              <a:t>Inicio</a:t>
-            </a:r>
-            <a:endParaRPr lang="es-ES" sz="4000" b="1" cap="none" spc="0" dirty="0">
-              <a:ln w="9525">
+            <a:r>
+              <a:rPr lang="es-GT" dirty="0"/>
+              <a:t>Pagina inicial control de Notas</a:t>
+            </a:r>
+          </a:p>
+        </p:txBody>
+      </p:sp>
+      <p:sp>
+        <p:nvSpPr>
+          <p:cNvPr id="9" name="Rectángulo redondeado 8"/>
+          <p:cNvSpPr/>
+          <p:nvPr/>
+        </p:nvSpPr>
+        <p:spPr>
+          <a:xfrm>
+            <a:off x="7984435" y="3551582"/>
+            <a:ext cx="1696278" cy="954157"/>
+          </a:xfrm>
+          <a:prstGeom prst="roundRect">
+            <a:avLst/>
+          </a:prstGeom>
+        </p:spPr>
+        <p:style>
+          <a:lnRef idx="0">
+            <a:schemeClr val="accent1"/>
+          </a:lnRef>
+          <a:fillRef idx="3">
+            <a:schemeClr val="accent1"/>
+          </a:fillRef>
+          <a:effectRef idx="3">
+            <a:schemeClr val="accent1"/>
+          </a:effectRef>
+          <a:fontRef idx="minor">
+            <a:schemeClr val="lt1"/>
+          </a:fontRef>
+        </p:style>
+        <p:txBody>
+          <a:bodyPr rtlCol="0" anchor="ctr"/>
+          <a:lstStyle/>
+          <a:p>
+            <a:pPr algn="ctr"/>
+            <a:r>
+              <a:rPr lang="es-GT" dirty="0"/>
+              <a:t>Consulta y Edición</a:t>
+            </a:r>
+          </a:p>
+        </p:txBody>
+      </p:sp>
+      <p:sp>
+        <p:nvSpPr>
+          <p:cNvPr id="10" name="CuadroTexto 9"/>
+          <p:cNvSpPr txBox="1"/>
+          <p:nvPr/>
+        </p:nvSpPr>
+        <p:spPr>
+          <a:xfrm>
+            <a:off x="5791200" y="2817573"/>
+            <a:ext cx="4094922" cy="400110"/>
+          </a:xfrm>
+          <a:prstGeom prst="rect">
+            <a:avLst/>
+          </a:prstGeom>
+          <a:noFill/>
+        </p:spPr>
+        <p:txBody>
+          <a:bodyPr wrap="square" rtlCol="0">
+            <a:spAutoFit/>
+          </a:bodyPr>
+          <a:lstStyle/>
+          <a:p>
+            <a:r>
+              <a:rPr lang="es-GT" sz="2000" b="1" dirty="0">
                 <a:solidFill>
                   <a:schemeClr val="bg1"/>
                 </a:solidFill>
-                <a:prstDash val="solid"/>
-              </a:ln>
-              <a:solidFill>
-                <a:schemeClr val="accent5"/>
-              </a:solidFill>
-              <a:effectLst>
-                <a:outerShdw blurRad="12700" dist="38100" dir="2700000" algn="tl" rotWithShape="0">
-                  <a:schemeClr val="accent5">
-                    <a:lumMod val="60000"/>
-                    <a:lumOff val="40000"/>
-                  </a:schemeClr>
-                </a:outerShdw>
-              </a:effectLst>
-            </a:endParaRPr>
-          </a:p>
-        </p:txBody>
-      </p:sp>
-      <p:sp>
-        <p:nvSpPr>
-          <p:cNvPr id="22" name="Esquina doblada 21"/>
-          <p:cNvSpPr/>
-          <p:nvPr/>
-        </p:nvSpPr>
-        <p:spPr>
-          <a:xfrm flipH="1">
-            <a:off x="10376452" y="1060174"/>
-            <a:ext cx="1497494" cy="397564"/>
-          </a:xfrm>
-          <a:prstGeom prst="foldedCorner">
-            <a:avLst/>
-          </a:prstGeom>
-        </p:spPr>
-        <p:style>
-          <a:lnRef idx="2">
-            <a:schemeClr val="accent5"/>
-          </a:lnRef>
-          <a:fillRef idx="1">
-            <a:schemeClr val="lt1"/>
-          </a:fillRef>
-          <a:effectRef idx="0">
-            <a:schemeClr val="accent5"/>
-          </a:effectRef>
-          <a:fontRef idx="minor">
-            <a:schemeClr val="dk1"/>
-          </a:fontRef>
-        </p:style>
-        <p:txBody>
-          <a:bodyPr rtlCol="0" anchor="ctr"/>
-          <a:lstStyle/>
-          <a:p>
-            <a:pPr algn="ctr"/>
-            <a:r>
-              <a:rPr lang="es-GT" dirty="0">
-                <a:solidFill>
-                  <a:schemeClr val="accent1">
-                    <a:lumMod val="75000"/>
-                  </a:schemeClr>
-                </a:solidFill>
               </a:rPr>
-              <a:t>Cerrar Sesión</a:t>
-            </a:r>
-          </a:p>
-        </p:txBody>
-      </p:sp>
-      <p:sp>
-        <p:nvSpPr>
-          <p:cNvPr id="23" name="Esquina doblada 22"/>
-          <p:cNvSpPr/>
-          <p:nvPr/>
-        </p:nvSpPr>
-        <p:spPr>
-          <a:xfrm>
-            <a:off x="225283" y="1060174"/>
-            <a:ext cx="1497495" cy="397564"/>
-          </a:xfrm>
-          <a:prstGeom prst="foldedCorner">
-            <a:avLst/>
-          </a:prstGeom>
-        </p:spPr>
-        <p:style>
-          <a:lnRef idx="2">
-            <a:schemeClr val="accent5"/>
-          </a:lnRef>
-          <a:fillRef idx="1">
-            <a:schemeClr val="lt1"/>
-          </a:fillRef>
-          <a:effectRef idx="0">
-            <a:schemeClr val="accent5"/>
-          </a:effectRef>
-          <a:fontRef idx="minor">
-            <a:schemeClr val="dk1"/>
-          </a:fontRef>
-        </p:style>
-        <p:txBody>
-          <a:bodyPr rtlCol="0" anchor="ctr"/>
-          <a:lstStyle/>
-          <a:p>
-            <a:pPr algn="ctr"/>
-            <a:r>
-              <a:rPr lang="es-GT" sz="1400" dirty="0">
-                <a:solidFill>
-                  <a:schemeClr val="accent1">
-                    <a:lumMod val="75000"/>
-                  </a:schemeClr>
-                </a:solidFill>
-              </a:rPr>
-              <a:t>“Usuario Activo”</a:t>
+              <a:t>Selecciona Una Opción.</a:t>
             </a:r>
           </a:p>
         </p:txBody>
@@ -6873,7 +7882,2383 @@
     </p:spTree>
     <p:extLst>
       <p:ext uri="{BB962C8B-B14F-4D97-AF65-F5344CB8AC3E}">
-        <p14:creationId xmlns:p14="http://schemas.microsoft.com/office/powerpoint/2010/main" val="3318260324"/>
+        <p14:creationId xmlns:p14="http://schemas.microsoft.com/office/powerpoint/2010/main" val="1944309635"/>
+      </p:ext>
+    </p:extLst>
+  </p:cSld>
+  <p:clrMapOvr>
+    <a:masterClrMapping/>
+  </p:clrMapOvr>
+</p:sld>
+</file>
+
+<file path=ppt/slides/slide2.xml><?xml version="1.0" encoding="utf-8"?>
+<p:sld xmlns:a="http://schemas.openxmlformats.org/drawingml/2006/main" xmlns:r="http://schemas.openxmlformats.org/officeDocument/2006/relationships" xmlns:p="http://schemas.openxmlformats.org/presentationml/2006/main">
+  <p:cSld>
+    <p:spTree>
+      <p:nvGrpSpPr>
+        <p:cNvPr id="1" name=""/>
+        <p:cNvGrpSpPr/>
+        <p:nvPr/>
+      </p:nvGrpSpPr>
+      <p:grpSpPr>
+        <a:xfrm>
+          <a:off x="0" y="0"/>
+          <a:ext cx="0" cy="0"/>
+          <a:chOff x="0" y="0"/>
+          <a:chExt cx="0" cy="0"/>
+        </a:xfrm>
+      </p:grpSpPr>
+      <p:sp>
+        <p:nvSpPr>
+          <p:cNvPr id="4" name="Rectángulo 3"/>
+          <p:cNvSpPr/>
+          <p:nvPr/>
+        </p:nvSpPr>
+        <p:spPr>
+          <a:xfrm>
+            <a:off x="5892489" y="3525706"/>
+            <a:ext cx="1531176" cy="914400"/>
+          </a:xfrm>
+          <a:prstGeom prst="rect">
+            <a:avLst/>
+          </a:prstGeom>
+        </p:spPr>
+        <p:style>
+          <a:lnRef idx="2">
+            <a:schemeClr val="accent1">
+              <a:shade val="50000"/>
+            </a:schemeClr>
+          </a:lnRef>
+          <a:fillRef idx="1">
+            <a:schemeClr val="accent1"/>
+          </a:fillRef>
+          <a:effectRef idx="0">
+            <a:schemeClr val="accent1"/>
+          </a:effectRef>
+          <a:fontRef idx="minor">
+            <a:schemeClr val="lt1"/>
+          </a:fontRef>
+        </p:style>
+        <p:txBody>
+          <a:bodyPr rtlCol="0" anchor="ctr"/>
+          <a:lstStyle/>
+          <a:p>
+            <a:pPr algn="ctr"/>
+            <a:r>
+              <a:rPr lang="es-GT" dirty="0"/>
+              <a:t>Pagina de inicio Secretaria</a:t>
+            </a:r>
+          </a:p>
+        </p:txBody>
+      </p:sp>
+      <p:sp>
+        <p:nvSpPr>
+          <p:cNvPr id="5" name="Rectángulo 4"/>
+          <p:cNvSpPr/>
+          <p:nvPr/>
+        </p:nvSpPr>
+        <p:spPr>
+          <a:xfrm>
+            <a:off x="6023118" y="5772027"/>
+            <a:ext cx="1351721" cy="503583"/>
+          </a:xfrm>
+          <a:prstGeom prst="rect">
+            <a:avLst/>
+          </a:prstGeom>
+        </p:spPr>
+        <p:style>
+          <a:lnRef idx="2">
+            <a:schemeClr val="accent1">
+              <a:shade val="50000"/>
+            </a:schemeClr>
+          </a:lnRef>
+          <a:fillRef idx="1">
+            <a:schemeClr val="accent1"/>
+          </a:fillRef>
+          <a:effectRef idx="0">
+            <a:schemeClr val="accent1"/>
+          </a:effectRef>
+          <a:fontRef idx="minor">
+            <a:schemeClr val="lt1"/>
+          </a:fontRef>
+        </p:style>
+        <p:txBody>
+          <a:bodyPr rtlCol="0" anchor="ctr"/>
+          <a:lstStyle/>
+          <a:p>
+            <a:pPr algn="ctr"/>
+            <a:r>
+              <a:rPr lang="es-GT" dirty="0"/>
+              <a:t>Página estudiantes</a:t>
+            </a:r>
+          </a:p>
+        </p:txBody>
+      </p:sp>
+      <p:sp>
+        <p:nvSpPr>
+          <p:cNvPr id="6" name="Rectángulo 5"/>
+          <p:cNvSpPr/>
+          <p:nvPr/>
+        </p:nvSpPr>
+        <p:spPr>
+          <a:xfrm>
+            <a:off x="8246639" y="2220684"/>
+            <a:ext cx="1351721" cy="503583"/>
+          </a:xfrm>
+          <a:prstGeom prst="rect">
+            <a:avLst/>
+          </a:prstGeom>
+        </p:spPr>
+        <p:style>
+          <a:lnRef idx="2">
+            <a:schemeClr val="accent1">
+              <a:shade val="50000"/>
+            </a:schemeClr>
+          </a:lnRef>
+          <a:fillRef idx="1">
+            <a:schemeClr val="accent1"/>
+          </a:fillRef>
+          <a:effectRef idx="0">
+            <a:schemeClr val="accent1"/>
+          </a:effectRef>
+          <a:fontRef idx="minor">
+            <a:schemeClr val="lt1"/>
+          </a:fontRef>
+        </p:style>
+        <p:txBody>
+          <a:bodyPr rtlCol="0" anchor="ctr"/>
+          <a:lstStyle/>
+          <a:p>
+            <a:pPr algn="ctr"/>
+            <a:r>
+              <a:rPr lang="es-GT" dirty="0"/>
+              <a:t>Página Notas</a:t>
+            </a:r>
+          </a:p>
+        </p:txBody>
+      </p:sp>
+      <p:sp>
+        <p:nvSpPr>
+          <p:cNvPr id="7" name="Rectángulo 6"/>
+          <p:cNvSpPr/>
+          <p:nvPr/>
+        </p:nvSpPr>
+        <p:spPr>
+          <a:xfrm>
+            <a:off x="8265808" y="3747840"/>
+            <a:ext cx="1351721" cy="742122"/>
+          </a:xfrm>
+          <a:prstGeom prst="rect">
+            <a:avLst/>
+          </a:prstGeom>
+        </p:spPr>
+        <p:style>
+          <a:lnRef idx="2">
+            <a:schemeClr val="accent1">
+              <a:shade val="50000"/>
+            </a:schemeClr>
+          </a:lnRef>
+          <a:fillRef idx="1">
+            <a:schemeClr val="accent1"/>
+          </a:fillRef>
+          <a:effectRef idx="0">
+            <a:schemeClr val="accent1"/>
+          </a:effectRef>
+          <a:fontRef idx="minor">
+            <a:schemeClr val="lt1"/>
+          </a:fontRef>
+        </p:style>
+        <p:txBody>
+          <a:bodyPr rtlCol="0" anchor="ctr"/>
+          <a:lstStyle/>
+          <a:p>
+            <a:pPr algn="ctr"/>
+            <a:r>
+              <a:rPr lang="es-GT" dirty="0"/>
+              <a:t>Gestión de Personal</a:t>
+            </a:r>
+          </a:p>
+        </p:txBody>
+      </p:sp>
+      <p:sp>
+        <p:nvSpPr>
+          <p:cNvPr id="9" name="Rectángulo 8"/>
+          <p:cNvSpPr/>
+          <p:nvPr/>
+        </p:nvSpPr>
+        <p:spPr>
+          <a:xfrm>
+            <a:off x="9174291" y="981603"/>
+            <a:ext cx="1351722" cy="649359"/>
+          </a:xfrm>
+          <a:prstGeom prst="rect">
+            <a:avLst/>
+          </a:prstGeom>
+        </p:spPr>
+        <p:style>
+          <a:lnRef idx="2">
+            <a:schemeClr val="accent1">
+              <a:shade val="50000"/>
+            </a:schemeClr>
+          </a:lnRef>
+          <a:fillRef idx="1">
+            <a:schemeClr val="accent1"/>
+          </a:fillRef>
+          <a:effectRef idx="0">
+            <a:schemeClr val="accent1"/>
+          </a:effectRef>
+          <a:fontRef idx="minor">
+            <a:schemeClr val="lt1"/>
+          </a:fontRef>
+        </p:style>
+        <p:txBody>
+          <a:bodyPr rtlCol="0" anchor="ctr"/>
+          <a:lstStyle/>
+          <a:p>
+            <a:pPr algn="ctr"/>
+            <a:r>
+              <a:rPr lang="es-GT" dirty="0"/>
+              <a:t>Consulta de notas</a:t>
+            </a:r>
+          </a:p>
+        </p:txBody>
+      </p:sp>
+      <p:sp>
+        <p:nvSpPr>
+          <p:cNvPr id="10" name="Rectángulo 9"/>
+          <p:cNvSpPr/>
+          <p:nvPr/>
+        </p:nvSpPr>
+        <p:spPr>
+          <a:xfrm>
+            <a:off x="10446501" y="2220684"/>
+            <a:ext cx="1510748" cy="503583"/>
+          </a:xfrm>
+          <a:prstGeom prst="rect">
+            <a:avLst/>
+          </a:prstGeom>
+        </p:spPr>
+        <p:style>
+          <a:lnRef idx="2">
+            <a:schemeClr val="accent1">
+              <a:shade val="50000"/>
+            </a:schemeClr>
+          </a:lnRef>
+          <a:fillRef idx="1">
+            <a:schemeClr val="accent1"/>
+          </a:fillRef>
+          <a:effectRef idx="0">
+            <a:schemeClr val="accent1"/>
+          </a:effectRef>
+          <a:fontRef idx="minor">
+            <a:schemeClr val="lt1"/>
+          </a:fontRef>
+        </p:style>
+        <p:txBody>
+          <a:bodyPr rtlCol="0" anchor="ctr"/>
+          <a:lstStyle/>
+          <a:p>
+            <a:pPr algn="ctr"/>
+            <a:r>
+              <a:rPr lang="es-GT" dirty="0"/>
+              <a:t>Ingresar y edición Notas</a:t>
+            </a:r>
+          </a:p>
+        </p:txBody>
+      </p:sp>
+      <p:cxnSp>
+        <p:nvCxnSpPr>
+          <p:cNvPr id="13" name="Conector recto de flecha 12"/>
+          <p:cNvCxnSpPr>
+            <a:stCxn id="4" idx="0"/>
+            <a:endCxn id="6" idx="1"/>
+          </p:cNvCxnSpPr>
+          <p:nvPr/>
+        </p:nvCxnSpPr>
+        <p:spPr>
+          <a:xfrm flipV="1">
+            <a:off x="6658077" y="2472476"/>
+            <a:ext cx="1588562" cy="1053230"/>
+          </a:xfrm>
+          <a:prstGeom prst="straightConnector1">
+            <a:avLst/>
+          </a:prstGeom>
+          <a:ln w="38100">
+            <a:tailEnd type="triangle"/>
+          </a:ln>
+        </p:spPr>
+        <p:style>
+          <a:lnRef idx="3">
+            <a:schemeClr val="accent6"/>
+          </a:lnRef>
+          <a:fillRef idx="0">
+            <a:schemeClr val="accent6"/>
+          </a:fillRef>
+          <a:effectRef idx="2">
+            <a:schemeClr val="accent6"/>
+          </a:effectRef>
+          <a:fontRef idx="minor">
+            <a:schemeClr val="tx1"/>
+          </a:fontRef>
+        </p:style>
+      </p:cxnSp>
+      <p:cxnSp>
+        <p:nvCxnSpPr>
+          <p:cNvPr id="15" name="Conector recto de flecha 14"/>
+          <p:cNvCxnSpPr>
+            <a:stCxn id="4" idx="2"/>
+            <a:endCxn id="5" idx="0"/>
+          </p:cNvCxnSpPr>
+          <p:nvPr/>
+        </p:nvCxnSpPr>
+        <p:spPr>
+          <a:xfrm>
+            <a:off x="6658077" y="4440106"/>
+            <a:ext cx="40902" cy="1331921"/>
+          </a:xfrm>
+          <a:prstGeom prst="straightConnector1">
+            <a:avLst/>
+          </a:prstGeom>
+          <a:ln w="38100">
+            <a:tailEnd type="triangle"/>
+          </a:ln>
+        </p:spPr>
+        <p:style>
+          <a:lnRef idx="3">
+            <a:schemeClr val="accent6"/>
+          </a:lnRef>
+          <a:fillRef idx="0">
+            <a:schemeClr val="accent6"/>
+          </a:fillRef>
+          <a:effectRef idx="2">
+            <a:schemeClr val="accent6"/>
+          </a:effectRef>
+          <a:fontRef idx="minor">
+            <a:schemeClr val="tx1"/>
+          </a:fontRef>
+        </p:style>
+      </p:cxnSp>
+      <p:cxnSp>
+        <p:nvCxnSpPr>
+          <p:cNvPr id="20" name="Conector recto de flecha 19"/>
+          <p:cNvCxnSpPr>
+            <a:stCxn id="4" idx="3"/>
+            <a:endCxn id="7" idx="1"/>
+          </p:cNvCxnSpPr>
+          <p:nvPr/>
+        </p:nvCxnSpPr>
+        <p:spPr>
+          <a:xfrm>
+            <a:off x="7423665" y="3982906"/>
+            <a:ext cx="842143" cy="135995"/>
+          </a:xfrm>
+          <a:prstGeom prst="straightConnector1">
+            <a:avLst/>
+          </a:prstGeom>
+          <a:ln w="38100">
+            <a:tailEnd type="triangle"/>
+          </a:ln>
+        </p:spPr>
+        <p:style>
+          <a:lnRef idx="3">
+            <a:schemeClr val="accent6"/>
+          </a:lnRef>
+          <a:fillRef idx="0">
+            <a:schemeClr val="accent6"/>
+          </a:fillRef>
+          <a:effectRef idx="2">
+            <a:schemeClr val="accent6"/>
+          </a:effectRef>
+          <a:fontRef idx="minor">
+            <a:schemeClr val="tx1"/>
+          </a:fontRef>
+        </p:style>
+      </p:cxnSp>
+      <p:cxnSp>
+        <p:nvCxnSpPr>
+          <p:cNvPr id="22" name="Conector recto de flecha 21"/>
+          <p:cNvCxnSpPr>
+            <a:stCxn id="6" idx="0"/>
+            <a:endCxn id="9" idx="2"/>
+          </p:cNvCxnSpPr>
+          <p:nvPr/>
+        </p:nvCxnSpPr>
+        <p:spPr>
+          <a:xfrm flipV="1">
+            <a:off x="8922500" y="1630962"/>
+            <a:ext cx="927652" cy="589722"/>
+          </a:xfrm>
+          <a:prstGeom prst="straightConnector1">
+            <a:avLst/>
+          </a:prstGeom>
+          <a:ln w="38100">
+            <a:tailEnd type="triangle"/>
+          </a:ln>
+        </p:spPr>
+        <p:style>
+          <a:lnRef idx="3">
+            <a:schemeClr val="accent6"/>
+          </a:lnRef>
+          <a:fillRef idx="0">
+            <a:schemeClr val="accent6"/>
+          </a:fillRef>
+          <a:effectRef idx="2">
+            <a:schemeClr val="accent6"/>
+          </a:effectRef>
+          <a:fontRef idx="minor">
+            <a:schemeClr val="tx1"/>
+          </a:fontRef>
+        </p:style>
+      </p:cxnSp>
+      <p:cxnSp>
+        <p:nvCxnSpPr>
+          <p:cNvPr id="24" name="Conector recto de flecha 23"/>
+          <p:cNvCxnSpPr>
+            <a:stCxn id="6" idx="3"/>
+            <a:endCxn id="10" idx="1"/>
+          </p:cNvCxnSpPr>
+          <p:nvPr/>
+        </p:nvCxnSpPr>
+        <p:spPr>
+          <a:xfrm>
+            <a:off x="9598360" y="2472476"/>
+            <a:ext cx="848141" cy="0"/>
+          </a:xfrm>
+          <a:prstGeom prst="straightConnector1">
+            <a:avLst/>
+          </a:prstGeom>
+          <a:ln w="38100">
+            <a:tailEnd type="triangle"/>
+          </a:ln>
+        </p:spPr>
+        <p:style>
+          <a:lnRef idx="3">
+            <a:schemeClr val="accent6"/>
+          </a:lnRef>
+          <a:fillRef idx="0">
+            <a:schemeClr val="accent6"/>
+          </a:fillRef>
+          <a:effectRef idx="2">
+            <a:schemeClr val="accent6"/>
+          </a:effectRef>
+          <a:fontRef idx="minor">
+            <a:schemeClr val="tx1"/>
+          </a:fontRef>
+        </p:style>
+      </p:cxnSp>
+      <p:sp>
+        <p:nvSpPr>
+          <p:cNvPr id="25" name="Rectángulo 24"/>
+          <p:cNvSpPr/>
+          <p:nvPr/>
+        </p:nvSpPr>
+        <p:spPr>
+          <a:xfrm>
+            <a:off x="10446501" y="3088701"/>
+            <a:ext cx="1364974" cy="490331"/>
+          </a:xfrm>
+          <a:prstGeom prst="rect">
+            <a:avLst/>
+          </a:prstGeom>
+        </p:spPr>
+        <p:style>
+          <a:lnRef idx="2">
+            <a:schemeClr val="accent1">
+              <a:shade val="50000"/>
+            </a:schemeClr>
+          </a:lnRef>
+          <a:fillRef idx="1">
+            <a:schemeClr val="accent1"/>
+          </a:fillRef>
+          <a:effectRef idx="0">
+            <a:schemeClr val="accent1"/>
+          </a:effectRef>
+          <a:fontRef idx="minor">
+            <a:schemeClr val="lt1"/>
+          </a:fontRef>
+        </p:style>
+        <p:txBody>
+          <a:bodyPr rtlCol="0" anchor="ctr"/>
+          <a:lstStyle/>
+          <a:p>
+            <a:pPr algn="ctr"/>
+            <a:r>
+              <a:rPr lang="es-GT" dirty="0"/>
+              <a:t>Ingreso de información</a:t>
+            </a:r>
+          </a:p>
+        </p:txBody>
+      </p:sp>
+      <p:cxnSp>
+        <p:nvCxnSpPr>
+          <p:cNvPr id="29" name="Conector recto de flecha 28"/>
+          <p:cNvCxnSpPr>
+            <a:stCxn id="7" idx="0"/>
+            <a:endCxn id="25" idx="1"/>
+          </p:cNvCxnSpPr>
+          <p:nvPr/>
+        </p:nvCxnSpPr>
+        <p:spPr>
+          <a:xfrm flipV="1">
+            <a:off x="8941669" y="3333867"/>
+            <a:ext cx="1504832" cy="413973"/>
+          </a:xfrm>
+          <a:prstGeom prst="straightConnector1">
+            <a:avLst/>
+          </a:prstGeom>
+          <a:ln w="38100">
+            <a:tailEnd type="triangle"/>
+          </a:ln>
+        </p:spPr>
+        <p:style>
+          <a:lnRef idx="3">
+            <a:schemeClr val="accent6"/>
+          </a:lnRef>
+          <a:fillRef idx="0">
+            <a:schemeClr val="accent6"/>
+          </a:fillRef>
+          <a:effectRef idx="2">
+            <a:schemeClr val="accent6"/>
+          </a:effectRef>
+          <a:fontRef idx="minor">
+            <a:schemeClr val="tx1"/>
+          </a:fontRef>
+        </p:style>
+      </p:cxnSp>
+      <p:sp>
+        <p:nvSpPr>
+          <p:cNvPr id="30" name="Rectángulo 29"/>
+          <p:cNvSpPr/>
+          <p:nvPr/>
+        </p:nvSpPr>
+        <p:spPr>
+          <a:xfrm>
+            <a:off x="10446501" y="4009729"/>
+            <a:ext cx="1364974" cy="543339"/>
+          </a:xfrm>
+          <a:prstGeom prst="rect">
+            <a:avLst/>
+          </a:prstGeom>
+        </p:spPr>
+        <p:style>
+          <a:lnRef idx="2">
+            <a:schemeClr val="accent1">
+              <a:shade val="50000"/>
+            </a:schemeClr>
+          </a:lnRef>
+          <a:fillRef idx="1">
+            <a:schemeClr val="accent1"/>
+          </a:fillRef>
+          <a:effectRef idx="0">
+            <a:schemeClr val="accent1"/>
+          </a:effectRef>
+          <a:fontRef idx="minor">
+            <a:schemeClr val="lt1"/>
+          </a:fontRef>
+        </p:style>
+        <p:txBody>
+          <a:bodyPr rtlCol="0" anchor="ctr"/>
+          <a:lstStyle/>
+          <a:p>
+            <a:pPr algn="ctr"/>
+            <a:r>
+              <a:rPr lang="es-GT" dirty="0"/>
+              <a:t>Consulta de información</a:t>
+            </a:r>
+          </a:p>
+        </p:txBody>
+      </p:sp>
+      <p:cxnSp>
+        <p:nvCxnSpPr>
+          <p:cNvPr id="32" name="Conector recto de flecha 31"/>
+          <p:cNvCxnSpPr>
+            <a:stCxn id="7" idx="3"/>
+            <a:endCxn id="30" idx="1"/>
+          </p:cNvCxnSpPr>
+          <p:nvPr/>
+        </p:nvCxnSpPr>
+        <p:spPr>
+          <a:xfrm>
+            <a:off x="9617529" y="4118901"/>
+            <a:ext cx="828972" cy="162498"/>
+          </a:xfrm>
+          <a:prstGeom prst="straightConnector1">
+            <a:avLst/>
+          </a:prstGeom>
+          <a:ln w="38100">
+            <a:tailEnd type="triangle"/>
+          </a:ln>
+        </p:spPr>
+        <p:style>
+          <a:lnRef idx="3">
+            <a:schemeClr val="accent6"/>
+          </a:lnRef>
+          <a:fillRef idx="0">
+            <a:schemeClr val="accent6"/>
+          </a:fillRef>
+          <a:effectRef idx="2">
+            <a:schemeClr val="accent6"/>
+          </a:effectRef>
+          <a:fontRef idx="minor">
+            <a:schemeClr val="tx1"/>
+          </a:fontRef>
+        </p:style>
+      </p:cxnSp>
+      <p:sp>
+        <p:nvSpPr>
+          <p:cNvPr id="44" name="Rectángulo 43"/>
+          <p:cNvSpPr/>
+          <p:nvPr/>
+        </p:nvSpPr>
+        <p:spPr>
+          <a:xfrm>
+            <a:off x="5974307" y="1083204"/>
+            <a:ext cx="1431234" cy="530086"/>
+          </a:xfrm>
+          <a:prstGeom prst="rect">
+            <a:avLst/>
+          </a:prstGeom>
+        </p:spPr>
+        <p:style>
+          <a:lnRef idx="1">
+            <a:schemeClr val="accent6"/>
+          </a:lnRef>
+          <a:fillRef idx="2">
+            <a:schemeClr val="accent6"/>
+          </a:fillRef>
+          <a:effectRef idx="1">
+            <a:schemeClr val="accent6"/>
+          </a:effectRef>
+          <a:fontRef idx="minor">
+            <a:schemeClr val="dk1"/>
+          </a:fontRef>
+        </p:style>
+        <p:txBody>
+          <a:bodyPr rtlCol="0" anchor="ctr"/>
+          <a:lstStyle/>
+          <a:p>
+            <a:pPr algn="ctr"/>
+            <a:r>
+              <a:rPr lang="es-GT" dirty="0">
+                <a:solidFill>
+                  <a:schemeClr val="bg1"/>
+                </a:solidFill>
+              </a:rPr>
+              <a:t>Inicio de sesión</a:t>
+            </a:r>
+          </a:p>
+        </p:txBody>
+      </p:sp>
+      <p:cxnSp>
+        <p:nvCxnSpPr>
+          <p:cNvPr id="46" name="Conector recto de flecha 45"/>
+          <p:cNvCxnSpPr>
+            <a:stCxn id="44" idx="2"/>
+            <a:endCxn id="4" idx="0"/>
+          </p:cNvCxnSpPr>
+          <p:nvPr/>
+        </p:nvCxnSpPr>
+        <p:spPr>
+          <a:xfrm flipH="1">
+            <a:off x="6658077" y="1613290"/>
+            <a:ext cx="31847" cy="1912416"/>
+          </a:xfrm>
+          <a:prstGeom prst="straightConnector1">
+            <a:avLst/>
+          </a:prstGeom>
+          <a:ln w="38100">
+            <a:tailEnd type="triangle"/>
+          </a:ln>
+        </p:spPr>
+        <p:style>
+          <a:lnRef idx="3">
+            <a:schemeClr val="accent6"/>
+          </a:lnRef>
+          <a:fillRef idx="0">
+            <a:schemeClr val="accent6"/>
+          </a:fillRef>
+          <a:effectRef idx="2">
+            <a:schemeClr val="accent6"/>
+          </a:effectRef>
+          <a:fontRef idx="minor">
+            <a:schemeClr val="tx1"/>
+          </a:fontRef>
+        </p:style>
+      </p:cxnSp>
+      <p:sp>
+        <p:nvSpPr>
+          <p:cNvPr id="50" name="Rectángulo 49"/>
+          <p:cNvSpPr/>
+          <p:nvPr/>
+        </p:nvSpPr>
+        <p:spPr>
+          <a:xfrm>
+            <a:off x="3354693" y="4662154"/>
+            <a:ext cx="1451115" cy="639421"/>
+          </a:xfrm>
+          <a:prstGeom prst="rect">
+            <a:avLst/>
+          </a:prstGeom>
+        </p:spPr>
+        <p:style>
+          <a:lnRef idx="2">
+            <a:schemeClr val="accent1">
+              <a:shade val="50000"/>
+            </a:schemeClr>
+          </a:lnRef>
+          <a:fillRef idx="1">
+            <a:schemeClr val="accent1"/>
+          </a:fillRef>
+          <a:effectRef idx="0">
+            <a:schemeClr val="accent1"/>
+          </a:effectRef>
+          <a:fontRef idx="minor">
+            <a:schemeClr val="lt1"/>
+          </a:fontRef>
+        </p:style>
+        <p:txBody>
+          <a:bodyPr rtlCol="0" anchor="ctr"/>
+          <a:lstStyle/>
+          <a:p>
+            <a:pPr algn="ctr"/>
+            <a:r>
+              <a:rPr lang="es-GT" dirty="0"/>
+              <a:t>Inscripción</a:t>
+            </a:r>
+          </a:p>
+        </p:txBody>
+      </p:sp>
+      <p:sp>
+        <p:nvSpPr>
+          <p:cNvPr id="51" name="Rectángulo 50"/>
+          <p:cNvSpPr/>
+          <p:nvPr/>
+        </p:nvSpPr>
+        <p:spPr>
+          <a:xfrm>
+            <a:off x="3192354" y="5838290"/>
+            <a:ext cx="1775792" cy="496960"/>
+          </a:xfrm>
+          <a:prstGeom prst="rect">
+            <a:avLst/>
+          </a:prstGeom>
+        </p:spPr>
+        <p:style>
+          <a:lnRef idx="2">
+            <a:schemeClr val="accent1">
+              <a:shade val="50000"/>
+            </a:schemeClr>
+          </a:lnRef>
+          <a:fillRef idx="1">
+            <a:schemeClr val="accent1"/>
+          </a:fillRef>
+          <a:effectRef idx="0">
+            <a:schemeClr val="accent1"/>
+          </a:effectRef>
+          <a:fontRef idx="minor">
+            <a:schemeClr val="lt1"/>
+          </a:fontRef>
+        </p:style>
+        <p:txBody>
+          <a:bodyPr rtlCol="0" anchor="ctr"/>
+          <a:lstStyle/>
+          <a:p>
+            <a:pPr algn="ctr"/>
+            <a:r>
+              <a:rPr lang="es-GT" dirty="0"/>
+              <a:t>Consulta y edición de datos</a:t>
+            </a:r>
+          </a:p>
+        </p:txBody>
+      </p:sp>
+      <p:cxnSp>
+        <p:nvCxnSpPr>
+          <p:cNvPr id="54" name="Conector recto de flecha 53"/>
+          <p:cNvCxnSpPr>
+            <a:stCxn id="5" idx="0"/>
+            <a:endCxn id="50" idx="3"/>
+          </p:cNvCxnSpPr>
+          <p:nvPr/>
+        </p:nvCxnSpPr>
+        <p:spPr>
+          <a:xfrm flipH="1" flipV="1">
+            <a:off x="4805808" y="4981865"/>
+            <a:ext cx="1893171" cy="790162"/>
+          </a:xfrm>
+          <a:prstGeom prst="straightConnector1">
+            <a:avLst/>
+          </a:prstGeom>
+          <a:ln w="38100">
+            <a:tailEnd type="triangle"/>
+          </a:ln>
+        </p:spPr>
+        <p:style>
+          <a:lnRef idx="3">
+            <a:schemeClr val="accent6"/>
+          </a:lnRef>
+          <a:fillRef idx="0">
+            <a:schemeClr val="accent6"/>
+          </a:fillRef>
+          <a:effectRef idx="2">
+            <a:schemeClr val="accent6"/>
+          </a:effectRef>
+          <a:fontRef idx="minor">
+            <a:schemeClr val="tx1"/>
+          </a:fontRef>
+        </p:style>
+      </p:cxnSp>
+      <p:cxnSp>
+        <p:nvCxnSpPr>
+          <p:cNvPr id="63" name="Conector recto de flecha 62"/>
+          <p:cNvCxnSpPr>
+            <a:stCxn id="5" idx="1"/>
+            <a:endCxn id="51" idx="3"/>
+          </p:cNvCxnSpPr>
+          <p:nvPr/>
+        </p:nvCxnSpPr>
+        <p:spPr>
+          <a:xfrm flipH="1">
+            <a:off x="4968146" y="6023819"/>
+            <a:ext cx="1054972" cy="62951"/>
+          </a:xfrm>
+          <a:prstGeom prst="straightConnector1">
+            <a:avLst/>
+          </a:prstGeom>
+          <a:ln w="38100">
+            <a:tailEnd type="triangle"/>
+          </a:ln>
+        </p:spPr>
+        <p:style>
+          <a:lnRef idx="3">
+            <a:schemeClr val="accent6"/>
+          </a:lnRef>
+          <a:fillRef idx="0">
+            <a:schemeClr val="accent6"/>
+          </a:fillRef>
+          <a:effectRef idx="2">
+            <a:schemeClr val="accent6"/>
+          </a:effectRef>
+          <a:fontRef idx="minor">
+            <a:schemeClr val="tx1"/>
+          </a:fontRef>
+        </p:style>
+      </p:cxnSp>
+      <p:sp>
+        <p:nvSpPr>
+          <p:cNvPr id="110" name="Rectángulo 109"/>
+          <p:cNvSpPr/>
+          <p:nvPr/>
+        </p:nvSpPr>
+        <p:spPr>
+          <a:xfrm>
+            <a:off x="3833017" y="2504733"/>
+            <a:ext cx="1590261" cy="530087"/>
+          </a:xfrm>
+          <a:prstGeom prst="rect">
+            <a:avLst/>
+          </a:prstGeom>
+        </p:spPr>
+        <p:style>
+          <a:lnRef idx="2">
+            <a:schemeClr val="accent1">
+              <a:shade val="50000"/>
+            </a:schemeClr>
+          </a:lnRef>
+          <a:fillRef idx="1">
+            <a:schemeClr val="accent1"/>
+          </a:fillRef>
+          <a:effectRef idx="0">
+            <a:schemeClr val="accent1"/>
+          </a:effectRef>
+          <a:fontRef idx="minor">
+            <a:schemeClr val="lt1"/>
+          </a:fontRef>
+        </p:style>
+        <p:txBody>
+          <a:bodyPr rtlCol="0" anchor="ctr"/>
+          <a:lstStyle/>
+          <a:p>
+            <a:pPr algn="ctr"/>
+            <a:r>
+              <a:rPr lang="es-GT" dirty="0"/>
+              <a:t>Página Administración</a:t>
+            </a:r>
+          </a:p>
+        </p:txBody>
+      </p:sp>
+      <p:sp>
+        <p:nvSpPr>
+          <p:cNvPr id="112" name="Rectángulo 111"/>
+          <p:cNvSpPr/>
+          <p:nvPr/>
+        </p:nvSpPr>
+        <p:spPr>
+          <a:xfrm>
+            <a:off x="1483895" y="2549224"/>
+            <a:ext cx="1338470" cy="510209"/>
+          </a:xfrm>
+          <a:prstGeom prst="rect">
+            <a:avLst/>
+          </a:prstGeom>
+        </p:spPr>
+        <p:style>
+          <a:lnRef idx="2">
+            <a:schemeClr val="accent1">
+              <a:shade val="50000"/>
+            </a:schemeClr>
+          </a:lnRef>
+          <a:fillRef idx="1">
+            <a:schemeClr val="accent1"/>
+          </a:fillRef>
+          <a:effectRef idx="0">
+            <a:schemeClr val="accent1"/>
+          </a:effectRef>
+          <a:fontRef idx="minor">
+            <a:schemeClr val="lt1"/>
+          </a:fontRef>
+        </p:style>
+        <p:txBody>
+          <a:bodyPr rtlCol="0" anchor="ctr"/>
+          <a:lstStyle/>
+          <a:p>
+            <a:pPr algn="ctr"/>
+            <a:r>
+              <a:rPr lang="es-GT" dirty="0"/>
+              <a:t>Creación de usuarios</a:t>
+            </a:r>
+          </a:p>
+        </p:txBody>
+      </p:sp>
+      <p:sp>
+        <p:nvSpPr>
+          <p:cNvPr id="113" name="Rectángulo 112"/>
+          <p:cNvSpPr/>
+          <p:nvPr/>
+        </p:nvSpPr>
+        <p:spPr>
+          <a:xfrm>
+            <a:off x="1006815" y="1595066"/>
+            <a:ext cx="1815550" cy="569844"/>
+          </a:xfrm>
+          <a:prstGeom prst="rect">
+            <a:avLst/>
+          </a:prstGeom>
+        </p:spPr>
+        <p:style>
+          <a:lnRef idx="2">
+            <a:schemeClr val="accent1">
+              <a:shade val="50000"/>
+            </a:schemeClr>
+          </a:lnRef>
+          <a:fillRef idx="1">
+            <a:schemeClr val="accent1"/>
+          </a:fillRef>
+          <a:effectRef idx="0">
+            <a:schemeClr val="accent1"/>
+          </a:effectRef>
+          <a:fontRef idx="minor">
+            <a:schemeClr val="lt1"/>
+          </a:fontRef>
+        </p:style>
+        <p:txBody>
+          <a:bodyPr rtlCol="0" anchor="ctr"/>
+          <a:lstStyle/>
+          <a:p>
+            <a:pPr algn="ctr"/>
+            <a:r>
+              <a:rPr lang="es-GT" dirty="0"/>
+              <a:t>Modificar y eliminar usuarios</a:t>
+            </a:r>
+          </a:p>
+        </p:txBody>
+      </p:sp>
+      <p:sp>
+        <p:nvSpPr>
+          <p:cNvPr id="114" name="Rectángulo 113"/>
+          <p:cNvSpPr/>
+          <p:nvPr/>
+        </p:nvSpPr>
+        <p:spPr>
+          <a:xfrm>
+            <a:off x="1006815" y="3337728"/>
+            <a:ext cx="1815550" cy="795131"/>
+          </a:xfrm>
+          <a:prstGeom prst="rect">
+            <a:avLst/>
+          </a:prstGeom>
+        </p:spPr>
+        <p:style>
+          <a:lnRef idx="2">
+            <a:schemeClr val="accent1">
+              <a:shade val="50000"/>
+            </a:schemeClr>
+          </a:lnRef>
+          <a:fillRef idx="1">
+            <a:schemeClr val="accent1"/>
+          </a:fillRef>
+          <a:effectRef idx="0">
+            <a:schemeClr val="accent1"/>
+          </a:effectRef>
+          <a:fontRef idx="minor">
+            <a:schemeClr val="lt1"/>
+          </a:fontRef>
+        </p:style>
+        <p:txBody>
+          <a:bodyPr rtlCol="0" anchor="ctr"/>
+          <a:lstStyle/>
+          <a:p>
+            <a:pPr algn="ctr"/>
+            <a:r>
+              <a:rPr lang="es-GT" dirty="0"/>
+              <a:t>Edición de Grados y áreas curriculares</a:t>
+            </a:r>
+          </a:p>
+        </p:txBody>
+      </p:sp>
+      <p:cxnSp>
+        <p:nvCxnSpPr>
+          <p:cNvPr id="115" name="Conector recto de flecha 114"/>
+          <p:cNvCxnSpPr>
+            <a:stCxn id="110" idx="0"/>
+            <a:endCxn id="113" idx="3"/>
+          </p:cNvCxnSpPr>
+          <p:nvPr/>
+        </p:nvCxnSpPr>
+        <p:spPr>
+          <a:xfrm flipH="1" flipV="1">
+            <a:off x="2822365" y="1879988"/>
+            <a:ext cx="1805783" cy="624745"/>
+          </a:xfrm>
+          <a:prstGeom prst="straightConnector1">
+            <a:avLst/>
+          </a:prstGeom>
+          <a:ln w="38100">
+            <a:tailEnd type="triangle"/>
+          </a:ln>
+        </p:spPr>
+        <p:style>
+          <a:lnRef idx="3">
+            <a:schemeClr val="accent6"/>
+          </a:lnRef>
+          <a:fillRef idx="0">
+            <a:schemeClr val="accent6"/>
+          </a:fillRef>
+          <a:effectRef idx="2">
+            <a:schemeClr val="accent6"/>
+          </a:effectRef>
+          <a:fontRef idx="minor">
+            <a:schemeClr val="tx1"/>
+          </a:fontRef>
+        </p:style>
+      </p:cxnSp>
+      <p:cxnSp>
+        <p:nvCxnSpPr>
+          <p:cNvPr id="116" name="Conector recto de flecha 115"/>
+          <p:cNvCxnSpPr>
+            <a:stCxn id="110" idx="1"/>
+            <a:endCxn id="112" idx="3"/>
+          </p:cNvCxnSpPr>
+          <p:nvPr/>
+        </p:nvCxnSpPr>
+        <p:spPr>
+          <a:xfrm flipH="1">
+            <a:off x="2822365" y="2769777"/>
+            <a:ext cx="1010652" cy="34552"/>
+          </a:xfrm>
+          <a:prstGeom prst="straightConnector1">
+            <a:avLst/>
+          </a:prstGeom>
+          <a:ln w="38100">
+            <a:tailEnd type="triangle"/>
+          </a:ln>
+        </p:spPr>
+        <p:style>
+          <a:lnRef idx="3">
+            <a:schemeClr val="accent6"/>
+          </a:lnRef>
+          <a:fillRef idx="0">
+            <a:schemeClr val="accent6"/>
+          </a:fillRef>
+          <a:effectRef idx="2">
+            <a:schemeClr val="accent6"/>
+          </a:effectRef>
+          <a:fontRef idx="minor">
+            <a:schemeClr val="tx1"/>
+          </a:fontRef>
+        </p:style>
+      </p:cxnSp>
+      <p:cxnSp>
+        <p:nvCxnSpPr>
+          <p:cNvPr id="117" name="Conector recto de flecha 116"/>
+          <p:cNvCxnSpPr>
+            <a:stCxn id="110" idx="2"/>
+            <a:endCxn id="114" idx="3"/>
+          </p:cNvCxnSpPr>
+          <p:nvPr/>
+        </p:nvCxnSpPr>
+        <p:spPr>
+          <a:xfrm flipH="1">
+            <a:off x="2822365" y="3034820"/>
+            <a:ext cx="1805783" cy="700474"/>
+          </a:xfrm>
+          <a:prstGeom prst="straightConnector1">
+            <a:avLst/>
+          </a:prstGeom>
+          <a:ln w="38100">
+            <a:tailEnd type="triangle"/>
+          </a:ln>
+        </p:spPr>
+        <p:style>
+          <a:lnRef idx="3">
+            <a:schemeClr val="accent6"/>
+          </a:lnRef>
+          <a:fillRef idx="0">
+            <a:schemeClr val="accent6"/>
+          </a:fillRef>
+          <a:effectRef idx="2">
+            <a:schemeClr val="accent6"/>
+          </a:effectRef>
+          <a:fontRef idx="minor">
+            <a:schemeClr val="tx1"/>
+          </a:fontRef>
+        </p:style>
+      </p:cxnSp>
+      <p:sp>
+        <p:nvSpPr>
+          <p:cNvPr id="2" name="CuadroTexto 1"/>
+          <p:cNvSpPr txBox="1"/>
+          <p:nvPr/>
+        </p:nvSpPr>
+        <p:spPr>
+          <a:xfrm>
+            <a:off x="755374" y="397565"/>
+            <a:ext cx="433132" cy="369332"/>
+          </a:xfrm>
+          <a:prstGeom prst="rect">
+            <a:avLst/>
+          </a:prstGeom>
+          <a:noFill/>
+        </p:spPr>
+        <p:txBody>
+          <a:bodyPr wrap="none" rtlCol="0">
+            <a:spAutoFit/>
+          </a:bodyPr>
+          <a:lstStyle/>
+          <a:p>
+            <a:r>
+              <a:rPr lang="es-GT" dirty="0"/>
+              <a:t>V2</a:t>
+            </a:r>
+          </a:p>
+        </p:txBody>
+      </p:sp>
+      <p:cxnSp>
+        <p:nvCxnSpPr>
+          <p:cNvPr id="8" name="Conector angular 7"/>
+          <p:cNvCxnSpPr>
+            <a:stCxn id="4" idx="1"/>
+            <a:endCxn id="110" idx="3"/>
+          </p:cNvCxnSpPr>
+          <p:nvPr/>
+        </p:nvCxnSpPr>
+        <p:spPr>
+          <a:xfrm rot="10800000">
+            <a:off x="5423279" y="2769778"/>
+            <a:ext cx="469211" cy="1213129"/>
+          </a:xfrm>
+          <a:prstGeom prst="bentConnector3">
+            <a:avLst/>
+          </a:prstGeom>
+          <a:ln>
+            <a:tailEnd type="triangle"/>
+          </a:ln>
+        </p:spPr>
+        <p:style>
+          <a:lnRef idx="3">
+            <a:schemeClr val="accent6"/>
+          </a:lnRef>
+          <a:fillRef idx="0">
+            <a:schemeClr val="accent6"/>
+          </a:fillRef>
+          <a:effectRef idx="2">
+            <a:schemeClr val="accent6"/>
+          </a:effectRef>
+          <a:fontRef idx="minor">
+            <a:schemeClr val="tx1"/>
+          </a:fontRef>
+        </p:style>
+      </p:cxnSp>
+    </p:spTree>
+    <p:extLst>
+      <p:ext uri="{BB962C8B-B14F-4D97-AF65-F5344CB8AC3E}">
+        <p14:creationId xmlns:p14="http://schemas.microsoft.com/office/powerpoint/2010/main" val="1579652426"/>
+      </p:ext>
+    </p:extLst>
+  </p:cSld>
+  <p:clrMapOvr>
+    <a:masterClrMapping/>
+  </p:clrMapOvr>
+</p:sld>
+</file>
+
+<file path=ppt/slides/slide3.xml><?xml version="1.0" encoding="utf-8"?>
+<p:sld xmlns:a="http://schemas.openxmlformats.org/drawingml/2006/main" xmlns:r="http://schemas.openxmlformats.org/officeDocument/2006/relationships" xmlns:p="http://schemas.openxmlformats.org/presentationml/2006/main">
+  <p:cSld>
+    <p:spTree>
+      <p:nvGrpSpPr>
+        <p:cNvPr id="1" name=""/>
+        <p:cNvGrpSpPr/>
+        <p:nvPr/>
+      </p:nvGrpSpPr>
+      <p:grpSpPr>
+        <a:xfrm>
+          <a:off x="0" y="0"/>
+          <a:ext cx="0" cy="0"/>
+          <a:chOff x="0" y="0"/>
+          <a:chExt cx="0" cy="0"/>
+        </a:xfrm>
+      </p:grpSpPr>
+      <p:sp>
+        <p:nvSpPr>
+          <p:cNvPr id="109" name="Elipse 108"/>
+          <p:cNvSpPr/>
+          <p:nvPr/>
+        </p:nvSpPr>
+        <p:spPr>
+          <a:xfrm>
+            <a:off x="10181575" y="528358"/>
+            <a:ext cx="1039198" cy="831666"/>
+          </a:xfrm>
+          <a:prstGeom prst="ellipse">
+            <a:avLst/>
+          </a:prstGeom>
+          <a:noFill/>
+        </p:spPr>
+        <p:style>
+          <a:lnRef idx="2">
+            <a:schemeClr val="accent1">
+              <a:shade val="50000"/>
+            </a:schemeClr>
+          </a:lnRef>
+          <a:fillRef idx="1">
+            <a:schemeClr val="accent1"/>
+          </a:fillRef>
+          <a:effectRef idx="0">
+            <a:schemeClr val="accent1"/>
+          </a:effectRef>
+          <a:fontRef idx="minor">
+            <a:schemeClr val="lt1"/>
+          </a:fontRef>
+        </p:style>
+        <p:txBody>
+          <a:bodyPr rtlCol="0" anchor="ctr"/>
+          <a:lstStyle/>
+          <a:p>
+            <a:pPr algn="ctr"/>
+            <a:endParaRPr lang="es-GT"/>
+          </a:p>
+        </p:txBody>
+      </p:sp>
+      <p:sp>
+        <p:nvSpPr>
+          <p:cNvPr id="2" name="Elipse 1"/>
+          <p:cNvSpPr/>
+          <p:nvPr/>
+        </p:nvSpPr>
+        <p:spPr>
+          <a:xfrm>
+            <a:off x="1825438" y="1302934"/>
+            <a:ext cx="1764196" cy="1080120"/>
+          </a:xfrm>
+          <a:prstGeom prst="ellipse">
+            <a:avLst/>
+          </a:prstGeom>
+        </p:spPr>
+        <p:style>
+          <a:lnRef idx="2">
+            <a:schemeClr val="accent1">
+              <a:shade val="50000"/>
+            </a:schemeClr>
+          </a:lnRef>
+          <a:fillRef idx="1">
+            <a:schemeClr val="accent1"/>
+          </a:fillRef>
+          <a:effectRef idx="0">
+            <a:schemeClr val="accent1"/>
+          </a:effectRef>
+          <a:fontRef idx="minor">
+            <a:schemeClr val="lt1"/>
+          </a:fontRef>
+        </p:style>
+        <p:txBody>
+          <a:bodyPr rtlCol="0" anchor="ctr"/>
+          <a:lstStyle/>
+          <a:p>
+            <a:pPr algn="ctr"/>
+            <a:r>
+              <a:rPr lang="es-GT" dirty="0"/>
+              <a:t>Sponsor</a:t>
+            </a:r>
+          </a:p>
+        </p:txBody>
+      </p:sp>
+      <p:sp>
+        <p:nvSpPr>
+          <p:cNvPr id="3" name="Rectángulo 2"/>
+          <p:cNvSpPr/>
+          <p:nvPr/>
+        </p:nvSpPr>
+        <p:spPr>
+          <a:xfrm>
+            <a:off x="9179717" y="1032904"/>
+            <a:ext cx="1548172" cy="987933"/>
+          </a:xfrm>
+          <a:prstGeom prst="rect">
+            <a:avLst/>
+          </a:prstGeom>
+        </p:spPr>
+        <p:style>
+          <a:lnRef idx="2">
+            <a:schemeClr val="accent1">
+              <a:shade val="50000"/>
+            </a:schemeClr>
+          </a:lnRef>
+          <a:fillRef idx="1">
+            <a:schemeClr val="accent1"/>
+          </a:fillRef>
+          <a:effectRef idx="0">
+            <a:schemeClr val="accent1"/>
+          </a:effectRef>
+          <a:fontRef idx="minor">
+            <a:schemeClr val="lt1"/>
+          </a:fontRef>
+        </p:style>
+        <p:txBody>
+          <a:bodyPr rtlCol="0" anchor="ctr"/>
+          <a:lstStyle/>
+          <a:p>
+            <a:pPr algn="ctr"/>
+            <a:r>
+              <a:rPr lang="es-GT" dirty="0"/>
+              <a:t>Analista de Calidad</a:t>
+            </a:r>
+          </a:p>
+        </p:txBody>
+      </p:sp>
+      <p:sp>
+        <p:nvSpPr>
+          <p:cNvPr id="4" name="Elipse 3"/>
+          <p:cNvSpPr/>
+          <p:nvPr/>
+        </p:nvSpPr>
+        <p:spPr>
+          <a:xfrm>
+            <a:off x="9071707" y="2780424"/>
+            <a:ext cx="1764196" cy="1080120"/>
+          </a:xfrm>
+          <a:prstGeom prst="ellipse">
+            <a:avLst/>
+          </a:prstGeom>
+        </p:spPr>
+        <p:style>
+          <a:lnRef idx="2">
+            <a:schemeClr val="accent1">
+              <a:shade val="50000"/>
+            </a:schemeClr>
+          </a:lnRef>
+          <a:fillRef idx="1">
+            <a:schemeClr val="accent1"/>
+          </a:fillRef>
+          <a:effectRef idx="0">
+            <a:schemeClr val="accent1"/>
+          </a:effectRef>
+          <a:fontRef idx="minor">
+            <a:schemeClr val="lt1"/>
+          </a:fontRef>
+        </p:style>
+        <p:txBody>
+          <a:bodyPr rtlCol="0" anchor="ctr"/>
+          <a:lstStyle/>
+          <a:p>
+            <a:pPr algn="ctr"/>
+            <a:r>
+              <a:rPr lang="es-GT" dirty="0" err="1"/>
+              <a:t>Proyect</a:t>
+            </a:r>
+            <a:r>
+              <a:rPr lang="es-GT" dirty="0"/>
+              <a:t> Manager</a:t>
+            </a:r>
+          </a:p>
+        </p:txBody>
+      </p:sp>
+      <p:sp>
+        <p:nvSpPr>
+          <p:cNvPr id="6" name="Elipse 5"/>
+          <p:cNvSpPr/>
+          <p:nvPr/>
+        </p:nvSpPr>
+        <p:spPr>
+          <a:xfrm>
+            <a:off x="630330" y="3333184"/>
+            <a:ext cx="1764196" cy="1080120"/>
+          </a:xfrm>
+          <a:prstGeom prst="ellipse">
+            <a:avLst/>
+          </a:prstGeom>
+        </p:spPr>
+        <p:style>
+          <a:lnRef idx="2">
+            <a:schemeClr val="accent1">
+              <a:shade val="50000"/>
+            </a:schemeClr>
+          </a:lnRef>
+          <a:fillRef idx="1">
+            <a:schemeClr val="accent1"/>
+          </a:fillRef>
+          <a:effectRef idx="0">
+            <a:schemeClr val="accent1"/>
+          </a:effectRef>
+          <a:fontRef idx="minor">
+            <a:schemeClr val="lt1"/>
+          </a:fontRef>
+        </p:style>
+        <p:txBody>
+          <a:bodyPr rtlCol="0" anchor="ctr"/>
+          <a:lstStyle/>
+          <a:p>
+            <a:pPr algn="ctr"/>
+            <a:r>
+              <a:rPr lang="es-GT" dirty="0"/>
+              <a:t>Cliente</a:t>
+            </a:r>
+          </a:p>
+        </p:txBody>
+      </p:sp>
+      <p:cxnSp>
+        <p:nvCxnSpPr>
+          <p:cNvPr id="7" name="Conector angular 6"/>
+          <p:cNvCxnSpPr>
+            <a:stCxn id="6" idx="2"/>
+            <a:endCxn id="2" idx="2"/>
+          </p:cNvCxnSpPr>
+          <p:nvPr/>
+        </p:nvCxnSpPr>
+        <p:spPr>
+          <a:xfrm rot="10800000" flipH="1">
+            <a:off x="630330" y="1842994"/>
+            <a:ext cx="1195108" cy="2030250"/>
+          </a:xfrm>
+          <a:prstGeom prst="bentConnector3">
+            <a:avLst>
+              <a:gd name="adj1" fmla="val -19128"/>
+            </a:avLst>
+          </a:prstGeom>
+          <a:ln>
+            <a:headEnd type="triangle"/>
+            <a:tailEnd type="triangle"/>
+          </a:ln>
+        </p:spPr>
+        <p:style>
+          <a:lnRef idx="1">
+            <a:schemeClr val="accent1"/>
+          </a:lnRef>
+          <a:fillRef idx="0">
+            <a:schemeClr val="accent1"/>
+          </a:fillRef>
+          <a:effectRef idx="0">
+            <a:schemeClr val="accent1"/>
+          </a:effectRef>
+          <a:fontRef idx="minor">
+            <a:schemeClr val="tx1"/>
+          </a:fontRef>
+        </p:style>
+      </p:cxnSp>
+      <p:sp>
+        <p:nvSpPr>
+          <p:cNvPr id="10" name="CuadroTexto 9"/>
+          <p:cNvSpPr txBox="1"/>
+          <p:nvPr/>
+        </p:nvSpPr>
+        <p:spPr>
+          <a:xfrm>
+            <a:off x="-3463232" y="759525"/>
+            <a:ext cx="3358868" cy="369332"/>
+          </a:xfrm>
+          <a:prstGeom prst="rect">
+            <a:avLst/>
+          </a:prstGeom>
+          <a:noFill/>
+        </p:spPr>
+        <p:txBody>
+          <a:bodyPr wrap="none" rtlCol="0">
+            <a:spAutoFit/>
+          </a:bodyPr>
+          <a:lstStyle/>
+          <a:p>
+            <a:r>
+              <a:rPr lang="es-GT" dirty="0"/>
+              <a:t>Diagrama de Flujo de Información</a:t>
+            </a:r>
+          </a:p>
+        </p:txBody>
+      </p:sp>
+      <p:sp>
+        <p:nvSpPr>
+          <p:cNvPr id="11" name="Rectángulo 10"/>
+          <p:cNvSpPr/>
+          <p:nvPr/>
+        </p:nvSpPr>
+        <p:spPr>
+          <a:xfrm>
+            <a:off x="9179717" y="5074863"/>
+            <a:ext cx="1548172" cy="987933"/>
+          </a:xfrm>
+          <a:prstGeom prst="rect">
+            <a:avLst/>
+          </a:prstGeom>
+        </p:spPr>
+        <p:style>
+          <a:lnRef idx="2">
+            <a:schemeClr val="accent1">
+              <a:shade val="50000"/>
+            </a:schemeClr>
+          </a:lnRef>
+          <a:fillRef idx="1">
+            <a:schemeClr val="accent1"/>
+          </a:fillRef>
+          <a:effectRef idx="0">
+            <a:schemeClr val="accent1"/>
+          </a:effectRef>
+          <a:fontRef idx="minor">
+            <a:schemeClr val="lt1"/>
+          </a:fontRef>
+        </p:style>
+        <p:txBody>
+          <a:bodyPr rtlCol="0" anchor="ctr"/>
+          <a:lstStyle/>
+          <a:p>
+            <a:pPr algn="ctr"/>
+            <a:r>
+              <a:rPr lang="es-GT" dirty="0"/>
+              <a:t>Analista Programador</a:t>
+            </a:r>
+          </a:p>
+        </p:txBody>
+      </p:sp>
+      <p:sp>
+        <p:nvSpPr>
+          <p:cNvPr id="20" name="CuadroTexto 19"/>
+          <p:cNvSpPr txBox="1"/>
+          <p:nvPr/>
+        </p:nvSpPr>
+        <p:spPr>
+          <a:xfrm>
+            <a:off x="3656930" y="1480484"/>
+            <a:ext cx="2241239" cy="369332"/>
+          </a:xfrm>
+          <a:prstGeom prst="rect">
+            <a:avLst/>
+          </a:prstGeom>
+          <a:noFill/>
+        </p:spPr>
+        <p:txBody>
+          <a:bodyPr wrap="square" rtlCol="0">
+            <a:spAutoFit/>
+          </a:bodyPr>
+          <a:lstStyle/>
+          <a:p>
+            <a:pPr algn="ctr"/>
+            <a:r>
+              <a:rPr lang="es-GT" dirty="0"/>
+              <a:t>tareas</a:t>
+            </a:r>
+          </a:p>
+        </p:txBody>
+      </p:sp>
+      <p:sp>
+        <p:nvSpPr>
+          <p:cNvPr id="26" name="CuadroTexto 25"/>
+          <p:cNvSpPr txBox="1"/>
+          <p:nvPr/>
+        </p:nvSpPr>
+        <p:spPr>
+          <a:xfrm>
+            <a:off x="5266196" y="159026"/>
+            <a:ext cx="2241239" cy="646331"/>
+          </a:xfrm>
+          <a:prstGeom prst="rect">
+            <a:avLst/>
+          </a:prstGeom>
+          <a:noFill/>
+        </p:spPr>
+        <p:txBody>
+          <a:bodyPr wrap="square" rtlCol="0">
+            <a:spAutoFit/>
+          </a:bodyPr>
+          <a:lstStyle/>
+          <a:p>
+            <a:pPr algn="ctr"/>
+            <a:r>
+              <a:rPr lang="es-GT" dirty="0"/>
+              <a:t>Entrega de tareas</a:t>
+            </a:r>
+          </a:p>
+          <a:p>
+            <a:pPr algn="ctr"/>
+            <a:r>
+              <a:rPr lang="es-GT" dirty="0"/>
+              <a:t>Moodle</a:t>
+            </a:r>
+          </a:p>
+        </p:txBody>
+      </p:sp>
+      <p:sp>
+        <p:nvSpPr>
+          <p:cNvPr id="27" name="CuadroTexto 26"/>
+          <p:cNvSpPr txBox="1"/>
+          <p:nvPr/>
+        </p:nvSpPr>
+        <p:spPr>
+          <a:xfrm>
+            <a:off x="5064941" y="5446907"/>
+            <a:ext cx="2241239" cy="646331"/>
+          </a:xfrm>
+          <a:prstGeom prst="rect">
+            <a:avLst/>
+          </a:prstGeom>
+          <a:noFill/>
+        </p:spPr>
+        <p:txBody>
+          <a:bodyPr wrap="square" rtlCol="0">
+            <a:spAutoFit/>
+          </a:bodyPr>
+          <a:lstStyle/>
+          <a:p>
+            <a:pPr algn="ctr"/>
+            <a:r>
+              <a:rPr lang="es-GT" dirty="0"/>
+              <a:t>Entrega de tareas</a:t>
+            </a:r>
+          </a:p>
+          <a:p>
+            <a:pPr algn="ctr"/>
+            <a:r>
+              <a:rPr lang="es-GT" dirty="0"/>
+              <a:t>Moodle</a:t>
+            </a:r>
+          </a:p>
+        </p:txBody>
+      </p:sp>
+      <p:sp>
+        <p:nvSpPr>
+          <p:cNvPr id="32" name="Rombo 31"/>
+          <p:cNvSpPr/>
+          <p:nvPr/>
+        </p:nvSpPr>
+        <p:spPr>
+          <a:xfrm>
+            <a:off x="4804475" y="2613576"/>
+            <a:ext cx="1725669" cy="1413816"/>
+          </a:xfrm>
+          <a:prstGeom prst="diamond">
+            <a:avLst/>
+          </a:prstGeom>
+        </p:spPr>
+        <p:style>
+          <a:lnRef idx="2">
+            <a:schemeClr val="accent1">
+              <a:shade val="50000"/>
+            </a:schemeClr>
+          </a:lnRef>
+          <a:fillRef idx="1">
+            <a:schemeClr val="accent1"/>
+          </a:fillRef>
+          <a:effectRef idx="0">
+            <a:schemeClr val="accent1"/>
+          </a:effectRef>
+          <a:fontRef idx="minor">
+            <a:schemeClr val="lt1"/>
+          </a:fontRef>
+        </p:style>
+        <p:txBody>
+          <a:bodyPr rtlCol="0" anchor="ctr"/>
+          <a:lstStyle/>
+          <a:p>
+            <a:pPr algn="ctr"/>
+            <a:r>
+              <a:rPr lang="es-GT" sz="1600" dirty="0"/>
+              <a:t>Entrega</a:t>
+            </a:r>
+            <a:endParaRPr lang="es-GT" dirty="0"/>
+          </a:p>
+        </p:txBody>
+      </p:sp>
+      <p:cxnSp>
+        <p:nvCxnSpPr>
+          <p:cNvPr id="34" name="Conector angular 33"/>
+          <p:cNvCxnSpPr>
+            <a:stCxn id="2" idx="6"/>
+            <a:endCxn id="32" idx="0"/>
+          </p:cNvCxnSpPr>
+          <p:nvPr/>
+        </p:nvCxnSpPr>
+        <p:spPr>
+          <a:xfrm>
+            <a:off x="3589634" y="1842994"/>
+            <a:ext cx="2077676" cy="770582"/>
+          </a:xfrm>
+          <a:prstGeom prst="bentConnector2">
+            <a:avLst/>
+          </a:prstGeom>
+          <a:ln>
+            <a:headEnd type="triangle"/>
+            <a:tailEnd type="triangle"/>
+          </a:ln>
+        </p:spPr>
+        <p:style>
+          <a:lnRef idx="1">
+            <a:schemeClr val="accent1"/>
+          </a:lnRef>
+          <a:fillRef idx="0">
+            <a:schemeClr val="accent1"/>
+          </a:fillRef>
+          <a:effectRef idx="0">
+            <a:schemeClr val="accent1"/>
+          </a:effectRef>
+          <a:fontRef idx="minor">
+            <a:schemeClr val="tx1"/>
+          </a:fontRef>
+        </p:style>
+      </p:cxnSp>
+      <p:cxnSp>
+        <p:nvCxnSpPr>
+          <p:cNvPr id="36" name="Conector angular 35"/>
+          <p:cNvCxnSpPr>
+            <a:stCxn id="32" idx="3"/>
+            <a:endCxn id="4" idx="2"/>
+          </p:cNvCxnSpPr>
+          <p:nvPr/>
+        </p:nvCxnSpPr>
+        <p:spPr>
+          <a:xfrm>
+            <a:off x="6530144" y="3320484"/>
+            <a:ext cx="2541563" cy="12700"/>
+          </a:xfrm>
+          <a:prstGeom prst="bentConnector3">
+            <a:avLst/>
+          </a:prstGeom>
+          <a:ln>
+            <a:headEnd type="triangle"/>
+            <a:tailEnd type="triangle"/>
+          </a:ln>
+        </p:spPr>
+        <p:style>
+          <a:lnRef idx="1">
+            <a:schemeClr val="accent1"/>
+          </a:lnRef>
+          <a:fillRef idx="0">
+            <a:schemeClr val="accent1"/>
+          </a:fillRef>
+          <a:effectRef idx="0">
+            <a:schemeClr val="accent1"/>
+          </a:effectRef>
+          <a:fontRef idx="minor">
+            <a:schemeClr val="tx1"/>
+          </a:fontRef>
+        </p:style>
+      </p:cxnSp>
+      <p:cxnSp>
+        <p:nvCxnSpPr>
+          <p:cNvPr id="40" name="Conector angular 39"/>
+          <p:cNvCxnSpPr>
+            <a:stCxn id="32" idx="2"/>
+            <a:endCxn id="4" idx="3"/>
+          </p:cNvCxnSpPr>
+          <p:nvPr/>
+        </p:nvCxnSpPr>
+        <p:spPr>
+          <a:xfrm rot="5400000" flipH="1" flipV="1">
+            <a:off x="7336175" y="2033499"/>
+            <a:ext cx="325028" cy="3662758"/>
+          </a:xfrm>
+          <a:prstGeom prst="bentConnector3">
+            <a:avLst>
+              <a:gd name="adj1" fmla="val -70332"/>
+            </a:avLst>
+          </a:prstGeom>
+          <a:ln>
+            <a:headEnd type="triangle"/>
+            <a:tailEnd type="triangle"/>
+          </a:ln>
+        </p:spPr>
+        <p:style>
+          <a:lnRef idx="1">
+            <a:schemeClr val="accent1"/>
+          </a:lnRef>
+          <a:fillRef idx="0">
+            <a:schemeClr val="accent1"/>
+          </a:fillRef>
+          <a:effectRef idx="0">
+            <a:schemeClr val="accent1"/>
+          </a:effectRef>
+          <a:fontRef idx="minor">
+            <a:schemeClr val="tx1"/>
+          </a:fontRef>
+        </p:style>
+      </p:cxnSp>
+      <p:sp>
+        <p:nvSpPr>
+          <p:cNvPr id="41" name="CuadroTexto 40"/>
+          <p:cNvSpPr txBox="1"/>
+          <p:nvPr/>
+        </p:nvSpPr>
+        <p:spPr>
+          <a:xfrm>
+            <a:off x="6530143" y="2954014"/>
+            <a:ext cx="2241239" cy="369332"/>
+          </a:xfrm>
+          <a:prstGeom prst="rect">
+            <a:avLst/>
+          </a:prstGeom>
+          <a:noFill/>
+        </p:spPr>
+        <p:txBody>
+          <a:bodyPr wrap="square" rtlCol="0">
+            <a:spAutoFit/>
+          </a:bodyPr>
+          <a:lstStyle/>
+          <a:p>
+            <a:pPr algn="ctr"/>
+            <a:r>
+              <a:rPr lang="es-GT" dirty="0" err="1"/>
+              <a:t>ClockingIT</a:t>
+            </a:r>
+            <a:endParaRPr lang="es-GT" dirty="0"/>
+          </a:p>
+        </p:txBody>
+      </p:sp>
+      <p:sp>
+        <p:nvSpPr>
+          <p:cNvPr id="42" name="CuadroTexto 41"/>
+          <p:cNvSpPr txBox="1"/>
+          <p:nvPr/>
+        </p:nvSpPr>
+        <p:spPr>
+          <a:xfrm>
+            <a:off x="6439491" y="3728096"/>
+            <a:ext cx="2241239" cy="369332"/>
+          </a:xfrm>
+          <a:prstGeom prst="rect">
+            <a:avLst/>
+          </a:prstGeom>
+          <a:noFill/>
+        </p:spPr>
+        <p:txBody>
+          <a:bodyPr wrap="square" rtlCol="0">
+            <a:spAutoFit/>
+          </a:bodyPr>
+          <a:lstStyle/>
+          <a:p>
+            <a:pPr algn="ctr"/>
+            <a:r>
+              <a:rPr lang="es-GT" dirty="0"/>
+              <a:t>Moodle</a:t>
+            </a:r>
+          </a:p>
+        </p:txBody>
+      </p:sp>
+      <p:cxnSp>
+        <p:nvCxnSpPr>
+          <p:cNvPr id="55" name="Conector angular 54"/>
+          <p:cNvCxnSpPr>
+            <a:stCxn id="3" idx="0"/>
+            <a:endCxn id="2" idx="7"/>
+          </p:cNvCxnSpPr>
+          <p:nvPr/>
+        </p:nvCxnSpPr>
+        <p:spPr>
+          <a:xfrm rot="16200000" flipH="1" flipV="1">
+            <a:off x="6428433" y="-2064256"/>
+            <a:ext cx="428210" cy="6622530"/>
+          </a:xfrm>
+          <a:prstGeom prst="bentConnector3">
+            <a:avLst>
+              <a:gd name="adj1" fmla="val -53385"/>
+            </a:avLst>
+          </a:prstGeom>
+          <a:ln>
+            <a:tailEnd type="triangle"/>
+          </a:ln>
+        </p:spPr>
+        <p:style>
+          <a:lnRef idx="1">
+            <a:schemeClr val="accent1"/>
+          </a:lnRef>
+          <a:fillRef idx="0">
+            <a:schemeClr val="accent1"/>
+          </a:fillRef>
+          <a:effectRef idx="0">
+            <a:schemeClr val="accent1"/>
+          </a:effectRef>
+          <a:fontRef idx="minor">
+            <a:schemeClr val="tx1"/>
+          </a:fontRef>
+        </p:style>
+      </p:cxnSp>
+      <p:cxnSp>
+        <p:nvCxnSpPr>
+          <p:cNvPr id="57" name="Conector angular 56"/>
+          <p:cNvCxnSpPr>
+            <a:stCxn id="11" idx="2"/>
+            <a:endCxn id="2" idx="4"/>
+          </p:cNvCxnSpPr>
+          <p:nvPr/>
+        </p:nvCxnSpPr>
+        <p:spPr>
+          <a:xfrm rot="5400000" flipH="1">
+            <a:off x="4490799" y="599792"/>
+            <a:ext cx="3679742" cy="7246267"/>
+          </a:xfrm>
+          <a:prstGeom prst="bentConnector3">
+            <a:avLst>
+              <a:gd name="adj1" fmla="val -6212"/>
+            </a:avLst>
+          </a:prstGeom>
+          <a:ln>
+            <a:tailEnd type="triangle"/>
+          </a:ln>
+        </p:spPr>
+        <p:style>
+          <a:lnRef idx="1">
+            <a:schemeClr val="accent1"/>
+          </a:lnRef>
+          <a:fillRef idx="0">
+            <a:schemeClr val="accent1"/>
+          </a:fillRef>
+          <a:effectRef idx="0">
+            <a:schemeClr val="accent1"/>
+          </a:effectRef>
+          <a:fontRef idx="minor">
+            <a:schemeClr val="tx1"/>
+          </a:fontRef>
+        </p:style>
+      </p:cxnSp>
+      <p:cxnSp>
+        <p:nvCxnSpPr>
+          <p:cNvPr id="61" name="Conector angular 60"/>
+          <p:cNvCxnSpPr>
+            <a:stCxn id="3" idx="2"/>
+            <a:endCxn id="4" idx="0"/>
+          </p:cNvCxnSpPr>
+          <p:nvPr/>
+        </p:nvCxnSpPr>
+        <p:spPr>
+          <a:xfrm rot="16200000" flipH="1">
+            <a:off x="9574011" y="2400629"/>
+            <a:ext cx="759587" cy="2"/>
+          </a:xfrm>
+          <a:prstGeom prst="bentConnector3">
+            <a:avLst/>
+          </a:prstGeom>
+          <a:ln>
+            <a:headEnd type="triangle"/>
+            <a:tailEnd type="triangle"/>
+          </a:ln>
+        </p:spPr>
+        <p:style>
+          <a:lnRef idx="1">
+            <a:schemeClr val="accent1"/>
+          </a:lnRef>
+          <a:fillRef idx="0">
+            <a:schemeClr val="accent1"/>
+          </a:fillRef>
+          <a:effectRef idx="0">
+            <a:schemeClr val="accent1"/>
+          </a:effectRef>
+          <a:fontRef idx="minor">
+            <a:schemeClr val="tx1"/>
+          </a:fontRef>
+        </p:style>
+      </p:cxnSp>
+      <p:cxnSp>
+        <p:nvCxnSpPr>
+          <p:cNvPr id="66" name="Conector angular 65"/>
+          <p:cNvCxnSpPr>
+            <a:stCxn id="4" idx="4"/>
+            <a:endCxn id="11" idx="0"/>
+          </p:cNvCxnSpPr>
+          <p:nvPr/>
+        </p:nvCxnSpPr>
+        <p:spPr>
+          <a:xfrm rot="5400000">
+            <a:off x="9346645" y="4467702"/>
+            <a:ext cx="1214319" cy="2"/>
+          </a:xfrm>
+          <a:prstGeom prst="bentConnector3">
+            <a:avLst/>
+          </a:prstGeom>
+          <a:ln>
+            <a:headEnd type="triangle"/>
+            <a:tailEnd type="triangle"/>
+          </a:ln>
+        </p:spPr>
+        <p:style>
+          <a:lnRef idx="1">
+            <a:schemeClr val="accent1"/>
+          </a:lnRef>
+          <a:fillRef idx="0">
+            <a:schemeClr val="accent1"/>
+          </a:fillRef>
+          <a:effectRef idx="0">
+            <a:schemeClr val="accent1"/>
+          </a:effectRef>
+          <a:fontRef idx="minor">
+            <a:schemeClr val="tx1"/>
+          </a:fontRef>
+        </p:style>
+      </p:cxnSp>
+      <p:sp>
+        <p:nvSpPr>
+          <p:cNvPr id="67" name="CuadroTexto 66"/>
+          <p:cNvSpPr txBox="1"/>
+          <p:nvPr/>
+        </p:nvSpPr>
+        <p:spPr>
+          <a:xfrm>
+            <a:off x="7766572" y="2079623"/>
+            <a:ext cx="2241239" cy="646331"/>
+          </a:xfrm>
+          <a:prstGeom prst="rect">
+            <a:avLst/>
+          </a:prstGeom>
+          <a:noFill/>
+        </p:spPr>
+        <p:txBody>
+          <a:bodyPr wrap="square" rtlCol="0">
+            <a:spAutoFit/>
+          </a:bodyPr>
+          <a:lstStyle/>
+          <a:p>
+            <a:pPr algn="ctr"/>
+            <a:r>
+              <a:rPr lang="es-GT" dirty="0"/>
+              <a:t>Envió de Documentos</a:t>
+            </a:r>
+          </a:p>
+          <a:p>
+            <a:pPr algn="ctr"/>
+            <a:r>
+              <a:rPr lang="es-GT" dirty="0"/>
+              <a:t>Messenger</a:t>
+            </a:r>
+          </a:p>
+        </p:txBody>
+      </p:sp>
+      <p:sp>
+        <p:nvSpPr>
+          <p:cNvPr id="68" name="CuadroTexto 67"/>
+          <p:cNvSpPr txBox="1"/>
+          <p:nvPr/>
+        </p:nvSpPr>
+        <p:spPr>
+          <a:xfrm>
+            <a:off x="7712565" y="4330823"/>
+            <a:ext cx="2241239" cy="646331"/>
+          </a:xfrm>
+          <a:prstGeom prst="rect">
+            <a:avLst/>
+          </a:prstGeom>
+          <a:noFill/>
+        </p:spPr>
+        <p:txBody>
+          <a:bodyPr wrap="square" rtlCol="0">
+            <a:spAutoFit/>
+          </a:bodyPr>
+          <a:lstStyle/>
+          <a:p>
+            <a:pPr algn="ctr"/>
+            <a:r>
+              <a:rPr lang="es-GT" dirty="0"/>
+              <a:t>Envió de Documentos</a:t>
+            </a:r>
+          </a:p>
+          <a:p>
+            <a:pPr algn="ctr"/>
+            <a:r>
+              <a:rPr lang="es-GT" dirty="0"/>
+              <a:t>Messenger</a:t>
+            </a:r>
+          </a:p>
+        </p:txBody>
+      </p:sp>
+      <p:cxnSp>
+        <p:nvCxnSpPr>
+          <p:cNvPr id="70" name="Conector angular 69"/>
+          <p:cNvCxnSpPr>
+            <a:stCxn id="3" idx="3"/>
+            <a:endCxn id="4" idx="7"/>
+          </p:cNvCxnSpPr>
+          <p:nvPr/>
+        </p:nvCxnSpPr>
+        <p:spPr>
+          <a:xfrm flipH="1">
+            <a:off x="10577542" y="1526871"/>
+            <a:ext cx="150347" cy="1411733"/>
+          </a:xfrm>
+          <a:prstGeom prst="bentConnector4">
+            <a:avLst>
+              <a:gd name="adj1" fmla="val -162357"/>
+              <a:gd name="adj2" fmla="val 91534"/>
+            </a:avLst>
+          </a:prstGeom>
+          <a:ln>
+            <a:headEnd type="triangle"/>
+            <a:tailEnd type="triangle"/>
+          </a:ln>
+        </p:spPr>
+        <p:style>
+          <a:lnRef idx="1">
+            <a:schemeClr val="accent1"/>
+          </a:lnRef>
+          <a:fillRef idx="0">
+            <a:schemeClr val="accent1"/>
+          </a:fillRef>
+          <a:effectRef idx="0">
+            <a:schemeClr val="accent1"/>
+          </a:effectRef>
+          <a:fontRef idx="minor">
+            <a:schemeClr val="tx1"/>
+          </a:fontRef>
+        </p:style>
+      </p:cxnSp>
+      <p:cxnSp>
+        <p:nvCxnSpPr>
+          <p:cNvPr id="75" name="Conector angular 74"/>
+          <p:cNvCxnSpPr>
+            <a:stCxn id="4" idx="5"/>
+            <a:endCxn id="11" idx="3"/>
+          </p:cNvCxnSpPr>
+          <p:nvPr/>
+        </p:nvCxnSpPr>
+        <p:spPr>
+          <a:xfrm rot="16200000" flipH="1">
+            <a:off x="9719482" y="4560423"/>
+            <a:ext cx="1866466" cy="150347"/>
+          </a:xfrm>
+          <a:prstGeom prst="bentConnector4">
+            <a:avLst>
+              <a:gd name="adj1" fmla="val 31699"/>
+              <a:gd name="adj2" fmla="val 323891"/>
+            </a:avLst>
+          </a:prstGeom>
+          <a:ln>
+            <a:headEnd type="triangle"/>
+            <a:tailEnd type="triangle"/>
+          </a:ln>
+        </p:spPr>
+        <p:style>
+          <a:lnRef idx="1">
+            <a:schemeClr val="accent1"/>
+          </a:lnRef>
+          <a:fillRef idx="0">
+            <a:schemeClr val="accent1"/>
+          </a:fillRef>
+          <a:effectRef idx="0">
+            <a:schemeClr val="accent1"/>
+          </a:effectRef>
+          <a:fontRef idx="minor">
+            <a:schemeClr val="tx1"/>
+          </a:fontRef>
+        </p:style>
+      </p:cxnSp>
+      <p:sp>
+        <p:nvSpPr>
+          <p:cNvPr id="77" name="CuadroTexto 76"/>
+          <p:cNvSpPr txBox="1"/>
+          <p:nvPr/>
+        </p:nvSpPr>
+        <p:spPr>
+          <a:xfrm rot="5400000">
+            <a:off x="10266221" y="1830357"/>
+            <a:ext cx="2241239" cy="646331"/>
+          </a:xfrm>
+          <a:prstGeom prst="rect">
+            <a:avLst/>
+          </a:prstGeom>
+          <a:noFill/>
+        </p:spPr>
+        <p:txBody>
+          <a:bodyPr wrap="square" rtlCol="0">
+            <a:spAutoFit/>
+          </a:bodyPr>
+          <a:lstStyle/>
+          <a:p>
+            <a:pPr algn="ctr"/>
+            <a:r>
+              <a:rPr lang="es-GT" dirty="0"/>
+              <a:t>Fechas de reunión</a:t>
+            </a:r>
+          </a:p>
+          <a:p>
+            <a:pPr algn="ctr"/>
+            <a:r>
+              <a:rPr lang="es-GT" dirty="0"/>
+              <a:t>Correo Electrónico</a:t>
+            </a:r>
+          </a:p>
+        </p:txBody>
+      </p:sp>
+      <p:sp>
+        <p:nvSpPr>
+          <p:cNvPr id="78" name="CuadroTexto 77"/>
+          <p:cNvSpPr txBox="1"/>
+          <p:nvPr/>
+        </p:nvSpPr>
+        <p:spPr>
+          <a:xfrm rot="5400000">
+            <a:off x="10283000" y="4570297"/>
+            <a:ext cx="2241239" cy="646331"/>
+          </a:xfrm>
+          <a:prstGeom prst="rect">
+            <a:avLst/>
+          </a:prstGeom>
+          <a:noFill/>
+        </p:spPr>
+        <p:txBody>
+          <a:bodyPr wrap="square" rtlCol="0">
+            <a:spAutoFit/>
+          </a:bodyPr>
+          <a:lstStyle/>
+          <a:p>
+            <a:pPr algn="ctr"/>
+            <a:r>
+              <a:rPr lang="es-GT" dirty="0"/>
+              <a:t>Fechas de reunión</a:t>
+            </a:r>
+          </a:p>
+          <a:p>
+            <a:pPr algn="ctr"/>
+            <a:r>
+              <a:rPr lang="es-GT" dirty="0"/>
+              <a:t>Correo Electrónico</a:t>
+            </a:r>
+          </a:p>
+        </p:txBody>
+      </p:sp>
+      <p:cxnSp>
+        <p:nvCxnSpPr>
+          <p:cNvPr id="114" name="Conector recto de flecha 113"/>
+          <p:cNvCxnSpPr/>
+          <p:nvPr/>
+        </p:nvCxnSpPr>
+        <p:spPr>
+          <a:xfrm>
+            <a:off x="10185400" y="979208"/>
+            <a:ext cx="0" cy="87592"/>
+          </a:xfrm>
+          <a:prstGeom prst="straightConnector1">
+            <a:avLst/>
+          </a:prstGeom>
+          <a:ln>
+            <a:tailEnd type="triangle"/>
+          </a:ln>
+        </p:spPr>
+        <p:style>
+          <a:lnRef idx="1">
+            <a:schemeClr val="accent1"/>
+          </a:lnRef>
+          <a:fillRef idx="0">
+            <a:schemeClr val="accent1"/>
+          </a:fillRef>
+          <a:effectRef idx="0">
+            <a:schemeClr val="accent1"/>
+          </a:effectRef>
+          <a:fontRef idx="minor">
+            <a:schemeClr val="tx1"/>
+          </a:fontRef>
+        </p:style>
+      </p:cxnSp>
+      <p:sp>
+        <p:nvSpPr>
+          <p:cNvPr id="117" name="CuadroTexto 116"/>
+          <p:cNvSpPr txBox="1"/>
+          <p:nvPr/>
+        </p:nvSpPr>
+        <p:spPr>
+          <a:xfrm>
+            <a:off x="10100153" y="-47278"/>
+            <a:ext cx="2241239" cy="646331"/>
+          </a:xfrm>
+          <a:prstGeom prst="rect">
+            <a:avLst/>
+          </a:prstGeom>
+          <a:noFill/>
+        </p:spPr>
+        <p:txBody>
+          <a:bodyPr wrap="square" rtlCol="0">
+            <a:spAutoFit/>
+          </a:bodyPr>
+          <a:lstStyle/>
+          <a:p>
+            <a:pPr algn="ctr"/>
+            <a:r>
+              <a:rPr lang="es-GT" dirty="0"/>
+              <a:t>Reuniones Virtuales</a:t>
+            </a:r>
+          </a:p>
+          <a:p>
+            <a:pPr algn="ctr"/>
+            <a:r>
+              <a:rPr lang="es-GT" dirty="0" err="1"/>
+              <a:t>HangOuts</a:t>
+            </a:r>
+            <a:endParaRPr lang="es-GT" dirty="0"/>
+          </a:p>
+        </p:txBody>
+      </p:sp>
+      <p:sp>
+        <p:nvSpPr>
+          <p:cNvPr id="119" name="CuadroTexto 118"/>
+          <p:cNvSpPr txBox="1"/>
+          <p:nvPr/>
+        </p:nvSpPr>
+        <p:spPr>
+          <a:xfrm>
+            <a:off x="309792" y="2599948"/>
+            <a:ext cx="2241239" cy="646331"/>
+          </a:xfrm>
+          <a:prstGeom prst="rect">
+            <a:avLst/>
+          </a:prstGeom>
+          <a:noFill/>
+        </p:spPr>
+        <p:txBody>
+          <a:bodyPr wrap="square" rtlCol="0">
+            <a:spAutoFit/>
+          </a:bodyPr>
+          <a:lstStyle/>
+          <a:p>
+            <a:pPr algn="ctr"/>
+            <a:r>
+              <a:rPr lang="es-GT" dirty="0"/>
+              <a:t>Diálogos informativos</a:t>
+            </a:r>
+          </a:p>
+          <a:p>
+            <a:pPr algn="ctr"/>
+            <a:r>
+              <a:rPr lang="es-GT" dirty="0"/>
+              <a:t>Correo Electrónico</a:t>
+            </a:r>
+          </a:p>
+        </p:txBody>
+      </p:sp>
+    </p:spTree>
+    <p:extLst>
+      <p:ext uri="{BB962C8B-B14F-4D97-AF65-F5344CB8AC3E}">
+        <p14:creationId xmlns:p14="http://schemas.microsoft.com/office/powerpoint/2010/main" val="880361821"/>
       </p:ext>
     </p:extLst>
   </p:cSld>
@@ -6989,12 +10374,13 @@
               </a:ext>
             </a:extLst>
           </a:blip>
+          <a:srcRect l="22709" b="14423"/>
           <a:stretch/>
         </p:blipFill>
         <p:spPr>
           <a:xfrm>
-            <a:off x="3678110" y="1843059"/>
-            <a:ext cx="5240604" cy="3980844"/>
+            <a:off x="225287" y="2783964"/>
+            <a:ext cx="4300396" cy="3616836"/>
           </a:xfrm>
           <a:prstGeom prst="rect">
             <a:avLst/>
@@ -7003,341 +10389,147 @@
       </p:pic>
       <p:sp>
         <p:nvSpPr>
-          <p:cNvPr id="4" name="CuadroTexto 3"/>
-          <p:cNvSpPr txBox="1"/>
-          <p:nvPr/>
-        </p:nvSpPr>
-        <p:spPr>
-          <a:xfrm>
-            <a:off x="1351722" y="357809"/>
-            <a:ext cx="3045001" cy="369332"/>
-          </a:xfrm>
-          <a:prstGeom prst="rect">
-            <a:avLst/>
-          </a:prstGeom>
-          <a:noFill/>
-        </p:spPr>
-        <p:txBody>
-          <a:bodyPr wrap="none" rtlCol="0">
-            <a:spAutoFit/>
-          </a:bodyPr>
-          <a:lstStyle/>
-          <a:p>
+          <p:cNvPr id="4" name="Rectángulo 3"/>
+          <p:cNvSpPr/>
+          <p:nvPr/>
+        </p:nvSpPr>
+        <p:spPr>
+          <a:xfrm>
+            <a:off x="6864626" y="3087756"/>
+            <a:ext cx="2213113" cy="450574"/>
+          </a:xfrm>
+          <a:prstGeom prst="rect">
+            <a:avLst/>
+          </a:prstGeom>
+        </p:spPr>
+        <p:style>
+          <a:lnRef idx="2">
+            <a:schemeClr val="accent1"/>
+          </a:lnRef>
+          <a:fillRef idx="1">
+            <a:schemeClr val="lt1"/>
+          </a:fillRef>
+          <a:effectRef idx="0">
+            <a:schemeClr val="accent1"/>
+          </a:effectRef>
+          <a:fontRef idx="minor">
+            <a:schemeClr val="dk1"/>
+          </a:fontRef>
+        </p:style>
+        <p:txBody>
+          <a:bodyPr rtlCol="0" anchor="ctr"/>
+          <a:lstStyle/>
+          <a:p>
+            <a:r>
+              <a:rPr lang="es-GT" dirty="0">
+                <a:solidFill>
+                  <a:schemeClr val="bg1">
+                    <a:lumMod val="65000"/>
+                  </a:schemeClr>
+                </a:solidFill>
+              </a:rPr>
+              <a:t>Usuario</a:t>
+            </a:r>
+          </a:p>
+        </p:txBody>
+      </p:sp>
+      <p:sp>
+        <p:nvSpPr>
+          <p:cNvPr id="5" name="Rectángulo 4"/>
+          <p:cNvSpPr/>
+          <p:nvPr/>
+        </p:nvSpPr>
+        <p:spPr>
+          <a:xfrm>
+            <a:off x="6864626" y="3738120"/>
+            <a:ext cx="2213113" cy="450574"/>
+          </a:xfrm>
+          <a:prstGeom prst="rect">
+            <a:avLst/>
+          </a:prstGeom>
+        </p:spPr>
+        <p:style>
+          <a:lnRef idx="2">
+            <a:schemeClr val="accent1"/>
+          </a:lnRef>
+          <a:fillRef idx="1">
+            <a:schemeClr val="lt1"/>
+          </a:fillRef>
+          <a:effectRef idx="0">
+            <a:schemeClr val="accent1"/>
+          </a:effectRef>
+          <a:fontRef idx="minor">
+            <a:schemeClr val="dk1"/>
+          </a:fontRef>
+        </p:style>
+        <p:txBody>
+          <a:bodyPr rtlCol="0" anchor="ctr"/>
+          <a:lstStyle/>
+          <a:p>
+            <a:r>
+              <a:rPr lang="es-GT" dirty="0">
+                <a:solidFill>
+                  <a:schemeClr val="bg1">
+                    <a:lumMod val="65000"/>
+                  </a:schemeClr>
+                </a:solidFill>
+              </a:rPr>
+              <a:t>Contraseña</a:t>
+            </a:r>
+          </a:p>
+        </p:txBody>
+      </p:sp>
+      <p:sp>
+        <p:nvSpPr>
+          <p:cNvPr id="6" name="Rectángulo redondeado 5"/>
+          <p:cNvSpPr/>
+          <p:nvPr/>
+        </p:nvSpPr>
+        <p:spPr>
+          <a:xfrm>
+            <a:off x="8216348" y="4388484"/>
+            <a:ext cx="861391" cy="357809"/>
+          </a:xfrm>
+          <a:prstGeom prst="roundRect">
+            <a:avLst/>
+          </a:prstGeom>
+        </p:spPr>
+        <p:style>
+          <a:lnRef idx="0">
+            <a:schemeClr val="accent1"/>
+          </a:lnRef>
+          <a:fillRef idx="3">
+            <a:schemeClr val="accent1"/>
+          </a:fillRef>
+          <a:effectRef idx="3">
+            <a:schemeClr val="accent1"/>
+          </a:effectRef>
+          <a:fontRef idx="minor">
+            <a:schemeClr val="lt1"/>
+          </a:fontRef>
+        </p:style>
+        <p:txBody>
+          <a:bodyPr rtlCol="0" anchor="ctr"/>
+          <a:lstStyle/>
+          <a:p>
+            <a:pPr algn="ctr"/>
             <a:r>
               <a:rPr lang="es-GT" dirty="0"/>
-              <a:t>Pagina de Inicio Administrador</a:t>
-            </a:r>
-          </a:p>
-        </p:txBody>
-      </p:sp>
-      <p:sp>
-        <p:nvSpPr>
-          <p:cNvPr id="6" name="Esquina doblada 5"/>
+              <a:t>Iniciar</a:t>
+            </a:r>
+          </a:p>
+        </p:txBody>
+      </p:sp>
+      <p:sp>
+        <p:nvSpPr>
+          <p:cNvPr id="7" name="Rectángulo 6"/>
           <p:cNvSpPr/>
           <p:nvPr/>
         </p:nvSpPr>
         <p:spPr>
           <a:xfrm>
-            <a:off x="225286" y="3412435"/>
-            <a:ext cx="2777721" cy="834886"/>
-          </a:xfrm>
-          <a:prstGeom prst="foldedCorner">
-            <a:avLst/>
-          </a:prstGeom>
-        </p:spPr>
-        <p:style>
-          <a:lnRef idx="2">
-            <a:schemeClr val="accent1">
-              <a:shade val="50000"/>
-            </a:schemeClr>
-          </a:lnRef>
-          <a:fillRef idx="1">
-            <a:schemeClr val="accent1"/>
-          </a:fillRef>
-          <a:effectRef idx="0">
-            <a:schemeClr val="accent1"/>
-          </a:effectRef>
-          <a:fontRef idx="minor">
-            <a:schemeClr val="lt1"/>
-          </a:fontRef>
-        </p:style>
-        <p:txBody>
-          <a:bodyPr rtlCol="0" anchor="ctr"/>
-          <a:lstStyle/>
-          <a:p>
-            <a:pPr algn="ctr"/>
-            <a:endParaRPr lang="es-GT"/>
-          </a:p>
-        </p:txBody>
-      </p:sp>
-      <p:sp>
-        <p:nvSpPr>
-          <p:cNvPr id="7" name="Esquina doblada 6"/>
-          <p:cNvSpPr/>
-          <p:nvPr/>
-        </p:nvSpPr>
-        <p:spPr>
-          <a:xfrm>
-            <a:off x="225283" y="1676400"/>
-            <a:ext cx="2777721" cy="834886"/>
-          </a:xfrm>
-          <a:prstGeom prst="foldedCorner">
-            <a:avLst/>
-          </a:prstGeom>
-        </p:spPr>
-        <p:style>
-          <a:lnRef idx="2">
-            <a:schemeClr val="accent1">
-              <a:shade val="50000"/>
-            </a:schemeClr>
-          </a:lnRef>
-          <a:fillRef idx="1">
-            <a:schemeClr val="accent1"/>
-          </a:fillRef>
-          <a:effectRef idx="0">
-            <a:schemeClr val="accent1"/>
-          </a:effectRef>
-          <a:fontRef idx="minor">
-            <a:schemeClr val="lt1"/>
-          </a:fontRef>
-        </p:style>
-        <p:txBody>
-          <a:bodyPr rtlCol="0" anchor="ctr"/>
-          <a:lstStyle/>
-          <a:p>
-            <a:pPr algn="ctr"/>
-            <a:r>
-              <a:rPr lang="es-GT" dirty="0"/>
-              <a:t>Información de Personal</a:t>
-            </a:r>
-          </a:p>
-        </p:txBody>
-      </p:sp>
-      <p:sp>
-        <p:nvSpPr>
-          <p:cNvPr id="8" name="Esquina doblada 7"/>
-          <p:cNvSpPr/>
-          <p:nvPr/>
-        </p:nvSpPr>
-        <p:spPr>
-          <a:xfrm>
-            <a:off x="225284" y="3412435"/>
-            <a:ext cx="2777721" cy="834886"/>
-          </a:xfrm>
-          <a:prstGeom prst="foldedCorner">
-            <a:avLst/>
-          </a:prstGeom>
-        </p:spPr>
-        <p:style>
-          <a:lnRef idx="2">
-            <a:schemeClr val="accent1">
-              <a:shade val="50000"/>
-            </a:schemeClr>
-          </a:lnRef>
-          <a:fillRef idx="1">
-            <a:schemeClr val="accent1"/>
-          </a:fillRef>
-          <a:effectRef idx="0">
-            <a:schemeClr val="accent1"/>
-          </a:effectRef>
-          <a:fontRef idx="minor">
-            <a:schemeClr val="lt1"/>
-          </a:fontRef>
-        </p:style>
-        <p:txBody>
-          <a:bodyPr rtlCol="0" anchor="ctr"/>
-          <a:lstStyle/>
-          <a:p>
-            <a:pPr algn="ctr"/>
-            <a:r>
-              <a:rPr lang="es-GT" dirty="0"/>
-              <a:t>Pagos</a:t>
-            </a:r>
-          </a:p>
-        </p:txBody>
-      </p:sp>
-      <p:sp>
-        <p:nvSpPr>
-          <p:cNvPr id="9" name="Esquina doblada 8"/>
-          <p:cNvSpPr/>
-          <p:nvPr/>
-        </p:nvSpPr>
-        <p:spPr>
-          <a:xfrm>
-            <a:off x="225284" y="5148470"/>
-            <a:ext cx="2777721" cy="834886"/>
-          </a:xfrm>
-          <a:prstGeom prst="foldedCorner">
-            <a:avLst/>
-          </a:prstGeom>
-        </p:spPr>
-        <p:style>
-          <a:lnRef idx="2">
-            <a:schemeClr val="accent1">
-              <a:shade val="50000"/>
-            </a:schemeClr>
-          </a:lnRef>
-          <a:fillRef idx="1">
-            <a:schemeClr val="accent1"/>
-          </a:fillRef>
-          <a:effectRef idx="0">
-            <a:schemeClr val="accent1"/>
-          </a:effectRef>
-          <a:fontRef idx="minor">
-            <a:schemeClr val="lt1"/>
-          </a:fontRef>
-        </p:style>
-        <p:txBody>
-          <a:bodyPr rtlCol="0" anchor="ctr"/>
-          <a:lstStyle/>
-          <a:p>
-            <a:pPr algn="ctr"/>
-            <a:r>
-              <a:rPr lang="es-GT" dirty="0"/>
-              <a:t>Administración</a:t>
-            </a:r>
-          </a:p>
-        </p:txBody>
-      </p:sp>
-      <p:sp>
-        <p:nvSpPr>
-          <p:cNvPr id="17" name="Esquina doblada 16"/>
-          <p:cNvSpPr/>
-          <p:nvPr/>
-        </p:nvSpPr>
-        <p:spPr>
-          <a:xfrm flipH="1">
-            <a:off x="9096227" y="1676400"/>
-            <a:ext cx="2777721" cy="834886"/>
-          </a:xfrm>
-          <a:prstGeom prst="foldedCorner">
-            <a:avLst/>
-          </a:prstGeom>
-        </p:spPr>
-        <p:style>
-          <a:lnRef idx="2">
-            <a:schemeClr val="accent1">
-              <a:shade val="50000"/>
-            </a:schemeClr>
-          </a:lnRef>
-          <a:fillRef idx="1">
-            <a:schemeClr val="accent1"/>
-          </a:fillRef>
-          <a:effectRef idx="0">
-            <a:schemeClr val="accent1"/>
-          </a:effectRef>
-          <a:fontRef idx="minor">
-            <a:schemeClr val="lt1"/>
-          </a:fontRef>
-        </p:style>
-        <p:txBody>
-          <a:bodyPr rtlCol="0" anchor="ctr"/>
-          <a:lstStyle/>
-          <a:p>
-            <a:pPr algn="ctr"/>
-            <a:r>
-              <a:rPr lang="es-GT" dirty="0"/>
-              <a:t>Inscripción</a:t>
-            </a:r>
-          </a:p>
-        </p:txBody>
-      </p:sp>
-      <p:sp>
-        <p:nvSpPr>
-          <p:cNvPr id="18" name="Esquina doblada 17"/>
-          <p:cNvSpPr/>
-          <p:nvPr/>
-        </p:nvSpPr>
-        <p:spPr>
-          <a:xfrm flipH="1">
-            <a:off x="9096226" y="3313044"/>
-            <a:ext cx="2777721" cy="834886"/>
-          </a:xfrm>
-          <a:prstGeom prst="foldedCorner">
-            <a:avLst/>
-          </a:prstGeom>
-        </p:spPr>
-        <p:style>
-          <a:lnRef idx="2">
-            <a:schemeClr val="accent1">
-              <a:shade val="50000"/>
-            </a:schemeClr>
-          </a:lnRef>
-          <a:fillRef idx="1">
-            <a:schemeClr val="accent1"/>
-          </a:fillRef>
-          <a:effectRef idx="0">
-            <a:schemeClr val="accent1"/>
-          </a:effectRef>
-          <a:fontRef idx="minor">
-            <a:schemeClr val="lt1"/>
-          </a:fontRef>
-        </p:style>
-        <p:txBody>
-          <a:bodyPr rtlCol="0" anchor="ctr"/>
-          <a:lstStyle/>
-          <a:p>
-            <a:pPr algn="ctr"/>
-            <a:r>
-              <a:rPr lang="es-GT" dirty="0"/>
-              <a:t>Notas</a:t>
-            </a:r>
-          </a:p>
-        </p:txBody>
-      </p:sp>
-      <p:sp>
-        <p:nvSpPr>
-          <p:cNvPr id="19" name="Esquina doblada 18"/>
-          <p:cNvSpPr/>
-          <p:nvPr/>
-        </p:nvSpPr>
-        <p:spPr>
-          <a:xfrm flipH="1">
-            <a:off x="9096225" y="5148470"/>
-            <a:ext cx="2777721" cy="834886"/>
-          </a:xfrm>
-          <a:prstGeom prst="foldedCorner">
-            <a:avLst/>
-          </a:prstGeom>
-        </p:spPr>
-        <p:style>
-          <a:lnRef idx="2">
-            <a:schemeClr val="accent1">
-              <a:shade val="50000"/>
-            </a:schemeClr>
-          </a:lnRef>
-          <a:fillRef idx="1">
-            <a:schemeClr val="accent1"/>
-          </a:fillRef>
-          <a:effectRef idx="0">
-            <a:schemeClr val="accent1"/>
-          </a:effectRef>
-          <a:fontRef idx="minor">
-            <a:schemeClr val="lt1"/>
-          </a:fontRef>
-        </p:style>
-        <p:txBody>
-          <a:bodyPr rtlCol="0" anchor="ctr"/>
-          <a:lstStyle/>
-          <a:p>
-            <a:pPr algn="ctr"/>
-            <a:r>
-              <a:rPr lang="es-GT" dirty="0"/>
-              <a:t>Listados</a:t>
-            </a:r>
-          </a:p>
-        </p:txBody>
-      </p:sp>
-      <p:sp>
-        <p:nvSpPr>
-          <p:cNvPr id="20" name="Rectángulo 19"/>
-          <p:cNvSpPr/>
-          <p:nvPr/>
-        </p:nvSpPr>
-        <p:spPr>
-          <a:xfrm>
-            <a:off x="5628198" y="1135173"/>
-            <a:ext cx="1276311" cy="707886"/>
+            <a:off x="1057897" y="1129457"/>
+            <a:ext cx="9983439" cy="1323439"/>
           </a:xfrm>
           <a:prstGeom prst="rect">
             <a:avLst/>
@@ -7349,6 +10541,31 @@
             <a:spAutoFit/>
           </a:bodyPr>
           <a:lstStyle/>
+          <a:p>
+            <a:pPr algn="ctr"/>
+            <a:r>
+              <a:rPr lang="es-ES" sz="4000" b="1" cap="none" spc="0" dirty="0">
+                <a:ln w="9525">
+                  <a:solidFill>
+                    <a:schemeClr val="bg1"/>
+                  </a:solidFill>
+                  <a:prstDash val="solid"/>
+                </a:ln>
+                <a:solidFill>
+                  <a:schemeClr val="accent5"/>
+                </a:solidFill>
+                <a:effectLst>
+                  <a:outerShdw blurRad="12700" dist="38100" dir="2700000" algn="tl" rotWithShape="0">
+                    <a:schemeClr val="accent5">
+                      <a:lumMod val="60000"/>
+                      <a:lumOff val="40000"/>
+                    </a:schemeClr>
+                  </a:outerShdw>
+                </a:effectLst>
+              </a:rPr>
+              <a:t>Sistema de Gestión de Información Estudiantil</a:t>
+            </a:r>
+          </a:p>
           <a:p>
             <a:pPr algn="ctr"/>
             <a:r>
@@ -7397,14 +10614,14 @@
       </p:sp>
       <p:sp>
         <p:nvSpPr>
-          <p:cNvPr id="21" name="Rectángulo 20"/>
-          <p:cNvSpPr/>
-          <p:nvPr/>
-        </p:nvSpPr>
-        <p:spPr>
-          <a:xfrm>
-            <a:off x="5628198" y="5692914"/>
-            <a:ext cx="1340432" cy="707886"/>
+          <p:cNvPr id="8" name="CuadroTexto 7"/>
+          <p:cNvSpPr txBox="1"/>
+          <p:nvPr/>
+        </p:nvSpPr>
+        <p:spPr>
+          <a:xfrm>
+            <a:off x="1351722" y="357809"/>
+            <a:ext cx="1648208" cy="369332"/>
           </a:xfrm>
           <a:prstGeom prst="rect">
             <a:avLst/>
@@ -7412,146 +10629,14 @@
           <a:noFill/>
         </p:spPr>
         <p:txBody>
-          <a:bodyPr wrap="none" lIns="91440" tIns="45720" rIns="91440" bIns="45720">
+          <a:bodyPr wrap="none" rtlCol="0">
             <a:spAutoFit/>
           </a:bodyPr>
           <a:lstStyle/>
           <a:p>
-            <a:pPr algn="ctr"/>
-            <a:r>
-              <a:rPr lang="es-ES" sz="4000" b="1" dirty="0">
-                <a:ln w="9525">
-                  <a:solidFill>
-                    <a:schemeClr val="bg1"/>
-                  </a:solidFill>
-                  <a:prstDash val="solid"/>
-                </a:ln>
-                <a:solidFill>
-                  <a:schemeClr val="accent5"/>
-                </a:solidFill>
-                <a:effectLst>
-                  <a:outerShdw blurRad="12700" dist="38100" dir="2700000" algn="tl" rotWithShape="0">
-                    <a:schemeClr val="accent5">
-                      <a:lumMod val="60000"/>
-                      <a:lumOff val="40000"/>
-                    </a:schemeClr>
-                  </a:outerShdw>
-                </a:effectLst>
-              </a:rPr>
-              <a:t>Inicio</a:t>
-            </a:r>
-            <a:endParaRPr lang="es-ES" sz="4000" b="1" cap="none" spc="0" dirty="0">
-              <a:ln w="9525">
-                <a:solidFill>
-                  <a:schemeClr val="bg1"/>
-                </a:solidFill>
-                <a:prstDash val="solid"/>
-              </a:ln>
-              <a:solidFill>
-                <a:schemeClr val="accent5"/>
-              </a:solidFill>
-              <a:effectLst>
-                <a:outerShdw blurRad="12700" dist="38100" dir="2700000" algn="tl" rotWithShape="0">
-                  <a:schemeClr val="accent5">
-                    <a:lumMod val="60000"/>
-                    <a:lumOff val="40000"/>
-                  </a:schemeClr>
-                </a:outerShdw>
-              </a:effectLst>
-            </a:endParaRPr>
-          </a:p>
-        </p:txBody>
-      </p:sp>
-      <p:sp>
-        <p:nvSpPr>
-          <p:cNvPr id="22" name="Esquina doblada 21"/>
-          <p:cNvSpPr/>
-          <p:nvPr/>
-        </p:nvSpPr>
-        <p:spPr>
-          <a:xfrm flipH="1">
-            <a:off x="10376452" y="1060174"/>
-            <a:ext cx="1497494" cy="397564"/>
-          </a:xfrm>
-          <a:prstGeom prst="foldedCorner">
-            <a:avLst/>
-          </a:prstGeom>
-        </p:spPr>
-        <p:style>
-          <a:lnRef idx="2">
-            <a:schemeClr val="accent5"/>
-          </a:lnRef>
-          <a:fillRef idx="1">
-            <a:schemeClr val="lt1"/>
-          </a:fillRef>
-          <a:effectRef idx="0">
-            <a:schemeClr val="accent5"/>
-          </a:effectRef>
-          <a:fontRef idx="minor">
-            <a:schemeClr val="dk1"/>
-          </a:fontRef>
-        </p:style>
-        <p:txBody>
-          <a:bodyPr rtlCol="0" anchor="ctr"/>
-          <a:lstStyle/>
-          <a:p>
-            <a:pPr algn="ctr"/>
-            <a:r>
-              <a:rPr lang="es-GT" dirty="0">
-                <a:solidFill>
-                  <a:schemeClr val="accent1">
-                    <a:lumMod val="75000"/>
-                  </a:schemeClr>
-                </a:solidFill>
-              </a:rPr>
-              <a:t>Cerrar Sesión</a:t>
-            </a:r>
-          </a:p>
-        </p:txBody>
-      </p:sp>
-      <p:sp>
-        <p:nvSpPr>
-          <p:cNvPr id="23" name="Esquina doblada 22"/>
-          <p:cNvSpPr/>
-          <p:nvPr/>
-        </p:nvSpPr>
-        <p:spPr>
-          <a:xfrm>
-            <a:off x="225283" y="1060174"/>
-            <a:ext cx="1497495" cy="397564"/>
-          </a:xfrm>
-          <a:prstGeom prst="foldedCorner">
-            <a:avLst/>
-          </a:prstGeom>
-        </p:spPr>
-        <p:style>
-          <a:lnRef idx="2">
-            <a:schemeClr val="accent5"/>
-          </a:lnRef>
-          <a:fillRef idx="1">
-            <a:schemeClr val="lt1"/>
-          </a:fillRef>
-          <a:effectRef idx="0">
-            <a:schemeClr val="accent5"/>
-          </a:effectRef>
-          <a:fontRef idx="minor">
-            <a:schemeClr val="dk1"/>
-          </a:fontRef>
-        </p:style>
-        <p:txBody>
-          <a:bodyPr rtlCol="0" anchor="ctr"/>
-          <a:lstStyle/>
-          <a:p>
-            <a:pPr algn="ctr"/>
-            <a:r>
-              <a:rPr lang="es-GT" sz="1400" dirty="0">
-                <a:solidFill>
-                  <a:schemeClr val="accent1">
-                    <a:lumMod val="75000"/>
-                  </a:schemeClr>
-                </a:solidFill>
-              </a:rPr>
-              <a:t>“Usuario Activo”</a:t>
+            <a:r>
+              <a:rPr lang="es-GT" dirty="0"/>
+              <a:t>Inicio de Sesión</a:t>
             </a:r>
           </a:p>
         </p:txBody>
@@ -7559,7 +10644,7 @@
     </p:spTree>
     <p:extLst>
       <p:ext uri="{BB962C8B-B14F-4D97-AF65-F5344CB8AC3E}">
-        <p14:creationId xmlns:p14="http://schemas.microsoft.com/office/powerpoint/2010/main" val="57379434"/>
+        <p14:creationId xmlns:p14="http://schemas.microsoft.com/office/powerpoint/2010/main" val="4006645328"/>
       </p:ext>
     </p:extLst>
   </p:cSld>
@@ -7570,84 +10655,6 @@
 </file>
 
 <file path=ppt/slides/slide5.xml><?xml version="1.0" encoding="utf-8"?>
-<p:sld xmlns:a="http://schemas.openxmlformats.org/drawingml/2006/main" xmlns:r="http://schemas.openxmlformats.org/officeDocument/2006/relationships" xmlns:p="http://schemas.openxmlformats.org/presentationml/2006/main">
-  <p:cSld>
-    <p:spTree>
-      <p:nvGrpSpPr>
-        <p:cNvPr id="1" name=""/>
-        <p:cNvGrpSpPr/>
-        <p:nvPr/>
-      </p:nvGrpSpPr>
-      <p:grpSpPr>
-        <a:xfrm>
-          <a:off x="0" y="0"/>
-          <a:ext cx="0" cy="0"/>
-          <a:chOff x="0" y="0"/>
-          <a:chExt cx="0" cy="0"/>
-        </a:xfrm>
-      </p:grpSpPr>
-      <p:sp>
-        <p:nvSpPr>
-          <p:cNvPr id="2" name="Rectángulo 1"/>
-          <p:cNvSpPr/>
-          <p:nvPr/>
-        </p:nvSpPr>
-        <p:spPr>
-          <a:xfrm>
-            <a:off x="3655750" y="2967335"/>
-            <a:ext cx="4880503" cy="1446550"/>
-          </a:xfrm>
-          <a:prstGeom prst="rect">
-            <a:avLst/>
-          </a:prstGeom>
-          <a:noFill/>
-        </p:spPr>
-        <p:txBody>
-          <a:bodyPr wrap="none" lIns="91440" tIns="45720" rIns="91440" bIns="45720">
-            <a:spAutoFit/>
-          </a:bodyPr>
-          <a:lstStyle/>
-          <a:p>
-            <a:pPr algn="ctr"/>
-            <a:r>
-              <a:rPr lang="es-ES" sz="8800" b="1" cap="none" spc="0" dirty="0">
-                <a:ln w="9525">
-                  <a:solidFill>
-                    <a:schemeClr val="bg1"/>
-                  </a:solidFill>
-                  <a:prstDash val="solid"/>
-                </a:ln>
-                <a:solidFill>
-                  <a:schemeClr val="accent5"/>
-                </a:solidFill>
-                <a:effectLst>
-                  <a:outerShdw blurRad="12700" dist="38100" dir="2700000" algn="tl" rotWithShape="0">
-                    <a:schemeClr val="accent5">
-                      <a:lumMod val="60000"/>
-                      <a:lumOff val="40000"/>
-                    </a:schemeClr>
-                  </a:outerShdw>
-                </a:effectLst>
-              </a:rPr>
-              <a:t>Secretaria</a:t>
-            </a:r>
-          </a:p>
-        </p:txBody>
-      </p:sp>
-    </p:spTree>
-    <p:extLst>
-      <p:ext uri="{BB962C8B-B14F-4D97-AF65-F5344CB8AC3E}">
-        <p14:creationId xmlns:p14="http://schemas.microsoft.com/office/powerpoint/2010/main" val="2809853636"/>
-      </p:ext>
-    </p:extLst>
-  </p:cSld>
-  <p:clrMapOvr>
-    <a:masterClrMapping/>
-  </p:clrMapOvr>
-</p:sld>
-</file>
-
-<file path=ppt/slides/slide6.xml><?xml version="1.0" encoding="utf-8"?>
 <p:sld xmlns:a="http://schemas.openxmlformats.org/drawingml/2006/main" xmlns:r="http://schemas.openxmlformats.org/officeDocument/2006/relationships" xmlns:p="http://schemas.openxmlformats.org/presentationml/2006/main">
   <p:cSld>
     <p:spTree>
@@ -7753,13 +10760,12 @@
               </a:ext>
             </a:extLst>
           </a:blip>
-          <a:srcRect l="22709" b="14423"/>
           <a:stretch/>
         </p:blipFill>
         <p:spPr>
           <a:xfrm>
-            <a:off x="225287" y="2783964"/>
-            <a:ext cx="4300396" cy="3616836"/>
+            <a:off x="3678110" y="1843059"/>
+            <a:ext cx="5240604" cy="3980844"/>
           </a:xfrm>
           <a:prstGeom prst="rect">
             <a:avLst/>
@@ -7768,27 +10774,225 @@
       </p:pic>
       <p:sp>
         <p:nvSpPr>
-          <p:cNvPr id="6" name="Rectángulo redondeado 5"/>
+          <p:cNvPr id="4" name="CuadroTexto 3"/>
+          <p:cNvSpPr txBox="1"/>
+          <p:nvPr/>
+        </p:nvSpPr>
+        <p:spPr>
+          <a:xfrm>
+            <a:off x="1351722" y="357809"/>
+            <a:ext cx="2642903" cy="369332"/>
+          </a:xfrm>
+          <a:prstGeom prst="rect">
+            <a:avLst/>
+          </a:prstGeom>
+          <a:noFill/>
+        </p:spPr>
+        <p:txBody>
+          <a:bodyPr wrap="none" rtlCol="0">
+            <a:spAutoFit/>
+          </a:bodyPr>
+          <a:lstStyle/>
+          <a:p>
+            <a:r>
+              <a:rPr lang="es-GT" dirty="0"/>
+              <a:t>Pagina de Inicio Secretaria</a:t>
+            </a:r>
+          </a:p>
+        </p:txBody>
+      </p:sp>
+      <p:sp>
+        <p:nvSpPr>
+          <p:cNvPr id="6" name="Esquina doblada 5"/>
           <p:cNvSpPr/>
           <p:nvPr/>
         </p:nvSpPr>
         <p:spPr>
           <a:xfrm>
-            <a:off x="5791200" y="3551582"/>
-            <a:ext cx="1696278" cy="954157"/>
-          </a:xfrm>
-          <a:prstGeom prst="roundRect">
+            <a:off x="225286" y="3412435"/>
+            <a:ext cx="2777721" cy="834886"/>
+          </a:xfrm>
+          <a:prstGeom prst="foldedCorner">
+            <a:avLst/>
+          </a:prstGeom>
+        </p:spPr>
+        <p:style>
+          <a:lnRef idx="2">
+            <a:schemeClr val="accent1">
+              <a:shade val="50000"/>
+            </a:schemeClr>
+          </a:lnRef>
+          <a:fillRef idx="1">
+            <a:schemeClr val="accent1"/>
+          </a:fillRef>
+          <a:effectRef idx="0">
+            <a:schemeClr val="accent1"/>
+          </a:effectRef>
+          <a:fontRef idx="minor">
+            <a:schemeClr val="lt1"/>
+          </a:fontRef>
+        </p:style>
+        <p:txBody>
+          <a:bodyPr rtlCol="0" anchor="ctr"/>
+          <a:lstStyle/>
+          <a:p>
+            <a:pPr algn="ctr"/>
+            <a:endParaRPr lang="es-GT"/>
+          </a:p>
+        </p:txBody>
+      </p:sp>
+      <p:sp>
+        <p:nvSpPr>
+          <p:cNvPr id="7" name="Esquina doblada 6"/>
+          <p:cNvSpPr/>
+          <p:nvPr/>
+        </p:nvSpPr>
+        <p:spPr>
+          <a:xfrm>
+            <a:off x="225283" y="1676400"/>
+            <a:ext cx="2777721" cy="834886"/>
+          </a:xfrm>
+          <a:prstGeom prst="foldedCorner">
+            <a:avLst/>
+          </a:prstGeom>
+        </p:spPr>
+        <p:style>
+          <a:lnRef idx="2">
+            <a:schemeClr val="accent1">
+              <a:shade val="50000"/>
+            </a:schemeClr>
+          </a:lnRef>
+          <a:fillRef idx="1">
+            <a:schemeClr val="accent1"/>
+          </a:fillRef>
+          <a:effectRef idx="0">
+            <a:schemeClr val="accent1"/>
+          </a:effectRef>
+          <a:fontRef idx="minor">
+            <a:schemeClr val="lt1"/>
+          </a:fontRef>
+        </p:style>
+        <p:txBody>
+          <a:bodyPr rtlCol="0" anchor="ctr"/>
+          <a:lstStyle/>
+          <a:p>
+            <a:pPr algn="ctr"/>
+            <a:r>
+              <a:rPr lang="es-GT" dirty="0"/>
+              <a:t>Información de Personal</a:t>
+            </a:r>
+          </a:p>
+        </p:txBody>
+      </p:sp>
+      <p:sp>
+        <p:nvSpPr>
+          <p:cNvPr id="8" name="Esquina doblada 7"/>
+          <p:cNvSpPr/>
+          <p:nvPr/>
+        </p:nvSpPr>
+        <p:spPr>
+          <a:xfrm>
+            <a:off x="225284" y="3412435"/>
+            <a:ext cx="2777721" cy="834886"/>
+          </a:xfrm>
+          <a:prstGeom prst="foldedCorner">
+            <a:avLst/>
+          </a:prstGeom>
+        </p:spPr>
+        <p:style>
+          <a:lnRef idx="2">
+            <a:schemeClr val="accent1">
+              <a:shade val="50000"/>
+            </a:schemeClr>
+          </a:lnRef>
+          <a:fillRef idx="1">
+            <a:schemeClr val="accent1"/>
+          </a:fillRef>
+          <a:effectRef idx="0">
+            <a:schemeClr val="accent1"/>
+          </a:effectRef>
+          <a:fontRef idx="minor">
+            <a:schemeClr val="lt1"/>
+          </a:fontRef>
+        </p:style>
+        <p:txBody>
+          <a:bodyPr rtlCol="0" anchor="ctr"/>
+          <a:lstStyle/>
+          <a:p>
+            <a:pPr algn="ctr"/>
+            <a:r>
+              <a:rPr lang="es-GT" dirty="0"/>
+              <a:t>Pagos</a:t>
+            </a:r>
+          </a:p>
+        </p:txBody>
+      </p:sp>
+      <p:sp>
+        <p:nvSpPr>
+          <p:cNvPr id="9" name="Esquina doblada 8"/>
+          <p:cNvSpPr/>
+          <p:nvPr/>
+        </p:nvSpPr>
+        <p:spPr>
+          <a:xfrm>
+            <a:off x="225284" y="5148470"/>
+            <a:ext cx="2777721" cy="834886"/>
+          </a:xfrm>
+          <a:prstGeom prst="foldedCorner">
             <a:avLst/>
           </a:prstGeom>
         </p:spPr>
         <p:style>
           <a:lnRef idx="0">
-            <a:schemeClr val="accent1"/>
+            <a:schemeClr val="accent3"/>
           </a:lnRef>
           <a:fillRef idx="3">
-            <a:schemeClr val="accent1"/>
+            <a:schemeClr val="accent3"/>
           </a:fillRef>
           <a:effectRef idx="3">
+            <a:schemeClr val="accent3"/>
+          </a:effectRef>
+          <a:fontRef idx="minor">
+            <a:schemeClr val="lt1"/>
+          </a:fontRef>
+        </p:style>
+        <p:txBody>
+          <a:bodyPr rtlCol="0" anchor="ctr"/>
+          <a:lstStyle/>
+          <a:p>
+            <a:pPr algn="ctr"/>
+            <a:r>
+              <a:rPr lang="es-GT" dirty="0"/>
+              <a:t>Administración</a:t>
+            </a:r>
+          </a:p>
+        </p:txBody>
+      </p:sp>
+      <p:sp>
+        <p:nvSpPr>
+          <p:cNvPr id="17" name="Esquina doblada 16"/>
+          <p:cNvSpPr/>
+          <p:nvPr/>
+        </p:nvSpPr>
+        <p:spPr>
+          <a:xfrm flipH="1">
+            <a:off x="9096227" y="1676400"/>
+            <a:ext cx="2777721" cy="834886"/>
+          </a:xfrm>
+          <a:prstGeom prst="foldedCorner">
+            <a:avLst/>
+          </a:prstGeom>
+        </p:spPr>
+        <p:style>
+          <a:lnRef idx="2">
+            <a:schemeClr val="accent1">
+              <a:shade val="50000"/>
+            </a:schemeClr>
+          </a:lnRef>
+          <a:fillRef idx="1">
+            <a:schemeClr val="accent1"/>
+          </a:fillRef>
+          <a:effectRef idx="0">
             <a:schemeClr val="accent1"/>
           </a:effectRef>
           <a:fontRef idx="minor">
@@ -7809,14 +11013,100 @@
       </p:sp>
       <p:sp>
         <p:nvSpPr>
-          <p:cNvPr id="7" name="Rectángulo 6"/>
+          <p:cNvPr id="18" name="Esquina doblada 17"/>
           <p:cNvSpPr/>
           <p:nvPr/>
         </p:nvSpPr>
         <p:spPr>
-          <a:xfrm>
-            <a:off x="3050275" y="1129457"/>
-            <a:ext cx="5998693" cy="1323439"/>
+          <a:xfrm flipH="1">
+            <a:off x="9096226" y="3313044"/>
+            <a:ext cx="2777721" cy="834886"/>
+          </a:xfrm>
+          <a:prstGeom prst="foldedCorner">
+            <a:avLst/>
+          </a:prstGeom>
+        </p:spPr>
+        <p:style>
+          <a:lnRef idx="2">
+            <a:schemeClr val="accent1">
+              <a:shade val="50000"/>
+            </a:schemeClr>
+          </a:lnRef>
+          <a:fillRef idx="1">
+            <a:schemeClr val="accent1"/>
+          </a:fillRef>
+          <a:effectRef idx="0">
+            <a:schemeClr val="accent1"/>
+          </a:effectRef>
+          <a:fontRef idx="minor">
+            <a:schemeClr val="lt1"/>
+          </a:fontRef>
+        </p:style>
+        <p:txBody>
+          <a:bodyPr rtlCol="0" anchor="ctr"/>
+          <a:lstStyle/>
+          <a:p>
+            <a:pPr algn="ctr"/>
+            <a:r>
+              <a:rPr lang="es-GT" dirty="0"/>
+              <a:t>Notas</a:t>
+            </a:r>
+          </a:p>
+        </p:txBody>
+      </p:sp>
+      <p:sp>
+        <p:nvSpPr>
+          <p:cNvPr id="19" name="Esquina doblada 18"/>
+          <p:cNvSpPr/>
+          <p:nvPr/>
+        </p:nvSpPr>
+        <p:spPr>
+          <a:xfrm flipH="1">
+            <a:off x="9096225" y="5148470"/>
+            <a:ext cx="2777721" cy="834886"/>
+          </a:xfrm>
+          <a:prstGeom prst="foldedCorner">
+            <a:avLst/>
+          </a:prstGeom>
+        </p:spPr>
+        <p:style>
+          <a:lnRef idx="2">
+            <a:schemeClr val="accent1">
+              <a:shade val="50000"/>
+            </a:schemeClr>
+          </a:lnRef>
+          <a:fillRef idx="1">
+            <a:schemeClr val="accent1"/>
+          </a:fillRef>
+          <a:effectRef idx="0">
+            <a:schemeClr val="accent1"/>
+          </a:effectRef>
+          <a:fontRef idx="minor">
+            <a:schemeClr val="lt1"/>
+          </a:fontRef>
+        </p:style>
+        <p:txBody>
+          <a:bodyPr rtlCol="0" anchor="ctr"/>
+          <a:lstStyle/>
+          <a:p>
+            <a:pPr algn="ctr"/>
+            <a:r>
+              <a:rPr lang="es-GT" dirty="0"/>
+              <a:t>Listados</a:t>
+            </a:r>
+          </a:p>
+        </p:txBody>
+      </p:sp>
+      <p:sp>
+        <p:nvSpPr>
+          <p:cNvPr id="20" name="Rectángulo 19"/>
+          <p:cNvSpPr/>
+          <p:nvPr/>
+        </p:nvSpPr>
+        <p:spPr>
+          <a:xfrm>
+            <a:off x="5628198" y="1135173"/>
+            <a:ext cx="1276311" cy="707886"/>
           </a:xfrm>
           <a:prstGeom prst="rect">
             <a:avLst/>
@@ -7828,50 +11118,6 @@
             <a:spAutoFit/>
           </a:bodyPr>
           <a:lstStyle/>
-          <a:p>
-            <a:pPr algn="ctr"/>
-            <a:r>
-              <a:rPr lang="es-ES" sz="4000" b="1" dirty="0">
-                <a:ln w="9525">
-                  <a:solidFill>
-                    <a:schemeClr val="bg1"/>
-                  </a:solidFill>
-                  <a:prstDash val="solid"/>
-                </a:ln>
-                <a:solidFill>
-                  <a:schemeClr val="accent5"/>
-                </a:solidFill>
-                <a:effectLst>
-                  <a:outerShdw blurRad="12700" dist="38100" dir="2700000" algn="tl" rotWithShape="0">
-                    <a:schemeClr val="accent5">
-                      <a:lumMod val="60000"/>
-                      <a:lumOff val="40000"/>
-                    </a:schemeClr>
-                  </a:outerShdw>
-                </a:effectLst>
-              </a:rPr>
-              <a:t>Información de Estudiantes</a:t>
-            </a:r>
-            <a:endParaRPr lang="es-ES" sz="4000" b="1" cap="none" spc="0" dirty="0">
-              <a:ln w="9525">
-                <a:solidFill>
-                  <a:schemeClr val="bg1"/>
-                </a:solidFill>
-                <a:prstDash val="solid"/>
-              </a:ln>
-              <a:solidFill>
-                <a:schemeClr val="accent5"/>
-              </a:solidFill>
-              <a:effectLst>
-                <a:outerShdw blurRad="12700" dist="38100" dir="2700000" algn="tl" rotWithShape="0">
-                  <a:schemeClr val="accent5">
-                    <a:lumMod val="60000"/>
-                    <a:lumOff val="40000"/>
-                  </a:schemeClr>
-                </a:outerShdw>
-              </a:effectLst>
-            </a:endParaRPr>
-          </a:p>
           <a:p>
             <a:pPr algn="ctr"/>
             <a:r>
@@ -7920,14 +11166,14 @@
       </p:sp>
       <p:sp>
         <p:nvSpPr>
-          <p:cNvPr id="8" name="CuadroTexto 7"/>
-          <p:cNvSpPr txBox="1"/>
-          <p:nvPr/>
-        </p:nvSpPr>
-        <p:spPr>
-          <a:xfrm>
-            <a:off x="1351722" y="357809"/>
-            <a:ext cx="2748894" cy="369332"/>
+          <p:cNvPr id="21" name="Rectángulo 20"/>
+          <p:cNvSpPr/>
+          <p:nvPr/>
+        </p:nvSpPr>
+        <p:spPr>
+          <a:xfrm>
+            <a:off x="5628198" y="5692914"/>
+            <a:ext cx="1340432" cy="707886"/>
           </a:xfrm>
           <a:prstGeom prst="rect">
             <a:avLst/>
@@ -7935,88 +11181,146 @@
           <a:noFill/>
         </p:spPr>
         <p:txBody>
-          <a:bodyPr wrap="none" rtlCol="0">
+          <a:bodyPr wrap="none" lIns="91440" tIns="45720" rIns="91440" bIns="45720">
             <a:spAutoFit/>
           </a:bodyPr>
           <a:lstStyle/>
           <a:p>
-            <a:r>
-              <a:rPr lang="es-GT" dirty="0"/>
-              <a:t>Información de estudiantes</a:t>
-            </a:r>
-          </a:p>
-        </p:txBody>
-      </p:sp>
-      <p:sp>
-        <p:nvSpPr>
-          <p:cNvPr id="9" name="Rectángulo redondeado 8"/>
-          <p:cNvSpPr/>
-          <p:nvPr/>
-        </p:nvSpPr>
-        <p:spPr>
-          <a:xfrm>
-            <a:off x="7984435" y="3551582"/>
-            <a:ext cx="1696278" cy="954157"/>
-          </a:xfrm>
-          <a:prstGeom prst="roundRect">
-            <a:avLst/>
-          </a:prstGeom>
-        </p:spPr>
-        <p:style>
-          <a:lnRef idx="0">
-            <a:schemeClr val="accent1"/>
-          </a:lnRef>
-          <a:fillRef idx="3">
-            <a:schemeClr val="accent1"/>
-          </a:fillRef>
-          <a:effectRef idx="3">
-            <a:schemeClr val="accent1"/>
-          </a:effectRef>
-          <a:fontRef idx="minor">
-            <a:schemeClr val="lt1"/>
-          </a:fontRef>
-        </p:style>
-        <p:txBody>
-          <a:bodyPr rtlCol="0" anchor="ctr"/>
-          <a:lstStyle/>
-          <a:p>
-            <a:pPr algn="ctr"/>
-            <a:r>
-              <a:rPr lang="es-GT" dirty="0"/>
-              <a:t>Consulta y Edición</a:t>
-            </a:r>
-          </a:p>
-        </p:txBody>
-      </p:sp>
-      <p:sp>
-        <p:nvSpPr>
-          <p:cNvPr id="10" name="CuadroTexto 9"/>
-          <p:cNvSpPr txBox="1"/>
-          <p:nvPr/>
-        </p:nvSpPr>
-        <p:spPr>
-          <a:xfrm>
-            <a:off x="5791200" y="2817573"/>
-            <a:ext cx="4094922" cy="400110"/>
-          </a:xfrm>
-          <a:prstGeom prst="rect">
-            <a:avLst/>
-          </a:prstGeom>
-          <a:noFill/>
-        </p:spPr>
-        <p:txBody>
-          <a:bodyPr wrap="square" rtlCol="0">
-            <a:spAutoFit/>
-          </a:bodyPr>
-          <a:lstStyle/>
-          <a:p>
-            <a:r>
-              <a:rPr lang="es-GT" sz="2000" b="1" dirty="0">
+            <a:pPr algn="ctr"/>
+            <a:r>
+              <a:rPr lang="es-ES" sz="4000" b="1" dirty="0">
+                <a:ln w="9525">
+                  <a:solidFill>
+                    <a:schemeClr val="bg1"/>
+                  </a:solidFill>
+                  <a:prstDash val="solid"/>
+                </a:ln>
+                <a:solidFill>
+                  <a:schemeClr val="accent5"/>
+                </a:solidFill>
+                <a:effectLst>
+                  <a:outerShdw blurRad="12700" dist="38100" dir="2700000" algn="tl" rotWithShape="0">
+                    <a:schemeClr val="accent5">
+                      <a:lumMod val="60000"/>
+                      <a:lumOff val="40000"/>
+                    </a:schemeClr>
+                  </a:outerShdw>
+                </a:effectLst>
+              </a:rPr>
+              <a:t>Inicio</a:t>
+            </a:r>
+            <a:endParaRPr lang="es-ES" sz="4000" b="1" cap="none" spc="0" dirty="0">
+              <a:ln w="9525">
                 <a:solidFill>
                   <a:schemeClr val="bg1"/>
                 </a:solidFill>
+                <a:prstDash val="solid"/>
+              </a:ln>
+              <a:solidFill>
+                <a:schemeClr val="accent5"/>
+              </a:solidFill>
+              <a:effectLst>
+                <a:outerShdw blurRad="12700" dist="38100" dir="2700000" algn="tl" rotWithShape="0">
+                  <a:schemeClr val="accent5">
+                    <a:lumMod val="60000"/>
+                    <a:lumOff val="40000"/>
+                  </a:schemeClr>
+                </a:outerShdw>
+              </a:effectLst>
+            </a:endParaRPr>
+          </a:p>
+        </p:txBody>
+      </p:sp>
+      <p:sp>
+        <p:nvSpPr>
+          <p:cNvPr id="22" name="Esquina doblada 21"/>
+          <p:cNvSpPr/>
+          <p:nvPr/>
+        </p:nvSpPr>
+        <p:spPr>
+          <a:xfrm flipH="1">
+            <a:off x="10376452" y="1060174"/>
+            <a:ext cx="1497494" cy="397564"/>
+          </a:xfrm>
+          <a:prstGeom prst="foldedCorner">
+            <a:avLst/>
+          </a:prstGeom>
+        </p:spPr>
+        <p:style>
+          <a:lnRef idx="2">
+            <a:schemeClr val="accent5"/>
+          </a:lnRef>
+          <a:fillRef idx="1">
+            <a:schemeClr val="lt1"/>
+          </a:fillRef>
+          <a:effectRef idx="0">
+            <a:schemeClr val="accent5"/>
+          </a:effectRef>
+          <a:fontRef idx="minor">
+            <a:schemeClr val="dk1"/>
+          </a:fontRef>
+        </p:style>
+        <p:txBody>
+          <a:bodyPr rtlCol="0" anchor="ctr"/>
+          <a:lstStyle/>
+          <a:p>
+            <a:pPr algn="ctr"/>
+            <a:r>
+              <a:rPr lang="es-GT" dirty="0">
+                <a:solidFill>
+                  <a:schemeClr val="accent1">
+                    <a:lumMod val="75000"/>
+                  </a:schemeClr>
+                </a:solidFill>
               </a:rPr>
-              <a:t>Selecciona Una Opción.</a:t>
+              <a:t>Cerrar Sesión</a:t>
+            </a:r>
+          </a:p>
+        </p:txBody>
+      </p:sp>
+      <p:sp>
+        <p:nvSpPr>
+          <p:cNvPr id="23" name="Esquina doblada 22"/>
+          <p:cNvSpPr/>
+          <p:nvPr/>
+        </p:nvSpPr>
+        <p:spPr>
+          <a:xfrm>
+            <a:off x="225283" y="1060174"/>
+            <a:ext cx="1497495" cy="397564"/>
+          </a:xfrm>
+          <a:prstGeom prst="foldedCorner">
+            <a:avLst/>
+          </a:prstGeom>
+        </p:spPr>
+        <p:style>
+          <a:lnRef idx="2">
+            <a:schemeClr val="accent5"/>
+          </a:lnRef>
+          <a:fillRef idx="1">
+            <a:schemeClr val="lt1"/>
+          </a:fillRef>
+          <a:effectRef idx="0">
+            <a:schemeClr val="accent5"/>
+          </a:effectRef>
+          <a:fontRef idx="minor">
+            <a:schemeClr val="dk1"/>
+          </a:fontRef>
+        </p:style>
+        <p:txBody>
+          <a:bodyPr rtlCol="0" anchor="ctr"/>
+          <a:lstStyle/>
+          <a:p>
+            <a:pPr algn="ctr"/>
+            <a:r>
+              <a:rPr lang="es-GT" sz="1400" dirty="0">
+                <a:solidFill>
+                  <a:schemeClr val="accent1">
+                    <a:lumMod val="75000"/>
+                  </a:schemeClr>
+                </a:solidFill>
+              </a:rPr>
+              <a:t>“Usuario Activo”</a:t>
             </a:r>
           </a:p>
         </p:txBody>
@@ -8024,7 +11328,7 @@
     </p:spTree>
     <p:extLst>
       <p:ext uri="{BB962C8B-B14F-4D97-AF65-F5344CB8AC3E}">
-        <p14:creationId xmlns:p14="http://schemas.microsoft.com/office/powerpoint/2010/main" val="1493746140"/>
+        <p14:creationId xmlns:p14="http://schemas.microsoft.com/office/powerpoint/2010/main" val="3318260324"/>
       </p:ext>
     </p:extLst>
   </p:cSld>
@@ -8034,7 +11338,7 @@
 </p:sld>
 </file>
 
-<file path=ppt/slides/slide7.xml><?xml version="1.0" encoding="utf-8"?>
+<file path=ppt/slides/slide6.xml><?xml version="1.0" encoding="utf-8"?>
 <p:sld xmlns:a="http://schemas.openxmlformats.org/drawingml/2006/main" xmlns:r="http://schemas.openxmlformats.org/officeDocument/2006/relationships" xmlns:p="http://schemas.openxmlformats.org/presentationml/2006/main">
   <p:cSld>
     <p:spTree>
@@ -8140,13 +11444,12 @@
               </a:ext>
             </a:extLst>
           </a:blip>
-          <a:srcRect l="22709" b="14423"/>
           <a:stretch/>
         </p:blipFill>
         <p:spPr>
           <a:xfrm>
-            <a:off x="225287" y="5234609"/>
-            <a:ext cx="1386593" cy="1166190"/>
+            <a:off x="3678110" y="1843059"/>
+            <a:ext cx="5240604" cy="3980844"/>
           </a:xfrm>
           <a:prstGeom prst="rect">
             <a:avLst/>
@@ -8155,27 +11458,58 @@
       </p:pic>
       <p:sp>
         <p:nvSpPr>
-          <p:cNvPr id="6" name="Rectángulo redondeado 5"/>
+          <p:cNvPr id="4" name="CuadroTexto 3"/>
+          <p:cNvSpPr txBox="1"/>
+          <p:nvPr/>
+        </p:nvSpPr>
+        <p:spPr>
+          <a:xfrm>
+            <a:off x="1351722" y="357809"/>
+            <a:ext cx="3045001" cy="369332"/>
+          </a:xfrm>
+          <a:prstGeom prst="rect">
+            <a:avLst/>
+          </a:prstGeom>
+          <a:noFill/>
+        </p:spPr>
+        <p:txBody>
+          <a:bodyPr wrap="none" rtlCol="0">
+            <a:spAutoFit/>
+          </a:bodyPr>
+          <a:lstStyle/>
+          <a:p>
+            <a:r>
+              <a:rPr lang="es-GT" dirty="0"/>
+              <a:t>Pagina de Inicio Administrador</a:t>
+            </a:r>
+          </a:p>
+        </p:txBody>
+      </p:sp>
+      <p:sp>
+        <p:nvSpPr>
+          <p:cNvPr id="6" name="Esquina doblada 5"/>
           <p:cNvSpPr/>
           <p:nvPr/>
         </p:nvSpPr>
         <p:spPr>
           <a:xfrm>
-            <a:off x="10508975" y="5751444"/>
-            <a:ext cx="1229464" cy="543339"/>
-          </a:xfrm>
-          <a:prstGeom prst="roundRect">
-            <a:avLst/>
-          </a:prstGeom>
-        </p:spPr>
-        <p:style>
-          <a:lnRef idx="0">
-            <a:schemeClr val="accent1"/>
-          </a:lnRef>
-          <a:fillRef idx="3">
-            <a:schemeClr val="accent1"/>
-          </a:fillRef>
-          <a:effectRef idx="3">
+            <a:off x="225286" y="3412435"/>
+            <a:ext cx="2777721" cy="834886"/>
+          </a:xfrm>
+          <a:prstGeom prst="foldedCorner">
+            <a:avLst/>
+          </a:prstGeom>
+        </p:spPr>
+        <p:style>
+          <a:lnRef idx="2">
+            <a:schemeClr val="accent1">
+              <a:shade val="50000"/>
+            </a:schemeClr>
+          </a:lnRef>
+          <a:fillRef idx="1">
+            <a:schemeClr val="accent1"/>
+          </a:fillRef>
+          <a:effectRef idx="0">
             <a:schemeClr val="accent1"/>
           </a:effectRef>
           <a:fontRef idx="minor">
@@ -8187,23 +11521,278 @@
           <a:lstStyle/>
           <a:p>
             <a:pPr algn="ctr"/>
+            <a:endParaRPr lang="es-GT"/>
+          </a:p>
+        </p:txBody>
+      </p:sp>
+      <p:sp>
+        <p:nvSpPr>
+          <p:cNvPr id="7" name="Esquina doblada 6"/>
+          <p:cNvSpPr/>
+          <p:nvPr/>
+        </p:nvSpPr>
+        <p:spPr>
+          <a:xfrm>
+            <a:off x="225283" y="1676400"/>
+            <a:ext cx="2777721" cy="834886"/>
+          </a:xfrm>
+          <a:prstGeom prst="foldedCorner">
+            <a:avLst/>
+          </a:prstGeom>
+        </p:spPr>
+        <p:style>
+          <a:lnRef idx="2">
+            <a:schemeClr val="accent1">
+              <a:shade val="50000"/>
+            </a:schemeClr>
+          </a:lnRef>
+          <a:fillRef idx="1">
+            <a:schemeClr val="accent1"/>
+          </a:fillRef>
+          <a:effectRef idx="0">
+            <a:schemeClr val="accent1"/>
+          </a:effectRef>
+          <a:fontRef idx="minor">
+            <a:schemeClr val="lt1"/>
+          </a:fontRef>
+        </p:style>
+        <p:txBody>
+          <a:bodyPr rtlCol="0" anchor="ctr"/>
+          <a:lstStyle/>
+          <a:p>
+            <a:pPr algn="ctr"/>
             <a:r>
               <a:rPr lang="es-GT" dirty="0"/>
-              <a:t>Continuar</a:t>
-            </a:r>
-          </a:p>
-        </p:txBody>
-      </p:sp>
-      <p:sp>
-        <p:nvSpPr>
-          <p:cNvPr id="7" name="Rectángulo 6"/>
+              <a:t>Información de Personal</a:t>
+            </a:r>
+          </a:p>
+        </p:txBody>
+      </p:sp>
+      <p:sp>
+        <p:nvSpPr>
+          <p:cNvPr id="8" name="Esquina doblada 7"/>
           <p:cNvSpPr/>
           <p:nvPr/>
         </p:nvSpPr>
         <p:spPr>
           <a:xfrm>
-            <a:off x="10815645" y="1091410"/>
-            <a:ext cx="1058303" cy="584775"/>
+            <a:off x="225284" y="3412435"/>
+            <a:ext cx="2777721" cy="834886"/>
+          </a:xfrm>
+          <a:prstGeom prst="foldedCorner">
+            <a:avLst/>
+          </a:prstGeom>
+        </p:spPr>
+        <p:style>
+          <a:lnRef idx="2">
+            <a:schemeClr val="accent1">
+              <a:shade val="50000"/>
+            </a:schemeClr>
+          </a:lnRef>
+          <a:fillRef idx="1">
+            <a:schemeClr val="accent1"/>
+          </a:fillRef>
+          <a:effectRef idx="0">
+            <a:schemeClr val="accent1"/>
+          </a:effectRef>
+          <a:fontRef idx="minor">
+            <a:schemeClr val="lt1"/>
+          </a:fontRef>
+        </p:style>
+        <p:txBody>
+          <a:bodyPr rtlCol="0" anchor="ctr"/>
+          <a:lstStyle/>
+          <a:p>
+            <a:pPr algn="ctr"/>
+            <a:r>
+              <a:rPr lang="es-GT" dirty="0"/>
+              <a:t>Pagos</a:t>
+            </a:r>
+          </a:p>
+        </p:txBody>
+      </p:sp>
+      <p:sp>
+        <p:nvSpPr>
+          <p:cNvPr id="9" name="Esquina doblada 8"/>
+          <p:cNvSpPr/>
+          <p:nvPr/>
+        </p:nvSpPr>
+        <p:spPr>
+          <a:xfrm>
+            <a:off x="225284" y="5148470"/>
+            <a:ext cx="2777721" cy="834886"/>
+          </a:xfrm>
+          <a:prstGeom prst="foldedCorner">
+            <a:avLst/>
+          </a:prstGeom>
+        </p:spPr>
+        <p:style>
+          <a:lnRef idx="2">
+            <a:schemeClr val="accent1">
+              <a:shade val="50000"/>
+            </a:schemeClr>
+          </a:lnRef>
+          <a:fillRef idx="1">
+            <a:schemeClr val="accent1"/>
+          </a:fillRef>
+          <a:effectRef idx="0">
+            <a:schemeClr val="accent1"/>
+          </a:effectRef>
+          <a:fontRef idx="minor">
+            <a:schemeClr val="lt1"/>
+          </a:fontRef>
+        </p:style>
+        <p:txBody>
+          <a:bodyPr rtlCol="0" anchor="ctr"/>
+          <a:lstStyle/>
+          <a:p>
+            <a:pPr algn="ctr"/>
+            <a:r>
+              <a:rPr lang="es-GT" dirty="0"/>
+              <a:t>Administración</a:t>
+            </a:r>
+          </a:p>
+        </p:txBody>
+      </p:sp>
+      <p:sp>
+        <p:nvSpPr>
+          <p:cNvPr id="17" name="Esquina doblada 16"/>
+          <p:cNvSpPr/>
+          <p:nvPr/>
+        </p:nvSpPr>
+        <p:spPr>
+          <a:xfrm flipH="1">
+            <a:off x="9096227" y="1676400"/>
+            <a:ext cx="2777721" cy="834886"/>
+          </a:xfrm>
+          <a:prstGeom prst="foldedCorner">
+            <a:avLst/>
+          </a:prstGeom>
+        </p:spPr>
+        <p:style>
+          <a:lnRef idx="2">
+            <a:schemeClr val="accent1">
+              <a:shade val="50000"/>
+            </a:schemeClr>
+          </a:lnRef>
+          <a:fillRef idx="1">
+            <a:schemeClr val="accent1"/>
+          </a:fillRef>
+          <a:effectRef idx="0">
+            <a:schemeClr val="accent1"/>
+          </a:effectRef>
+          <a:fontRef idx="minor">
+            <a:schemeClr val="lt1"/>
+          </a:fontRef>
+        </p:style>
+        <p:txBody>
+          <a:bodyPr rtlCol="0" anchor="ctr"/>
+          <a:lstStyle/>
+          <a:p>
+            <a:pPr algn="ctr"/>
+            <a:r>
+              <a:rPr lang="es-GT" dirty="0"/>
+              <a:t>Inscripción</a:t>
+            </a:r>
+          </a:p>
+        </p:txBody>
+      </p:sp>
+      <p:sp>
+        <p:nvSpPr>
+          <p:cNvPr id="18" name="Esquina doblada 17"/>
+          <p:cNvSpPr/>
+          <p:nvPr/>
+        </p:nvSpPr>
+        <p:spPr>
+          <a:xfrm flipH="1">
+            <a:off x="9096226" y="3313044"/>
+            <a:ext cx="2777721" cy="834886"/>
+          </a:xfrm>
+          <a:prstGeom prst="foldedCorner">
+            <a:avLst/>
+          </a:prstGeom>
+        </p:spPr>
+        <p:style>
+          <a:lnRef idx="2">
+            <a:schemeClr val="accent1">
+              <a:shade val="50000"/>
+            </a:schemeClr>
+          </a:lnRef>
+          <a:fillRef idx="1">
+            <a:schemeClr val="accent1"/>
+          </a:fillRef>
+          <a:effectRef idx="0">
+            <a:schemeClr val="accent1"/>
+          </a:effectRef>
+          <a:fontRef idx="minor">
+            <a:schemeClr val="lt1"/>
+          </a:fontRef>
+        </p:style>
+        <p:txBody>
+          <a:bodyPr rtlCol="0" anchor="ctr"/>
+          <a:lstStyle/>
+          <a:p>
+            <a:pPr algn="ctr"/>
+            <a:r>
+              <a:rPr lang="es-GT" dirty="0"/>
+              <a:t>Notas</a:t>
+            </a:r>
+          </a:p>
+        </p:txBody>
+      </p:sp>
+      <p:sp>
+        <p:nvSpPr>
+          <p:cNvPr id="19" name="Esquina doblada 18"/>
+          <p:cNvSpPr/>
+          <p:nvPr/>
+        </p:nvSpPr>
+        <p:spPr>
+          <a:xfrm flipH="1">
+            <a:off x="9096225" y="5148470"/>
+            <a:ext cx="2777721" cy="834886"/>
+          </a:xfrm>
+          <a:prstGeom prst="foldedCorner">
+            <a:avLst/>
+          </a:prstGeom>
+        </p:spPr>
+        <p:style>
+          <a:lnRef idx="2">
+            <a:schemeClr val="accent1">
+              <a:shade val="50000"/>
+            </a:schemeClr>
+          </a:lnRef>
+          <a:fillRef idx="1">
+            <a:schemeClr val="accent1"/>
+          </a:fillRef>
+          <a:effectRef idx="0">
+            <a:schemeClr val="accent1"/>
+          </a:effectRef>
+          <a:fontRef idx="minor">
+            <a:schemeClr val="lt1"/>
+          </a:fontRef>
+        </p:style>
+        <p:txBody>
+          <a:bodyPr rtlCol="0" anchor="ctr"/>
+          <a:lstStyle/>
+          <a:p>
+            <a:pPr algn="ctr"/>
+            <a:r>
+              <a:rPr lang="es-GT" dirty="0"/>
+              <a:t>Listados</a:t>
+            </a:r>
+          </a:p>
+        </p:txBody>
+      </p:sp>
+      <p:sp>
+        <p:nvSpPr>
+          <p:cNvPr id="20" name="Rectángulo 19"/>
+          <p:cNvSpPr/>
+          <p:nvPr/>
+        </p:nvSpPr>
+        <p:spPr>
+          <a:xfrm>
+            <a:off x="5628198" y="1135173"/>
+            <a:ext cx="1276311" cy="707886"/>
           </a:xfrm>
           <a:prstGeom prst="rect">
             <a:avLst/>
@@ -8218,7 +11807,7 @@
           <a:p>
             <a:pPr algn="ctr"/>
             <a:r>
-              <a:rPr lang="es-ES" sz="3200" b="1" dirty="0">
+              <a:rPr lang="es-ES" sz="4000" b="1" dirty="0">
                 <a:ln w="9525">
                   <a:solidFill>
                     <a:schemeClr val="bg1"/>
@@ -8239,7 +11828,7 @@
               </a:rPr>
               <a:t>SIGIE</a:t>
             </a:r>
-            <a:endParaRPr lang="es-ES" sz="3200" b="1" cap="none" spc="0" dirty="0">
+            <a:endParaRPr lang="es-ES" sz="4000" b="1" cap="none" spc="0" dirty="0">
               <a:ln w="9525">
                 <a:solidFill>
                   <a:schemeClr val="bg1"/>
@@ -8263,14 +11852,14 @@
       </p:sp>
       <p:sp>
         <p:nvSpPr>
-          <p:cNvPr id="8" name="CuadroTexto 7"/>
-          <p:cNvSpPr txBox="1"/>
-          <p:nvPr/>
-        </p:nvSpPr>
-        <p:spPr>
-          <a:xfrm>
-            <a:off x="1351722" y="357809"/>
-            <a:ext cx="4231158" cy="369332"/>
+          <p:cNvPr id="21" name="Rectángulo 20"/>
+          <p:cNvSpPr/>
+          <p:nvPr/>
+        </p:nvSpPr>
+        <p:spPr>
+          <a:xfrm>
+            <a:off x="5628198" y="5692914"/>
+            <a:ext cx="1340432" cy="707886"/>
           </a:xfrm>
           <a:prstGeom prst="rect">
             <a:avLst/>
@@ -8278,208 +11867,80 @@
           <a:noFill/>
         </p:spPr>
         <p:txBody>
-          <a:bodyPr wrap="none" rtlCol="0">
+          <a:bodyPr wrap="none" lIns="91440" tIns="45720" rIns="91440" bIns="45720">
             <a:spAutoFit/>
           </a:bodyPr>
           <a:lstStyle/>
           <a:p>
-            <a:r>
-              <a:rPr lang="es-GT" dirty="0"/>
-              <a:t>Inscripción Estudiantes – Datos Estudiantes</a:t>
-            </a:r>
-          </a:p>
-        </p:txBody>
-      </p:sp>
-      <p:sp>
-        <p:nvSpPr>
-          <p:cNvPr id="10" name="CuadroTexto 9"/>
-          <p:cNvSpPr txBox="1"/>
-          <p:nvPr/>
-        </p:nvSpPr>
-        <p:spPr>
-          <a:xfrm>
-            <a:off x="225287" y="1060174"/>
-            <a:ext cx="4094922" cy="400110"/>
-          </a:xfrm>
-          <a:prstGeom prst="rect">
-            <a:avLst/>
-          </a:prstGeom>
-          <a:noFill/>
-        </p:spPr>
-        <p:txBody>
-          <a:bodyPr wrap="square" rtlCol="0">
-            <a:spAutoFit/>
-          </a:bodyPr>
-          <a:lstStyle/>
-          <a:p>
-            <a:r>
-              <a:rPr lang="es-GT" sz="2000" dirty="0">
-                <a:ln w="0"/>
+            <a:pPr algn="ctr"/>
+            <a:r>
+              <a:rPr lang="es-ES" sz="4000" b="1" dirty="0">
+                <a:ln w="9525">
+                  <a:solidFill>
+                    <a:schemeClr val="bg1"/>
+                  </a:solidFill>
+                  <a:prstDash val="solid"/>
+                </a:ln>
                 <a:solidFill>
-                  <a:schemeClr val="accent1"/>
+                  <a:schemeClr val="accent5"/>
                 </a:solidFill>
                 <a:effectLst>
-                  <a:outerShdw blurRad="38100" dist="25400" dir="5400000" algn="ctr" rotWithShape="0">
-                    <a:srgbClr val="6E747A">
-                      <a:alpha val="43000"/>
-                    </a:srgbClr>
+                  <a:outerShdw blurRad="12700" dist="38100" dir="2700000" algn="tl" rotWithShape="0">
+                    <a:schemeClr val="accent5">
+                      <a:lumMod val="60000"/>
+                      <a:lumOff val="40000"/>
+                    </a:schemeClr>
                   </a:outerShdw>
                 </a:effectLst>
               </a:rPr>
-              <a:t>Ficha de Inscripción</a:t>
-            </a:r>
-          </a:p>
-        </p:txBody>
-      </p:sp>
-      <p:sp>
-        <p:nvSpPr>
-          <p:cNvPr id="13" name="Rectángulo 12"/>
+              <a:t>Inicio</a:t>
+            </a:r>
+            <a:endParaRPr lang="es-ES" sz="4000" b="1" cap="none" spc="0" dirty="0">
+              <a:ln w="9525">
+                <a:solidFill>
+                  <a:schemeClr val="bg1"/>
+                </a:solidFill>
+                <a:prstDash val="solid"/>
+              </a:ln>
+              <a:solidFill>
+                <a:schemeClr val="accent5"/>
+              </a:solidFill>
+              <a:effectLst>
+                <a:outerShdw blurRad="12700" dist="38100" dir="2700000" algn="tl" rotWithShape="0">
+                  <a:schemeClr val="accent5">
+                    <a:lumMod val="60000"/>
+                    <a:lumOff val="40000"/>
+                  </a:schemeClr>
+                </a:outerShdw>
+              </a:effectLst>
+            </a:endParaRPr>
+          </a:p>
+        </p:txBody>
+      </p:sp>
+      <p:sp>
+        <p:nvSpPr>
+          <p:cNvPr id="22" name="Esquina doblada 21"/>
           <p:cNvSpPr/>
           <p:nvPr/>
         </p:nvSpPr>
         <p:spPr>
-          <a:xfrm>
-            <a:off x="768626" y="1596313"/>
-            <a:ext cx="11304104" cy="3416320"/>
-          </a:xfrm>
-          <a:prstGeom prst="rect">
-            <a:avLst/>
-          </a:prstGeom>
-          <a:noFill/>
-          <a:ln>
-            <a:noFill/>
-          </a:ln>
-        </p:spPr>
-        <p:style>
-          <a:lnRef idx="0">
-            <a:scrgbClr r="0" g="0" b="0"/>
-          </a:lnRef>
-          <a:fillRef idx="0">
-            <a:scrgbClr r="0" g="0" b="0"/>
-          </a:fillRef>
-          <a:effectRef idx="0">
-            <a:scrgbClr r="0" g="0" b="0"/>
-          </a:effectRef>
-          <a:fontRef idx="minor">
+          <a:xfrm flipH="1">
+            <a:off x="10376452" y="1060174"/>
+            <a:ext cx="1497494" cy="397564"/>
+          </a:xfrm>
+          <a:prstGeom prst="foldedCorner">
+            <a:avLst/>
+          </a:prstGeom>
+        </p:spPr>
+        <p:style>
+          <a:lnRef idx="2">
             <a:schemeClr val="accent5"/>
-          </a:fontRef>
-        </p:style>
-        <p:txBody>
-          <a:bodyPr wrap="square">
-            <a:spAutoFit/>
-          </a:bodyPr>
-          <a:lstStyle/>
-          <a:p>
-            <a:pPr>
-              <a:lnSpc>
-                <a:spcPct val="150000"/>
-              </a:lnSpc>
-            </a:pPr>
-            <a:r>
-              <a:rPr lang="es-ES" dirty="0"/>
-              <a:t>Nombre:</a:t>
-            </a:r>
-          </a:p>
-          <a:p>
-            <a:pPr>
-              <a:lnSpc>
-                <a:spcPct val="150000"/>
-              </a:lnSpc>
-            </a:pPr>
-            <a:r>
-              <a:rPr lang="es-ES" dirty="0"/>
-              <a:t>Dirección:</a:t>
-            </a:r>
-          </a:p>
-          <a:p>
-            <a:pPr>
-              <a:lnSpc>
-                <a:spcPct val="150000"/>
-              </a:lnSpc>
-            </a:pPr>
-            <a:r>
-              <a:rPr lang="es-ES" dirty="0"/>
-              <a:t>Establecimiento donde estudió el año anterior: </a:t>
-            </a:r>
-          </a:p>
-          <a:p>
-            <a:pPr>
-              <a:lnSpc>
-                <a:spcPct val="150000"/>
-              </a:lnSpc>
-            </a:pPr>
-            <a:r>
-              <a:rPr lang="es-ES" dirty="0"/>
-              <a:t>Lugar y Fecha de Nacimiento: </a:t>
-            </a:r>
-          </a:p>
-          <a:p>
-            <a:pPr>
-              <a:lnSpc>
-                <a:spcPct val="150000"/>
-              </a:lnSpc>
-            </a:pPr>
-            <a:r>
-              <a:rPr lang="es-ES" dirty="0"/>
-              <a:t>No. de Partida		Folio		Libro 		Edad:</a:t>
-            </a:r>
-          </a:p>
-          <a:p>
-            <a:pPr>
-              <a:lnSpc>
-                <a:spcPct val="150000"/>
-              </a:lnSpc>
-            </a:pPr>
-            <a:r>
-              <a:rPr lang="es-ES" dirty="0"/>
-              <a:t>Grado que cursa:			 Fecha de Inscripción</a:t>
-            </a:r>
-          </a:p>
-          <a:p>
-            <a:pPr>
-              <a:lnSpc>
-                <a:spcPct val="150000"/>
-              </a:lnSpc>
-            </a:pPr>
-            <a:endParaRPr lang="es-ES" dirty="0"/>
-          </a:p>
-          <a:p>
-            <a:pPr>
-              <a:lnSpc>
-                <a:spcPct val="150000"/>
-              </a:lnSpc>
-            </a:pPr>
-            <a:r>
-              <a:rPr lang="es-ES" dirty="0"/>
-              <a:t>Expediente Completo  	Si	No</a:t>
-            </a:r>
-          </a:p>
-        </p:txBody>
-      </p:sp>
-      <p:sp>
-        <p:nvSpPr>
-          <p:cNvPr id="14" name="Rectángulo 13"/>
-          <p:cNvSpPr/>
-          <p:nvPr/>
-        </p:nvSpPr>
-        <p:spPr>
-          <a:xfrm>
-            <a:off x="1802296" y="1660383"/>
-            <a:ext cx="8481391" cy="360000"/>
-          </a:xfrm>
-          <a:prstGeom prst="rect">
-            <a:avLst/>
-          </a:prstGeom>
-        </p:spPr>
-        <p:style>
-          <a:lnRef idx="2">
-            <a:schemeClr val="accent1"/>
           </a:lnRef>
           <a:fillRef idx="1">
             <a:schemeClr val="lt1"/>
           </a:fillRef>
           <a:effectRef idx="0">
-            <a:schemeClr val="accent1"/>
+            <a:schemeClr val="accent5"/>
           </a:effectRef>
           <a:fontRef idx="minor">
             <a:schemeClr val="dk1"/>
@@ -8490,34 +11951,43 @@
           <a:lstStyle/>
           <a:p>
             <a:pPr algn="ctr"/>
-            <a:endParaRPr lang="es-GT"/>
-          </a:p>
-        </p:txBody>
-      </p:sp>
-      <p:sp>
-        <p:nvSpPr>
-          <p:cNvPr id="15" name="Rectángulo 14"/>
+            <a:r>
+              <a:rPr lang="es-GT" dirty="0">
+                <a:solidFill>
+                  <a:schemeClr val="accent1">
+                    <a:lumMod val="75000"/>
+                  </a:schemeClr>
+                </a:solidFill>
+              </a:rPr>
+              <a:t>Cerrar Sesión</a:t>
+            </a:r>
+          </a:p>
+        </p:txBody>
+      </p:sp>
+      <p:sp>
+        <p:nvSpPr>
+          <p:cNvPr id="23" name="Esquina doblada 22"/>
           <p:cNvSpPr/>
           <p:nvPr/>
         </p:nvSpPr>
         <p:spPr>
           <a:xfrm>
-            <a:off x="1802296" y="2085013"/>
-            <a:ext cx="8481391" cy="360000"/>
-          </a:xfrm>
-          <a:prstGeom prst="rect">
+            <a:off x="225283" y="1060174"/>
+            <a:ext cx="1497495" cy="397564"/>
+          </a:xfrm>
+          <a:prstGeom prst="foldedCorner">
             <a:avLst/>
           </a:prstGeom>
         </p:spPr>
         <p:style>
           <a:lnRef idx="2">
-            <a:schemeClr val="accent1"/>
+            <a:schemeClr val="accent5"/>
           </a:lnRef>
           <a:fillRef idx="1">
             <a:schemeClr val="lt1"/>
           </a:fillRef>
           <a:effectRef idx="0">
-            <a:schemeClr val="accent1"/>
+            <a:schemeClr val="accent5"/>
           </a:effectRef>
           <a:fontRef idx="minor">
             <a:schemeClr val="dk1"/>
@@ -8528,432 +11998,101 @@
           <a:lstStyle/>
           <a:p>
             <a:pPr algn="ctr"/>
-            <a:endParaRPr lang="es-GT" dirty="0"/>
-          </a:p>
-        </p:txBody>
-      </p:sp>
-      <p:sp>
-        <p:nvSpPr>
-          <p:cNvPr id="16" name="Rectángulo 15"/>
-          <p:cNvSpPr/>
-          <p:nvPr/>
-        </p:nvSpPr>
-        <p:spPr>
-          <a:xfrm>
-            <a:off x="5267740" y="2509643"/>
-            <a:ext cx="5015948" cy="360000"/>
-          </a:xfrm>
-          <a:prstGeom prst="rect">
-            <a:avLst/>
-          </a:prstGeom>
-        </p:spPr>
-        <p:style>
-          <a:lnRef idx="2">
-            <a:schemeClr val="accent1"/>
-          </a:lnRef>
-          <a:fillRef idx="1">
-            <a:schemeClr val="lt1"/>
-          </a:fillRef>
-          <a:effectRef idx="0">
-            <a:schemeClr val="accent1"/>
-          </a:effectRef>
-          <a:fontRef idx="minor">
-            <a:schemeClr val="dk1"/>
-          </a:fontRef>
-        </p:style>
-        <p:txBody>
-          <a:bodyPr rtlCol="0" anchor="ctr"/>
-          <a:lstStyle/>
-          <a:p>
-            <a:pPr algn="ctr"/>
-            <a:endParaRPr lang="es-GT" dirty="0"/>
-          </a:p>
-        </p:txBody>
-      </p:sp>
-      <p:sp>
-        <p:nvSpPr>
-          <p:cNvPr id="17" name="Rectángulo 16"/>
-          <p:cNvSpPr/>
-          <p:nvPr/>
-        </p:nvSpPr>
-        <p:spPr>
-          <a:xfrm>
-            <a:off x="3710610" y="2933713"/>
-            <a:ext cx="5075581" cy="360000"/>
-          </a:xfrm>
-          <a:prstGeom prst="rect">
-            <a:avLst/>
-          </a:prstGeom>
-        </p:spPr>
-        <p:style>
-          <a:lnRef idx="2">
-            <a:schemeClr val="accent1"/>
-          </a:lnRef>
-          <a:fillRef idx="1">
-            <a:schemeClr val="lt1"/>
-          </a:fillRef>
-          <a:effectRef idx="0">
-            <a:schemeClr val="accent1"/>
-          </a:effectRef>
-          <a:fontRef idx="minor">
-            <a:schemeClr val="dk1"/>
-          </a:fontRef>
-        </p:style>
-        <p:txBody>
-          <a:bodyPr rtlCol="0" anchor="ctr"/>
-          <a:lstStyle/>
-          <a:p>
-            <a:pPr algn="ctr"/>
-            <a:endParaRPr lang="es-GT" dirty="0"/>
-          </a:p>
-        </p:txBody>
-      </p:sp>
-      <p:sp>
-        <p:nvSpPr>
-          <p:cNvPr id="18" name="Rectángulo 17"/>
-          <p:cNvSpPr/>
-          <p:nvPr/>
-        </p:nvSpPr>
-        <p:spPr>
-          <a:xfrm>
-            <a:off x="8892208" y="2937425"/>
-            <a:ext cx="1391479" cy="360000"/>
-          </a:xfrm>
-          <a:prstGeom prst="rect">
-            <a:avLst/>
-          </a:prstGeom>
-        </p:spPr>
-        <p:style>
-          <a:lnRef idx="2">
-            <a:schemeClr val="accent1"/>
-          </a:lnRef>
-          <a:fillRef idx="1">
-            <a:schemeClr val="lt1"/>
-          </a:fillRef>
-          <a:effectRef idx="0">
-            <a:schemeClr val="accent1"/>
-          </a:effectRef>
-          <a:fontRef idx="minor">
-            <a:schemeClr val="dk1"/>
-          </a:fontRef>
-        </p:style>
-        <p:txBody>
-          <a:bodyPr rtlCol="0" anchor="ctr"/>
-          <a:lstStyle/>
-          <a:p>
-            <a:pPr algn="ctr"/>
-            <a:endParaRPr lang="es-GT" dirty="0"/>
-          </a:p>
-        </p:txBody>
-      </p:sp>
-      <p:sp>
-        <p:nvSpPr>
-          <p:cNvPr id="19" name="Rectángulo 18"/>
-          <p:cNvSpPr/>
-          <p:nvPr/>
-        </p:nvSpPr>
-        <p:spPr>
-          <a:xfrm>
-            <a:off x="2237339" y="3357783"/>
-            <a:ext cx="1300992" cy="360000"/>
-          </a:xfrm>
-          <a:prstGeom prst="rect">
-            <a:avLst/>
-          </a:prstGeom>
-        </p:spPr>
-        <p:style>
-          <a:lnRef idx="2">
-            <a:schemeClr val="accent1"/>
-          </a:lnRef>
-          <a:fillRef idx="1">
-            <a:schemeClr val="lt1"/>
-          </a:fillRef>
-          <a:effectRef idx="0">
-            <a:schemeClr val="accent1"/>
-          </a:effectRef>
-          <a:fontRef idx="minor">
-            <a:schemeClr val="dk1"/>
-          </a:fontRef>
-        </p:style>
-        <p:txBody>
-          <a:bodyPr rtlCol="0" anchor="ctr"/>
-          <a:lstStyle/>
-          <a:p>
-            <a:pPr algn="ctr"/>
-            <a:endParaRPr lang="es-GT" dirty="0"/>
-          </a:p>
-        </p:txBody>
-      </p:sp>
-      <p:sp>
-        <p:nvSpPr>
-          <p:cNvPr id="20" name="Rectángulo 19"/>
-          <p:cNvSpPr/>
-          <p:nvPr/>
-        </p:nvSpPr>
-        <p:spPr>
-          <a:xfrm>
-            <a:off x="4081670" y="3363326"/>
-            <a:ext cx="1300992" cy="360000"/>
-          </a:xfrm>
-          <a:prstGeom prst="rect">
-            <a:avLst/>
-          </a:prstGeom>
-        </p:spPr>
-        <p:style>
-          <a:lnRef idx="2">
-            <a:schemeClr val="accent1"/>
-          </a:lnRef>
-          <a:fillRef idx="1">
-            <a:schemeClr val="lt1"/>
-          </a:fillRef>
-          <a:effectRef idx="0">
-            <a:schemeClr val="accent1"/>
-          </a:effectRef>
-          <a:fontRef idx="minor">
-            <a:schemeClr val="dk1"/>
-          </a:fontRef>
-        </p:style>
-        <p:txBody>
-          <a:bodyPr rtlCol="0" anchor="ctr"/>
-          <a:lstStyle/>
-          <a:p>
-            <a:pPr algn="ctr"/>
-            <a:endParaRPr lang="es-GT" dirty="0"/>
-          </a:p>
-        </p:txBody>
-      </p:sp>
-      <p:sp>
-        <p:nvSpPr>
-          <p:cNvPr id="21" name="Rectángulo 20"/>
-          <p:cNvSpPr/>
-          <p:nvPr/>
-        </p:nvSpPr>
-        <p:spPr>
-          <a:xfrm>
-            <a:off x="5926001" y="3357783"/>
-            <a:ext cx="1243425" cy="360000"/>
-          </a:xfrm>
-          <a:prstGeom prst="rect">
-            <a:avLst/>
-          </a:prstGeom>
-        </p:spPr>
-        <p:style>
-          <a:lnRef idx="2">
-            <a:schemeClr val="accent1"/>
-          </a:lnRef>
-          <a:fillRef idx="1">
-            <a:schemeClr val="lt1"/>
-          </a:fillRef>
-          <a:effectRef idx="0">
-            <a:schemeClr val="accent1"/>
-          </a:effectRef>
-          <a:fontRef idx="minor">
-            <a:schemeClr val="dk1"/>
-          </a:fontRef>
-        </p:style>
-        <p:txBody>
-          <a:bodyPr rtlCol="0" anchor="ctr"/>
-          <a:lstStyle/>
-          <a:p>
-            <a:pPr algn="ctr"/>
-            <a:endParaRPr lang="es-GT" dirty="0"/>
-          </a:p>
-        </p:txBody>
-      </p:sp>
-      <p:sp>
-        <p:nvSpPr>
-          <p:cNvPr id="22" name="Rectángulo 21"/>
-          <p:cNvSpPr/>
-          <p:nvPr/>
-        </p:nvSpPr>
-        <p:spPr>
-          <a:xfrm>
-            <a:off x="8006592" y="3356427"/>
-            <a:ext cx="2277095" cy="360000"/>
-          </a:xfrm>
-          <a:prstGeom prst="rect">
-            <a:avLst/>
-          </a:prstGeom>
-        </p:spPr>
-        <p:style>
-          <a:lnRef idx="2">
-            <a:schemeClr val="accent1"/>
-          </a:lnRef>
-          <a:fillRef idx="1">
-            <a:schemeClr val="lt1"/>
-          </a:fillRef>
-          <a:effectRef idx="0">
-            <a:schemeClr val="accent1"/>
-          </a:effectRef>
-          <a:fontRef idx="minor">
-            <a:schemeClr val="dk1"/>
-          </a:fontRef>
-        </p:style>
-        <p:txBody>
-          <a:bodyPr rtlCol="0" anchor="ctr"/>
-          <a:lstStyle/>
-          <a:p>
-            <a:pPr algn="ctr"/>
-            <a:endParaRPr lang="es-GT" dirty="0"/>
-          </a:p>
-        </p:txBody>
-      </p:sp>
-      <p:sp>
-        <p:nvSpPr>
-          <p:cNvPr id="23" name="Rectángulo 22"/>
-          <p:cNvSpPr/>
-          <p:nvPr/>
-        </p:nvSpPr>
-        <p:spPr>
-          <a:xfrm>
-            <a:off x="2493682" y="3775429"/>
-            <a:ext cx="2025309" cy="360000"/>
-          </a:xfrm>
-          <a:prstGeom prst="rect">
-            <a:avLst/>
-          </a:prstGeom>
-        </p:spPr>
-        <p:style>
-          <a:lnRef idx="2">
-            <a:schemeClr val="accent1"/>
-          </a:lnRef>
-          <a:fillRef idx="1">
-            <a:schemeClr val="lt1"/>
-          </a:fillRef>
-          <a:effectRef idx="0">
-            <a:schemeClr val="accent1"/>
-          </a:effectRef>
-          <a:fontRef idx="minor">
-            <a:schemeClr val="dk1"/>
-          </a:fontRef>
-        </p:style>
-        <p:txBody>
-          <a:bodyPr rtlCol="0" anchor="ctr"/>
-          <a:lstStyle/>
-          <a:p>
-            <a:pPr algn="ctr"/>
-            <a:endParaRPr lang="es-GT" dirty="0"/>
-          </a:p>
-        </p:txBody>
-      </p:sp>
-      <p:sp>
-        <p:nvSpPr>
-          <p:cNvPr id="24" name="Rectángulo 23"/>
-          <p:cNvSpPr/>
-          <p:nvPr/>
-        </p:nvSpPr>
-        <p:spPr>
-          <a:xfrm>
-            <a:off x="6493566" y="3775429"/>
-            <a:ext cx="3790122" cy="360000"/>
-          </a:xfrm>
-          <a:prstGeom prst="rect">
-            <a:avLst/>
-          </a:prstGeom>
-        </p:spPr>
-        <p:style>
-          <a:lnRef idx="2">
-            <a:schemeClr val="accent1"/>
-          </a:lnRef>
-          <a:fillRef idx="1">
-            <a:schemeClr val="lt1"/>
-          </a:fillRef>
-          <a:effectRef idx="0">
-            <a:schemeClr val="accent1"/>
-          </a:effectRef>
-          <a:fontRef idx="minor">
-            <a:schemeClr val="dk1"/>
-          </a:fontRef>
-        </p:style>
-        <p:txBody>
-          <a:bodyPr rtlCol="0" anchor="ctr"/>
-          <a:lstStyle/>
-          <a:p>
-            <a:pPr algn="ctr"/>
-            <a:endParaRPr lang="es-GT" dirty="0"/>
-          </a:p>
-        </p:txBody>
-      </p:sp>
-      <p:sp>
-        <p:nvSpPr>
-          <p:cNvPr id="25" name="Rectángulo 24"/>
-          <p:cNvSpPr/>
-          <p:nvPr/>
-        </p:nvSpPr>
-        <p:spPr>
-          <a:xfrm>
-            <a:off x="3897278" y="4583621"/>
-            <a:ext cx="422931" cy="360000"/>
-          </a:xfrm>
-          <a:prstGeom prst="rect">
-            <a:avLst/>
-          </a:prstGeom>
-        </p:spPr>
-        <p:style>
-          <a:lnRef idx="2">
-            <a:schemeClr val="accent1"/>
-          </a:lnRef>
-          <a:fillRef idx="1">
-            <a:schemeClr val="lt1"/>
-          </a:fillRef>
-          <a:effectRef idx="0">
-            <a:schemeClr val="accent1"/>
-          </a:effectRef>
-          <a:fontRef idx="minor">
-            <a:schemeClr val="dk1"/>
-          </a:fontRef>
-        </p:style>
-        <p:txBody>
-          <a:bodyPr rtlCol="0" anchor="ctr"/>
-          <a:lstStyle/>
-          <a:p>
-            <a:pPr algn="ctr"/>
-            <a:endParaRPr lang="es-GT" dirty="0"/>
-          </a:p>
-        </p:txBody>
-      </p:sp>
-      <p:sp>
-        <p:nvSpPr>
-          <p:cNvPr id="26" name="Rectángulo 25"/>
-          <p:cNvSpPr/>
-          <p:nvPr/>
-        </p:nvSpPr>
-        <p:spPr>
-          <a:xfrm>
-            <a:off x="4863548" y="4583621"/>
-            <a:ext cx="422931" cy="360000"/>
-          </a:xfrm>
-          <a:prstGeom prst="rect">
-            <a:avLst/>
-          </a:prstGeom>
-        </p:spPr>
-        <p:style>
-          <a:lnRef idx="2">
-            <a:schemeClr val="accent1"/>
-          </a:lnRef>
-          <a:fillRef idx="1">
-            <a:schemeClr val="lt1"/>
-          </a:fillRef>
-          <a:effectRef idx="0">
-            <a:schemeClr val="accent1"/>
-          </a:effectRef>
-          <a:fontRef idx="minor">
-            <a:schemeClr val="dk1"/>
-          </a:fontRef>
-        </p:style>
-        <p:txBody>
-          <a:bodyPr rtlCol="0" anchor="ctr"/>
-          <a:lstStyle/>
-          <a:p>
-            <a:pPr algn="ctr"/>
-            <a:endParaRPr lang="es-GT" dirty="0"/>
+            <a:r>
+              <a:rPr lang="es-GT" sz="1400" dirty="0">
+                <a:solidFill>
+                  <a:schemeClr val="accent1">
+                    <a:lumMod val="75000"/>
+                  </a:schemeClr>
+                </a:solidFill>
+              </a:rPr>
+              <a:t>“Usuario Activo”</a:t>
+            </a:r>
           </a:p>
         </p:txBody>
       </p:sp>
     </p:spTree>
     <p:extLst>
       <p:ext uri="{BB962C8B-B14F-4D97-AF65-F5344CB8AC3E}">
-        <p14:creationId xmlns:p14="http://schemas.microsoft.com/office/powerpoint/2010/main" val="3792858119"/>
+        <p14:creationId xmlns:p14="http://schemas.microsoft.com/office/powerpoint/2010/main" val="57379434"/>
+      </p:ext>
+    </p:extLst>
+  </p:cSld>
+  <p:clrMapOvr>
+    <a:masterClrMapping/>
+  </p:clrMapOvr>
+</p:sld>
+</file>
+
+<file path=ppt/slides/slide7.xml><?xml version="1.0" encoding="utf-8"?>
+<p:sld xmlns:a="http://schemas.openxmlformats.org/drawingml/2006/main" xmlns:r="http://schemas.openxmlformats.org/officeDocument/2006/relationships" xmlns:p="http://schemas.openxmlformats.org/presentationml/2006/main">
+  <p:cSld>
+    <p:spTree>
+      <p:nvGrpSpPr>
+        <p:cNvPr id="1" name=""/>
+        <p:cNvGrpSpPr/>
+        <p:nvPr/>
+      </p:nvGrpSpPr>
+      <p:grpSpPr>
+        <a:xfrm>
+          <a:off x="0" y="0"/>
+          <a:ext cx="0" cy="0"/>
+          <a:chOff x="0" y="0"/>
+          <a:chExt cx="0" cy="0"/>
+        </a:xfrm>
+      </p:grpSpPr>
+      <p:sp>
+        <p:nvSpPr>
+          <p:cNvPr id="2" name="Rectángulo 1"/>
+          <p:cNvSpPr/>
+          <p:nvPr/>
+        </p:nvSpPr>
+        <p:spPr>
+          <a:xfrm>
+            <a:off x="3655750" y="2967335"/>
+            <a:ext cx="4880503" cy="1446550"/>
+          </a:xfrm>
+          <a:prstGeom prst="rect">
+            <a:avLst/>
+          </a:prstGeom>
+          <a:noFill/>
+        </p:spPr>
+        <p:txBody>
+          <a:bodyPr wrap="none" lIns="91440" tIns="45720" rIns="91440" bIns="45720">
+            <a:spAutoFit/>
+          </a:bodyPr>
+          <a:lstStyle/>
+          <a:p>
+            <a:pPr algn="ctr"/>
+            <a:r>
+              <a:rPr lang="es-ES" sz="8800" b="1" cap="none" spc="0" dirty="0">
+                <a:ln w="9525">
+                  <a:solidFill>
+                    <a:schemeClr val="bg1"/>
+                  </a:solidFill>
+                  <a:prstDash val="solid"/>
+                </a:ln>
+                <a:solidFill>
+                  <a:schemeClr val="accent5"/>
+                </a:solidFill>
+                <a:effectLst>
+                  <a:outerShdw blurRad="12700" dist="38100" dir="2700000" algn="tl" rotWithShape="0">
+                    <a:schemeClr val="accent5">
+                      <a:lumMod val="60000"/>
+                      <a:lumOff val="40000"/>
+                    </a:schemeClr>
+                  </a:outerShdw>
+                </a:effectLst>
+              </a:rPr>
+              <a:t>Secretaria</a:t>
+            </a:r>
+          </a:p>
+        </p:txBody>
+      </p:sp>
+    </p:spTree>
+    <p:extLst>
+      <p:ext uri="{BB962C8B-B14F-4D97-AF65-F5344CB8AC3E}">
+        <p14:creationId xmlns:p14="http://schemas.microsoft.com/office/powerpoint/2010/main" val="2809853636"/>
       </p:ext>
     </p:extLst>
   </p:cSld>
@@ -9074,8 +12213,8 @@
         </p:blipFill>
         <p:spPr>
           <a:xfrm>
-            <a:off x="225287" y="5234609"/>
-            <a:ext cx="1386593" cy="1166190"/>
+            <a:off x="225287" y="2783964"/>
+            <a:ext cx="4300396" cy="3616836"/>
           </a:xfrm>
           <a:prstGeom prst="rect">
             <a:avLst/>
@@ -9090,8 +12229,8 @@
         </p:nvSpPr>
         <p:spPr>
           <a:xfrm>
-            <a:off x="10508975" y="5751444"/>
-            <a:ext cx="1229464" cy="543339"/>
+            <a:off x="5791200" y="3551582"/>
+            <a:ext cx="1696278" cy="954157"/>
           </a:xfrm>
           <a:prstGeom prst="roundRect">
             <a:avLst/>
@@ -9118,7 +12257,7 @@
             <a:pPr algn="ctr"/>
             <a:r>
               <a:rPr lang="es-GT" dirty="0"/>
-              <a:t>Continuar</a:t>
+              <a:t>Inscripción</a:t>
             </a:r>
           </a:p>
         </p:txBody>
@@ -9131,8 +12270,8 @@
         </p:nvSpPr>
         <p:spPr>
           <a:xfrm>
-            <a:off x="10815645" y="1091410"/>
-            <a:ext cx="1058303" cy="584775"/>
+            <a:off x="3050275" y="1129457"/>
+            <a:ext cx="5998693" cy="1323439"/>
           </a:xfrm>
           <a:prstGeom prst="rect">
             <a:avLst/>
@@ -9147,7 +12286,51 @@
           <a:p>
             <a:pPr algn="ctr"/>
             <a:r>
-              <a:rPr lang="es-ES" sz="3200" b="1" dirty="0">
+              <a:rPr lang="es-ES" sz="4000" b="1" dirty="0">
+                <a:ln w="9525">
+                  <a:solidFill>
+                    <a:schemeClr val="bg1"/>
+                  </a:solidFill>
+                  <a:prstDash val="solid"/>
+                </a:ln>
+                <a:solidFill>
+                  <a:schemeClr val="accent5"/>
+                </a:solidFill>
+                <a:effectLst>
+                  <a:outerShdw blurRad="12700" dist="38100" dir="2700000" algn="tl" rotWithShape="0">
+                    <a:schemeClr val="accent5">
+                      <a:lumMod val="60000"/>
+                      <a:lumOff val="40000"/>
+                    </a:schemeClr>
+                  </a:outerShdw>
+                </a:effectLst>
+              </a:rPr>
+              <a:t>Información de Estudiantes</a:t>
+            </a:r>
+            <a:endParaRPr lang="es-ES" sz="4000" b="1" cap="none" spc="0" dirty="0">
+              <a:ln w="9525">
+                <a:solidFill>
+                  <a:schemeClr val="bg1"/>
+                </a:solidFill>
+                <a:prstDash val="solid"/>
+              </a:ln>
+              <a:solidFill>
+                <a:schemeClr val="accent5"/>
+              </a:solidFill>
+              <a:effectLst>
+                <a:outerShdw blurRad="12700" dist="38100" dir="2700000" algn="tl" rotWithShape="0">
+                  <a:schemeClr val="accent5">
+                    <a:lumMod val="60000"/>
+                    <a:lumOff val="40000"/>
+                  </a:schemeClr>
+                </a:outerShdw>
+              </a:effectLst>
+            </a:endParaRPr>
+          </a:p>
+          <a:p>
+            <a:pPr algn="ctr"/>
+            <a:r>
+              <a:rPr lang="es-ES" sz="4000" b="1" dirty="0">
                 <a:ln w="9525">
                   <a:solidFill>
                     <a:schemeClr val="bg1"/>
@@ -9168,7 +12351,7 @@
               </a:rPr>
               <a:t>SIGIE</a:t>
             </a:r>
-            <a:endParaRPr lang="es-ES" sz="3200" b="1" cap="none" spc="0" dirty="0">
+            <a:endParaRPr lang="es-ES" sz="4000" b="1" cap="none" spc="0" dirty="0">
               <a:ln w="9525">
                 <a:solidFill>
                   <a:schemeClr val="bg1"/>
@@ -9199,7 +12382,7 @@
         <p:spPr>
           <a:xfrm>
             <a:off x="1351722" y="357809"/>
-            <a:ext cx="3770456" cy="369332"/>
+            <a:ext cx="2748894" cy="369332"/>
           </a:xfrm>
           <a:prstGeom prst="rect">
             <a:avLst/>
@@ -9214,7 +12397,48 @@
           <a:p>
             <a:r>
               <a:rPr lang="es-GT" dirty="0"/>
-              <a:t>Inscripción Estudiantes – Datos Madre</a:t>
+              <a:t>Información de estudiantes</a:t>
+            </a:r>
+          </a:p>
+        </p:txBody>
+      </p:sp>
+      <p:sp>
+        <p:nvSpPr>
+          <p:cNvPr id="9" name="Rectángulo redondeado 8"/>
+          <p:cNvSpPr/>
+          <p:nvPr/>
+        </p:nvSpPr>
+        <p:spPr>
+          <a:xfrm>
+            <a:off x="7984435" y="3551582"/>
+            <a:ext cx="1696278" cy="954157"/>
+          </a:xfrm>
+          <a:prstGeom prst="roundRect">
+            <a:avLst/>
+          </a:prstGeom>
+        </p:spPr>
+        <p:style>
+          <a:lnRef idx="0">
+            <a:schemeClr val="accent1"/>
+          </a:lnRef>
+          <a:fillRef idx="3">
+            <a:schemeClr val="accent1"/>
+          </a:fillRef>
+          <a:effectRef idx="3">
+            <a:schemeClr val="accent1"/>
+          </a:effectRef>
+          <a:fontRef idx="minor">
+            <a:schemeClr val="lt1"/>
+          </a:fontRef>
+        </p:style>
+        <p:txBody>
+          <a:bodyPr rtlCol="0" anchor="ctr"/>
+          <a:lstStyle/>
+          <a:p>
+            <a:pPr algn="ctr"/>
+            <a:r>
+              <a:rPr lang="es-GT" dirty="0"/>
+              <a:t>Consulta y Edición</a:t>
             </a:r>
           </a:p>
         </p:txBody>
@@ -9227,7 +12451,7 @@
         </p:nvSpPr>
         <p:spPr>
           <a:xfrm>
-            <a:off x="225287" y="1060174"/>
+            <a:off x="5791200" y="2817573"/>
             <a:ext cx="4094922" cy="400110"/>
           </a:xfrm>
           <a:prstGeom prst="rect">
@@ -9242,508 +12466,20 @@
           <a:lstStyle/>
           <a:p>
             <a:r>
-              <a:rPr lang="es-GT" sz="2000" dirty="0">
-                <a:ln w="0"/>
+              <a:rPr lang="es-GT" sz="2000" b="1" dirty="0">
                 <a:solidFill>
-                  <a:schemeClr val="accent1"/>
-                </a:solidFill>
-                <a:effectLst>
-                  <a:outerShdw blurRad="38100" dist="25400" dir="5400000" algn="ctr" rotWithShape="0">
-                    <a:srgbClr val="6E747A">
-                      <a:alpha val="43000"/>
-                    </a:srgbClr>
-                  </a:outerShdw>
-                </a:effectLst>
-              </a:rPr>
-              <a:t>Ficha de Inscripción</a:t>
-            </a:r>
-          </a:p>
-        </p:txBody>
-      </p:sp>
-      <p:sp>
-        <p:nvSpPr>
-          <p:cNvPr id="4" name="Rectángulo 3"/>
-          <p:cNvSpPr/>
-          <p:nvPr/>
-        </p:nvSpPr>
-        <p:spPr>
-          <a:xfrm>
-            <a:off x="757244" y="1676185"/>
-            <a:ext cx="10058401" cy="3416320"/>
-          </a:xfrm>
-          <a:prstGeom prst="rect">
-            <a:avLst/>
-          </a:prstGeom>
-          <a:noFill/>
-          <a:ln>
-            <a:noFill/>
-          </a:ln>
-        </p:spPr>
-        <p:style>
-          <a:lnRef idx="0">
-            <a:scrgbClr r="0" g="0" b="0"/>
-          </a:lnRef>
-          <a:fillRef idx="0">
-            <a:scrgbClr r="0" g="0" b="0"/>
-          </a:fillRef>
-          <a:effectRef idx="0">
-            <a:scrgbClr r="0" g="0" b="0"/>
-          </a:effectRef>
-          <a:fontRef idx="minor">
-            <a:schemeClr val="accent1"/>
-          </a:fontRef>
-        </p:style>
-        <p:txBody>
-          <a:bodyPr wrap="square">
-            <a:spAutoFit/>
-          </a:bodyPr>
-          <a:lstStyle/>
-          <a:p>
-            <a:pPr>
-              <a:lnSpc>
-                <a:spcPct val="150000"/>
-              </a:lnSpc>
-            </a:pPr>
-            <a:r>
-              <a:rPr lang="es-ES" dirty="0">
-                <a:solidFill>
-                  <a:schemeClr val="accent1">
-                    <a:lumMod val="75000"/>
-                  </a:schemeClr>
+                  <a:schemeClr val="bg1"/>
                 </a:solidFill>
               </a:rPr>
-              <a:t>MADRE DE FAMILIA</a:t>
-            </a:r>
-          </a:p>
-          <a:p>
-            <a:pPr>
-              <a:lnSpc>
-                <a:spcPct val="150000"/>
-              </a:lnSpc>
-            </a:pPr>
-            <a:r>
-              <a:rPr lang="es-ES" dirty="0">
-                <a:solidFill>
-                  <a:schemeClr val="accent1">
-                    <a:lumMod val="75000"/>
-                  </a:schemeClr>
-                </a:solidFill>
-              </a:rPr>
-              <a:t>Nombre:</a:t>
-            </a:r>
-          </a:p>
-          <a:p>
-            <a:pPr>
-              <a:lnSpc>
-                <a:spcPct val="150000"/>
-              </a:lnSpc>
-            </a:pPr>
-            <a:r>
-              <a:rPr lang="es-ES" dirty="0">
-                <a:solidFill>
-                  <a:schemeClr val="accent1">
-                    <a:lumMod val="75000"/>
-                  </a:schemeClr>
-                </a:solidFill>
-              </a:rPr>
-              <a:t>No. de DPI:</a:t>
-            </a:r>
-          </a:p>
-          <a:p>
-            <a:pPr>
-              <a:lnSpc>
-                <a:spcPct val="150000"/>
-              </a:lnSpc>
-            </a:pPr>
-            <a:r>
-              <a:rPr lang="es-ES" dirty="0">
-                <a:solidFill>
-                  <a:schemeClr val="accent1">
-                    <a:lumMod val="75000"/>
-                  </a:schemeClr>
-                </a:solidFill>
-              </a:rPr>
-              <a:t>Extendida en</a:t>
-            </a:r>
-          </a:p>
-          <a:p>
-            <a:pPr>
-              <a:lnSpc>
-                <a:spcPct val="150000"/>
-              </a:lnSpc>
-            </a:pPr>
-            <a:r>
-              <a:rPr lang="es-ES" dirty="0">
-                <a:solidFill>
-                  <a:schemeClr val="accent1">
-                    <a:lumMod val="75000"/>
-                  </a:schemeClr>
-                </a:solidFill>
-              </a:rPr>
-              <a:t>Lugar de Trabajo:</a:t>
-            </a:r>
-          </a:p>
-          <a:p>
-            <a:pPr>
-              <a:lnSpc>
-                <a:spcPct val="150000"/>
-              </a:lnSpc>
-            </a:pPr>
-            <a:r>
-              <a:rPr lang="es-ES" dirty="0">
-                <a:solidFill>
-                  <a:schemeClr val="accent1">
-                    <a:lumMod val="75000"/>
-                  </a:schemeClr>
-                </a:solidFill>
-              </a:rPr>
-              <a:t>Dirección:</a:t>
-            </a:r>
-          </a:p>
-          <a:p>
-            <a:pPr>
-              <a:lnSpc>
-                <a:spcPct val="150000"/>
-              </a:lnSpc>
-            </a:pPr>
-            <a:r>
-              <a:rPr lang="es-ES" dirty="0">
-                <a:solidFill>
-                  <a:schemeClr val="accent1">
-                    <a:lumMod val="75000"/>
-                  </a:schemeClr>
-                </a:solidFill>
-              </a:rPr>
-              <a:t>Teléfonos:</a:t>
-            </a:r>
-          </a:p>
-          <a:p>
-            <a:pPr>
-              <a:lnSpc>
-                <a:spcPct val="150000"/>
-              </a:lnSpc>
-            </a:pPr>
-            <a:r>
-              <a:rPr lang="es-ES" dirty="0">
-                <a:solidFill>
-                  <a:schemeClr val="accent1">
-                    <a:lumMod val="75000"/>
-                  </a:schemeClr>
-                </a:solidFill>
-              </a:rPr>
-              <a:t>	Casa			    Trabajo			            Celular</a:t>
-            </a:r>
-          </a:p>
-        </p:txBody>
-      </p:sp>
-      <p:sp>
-        <p:nvSpPr>
-          <p:cNvPr id="28" name="Rectángulo 27"/>
-          <p:cNvSpPr/>
-          <p:nvPr/>
-        </p:nvSpPr>
-        <p:spPr>
-          <a:xfrm>
-            <a:off x="1744400" y="2214547"/>
-            <a:ext cx="8481391" cy="360000"/>
-          </a:xfrm>
-          <a:prstGeom prst="rect">
-            <a:avLst/>
-          </a:prstGeom>
-        </p:spPr>
-        <p:style>
-          <a:lnRef idx="2">
-            <a:schemeClr val="accent1"/>
-          </a:lnRef>
-          <a:fillRef idx="1">
-            <a:schemeClr val="lt1"/>
-          </a:fillRef>
-          <a:effectRef idx="0">
-            <a:schemeClr val="accent1"/>
-          </a:effectRef>
-          <a:fontRef idx="minor">
-            <a:schemeClr val="dk1"/>
-          </a:fontRef>
-        </p:style>
-        <p:txBody>
-          <a:bodyPr rtlCol="0" anchor="ctr"/>
-          <a:lstStyle/>
-          <a:p>
-            <a:pPr algn="ctr"/>
-            <a:endParaRPr lang="es-GT"/>
-          </a:p>
-        </p:txBody>
-      </p:sp>
-      <p:sp>
-        <p:nvSpPr>
-          <p:cNvPr id="29" name="Rectángulo 28"/>
-          <p:cNvSpPr/>
-          <p:nvPr/>
-        </p:nvSpPr>
-        <p:spPr>
-          <a:xfrm>
-            <a:off x="1923304" y="2610448"/>
-            <a:ext cx="8302487" cy="360000"/>
-          </a:xfrm>
-          <a:prstGeom prst="rect">
-            <a:avLst/>
-          </a:prstGeom>
-        </p:spPr>
-        <p:style>
-          <a:lnRef idx="2">
-            <a:schemeClr val="accent1"/>
-          </a:lnRef>
-          <a:fillRef idx="1">
-            <a:schemeClr val="lt1"/>
-          </a:fillRef>
-          <a:effectRef idx="0">
-            <a:schemeClr val="accent1"/>
-          </a:effectRef>
-          <a:fontRef idx="minor">
-            <a:schemeClr val="dk1"/>
-          </a:fontRef>
-        </p:style>
-        <p:txBody>
-          <a:bodyPr rtlCol="0" anchor="ctr"/>
-          <a:lstStyle/>
-          <a:p>
-            <a:pPr algn="ctr"/>
-            <a:endParaRPr lang="es-GT"/>
-          </a:p>
-        </p:txBody>
-      </p:sp>
-      <p:sp>
-        <p:nvSpPr>
-          <p:cNvPr id="30" name="Rectángulo 29"/>
-          <p:cNvSpPr/>
-          <p:nvPr/>
-        </p:nvSpPr>
-        <p:spPr>
-          <a:xfrm>
-            <a:off x="2102208" y="3011703"/>
-            <a:ext cx="8123584" cy="360000"/>
-          </a:xfrm>
-          <a:prstGeom prst="rect">
-            <a:avLst/>
-          </a:prstGeom>
-        </p:spPr>
-        <p:style>
-          <a:lnRef idx="2">
-            <a:schemeClr val="accent1"/>
-          </a:lnRef>
-          <a:fillRef idx="1">
-            <a:schemeClr val="lt1"/>
-          </a:fillRef>
-          <a:effectRef idx="0">
-            <a:schemeClr val="accent1"/>
-          </a:effectRef>
-          <a:fontRef idx="minor">
-            <a:schemeClr val="dk1"/>
-          </a:fontRef>
-        </p:style>
-        <p:txBody>
-          <a:bodyPr rtlCol="0" anchor="ctr"/>
-          <a:lstStyle/>
-          <a:p>
-            <a:pPr algn="ctr"/>
-            <a:endParaRPr lang="es-GT"/>
-          </a:p>
-        </p:txBody>
-      </p:sp>
-      <p:sp>
-        <p:nvSpPr>
-          <p:cNvPr id="31" name="Rectángulo 30"/>
-          <p:cNvSpPr/>
-          <p:nvPr/>
-        </p:nvSpPr>
-        <p:spPr>
-          <a:xfrm>
-            <a:off x="2504662" y="3415894"/>
-            <a:ext cx="7721130" cy="360000"/>
-          </a:xfrm>
-          <a:prstGeom prst="rect">
-            <a:avLst/>
-          </a:prstGeom>
-        </p:spPr>
-        <p:style>
-          <a:lnRef idx="2">
-            <a:schemeClr val="accent1"/>
-          </a:lnRef>
-          <a:fillRef idx="1">
-            <a:schemeClr val="lt1"/>
-          </a:fillRef>
-          <a:effectRef idx="0">
-            <a:schemeClr val="accent1"/>
-          </a:effectRef>
-          <a:fontRef idx="minor">
-            <a:schemeClr val="dk1"/>
-          </a:fontRef>
-        </p:style>
-        <p:txBody>
-          <a:bodyPr rtlCol="0" anchor="ctr"/>
-          <a:lstStyle/>
-          <a:p>
-            <a:pPr algn="ctr"/>
-            <a:endParaRPr lang="es-GT"/>
-          </a:p>
-        </p:txBody>
-      </p:sp>
-      <p:sp>
-        <p:nvSpPr>
-          <p:cNvPr id="32" name="Rectángulo 31"/>
-          <p:cNvSpPr/>
-          <p:nvPr/>
-        </p:nvSpPr>
-        <p:spPr>
-          <a:xfrm>
-            <a:off x="1828804" y="3820085"/>
-            <a:ext cx="8396988" cy="360000"/>
-          </a:xfrm>
-          <a:prstGeom prst="rect">
-            <a:avLst/>
-          </a:prstGeom>
-        </p:spPr>
-        <p:style>
-          <a:lnRef idx="2">
-            <a:schemeClr val="accent1"/>
-          </a:lnRef>
-          <a:fillRef idx="1">
-            <a:schemeClr val="lt1"/>
-          </a:fillRef>
-          <a:effectRef idx="0">
-            <a:schemeClr val="accent1"/>
-          </a:effectRef>
-          <a:fontRef idx="minor">
-            <a:schemeClr val="dk1"/>
-          </a:fontRef>
-        </p:style>
-        <p:txBody>
-          <a:bodyPr rtlCol="0" anchor="ctr"/>
-          <a:lstStyle/>
-          <a:p>
-            <a:pPr algn="ctr"/>
-            <a:endParaRPr lang="es-GT"/>
-          </a:p>
-        </p:txBody>
-      </p:sp>
-      <p:sp>
-        <p:nvSpPr>
-          <p:cNvPr id="33" name="Rectángulo 32"/>
-          <p:cNvSpPr/>
-          <p:nvPr/>
-        </p:nvSpPr>
-        <p:spPr>
-          <a:xfrm>
-            <a:off x="2272748" y="4669722"/>
-            <a:ext cx="2246243" cy="360000"/>
-          </a:xfrm>
-          <a:prstGeom prst="rect">
-            <a:avLst/>
-          </a:prstGeom>
-        </p:spPr>
-        <p:style>
-          <a:lnRef idx="2">
-            <a:schemeClr val="accent1"/>
-          </a:lnRef>
-          <a:fillRef idx="1">
-            <a:schemeClr val="lt1"/>
-          </a:fillRef>
-          <a:effectRef idx="0">
-            <a:schemeClr val="accent1"/>
-          </a:effectRef>
-          <a:fontRef idx="minor">
-            <a:schemeClr val="dk1"/>
-          </a:fontRef>
-        </p:style>
-        <p:txBody>
-          <a:bodyPr rtlCol="0" anchor="ctr"/>
-          <a:lstStyle/>
-          <a:p>
-            <a:pPr algn="ctr"/>
-            <a:endParaRPr lang="es-GT"/>
-          </a:p>
-        </p:txBody>
-      </p:sp>
-      <p:sp>
-        <p:nvSpPr>
-          <p:cNvPr id="34" name="Rectángulo 33"/>
-          <p:cNvSpPr/>
-          <p:nvPr/>
-        </p:nvSpPr>
-        <p:spPr>
-          <a:xfrm>
-            <a:off x="5487334" y="4661432"/>
-            <a:ext cx="2246243" cy="360000"/>
-          </a:xfrm>
-          <a:prstGeom prst="rect">
-            <a:avLst/>
-          </a:prstGeom>
-        </p:spPr>
-        <p:style>
-          <a:lnRef idx="2">
-            <a:schemeClr val="accent1"/>
-          </a:lnRef>
-          <a:fillRef idx="1">
-            <a:schemeClr val="lt1"/>
-          </a:fillRef>
-          <a:effectRef idx="0">
-            <a:schemeClr val="accent1"/>
-          </a:effectRef>
-          <a:fontRef idx="minor">
-            <a:schemeClr val="dk1"/>
-          </a:fontRef>
-        </p:style>
-        <p:txBody>
-          <a:bodyPr rtlCol="0" anchor="ctr"/>
-          <a:lstStyle/>
-          <a:p>
-            <a:pPr algn="ctr"/>
-            <a:endParaRPr lang="es-GT"/>
-          </a:p>
-        </p:txBody>
-      </p:sp>
-      <p:sp>
-        <p:nvSpPr>
-          <p:cNvPr id="35" name="Rectángulo 34"/>
-          <p:cNvSpPr/>
-          <p:nvPr/>
-        </p:nvSpPr>
-        <p:spPr>
-          <a:xfrm>
-            <a:off x="8569402" y="4654232"/>
-            <a:ext cx="1656389" cy="360000"/>
-          </a:xfrm>
-          <a:prstGeom prst="rect">
-            <a:avLst/>
-          </a:prstGeom>
-        </p:spPr>
-        <p:style>
-          <a:lnRef idx="2">
-            <a:schemeClr val="accent1"/>
-          </a:lnRef>
-          <a:fillRef idx="1">
-            <a:schemeClr val="lt1"/>
-          </a:fillRef>
-          <a:effectRef idx="0">
-            <a:schemeClr val="accent1"/>
-          </a:effectRef>
-          <a:fontRef idx="minor">
-            <a:schemeClr val="dk1"/>
-          </a:fontRef>
-        </p:style>
-        <p:txBody>
-          <a:bodyPr rtlCol="0" anchor="ctr"/>
-          <a:lstStyle/>
-          <a:p>
-            <a:pPr algn="ctr"/>
-            <a:endParaRPr lang="es-GT"/>
+              <a:t>Selecciona Una Opción.</a:t>
+            </a:r>
           </a:p>
         </p:txBody>
       </p:sp>
     </p:spTree>
     <p:extLst>
       <p:ext uri="{BB962C8B-B14F-4D97-AF65-F5344CB8AC3E}">
-        <p14:creationId xmlns:p14="http://schemas.microsoft.com/office/powerpoint/2010/main" val="2375739298"/>
+        <p14:creationId xmlns:p14="http://schemas.microsoft.com/office/powerpoint/2010/main" val="1493746140"/>
       </p:ext>
     </p:extLst>
   </p:cSld>
@@ -9989,7 +12725,7 @@
         <p:spPr>
           <a:xfrm>
             <a:off x="1351722" y="357809"/>
-            <a:ext cx="3686971" cy="369332"/>
+            <a:ext cx="4231158" cy="369332"/>
           </a:xfrm>
           <a:prstGeom prst="rect">
             <a:avLst/>
@@ -10004,7 +12740,7 @@
           <a:p>
             <a:r>
               <a:rPr lang="es-GT" dirty="0"/>
-              <a:t>Inscripción Estudiantes – Datos Padre</a:t>
+              <a:t>Inscripción Estudiantes – Datos Estudiantes</a:t>
             </a:r>
           </a:p>
         </p:txBody>
@@ -10052,14 +12788,14 @@
       </p:sp>
       <p:sp>
         <p:nvSpPr>
-          <p:cNvPr id="4" name="Rectángulo 3"/>
+          <p:cNvPr id="13" name="Rectángulo 12"/>
           <p:cNvSpPr/>
           <p:nvPr/>
         </p:nvSpPr>
         <p:spPr>
           <a:xfrm>
-            <a:off x="757244" y="1676185"/>
-            <a:ext cx="10058401" cy="3416320"/>
+            <a:off x="768626" y="1596313"/>
+            <a:ext cx="11304104" cy="3416320"/>
           </a:xfrm>
           <a:prstGeom prst="rect">
             <a:avLst/>
@@ -10080,7 +12816,7 @@
             <a:scrgbClr r="0" g="0" b="0"/>
           </a:effectRef>
           <a:fontRef idx="minor">
-            <a:schemeClr val="accent1"/>
+            <a:schemeClr val="accent5"/>
           </a:fontRef>
         </p:style>
         <p:txBody>
@@ -10095,14 +12831,8 @@
               </a:lnSpc>
             </a:pPr>
             <a:r>
-              <a:rPr lang="es-ES" dirty="0">
-                <a:solidFill>
-                  <a:schemeClr val="accent1">
-                    <a:lumMod val="75000"/>
-                  </a:schemeClr>
-                </a:solidFill>
-              </a:rPr>
-              <a:t>DATOS DEL PADRE</a:t>
+              <a:rPr lang="es-ES" dirty="0"/>
+              <a:t>Nombre:</a:t>
             </a:r>
           </a:p>
           <a:p>
@@ -10112,14 +12842,8 @@
               </a:lnSpc>
             </a:pPr>
             <a:r>
-              <a:rPr lang="es-ES" dirty="0">
-                <a:solidFill>
-                  <a:schemeClr val="accent1">
-                    <a:lumMod val="75000"/>
-                  </a:schemeClr>
-                </a:solidFill>
-              </a:rPr>
-              <a:t>Nombre:</a:t>
+              <a:rPr lang="es-ES" dirty="0"/>
+              <a:t>Dirección:</a:t>
             </a:r>
           </a:p>
           <a:p>
@@ -10129,14 +12853,8 @@
               </a:lnSpc>
             </a:pPr>
             <a:r>
-              <a:rPr lang="es-ES" dirty="0">
-                <a:solidFill>
-                  <a:schemeClr val="accent1">
-                    <a:lumMod val="75000"/>
-                  </a:schemeClr>
-                </a:solidFill>
-              </a:rPr>
-              <a:t>No. de DPI:</a:t>
+              <a:rPr lang="es-ES" dirty="0"/>
+              <a:t>Establecimiento donde estudió el año anterior: </a:t>
             </a:r>
           </a:p>
           <a:p>
@@ -10146,14 +12864,8 @@
               </a:lnSpc>
             </a:pPr>
             <a:r>
-              <a:rPr lang="es-ES" dirty="0">
-                <a:solidFill>
-                  <a:schemeClr val="accent1">
-                    <a:lumMod val="75000"/>
-                  </a:schemeClr>
-                </a:solidFill>
-              </a:rPr>
-              <a:t>Extendida en</a:t>
+              <a:rPr lang="es-ES" dirty="0"/>
+              <a:t>Lugar y Fecha de Nacimiento: </a:t>
             </a:r>
           </a:p>
           <a:p>
@@ -10163,14 +12875,8 @@
               </a:lnSpc>
             </a:pPr>
             <a:r>
-              <a:rPr lang="es-ES" dirty="0">
-                <a:solidFill>
-                  <a:schemeClr val="accent1">
-                    <a:lumMod val="75000"/>
-                  </a:schemeClr>
-                </a:solidFill>
-              </a:rPr>
-              <a:t>Lugar de Trabajo:</a:t>
+              <a:rPr lang="es-ES" dirty="0"/>
+              <a:t>No. de Partida		Folio		Libro 		Edad:</a:t>
             </a:r>
           </a:p>
           <a:p>
@@ -10180,14 +12886,8 @@
               </a:lnSpc>
             </a:pPr>
             <a:r>
-              <a:rPr lang="es-ES" dirty="0">
-                <a:solidFill>
-                  <a:schemeClr val="accent1">
-                    <a:lumMod val="75000"/>
-                  </a:schemeClr>
-                </a:solidFill>
-              </a:rPr>
-              <a:t>Dirección:</a:t>
+              <a:rPr lang="es-ES" dirty="0"/>
+              <a:t>Grado que cursa:			 Fecha de Inscripción</a:t>
             </a:r>
           </a:p>
           <a:p>
@@ -10196,16 +12896,7 @@
                 <a:spcPct val="150000"/>
               </a:lnSpc>
             </a:pPr>
-            <a:r>
-              <a:rPr lang="es-ES" dirty="0">
-                <a:solidFill>
-                  <a:schemeClr val="accent1">
-                    <a:lumMod val="75000"/>
-                  </a:schemeClr>
-                </a:solidFill>
-              </a:rPr>
-              <a:t>Teléfonos:</a:t>
-            </a:r>
+            <a:endParaRPr lang="es-ES" dirty="0"/>
           </a:p>
           <a:p>
             <a:pPr>
@@ -10214,27 +12905,21 @@
               </a:lnSpc>
             </a:pPr>
             <a:r>
-              <a:rPr lang="es-ES" dirty="0">
-                <a:solidFill>
-                  <a:schemeClr val="accent1">
-                    <a:lumMod val="75000"/>
-                  </a:schemeClr>
-                </a:solidFill>
-              </a:rPr>
-              <a:t>	Casa			    Trabajo			            Celular</a:t>
-            </a:r>
-          </a:p>
-        </p:txBody>
-      </p:sp>
-      <p:sp>
-        <p:nvSpPr>
-          <p:cNvPr id="28" name="Rectángulo 27"/>
+              <a:rPr lang="es-ES" dirty="0"/>
+              <a:t>Expediente Completo  	Si	No</a:t>
+            </a:r>
+          </a:p>
+        </p:txBody>
+      </p:sp>
+      <p:sp>
+        <p:nvSpPr>
+          <p:cNvPr id="14" name="Rectángulo 13"/>
           <p:cNvSpPr/>
           <p:nvPr/>
         </p:nvSpPr>
         <p:spPr>
           <a:xfrm>
-            <a:off x="1744400" y="2214547"/>
+            <a:off x="1802296" y="1660383"/>
             <a:ext cx="8481391" cy="360000"/>
           </a:xfrm>
           <a:prstGeom prst="rect">
@@ -10266,14 +12951,14 @@
       </p:sp>
       <p:sp>
         <p:nvSpPr>
-          <p:cNvPr id="29" name="Rectángulo 28"/>
+          <p:cNvPr id="15" name="Rectángulo 14"/>
           <p:cNvSpPr/>
           <p:nvPr/>
         </p:nvSpPr>
         <p:spPr>
           <a:xfrm>
-            <a:off x="1923304" y="2610448"/>
-            <a:ext cx="8302487" cy="360000"/>
+            <a:off x="1802296" y="2085013"/>
+            <a:ext cx="8481391" cy="360000"/>
           </a:xfrm>
           <a:prstGeom prst="rect">
             <a:avLst/>
@@ -10298,20 +12983,20 @@
           <a:lstStyle/>
           <a:p>
             <a:pPr algn="ctr"/>
-            <a:endParaRPr lang="es-GT"/>
-          </a:p>
-        </p:txBody>
-      </p:sp>
-      <p:sp>
-        <p:nvSpPr>
-          <p:cNvPr id="30" name="Rectángulo 29"/>
+            <a:endParaRPr lang="es-GT" dirty="0"/>
+          </a:p>
+        </p:txBody>
+      </p:sp>
+      <p:sp>
+        <p:nvSpPr>
+          <p:cNvPr id="16" name="Rectángulo 15"/>
           <p:cNvSpPr/>
           <p:nvPr/>
         </p:nvSpPr>
         <p:spPr>
           <a:xfrm>
-            <a:off x="2102208" y="3011703"/>
-            <a:ext cx="8123584" cy="360000"/>
+            <a:off x="5267740" y="2509643"/>
+            <a:ext cx="5015948" cy="360000"/>
           </a:xfrm>
           <a:prstGeom prst="rect">
             <a:avLst/>
@@ -10336,20 +13021,20 @@
           <a:lstStyle/>
           <a:p>
             <a:pPr algn="ctr"/>
-            <a:endParaRPr lang="es-GT"/>
-          </a:p>
-        </p:txBody>
-      </p:sp>
-      <p:sp>
-        <p:nvSpPr>
-          <p:cNvPr id="31" name="Rectángulo 30"/>
+            <a:endParaRPr lang="es-GT" dirty="0"/>
+          </a:p>
+        </p:txBody>
+      </p:sp>
+      <p:sp>
+        <p:nvSpPr>
+          <p:cNvPr id="17" name="Rectángulo 16"/>
           <p:cNvSpPr/>
           <p:nvPr/>
         </p:nvSpPr>
         <p:spPr>
           <a:xfrm>
-            <a:off x="2504662" y="3415894"/>
-            <a:ext cx="7721130" cy="360000"/>
+            <a:off x="3710610" y="2933713"/>
+            <a:ext cx="5075581" cy="360000"/>
           </a:xfrm>
           <a:prstGeom prst="rect">
             <a:avLst/>
@@ -10374,20 +13059,20 @@
           <a:lstStyle/>
           <a:p>
             <a:pPr algn="ctr"/>
-            <a:endParaRPr lang="es-GT"/>
-          </a:p>
-        </p:txBody>
-      </p:sp>
-      <p:sp>
-        <p:nvSpPr>
-          <p:cNvPr id="32" name="Rectángulo 31"/>
+            <a:endParaRPr lang="es-GT" dirty="0"/>
+          </a:p>
+        </p:txBody>
+      </p:sp>
+      <p:sp>
+        <p:nvSpPr>
+          <p:cNvPr id="18" name="Rectángulo 17"/>
           <p:cNvSpPr/>
           <p:nvPr/>
         </p:nvSpPr>
         <p:spPr>
           <a:xfrm>
-            <a:off x="1828804" y="3820085"/>
-            <a:ext cx="8396988" cy="360000"/>
+            <a:off x="8892208" y="2937425"/>
+            <a:ext cx="1391479" cy="360000"/>
           </a:xfrm>
           <a:prstGeom prst="rect">
             <a:avLst/>
@@ -10412,20 +13097,20 @@
           <a:lstStyle/>
           <a:p>
             <a:pPr algn="ctr"/>
-            <a:endParaRPr lang="es-GT"/>
-          </a:p>
-        </p:txBody>
-      </p:sp>
-      <p:sp>
-        <p:nvSpPr>
-          <p:cNvPr id="33" name="Rectángulo 32"/>
+            <a:endParaRPr lang="es-GT" dirty="0"/>
+          </a:p>
+        </p:txBody>
+      </p:sp>
+      <p:sp>
+        <p:nvSpPr>
+          <p:cNvPr id="19" name="Rectángulo 18"/>
           <p:cNvSpPr/>
           <p:nvPr/>
         </p:nvSpPr>
         <p:spPr>
           <a:xfrm>
-            <a:off x="2272748" y="4669722"/>
-            <a:ext cx="2246243" cy="360000"/>
+            <a:off x="2237339" y="3357783"/>
+            <a:ext cx="1300992" cy="360000"/>
           </a:xfrm>
           <a:prstGeom prst="rect">
             <a:avLst/>
@@ -10450,20 +13135,20 @@
           <a:lstStyle/>
           <a:p>
             <a:pPr algn="ctr"/>
-            <a:endParaRPr lang="es-GT"/>
-          </a:p>
-        </p:txBody>
-      </p:sp>
-      <p:sp>
-        <p:nvSpPr>
-          <p:cNvPr id="34" name="Rectángulo 33"/>
+            <a:endParaRPr lang="es-GT" dirty="0"/>
+          </a:p>
+        </p:txBody>
+      </p:sp>
+      <p:sp>
+        <p:nvSpPr>
+          <p:cNvPr id="20" name="Rectángulo 19"/>
           <p:cNvSpPr/>
           <p:nvPr/>
         </p:nvSpPr>
         <p:spPr>
           <a:xfrm>
-            <a:off x="5487334" y="4661432"/>
-            <a:ext cx="2246243" cy="360000"/>
+            <a:off x="4081670" y="3363326"/>
+            <a:ext cx="1300992" cy="360000"/>
           </a:xfrm>
           <a:prstGeom prst="rect">
             <a:avLst/>
@@ -10488,20 +13173,20 @@
           <a:lstStyle/>
           <a:p>
             <a:pPr algn="ctr"/>
-            <a:endParaRPr lang="es-GT"/>
-          </a:p>
-        </p:txBody>
-      </p:sp>
-      <p:sp>
-        <p:nvSpPr>
-          <p:cNvPr id="35" name="Rectángulo 34"/>
+            <a:endParaRPr lang="es-GT" dirty="0"/>
+          </a:p>
+        </p:txBody>
+      </p:sp>
+      <p:sp>
+        <p:nvSpPr>
+          <p:cNvPr id="21" name="Rectángulo 20"/>
           <p:cNvSpPr/>
           <p:nvPr/>
         </p:nvSpPr>
         <p:spPr>
           <a:xfrm>
-            <a:off x="8569402" y="4654232"/>
-            <a:ext cx="1656389" cy="360000"/>
+            <a:off x="5926001" y="3357783"/>
+            <a:ext cx="1243425" cy="360000"/>
           </a:xfrm>
           <a:prstGeom prst="rect">
             <a:avLst/>
@@ -10526,14 +13211,204 @@
           <a:lstStyle/>
           <a:p>
             <a:pPr algn="ctr"/>
-            <a:endParaRPr lang="es-GT"/>
+            <a:endParaRPr lang="es-GT" dirty="0"/>
+          </a:p>
+        </p:txBody>
+      </p:sp>
+      <p:sp>
+        <p:nvSpPr>
+          <p:cNvPr id="22" name="Rectángulo 21"/>
+          <p:cNvSpPr/>
+          <p:nvPr/>
+        </p:nvSpPr>
+        <p:spPr>
+          <a:xfrm>
+            <a:off x="8006592" y="3356427"/>
+            <a:ext cx="2277095" cy="360000"/>
+          </a:xfrm>
+          <a:prstGeom prst="rect">
+            <a:avLst/>
+          </a:prstGeom>
+        </p:spPr>
+        <p:style>
+          <a:lnRef idx="2">
+            <a:schemeClr val="accent1"/>
+          </a:lnRef>
+          <a:fillRef idx="1">
+            <a:schemeClr val="lt1"/>
+          </a:fillRef>
+          <a:effectRef idx="0">
+            <a:schemeClr val="accent1"/>
+          </a:effectRef>
+          <a:fontRef idx="minor">
+            <a:schemeClr val="dk1"/>
+          </a:fontRef>
+        </p:style>
+        <p:txBody>
+          <a:bodyPr rtlCol="0" anchor="ctr"/>
+          <a:lstStyle/>
+          <a:p>
+            <a:pPr algn="ctr"/>
+            <a:endParaRPr lang="es-GT" dirty="0"/>
+          </a:p>
+        </p:txBody>
+      </p:sp>
+      <p:sp>
+        <p:nvSpPr>
+          <p:cNvPr id="23" name="Rectángulo 22"/>
+          <p:cNvSpPr/>
+          <p:nvPr/>
+        </p:nvSpPr>
+        <p:spPr>
+          <a:xfrm>
+            <a:off x="2493682" y="3775429"/>
+            <a:ext cx="2025309" cy="360000"/>
+          </a:xfrm>
+          <a:prstGeom prst="rect">
+            <a:avLst/>
+          </a:prstGeom>
+        </p:spPr>
+        <p:style>
+          <a:lnRef idx="2">
+            <a:schemeClr val="accent1"/>
+          </a:lnRef>
+          <a:fillRef idx="1">
+            <a:schemeClr val="lt1"/>
+          </a:fillRef>
+          <a:effectRef idx="0">
+            <a:schemeClr val="accent1"/>
+          </a:effectRef>
+          <a:fontRef idx="minor">
+            <a:schemeClr val="dk1"/>
+          </a:fontRef>
+        </p:style>
+        <p:txBody>
+          <a:bodyPr rtlCol="0" anchor="ctr"/>
+          <a:lstStyle/>
+          <a:p>
+            <a:pPr algn="ctr"/>
+            <a:endParaRPr lang="es-GT" dirty="0"/>
+          </a:p>
+        </p:txBody>
+      </p:sp>
+      <p:sp>
+        <p:nvSpPr>
+          <p:cNvPr id="24" name="Rectángulo 23"/>
+          <p:cNvSpPr/>
+          <p:nvPr/>
+        </p:nvSpPr>
+        <p:spPr>
+          <a:xfrm>
+            <a:off x="6493566" y="3775429"/>
+            <a:ext cx="3790122" cy="360000"/>
+          </a:xfrm>
+          <a:prstGeom prst="rect">
+            <a:avLst/>
+          </a:prstGeom>
+        </p:spPr>
+        <p:style>
+          <a:lnRef idx="2">
+            <a:schemeClr val="accent1"/>
+          </a:lnRef>
+          <a:fillRef idx="1">
+            <a:schemeClr val="lt1"/>
+          </a:fillRef>
+          <a:effectRef idx="0">
+            <a:schemeClr val="accent1"/>
+          </a:effectRef>
+          <a:fontRef idx="minor">
+            <a:schemeClr val="dk1"/>
+          </a:fontRef>
+        </p:style>
+        <p:txBody>
+          <a:bodyPr rtlCol="0" anchor="ctr"/>
+          <a:lstStyle/>
+          <a:p>
+            <a:pPr algn="ctr"/>
+            <a:endParaRPr lang="es-GT" dirty="0"/>
+          </a:p>
+        </p:txBody>
+      </p:sp>
+      <p:sp>
+        <p:nvSpPr>
+          <p:cNvPr id="25" name="Rectángulo 24"/>
+          <p:cNvSpPr/>
+          <p:nvPr/>
+        </p:nvSpPr>
+        <p:spPr>
+          <a:xfrm>
+            <a:off x="3897278" y="4583621"/>
+            <a:ext cx="422931" cy="360000"/>
+          </a:xfrm>
+          <a:prstGeom prst="rect">
+            <a:avLst/>
+          </a:prstGeom>
+        </p:spPr>
+        <p:style>
+          <a:lnRef idx="2">
+            <a:schemeClr val="accent1"/>
+          </a:lnRef>
+          <a:fillRef idx="1">
+            <a:schemeClr val="lt1"/>
+          </a:fillRef>
+          <a:effectRef idx="0">
+            <a:schemeClr val="accent1"/>
+          </a:effectRef>
+          <a:fontRef idx="minor">
+            <a:schemeClr val="dk1"/>
+          </a:fontRef>
+        </p:style>
+        <p:txBody>
+          <a:bodyPr rtlCol="0" anchor="ctr"/>
+          <a:lstStyle/>
+          <a:p>
+            <a:pPr algn="ctr"/>
+            <a:endParaRPr lang="es-GT" dirty="0"/>
+          </a:p>
+        </p:txBody>
+      </p:sp>
+      <p:sp>
+        <p:nvSpPr>
+          <p:cNvPr id="26" name="Rectángulo 25"/>
+          <p:cNvSpPr/>
+          <p:nvPr/>
+        </p:nvSpPr>
+        <p:spPr>
+          <a:xfrm>
+            <a:off x="4863548" y="4583621"/>
+            <a:ext cx="422931" cy="360000"/>
+          </a:xfrm>
+          <a:prstGeom prst="rect">
+            <a:avLst/>
+          </a:prstGeom>
+        </p:spPr>
+        <p:style>
+          <a:lnRef idx="2">
+            <a:schemeClr val="accent1"/>
+          </a:lnRef>
+          <a:fillRef idx="1">
+            <a:schemeClr val="lt1"/>
+          </a:fillRef>
+          <a:effectRef idx="0">
+            <a:schemeClr val="accent1"/>
+          </a:effectRef>
+          <a:fontRef idx="minor">
+            <a:schemeClr val="dk1"/>
+          </a:fontRef>
+        </p:style>
+        <p:txBody>
+          <a:bodyPr rtlCol="0" anchor="ctr"/>
+          <a:lstStyle/>
+          <a:p>
+            <a:pPr algn="ctr"/>
+            <a:endParaRPr lang="es-GT" dirty="0"/>
           </a:p>
         </p:txBody>
       </p:sp>
     </p:spTree>
     <p:extLst>
       <p:ext uri="{BB962C8B-B14F-4D97-AF65-F5344CB8AC3E}">
-        <p14:creationId xmlns:p14="http://schemas.microsoft.com/office/powerpoint/2010/main" val="45087126"/>
+        <p14:creationId xmlns:p14="http://schemas.microsoft.com/office/powerpoint/2010/main" val="3792858119"/>
       </p:ext>
     </p:extLst>
   </p:cSld>
@@ -10836,4 +13711,299 @@
     </a:ext>
   </a:extLst>
 </a:theme>
+</file>
+
+<file path=ppt/theme/theme2.xml><?xml version="1.0" encoding="utf-8"?>
+<a:theme xmlns:a="http://schemas.openxmlformats.org/drawingml/2006/main" name="Tema de Office">
+  <a:themeElements>
+    <a:clrScheme name="Office">
+      <a:dk1>
+        <a:sysClr val="windowText" lastClr="000000"/>
+      </a:dk1>
+      <a:lt1>
+        <a:sysClr val="window" lastClr="FFFFFF"/>
+      </a:lt1>
+      <a:dk2>
+        <a:srgbClr val="44546A"/>
+      </a:dk2>
+      <a:lt2>
+        <a:srgbClr val="E7E6E6"/>
+      </a:lt2>
+      <a:accent1>
+        <a:srgbClr val="5B9BD5"/>
+      </a:accent1>
+      <a:accent2>
+        <a:srgbClr val="ED7D31"/>
+      </a:accent2>
+      <a:accent3>
+        <a:srgbClr val="A5A5A5"/>
+      </a:accent3>
+      <a:accent4>
+        <a:srgbClr val="FFC000"/>
+      </a:accent4>
+      <a:accent5>
+        <a:srgbClr val="4472C4"/>
+      </a:accent5>
+      <a:accent6>
+        <a:srgbClr val="70AD47"/>
+      </a:accent6>
+      <a:hlink>
+        <a:srgbClr val="0563C1"/>
+      </a:hlink>
+      <a:folHlink>
+        <a:srgbClr val="954F72"/>
+      </a:folHlink>
+    </a:clrScheme>
+    <a:fontScheme name="Office">
+      <a:majorFont>
+        <a:latin typeface="Calibri Light" panose="020F0302020204030204"/>
+        <a:ea typeface=""/>
+        <a:cs typeface=""/>
+        <a:font script="Jpan" typeface="游ゴシック Light"/>
+        <a:font script="Hang" typeface="맑은 고딕"/>
+        <a:font script="Hans" typeface="等线 Light"/>
+        <a:font script="Hant" typeface="新細明體"/>
+        <a:font script="Arab" typeface="Times New Roman"/>
+        <a:font script="Hebr" typeface="Times New Roman"/>
+        <a:font script="Thai" typeface="Angsana New"/>
+        <a:font script="Ethi" typeface="Nyala"/>
+        <a:font script="Beng" typeface="Vrinda"/>
+        <a:font script="Gujr" typeface="Shruti"/>
+        <a:font script="Khmr" typeface="MoolBoran"/>
+        <a:font script="Knda" typeface="Tunga"/>
+        <a:font script="Guru" typeface="Raavi"/>
+        <a:font script="Cans" typeface="Euphemia"/>
+        <a:font script="Cher" typeface="Plantagenet Cherokee"/>
+        <a:font script="Yiii" typeface="Microsoft Yi Baiti"/>
+        <a:font script="Tibt" typeface="Microsoft Himalaya"/>
+        <a:font script="Thaa" typeface="MV Boli"/>
+        <a:font script="Deva" typeface="Mangal"/>
+        <a:font script="Telu" typeface="Gautami"/>
+        <a:font script="Taml" typeface="Latha"/>
+        <a:font script="Syrc" typeface="Estrangelo Edessa"/>
+        <a:font script="Orya" typeface="Kalinga"/>
+        <a:font script="Mlym" typeface="Kartika"/>
+        <a:font script="Laoo" typeface="DokChampa"/>
+        <a:font script="Sinh" typeface="Iskoola Pota"/>
+        <a:font script="Mong" typeface="Mongolian Baiti"/>
+        <a:font script="Viet" typeface="Times New Roman"/>
+        <a:font script="Uigh" typeface="Microsoft Uighur"/>
+        <a:font script="Geor" typeface="Sylfaen"/>
+        <a:font script="Armn" typeface="Arial"/>
+        <a:font script="Bugi" typeface="Leelawadee UI"/>
+        <a:font script="Bopo" typeface="Microsoft JhengHei"/>
+        <a:font script="Java" typeface="Javanese Text"/>
+        <a:font script="Lisu" typeface="Segoe UI"/>
+        <a:font script="Mymr" typeface="Myanmar Text"/>
+        <a:font script="Nkoo" typeface="Ebrima"/>
+        <a:font script="Olck" typeface="Nirmala UI"/>
+        <a:font script="Osma" typeface="Ebrima"/>
+        <a:font script="Phag" typeface="Phagspa"/>
+        <a:font script="Syrn" typeface="Estrangelo Edessa"/>
+        <a:font script="Syrj" typeface="Estrangelo Edessa"/>
+        <a:font script="Syre" typeface="Estrangelo Edessa"/>
+        <a:font script="Sora" typeface="Nirmala UI"/>
+        <a:font script="Tale" typeface="Microsoft Tai Le"/>
+        <a:font script="Talu" typeface="Microsoft New Tai Lue"/>
+        <a:font script="Tfng" typeface="Ebrima"/>
+      </a:majorFont>
+      <a:minorFont>
+        <a:latin typeface="Calibri" panose="020F0502020204030204"/>
+        <a:ea typeface=""/>
+        <a:cs typeface=""/>
+        <a:font script="Jpan" typeface="游ゴシック"/>
+        <a:font script="Hang" typeface="맑은 고딕"/>
+        <a:font script="Hans" typeface="等线"/>
+        <a:font script="Hant" typeface="新細明體"/>
+        <a:font script="Arab" typeface="Arial"/>
+        <a:font script="Hebr" typeface="Arial"/>
+        <a:font script="Thai" typeface="Cordia New"/>
+        <a:font script="Ethi" typeface="Nyala"/>
+        <a:font script="Beng" typeface="Vrinda"/>
+        <a:font script="Gujr" typeface="Shruti"/>
+        <a:font script="Khmr" typeface="DaunPenh"/>
+        <a:font script="Knda" typeface="Tunga"/>
+        <a:font script="Guru" typeface="Raavi"/>
+        <a:font script="Cans" typeface="Euphemia"/>
+        <a:font script="Cher" typeface="Plantagenet Cherokee"/>
+        <a:font script="Yiii" typeface="Microsoft Yi Baiti"/>
+        <a:font script="Tibt" typeface="Microsoft Himalaya"/>
+        <a:font script="Thaa" typeface="MV Boli"/>
+        <a:font script="Deva" typeface="Mangal"/>
+        <a:font script="Telu" typeface="Gautami"/>
+        <a:font script="Taml" typeface="Latha"/>
+        <a:font script="Syrc" typeface="Estrangelo Edessa"/>
+        <a:font script="Orya" typeface="Kalinga"/>
+        <a:font script="Mlym" typeface="Kartika"/>
+        <a:font script="Laoo" typeface="DokChampa"/>
+        <a:font script="Sinh" typeface="Iskoola Pota"/>
+        <a:font script="Mong" typeface="Mongolian Baiti"/>
+        <a:font script="Viet" typeface="Arial"/>
+        <a:font script="Uigh" typeface="Microsoft Uighur"/>
+        <a:font script="Geor" typeface="Sylfaen"/>
+        <a:font script="Armn" typeface="Arial"/>
+        <a:font script="Bugi" typeface="Leelawadee UI"/>
+        <a:font script="Bopo" typeface="Microsoft JhengHei"/>
+        <a:font script="Java" typeface="Javanese Text"/>
+        <a:font script="Lisu" typeface="Segoe UI"/>
+        <a:font script="Mymr" typeface="Myanmar Text"/>
+        <a:font script="Nkoo" typeface="Ebrima"/>
+        <a:font script="Olck" typeface="Nirmala UI"/>
+        <a:font script="Osma" typeface="Ebrima"/>
+        <a:font script="Phag" typeface="Phagspa"/>
+        <a:font script="Syrn" typeface="Estrangelo Edessa"/>
+        <a:font script="Syrj" typeface="Estrangelo Edessa"/>
+        <a:font script="Syre" typeface="Estrangelo Edessa"/>
+        <a:font script="Sora" typeface="Nirmala UI"/>
+        <a:font script="Tale" typeface="Microsoft Tai Le"/>
+        <a:font script="Talu" typeface="Microsoft New Tai Lue"/>
+        <a:font script="Tfng" typeface="Ebrima"/>
+      </a:minorFont>
+    </a:fontScheme>
+    <a:fmtScheme name="Office">
+      <a:fillStyleLst>
+        <a:solidFill>
+          <a:schemeClr val="phClr"/>
+        </a:solidFill>
+        <a:gradFill rotWithShape="1">
+          <a:gsLst>
+            <a:gs pos="0">
+              <a:schemeClr val="phClr">
+                <a:lumMod val="110000"/>
+                <a:satMod val="105000"/>
+                <a:tint val="67000"/>
+              </a:schemeClr>
+            </a:gs>
+            <a:gs pos="50000">
+              <a:schemeClr val="phClr">
+                <a:lumMod val="105000"/>
+                <a:satMod val="103000"/>
+                <a:tint val="73000"/>
+              </a:schemeClr>
+            </a:gs>
+            <a:gs pos="100000">
+              <a:schemeClr val="phClr">
+                <a:lumMod val="105000"/>
+                <a:satMod val="109000"/>
+                <a:tint val="81000"/>
+              </a:schemeClr>
+            </a:gs>
+          </a:gsLst>
+          <a:lin ang="5400000" scaled="0"/>
+        </a:gradFill>
+        <a:gradFill rotWithShape="1">
+          <a:gsLst>
+            <a:gs pos="0">
+              <a:schemeClr val="phClr">
+                <a:satMod val="103000"/>
+                <a:lumMod val="102000"/>
+                <a:tint val="94000"/>
+              </a:schemeClr>
+            </a:gs>
+            <a:gs pos="50000">
+              <a:schemeClr val="phClr">
+                <a:satMod val="110000"/>
+                <a:lumMod val="100000"/>
+                <a:shade val="100000"/>
+              </a:schemeClr>
+            </a:gs>
+            <a:gs pos="100000">
+              <a:schemeClr val="phClr">
+                <a:lumMod val="99000"/>
+                <a:satMod val="120000"/>
+                <a:shade val="78000"/>
+              </a:schemeClr>
+            </a:gs>
+          </a:gsLst>
+          <a:lin ang="5400000" scaled="0"/>
+        </a:gradFill>
+      </a:fillStyleLst>
+      <a:lnStyleLst>
+        <a:ln w="6350" cap="flat" cmpd="sng" algn="ctr">
+          <a:solidFill>
+            <a:schemeClr val="phClr"/>
+          </a:solidFill>
+          <a:prstDash val="solid"/>
+          <a:miter lim="800000"/>
+        </a:ln>
+        <a:ln w="12700" cap="flat" cmpd="sng" algn="ctr">
+          <a:solidFill>
+            <a:schemeClr val="phClr"/>
+          </a:solidFill>
+          <a:prstDash val="solid"/>
+          <a:miter lim="800000"/>
+        </a:ln>
+        <a:ln w="19050" cap="flat" cmpd="sng" algn="ctr">
+          <a:solidFill>
+            <a:schemeClr val="phClr"/>
+          </a:solidFill>
+          <a:prstDash val="solid"/>
+          <a:miter lim="800000"/>
+        </a:ln>
+      </a:lnStyleLst>
+      <a:effectStyleLst>
+        <a:effectStyle>
+          <a:effectLst/>
+        </a:effectStyle>
+        <a:effectStyle>
+          <a:effectLst/>
+        </a:effectStyle>
+        <a:effectStyle>
+          <a:effectLst>
+            <a:outerShdw blurRad="57150" dist="19050" dir="5400000" algn="ctr" rotWithShape="0">
+              <a:srgbClr val="000000">
+                <a:alpha val="63000"/>
+              </a:srgbClr>
+            </a:outerShdw>
+          </a:effectLst>
+        </a:effectStyle>
+      </a:effectStyleLst>
+      <a:bgFillStyleLst>
+        <a:solidFill>
+          <a:schemeClr val="phClr"/>
+        </a:solidFill>
+        <a:solidFill>
+          <a:schemeClr val="phClr">
+            <a:tint val="95000"/>
+            <a:satMod val="170000"/>
+          </a:schemeClr>
+        </a:solidFill>
+        <a:gradFill rotWithShape="1">
+          <a:gsLst>
+            <a:gs pos="0">
+              <a:schemeClr val="phClr">
+                <a:tint val="93000"/>
+                <a:satMod val="150000"/>
+                <a:shade val="98000"/>
+                <a:lumMod val="102000"/>
+              </a:schemeClr>
+            </a:gs>
+            <a:gs pos="50000">
+              <a:schemeClr val="phClr">
+                <a:tint val="98000"/>
+                <a:satMod val="130000"/>
+                <a:shade val="90000"/>
+                <a:lumMod val="103000"/>
+              </a:schemeClr>
+            </a:gs>
+            <a:gs pos="100000">
+              <a:schemeClr val="phClr">
+                <a:shade val="63000"/>
+                <a:satMod val="120000"/>
+              </a:schemeClr>
+            </a:gs>
+          </a:gsLst>
+          <a:lin ang="5400000" scaled="0"/>
+        </a:gradFill>
+      </a:bgFillStyleLst>
+    </a:fmtScheme>
+  </a:themeElements>
+  <a:objectDefaults/>
+  <a:extraClrSchemeLst/>
+  <a:extLst>
+    <a:ext uri="{05A4C25C-085E-4340-85A3-A5531E510DB2}">
+      <thm15:themeFamily xmlns:thm15="http://schemas.microsoft.com/office/thememl/2012/main" name="Office Theme" id="{62F939B6-93AF-4DB8-9C6B-D6C7DFDC589F}" vid="{4A3C46E8-61CC-4603-A589-7422A47A8E4A}"/>
+    </a:ext>
+  </a:extLst>
+</a:theme>
 </file>